--- a/Documentation/Final Presentation/Presentation.pptx
+++ b/Documentation/Final Presentation/Presentation.pptx
@@ -5,7 +5,7 @@
     <p:sldMasterId id="2147483696" r:id="rId4"/>
   </p:sldMasterIdLst>
   <p:notesMasterIdLst>
-    <p:notesMasterId r:id="rId25"/>
+    <p:notesMasterId r:id="rId26"/>
   </p:notesMasterIdLst>
   <p:sldIdLst>
     <p:sldId id="306" r:id="rId5"/>
@@ -22,12 +22,13 @@
     <p:sldId id="339" r:id="rId16"/>
     <p:sldId id="324" r:id="rId17"/>
     <p:sldId id="326" r:id="rId18"/>
-    <p:sldId id="327" r:id="rId19"/>
-    <p:sldId id="328" r:id="rId20"/>
-    <p:sldId id="330" r:id="rId21"/>
-    <p:sldId id="337" r:id="rId22"/>
-    <p:sldId id="338" r:id="rId23"/>
-    <p:sldId id="331" r:id="rId24"/>
+    <p:sldId id="341" r:id="rId19"/>
+    <p:sldId id="327" r:id="rId20"/>
+    <p:sldId id="328" r:id="rId21"/>
+    <p:sldId id="330" r:id="rId22"/>
+    <p:sldId id="337" r:id="rId23"/>
+    <p:sldId id="338" r:id="rId24"/>
+    <p:sldId id="331" r:id="rId25"/>
   </p:sldIdLst>
   <p:sldSz cx="12192000" cy="6858000"/>
   <p:notesSz cx="6858000" cy="9144000"/>
@@ -128,7 +129,7 @@
   </p:defaultTextStyle>
   <p:extLst>
     <p:ext uri="{EFAFB233-063F-42B5-8137-9DF3F51BA10A}">
-      <p15:sldGuideLst xmlns:p15="http://schemas.microsoft.com/office/powerpoint/2012/main" xmlns="">
+      <p15:sldGuideLst xmlns:p15="http://schemas.microsoft.com/office/powerpoint/2012/main">
         <p15:guide id="1" orient="horz" pos="1392" userDrawn="1">
           <p15:clr>
             <a:srgbClr val="A4A3A4"/>
@@ -239,7 +240,7 @@
             <a:fld id="{5EA28068-AFBD-4979-B752-9EB6F90B1386}" type="datetimeFigureOut">
               <a:rPr lang="en-US" smtClean="0"/>
               <a:pPr/>
-              <a:t>1/9/2022</a:t>
+              <a:t>1/10/2022</a:t>
             </a:fld>
             <a:endParaRPr lang="en-US" dirty="0"/>
           </a:p>
@@ -407,7 +408,7 @@
     </p:spTree>
     <p:extLst>
       <p:ext uri="{BB962C8B-B14F-4D97-AF65-F5344CB8AC3E}">
-        <p14:creationId xmlns:p14="http://schemas.microsoft.com/office/powerpoint/2010/main" xmlns="" val="2194968962"/>
+        <p14:creationId xmlns:p14="http://schemas.microsoft.com/office/powerpoint/2010/main" val="2194968962"/>
       </p:ext>
     </p:extLst>
   </p:cSld>
@@ -529,7 +530,7 @@
           <p:cNvPr id="2" name="Title 1">
             <a:extLst>
               <a:ext uri="{FF2B5EF4-FFF2-40B4-BE49-F238E27FC236}">
-                <a16:creationId xmlns:a16="http://schemas.microsoft.com/office/drawing/2014/main" xmlns="" id="{F6640AAD-80AF-40E7-BE3F-43D32FC68ED4}"/>
+                <a16:creationId xmlns:a16="http://schemas.microsoft.com/office/drawing/2014/main" id="{F6640AAD-80AF-40E7-BE3F-43D32FC68ED4}"/>
               </a:ext>
             </a:extLst>
           </p:cNvPr>
@@ -567,7 +568,7 @@
           <p:cNvPr id="3" name="Subtitle 2">
             <a:extLst>
               <a:ext uri="{FF2B5EF4-FFF2-40B4-BE49-F238E27FC236}">
-                <a16:creationId xmlns:a16="http://schemas.microsoft.com/office/drawing/2014/main" xmlns="" id="{EC80FBD9-0977-4B2B-9318-30774BB0947C}"/>
+                <a16:creationId xmlns:a16="http://schemas.microsoft.com/office/drawing/2014/main" id="{EC80FBD9-0977-4B2B-9318-30774BB0947C}"/>
               </a:ext>
             </a:extLst>
           </p:cNvPr>
@@ -637,7 +638,7 @@
           <p:cNvPr id="11" name="Straight Connector 10">
             <a:extLst>
               <a:ext uri="{FF2B5EF4-FFF2-40B4-BE49-F238E27FC236}">
-                <a16:creationId xmlns:a16="http://schemas.microsoft.com/office/drawing/2014/main" xmlns="" id="{D1B787A8-0D67-4B7E-9B48-86BD906AB6B5}"/>
+                <a16:creationId xmlns:a16="http://schemas.microsoft.com/office/drawing/2014/main" id="{D1B787A8-0D67-4B7E-9B48-86BD906AB6B5}"/>
               </a:ext>
             </a:extLst>
           </p:cNvPr>
@@ -688,7 +689,7 @@
     </p:spTree>
     <p:extLst>
       <p:ext uri="{BB962C8B-B14F-4D97-AF65-F5344CB8AC3E}">
-        <p14:creationId xmlns:p14="http://schemas.microsoft.com/office/powerpoint/2010/main" xmlns="" val="2299780267"/>
+        <p14:creationId xmlns:p14="http://schemas.microsoft.com/office/powerpoint/2010/main" val="2299780267"/>
       </p:ext>
     </p:extLst>
   </p:cSld>
@@ -720,7 +721,7 @@
           <p:cNvPr id="2" name="Title 1">
             <a:extLst>
               <a:ext uri="{FF2B5EF4-FFF2-40B4-BE49-F238E27FC236}">
-                <a16:creationId xmlns:a16="http://schemas.microsoft.com/office/drawing/2014/main" xmlns="" id="{B5F057AE-3B3B-4261-B912-BF9EB9A58C36}"/>
+                <a16:creationId xmlns:a16="http://schemas.microsoft.com/office/drawing/2014/main" id="{B5F057AE-3B3B-4261-B912-BF9EB9A58C36}"/>
               </a:ext>
             </a:extLst>
           </p:cNvPr>
@@ -753,7 +754,7 @@
           <p:cNvPr id="3" name="Text Placeholder 2">
             <a:extLst>
               <a:ext uri="{FF2B5EF4-FFF2-40B4-BE49-F238E27FC236}">
-                <a16:creationId xmlns:a16="http://schemas.microsoft.com/office/drawing/2014/main" xmlns="" id="{72A2D237-A706-4712-90CA-B04517CBBE05}"/>
+                <a16:creationId xmlns:a16="http://schemas.microsoft.com/office/drawing/2014/main" id="{72A2D237-A706-4712-90CA-B04517CBBE05}"/>
               </a:ext>
             </a:extLst>
           </p:cNvPr>
@@ -824,7 +825,7 @@
           <p:cNvPr id="4" name="Content Placeholder 3">
             <a:extLst>
               <a:ext uri="{FF2B5EF4-FFF2-40B4-BE49-F238E27FC236}">
-                <a16:creationId xmlns:a16="http://schemas.microsoft.com/office/drawing/2014/main" xmlns="" id="{8DE39CA1-2B6D-427E-9688-9093D5865CB7}"/>
+                <a16:creationId xmlns:a16="http://schemas.microsoft.com/office/drawing/2014/main" id="{8DE39CA1-2B6D-427E-9688-9093D5865CB7}"/>
               </a:ext>
             </a:extLst>
           </p:cNvPr>
@@ -905,7 +906,7 @@
           <p:cNvPr id="5" name="Text Placeholder 4">
             <a:extLst>
               <a:ext uri="{FF2B5EF4-FFF2-40B4-BE49-F238E27FC236}">
-                <a16:creationId xmlns:a16="http://schemas.microsoft.com/office/drawing/2014/main" xmlns="" id="{F3D53357-616B-47F4-944B-F979FE96635D}"/>
+                <a16:creationId xmlns:a16="http://schemas.microsoft.com/office/drawing/2014/main" id="{F3D53357-616B-47F4-944B-F979FE96635D}"/>
               </a:ext>
             </a:extLst>
           </p:cNvPr>
@@ -976,7 +977,7 @@
           <p:cNvPr id="6" name="Content Placeholder 5">
             <a:extLst>
               <a:ext uri="{FF2B5EF4-FFF2-40B4-BE49-F238E27FC236}">
-                <a16:creationId xmlns:a16="http://schemas.microsoft.com/office/drawing/2014/main" xmlns="" id="{BD7EA593-3036-4FB5-94B4-D9431DF04871}"/>
+                <a16:creationId xmlns:a16="http://schemas.microsoft.com/office/drawing/2014/main" id="{BD7EA593-3036-4FB5-94B4-D9431DF04871}"/>
               </a:ext>
             </a:extLst>
           </p:cNvPr>
@@ -1057,7 +1058,7 @@
           <p:cNvPr id="10" name="Straight Connector 9">
             <a:extLst>
               <a:ext uri="{FF2B5EF4-FFF2-40B4-BE49-F238E27FC236}">
-                <a16:creationId xmlns:a16="http://schemas.microsoft.com/office/drawing/2014/main" xmlns="" id="{160F34ED-DA60-4CC2-B735-B0EC5D9FEA35}"/>
+                <a16:creationId xmlns:a16="http://schemas.microsoft.com/office/drawing/2014/main" id="{160F34ED-DA60-4CC2-B735-B0EC5D9FEA35}"/>
               </a:ext>
             </a:extLst>
           </p:cNvPr>
@@ -1110,7 +1111,7 @@
           <p:cNvPr id="12" name="Graphic 15">
             <a:extLst>
               <a:ext uri="{FF2B5EF4-FFF2-40B4-BE49-F238E27FC236}">
-                <a16:creationId xmlns:a16="http://schemas.microsoft.com/office/drawing/2014/main" xmlns="" id="{A9475260-301F-4744-B1DA-7B00F6FB4342}"/>
+                <a16:creationId xmlns:a16="http://schemas.microsoft.com/office/drawing/2014/main" id="{A9475260-301F-4744-B1DA-7B00F6FB4342}"/>
               </a:ext>
             </a:extLst>
           </p:cNvPr>
@@ -1310,7 +1311,7 @@
           <p:cNvPr id="14" name="Graphic 16">
             <a:extLst>
               <a:ext uri="{FF2B5EF4-FFF2-40B4-BE49-F238E27FC236}">
-                <a16:creationId xmlns:a16="http://schemas.microsoft.com/office/drawing/2014/main" xmlns="" id="{9BBD3F4B-0836-48C5-AC68-747456D1DD50}"/>
+                <a16:creationId xmlns:a16="http://schemas.microsoft.com/office/drawing/2014/main" id="{9BBD3F4B-0836-48C5-AC68-747456D1DD50}"/>
               </a:ext>
             </a:extLst>
           </p:cNvPr>
@@ -1454,7 +1455,7 @@
           <p:cNvPr id="16" name="Graphic 14">
             <a:extLst>
               <a:ext uri="{FF2B5EF4-FFF2-40B4-BE49-F238E27FC236}">
-                <a16:creationId xmlns:a16="http://schemas.microsoft.com/office/drawing/2014/main" xmlns="" id="{9B4398D5-99F4-4F83-AA77-9B4177648CAF}"/>
+                <a16:creationId xmlns:a16="http://schemas.microsoft.com/office/drawing/2014/main" id="{9B4398D5-99F4-4F83-AA77-9B4177648CAF}"/>
               </a:ext>
             </a:extLst>
           </p:cNvPr>
@@ -1548,7 +1549,7 @@
     </p:spTree>
     <p:extLst>
       <p:ext uri="{BB962C8B-B14F-4D97-AF65-F5344CB8AC3E}">
-        <p14:creationId xmlns:p14="http://schemas.microsoft.com/office/powerpoint/2010/main" xmlns="" val="937595559"/>
+        <p14:creationId xmlns:p14="http://schemas.microsoft.com/office/powerpoint/2010/main" val="937595559"/>
       </p:ext>
     </p:extLst>
   </p:cSld>
@@ -1580,7 +1581,7 @@
           <p:cNvPr id="2" name="Title 1">
             <a:extLst>
               <a:ext uri="{FF2B5EF4-FFF2-40B4-BE49-F238E27FC236}">
-                <a16:creationId xmlns:a16="http://schemas.microsoft.com/office/drawing/2014/main" xmlns="" id="{B5F057AE-3B3B-4261-B912-BF9EB9A58C36}"/>
+                <a16:creationId xmlns:a16="http://schemas.microsoft.com/office/drawing/2014/main" id="{B5F057AE-3B3B-4261-B912-BF9EB9A58C36}"/>
               </a:ext>
             </a:extLst>
           </p:cNvPr>
@@ -1613,7 +1614,7 @@
           <p:cNvPr id="3" name="Text Placeholder 2">
             <a:extLst>
               <a:ext uri="{FF2B5EF4-FFF2-40B4-BE49-F238E27FC236}">
-                <a16:creationId xmlns:a16="http://schemas.microsoft.com/office/drawing/2014/main" xmlns="" id="{72A2D237-A706-4712-90CA-B04517CBBE05}"/>
+                <a16:creationId xmlns:a16="http://schemas.microsoft.com/office/drawing/2014/main" id="{72A2D237-A706-4712-90CA-B04517CBBE05}"/>
               </a:ext>
             </a:extLst>
           </p:cNvPr>
@@ -1684,7 +1685,7 @@
           <p:cNvPr id="4" name="Content Placeholder 3">
             <a:extLst>
               <a:ext uri="{FF2B5EF4-FFF2-40B4-BE49-F238E27FC236}">
-                <a16:creationId xmlns:a16="http://schemas.microsoft.com/office/drawing/2014/main" xmlns="" id="{8DE39CA1-2B6D-427E-9688-9093D5865CB7}"/>
+                <a16:creationId xmlns:a16="http://schemas.microsoft.com/office/drawing/2014/main" id="{8DE39CA1-2B6D-427E-9688-9093D5865CB7}"/>
               </a:ext>
             </a:extLst>
           </p:cNvPr>
@@ -1750,7 +1751,7 @@
           <p:cNvPr id="5" name="Text Placeholder 4">
             <a:extLst>
               <a:ext uri="{FF2B5EF4-FFF2-40B4-BE49-F238E27FC236}">
-                <a16:creationId xmlns:a16="http://schemas.microsoft.com/office/drawing/2014/main" xmlns="" id="{F3D53357-616B-47F4-944B-F979FE96635D}"/>
+                <a16:creationId xmlns:a16="http://schemas.microsoft.com/office/drawing/2014/main" id="{F3D53357-616B-47F4-944B-F979FE96635D}"/>
               </a:ext>
             </a:extLst>
           </p:cNvPr>
@@ -1821,7 +1822,7 @@
           <p:cNvPr id="6" name="Content Placeholder 5">
             <a:extLst>
               <a:ext uri="{FF2B5EF4-FFF2-40B4-BE49-F238E27FC236}">
-                <a16:creationId xmlns:a16="http://schemas.microsoft.com/office/drawing/2014/main" xmlns="" id="{BD7EA593-3036-4FB5-94B4-D9431DF04871}"/>
+                <a16:creationId xmlns:a16="http://schemas.microsoft.com/office/drawing/2014/main" id="{BD7EA593-3036-4FB5-94B4-D9431DF04871}"/>
               </a:ext>
             </a:extLst>
           </p:cNvPr>
@@ -1887,7 +1888,7 @@
           <p:cNvPr id="10" name="Straight Connector 9">
             <a:extLst>
               <a:ext uri="{FF2B5EF4-FFF2-40B4-BE49-F238E27FC236}">
-                <a16:creationId xmlns:a16="http://schemas.microsoft.com/office/drawing/2014/main" xmlns="" id="{160F34ED-DA60-4CC2-B735-B0EC5D9FEA35}"/>
+                <a16:creationId xmlns:a16="http://schemas.microsoft.com/office/drawing/2014/main" id="{160F34ED-DA60-4CC2-B735-B0EC5D9FEA35}"/>
               </a:ext>
             </a:extLst>
           </p:cNvPr>
@@ -1940,7 +1941,7 @@
           <p:cNvPr id="12" name="Graphic 15">
             <a:extLst>
               <a:ext uri="{FF2B5EF4-FFF2-40B4-BE49-F238E27FC236}">
-                <a16:creationId xmlns:a16="http://schemas.microsoft.com/office/drawing/2014/main" xmlns="" id="{A9475260-301F-4744-B1DA-7B00F6FB4342}"/>
+                <a16:creationId xmlns:a16="http://schemas.microsoft.com/office/drawing/2014/main" id="{A9475260-301F-4744-B1DA-7B00F6FB4342}"/>
               </a:ext>
             </a:extLst>
           </p:cNvPr>
@@ -2140,7 +2141,7 @@
           <p:cNvPr id="14" name="Graphic 16">
             <a:extLst>
               <a:ext uri="{FF2B5EF4-FFF2-40B4-BE49-F238E27FC236}">
-                <a16:creationId xmlns:a16="http://schemas.microsoft.com/office/drawing/2014/main" xmlns="" id="{9BBD3F4B-0836-48C5-AC68-747456D1DD50}"/>
+                <a16:creationId xmlns:a16="http://schemas.microsoft.com/office/drawing/2014/main" id="{9BBD3F4B-0836-48C5-AC68-747456D1DD50}"/>
               </a:ext>
             </a:extLst>
           </p:cNvPr>
@@ -2284,7 +2285,7 @@
           <p:cNvPr id="16" name="Graphic 14">
             <a:extLst>
               <a:ext uri="{FF2B5EF4-FFF2-40B4-BE49-F238E27FC236}">
-                <a16:creationId xmlns:a16="http://schemas.microsoft.com/office/drawing/2014/main" xmlns="" id="{9B4398D5-99F4-4F83-AA77-9B4177648CAF}"/>
+                <a16:creationId xmlns:a16="http://schemas.microsoft.com/office/drawing/2014/main" id="{9B4398D5-99F4-4F83-AA77-9B4177648CAF}"/>
               </a:ext>
             </a:extLst>
           </p:cNvPr>
@@ -2380,7 +2381,7 @@
           <p:cNvPr id="15" name="Text Placeholder 4">
             <a:extLst>
               <a:ext uri="{FF2B5EF4-FFF2-40B4-BE49-F238E27FC236}">
-                <a16:creationId xmlns:a16="http://schemas.microsoft.com/office/drawing/2014/main" xmlns="" id="{2D693B15-7265-4478-9579-62FCD5222D04}"/>
+                <a16:creationId xmlns:a16="http://schemas.microsoft.com/office/drawing/2014/main" id="{2D693B15-7265-4478-9579-62FCD5222D04}"/>
               </a:ext>
             </a:extLst>
           </p:cNvPr>
@@ -2451,7 +2452,7 @@
           <p:cNvPr id="17" name="Content Placeholder 5">
             <a:extLst>
               <a:ext uri="{FF2B5EF4-FFF2-40B4-BE49-F238E27FC236}">
-                <a16:creationId xmlns:a16="http://schemas.microsoft.com/office/drawing/2014/main" xmlns="" id="{48F9E92F-BB16-4896-A47F-6497C3D705B9}"/>
+                <a16:creationId xmlns:a16="http://schemas.microsoft.com/office/drawing/2014/main" id="{48F9E92F-BB16-4896-A47F-6497C3D705B9}"/>
               </a:ext>
             </a:extLst>
           </p:cNvPr>
@@ -2515,7 +2516,7 @@
     </p:spTree>
     <p:extLst>
       <p:ext uri="{BB962C8B-B14F-4D97-AF65-F5344CB8AC3E}">
-        <p14:creationId xmlns:p14="http://schemas.microsoft.com/office/powerpoint/2010/main" xmlns="" val="2373079816"/>
+        <p14:creationId xmlns:p14="http://schemas.microsoft.com/office/powerpoint/2010/main" val="2373079816"/>
       </p:ext>
     </p:extLst>
   </p:cSld>
@@ -2547,7 +2548,7 @@
           <p:cNvPr id="2" name="Title 1">
             <a:extLst>
               <a:ext uri="{FF2B5EF4-FFF2-40B4-BE49-F238E27FC236}">
-                <a16:creationId xmlns:a16="http://schemas.microsoft.com/office/drawing/2014/main" xmlns="" id="{F6640AAD-80AF-40E7-BE3F-43D32FC68ED4}"/>
+                <a16:creationId xmlns:a16="http://schemas.microsoft.com/office/drawing/2014/main" id="{F6640AAD-80AF-40E7-BE3F-43D32FC68ED4}"/>
               </a:ext>
             </a:extLst>
           </p:cNvPr>
@@ -2584,7 +2585,7 @@
           <p:cNvPr id="3" name="Subtitle 2">
             <a:extLst>
               <a:ext uri="{FF2B5EF4-FFF2-40B4-BE49-F238E27FC236}">
-                <a16:creationId xmlns:a16="http://schemas.microsoft.com/office/drawing/2014/main" xmlns="" id="{EC80FBD9-0977-4B2B-9318-30774BB0947C}"/>
+                <a16:creationId xmlns:a16="http://schemas.microsoft.com/office/drawing/2014/main" id="{EC80FBD9-0977-4B2B-9318-30774BB0947C}"/>
               </a:ext>
             </a:extLst>
           </p:cNvPr>
@@ -2659,7 +2660,7 @@
           <p:cNvPr id="5" name="Footer Placeholder 4">
             <a:extLst>
               <a:ext uri="{FF2B5EF4-FFF2-40B4-BE49-F238E27FC236}">
-                <a16:creationId xmlns:a16="http://schemas.microsoft.com/office/drawing/2014/main" xmlns="" id="{7F8C2A2A-62DB-40C0-8AE7-CB9B98649BB1}"/>
+                <a16:creationId xmlns:a16="http://schemas.microsoft.com/office/drawing/2014/main" id="{7F8C2A2A-62DB-40C0-8AE7-CB9B98649BB1}"/>
               </a:ext>
             </a:extLst>
           </p:cNvPr>
@@ -2700,7 +2701,7 @@
           <p:cNvPr id="6" name="Slide Number Placeholder 5">
             <a:extLst>
               <a:ext uri="{FF2B5EF4-FFF2-40B4-BE49-F238E27FC236}">
-                <a16:creationId xmlns:a16="http://schemas.microsoft.com/office/drawing/2014/main" xmlns="" id="{A401EAA4-F44C-4C1F-B8E3-1A3005300F50}"/>
+                <a16:creationId xmlns:a16="http://schemas.microsoft.com/office/drawing/2014/main" id="{A401EAA4-F44C-4C1F-B8E3-1A3005300F50}"/>
               </a:ext>
             </a:extLst>
           </p:cNvPr>
@@ -2738,7 +2739,7 @@
           <p:cNvPr id="7" name="Straight Connector 6">
             <a:extLst>
               <a:ext uri="{FF2B5EF4-FFF2-40B4-BE49-F238E27FC236}">
-                <a16:creationId xmlns:a16="http://schemas.microsoft.com/office/drawing/2014/main" xmlns="" id="{6939C974-0ED4-4915-BBF7-1FB00C18AD45}"/>
+                <a16:creationId xmlns:a16="http://schemas.microsoft.com/office/drawing/2014/main" id="{6939C974-0ED4-4915-BBF7-1FB00C18AD45}"/>
               </a:ext>
             </a:extLst>
           </p:cNvPr>
@@ -2791,7 +2792,7 @@
           <p:cNvPr id="9" name="Rectangle 8">
             <a:extLst>
               <a:ext uri="{FF2B5EF4-FFF2-40B4-BE49-F238E27FC236}">
-                <a16:creationId xmlns:a16="http://schemas.microsoft.com/office/drawing/2014/main" xmlns="" id="{515930B2-E36D-4D05-A6B3-CA1BF61D50CC}"/>
+                <a16:creationId xmlns:a16="http://schemas.microsoft.com/office/drawing/2014/main" id="{515930B2-E36D-4D05-A6B3-CA1BF61D50CC}"/>
               </a:ext>
             </a:extLst>
           </p:cNvPr>
@@ -2852,7 +2853,7 @@
           <p:cNvPr id="13" name="Picture Placeholder 12">
             <a:extLst>
               <a:ext uri="{FF2B5EF4-FFF2-40B4-BE49-F238E27FC236}">
-                <a16:creationId xmlns:a16="http://schemas.microsoft.com/office/drawing/2014/main" xmlns="" id="{9CEC7E0F-60E8-418B-978D-C607C82E97F7}"/>
+                <a16:creationId xmlns:a16="http://schemas.microsoft.com/office/drawing/2014/main" id="{9CEC7E0F-60E8-418B-978D-C607C82E97F7}"/>
               </a:ext>
             </a:extLst>
           </p:cNvPr>
@@ -2895,7 +2896,7 @@
           <p:cNvPr id="10" name="Picture Placeholder 12">
             <a:extLst>
               <a:ext uri="{FF2B5EF4-FFF2-40B4-BE49-F238E27FC236}">
-                <a16:creationId xmlns:a16="http://schemas.microsoft.com/office/drawing/2014/main" xmlns="" id="{F146D6C1-343E-4F97-A565-55BBB15F4C77}"/>
+                <a16:creationId xmlns:a16="http://schemas.microsoft.com/office/drawing/2014/main" id="{F146D6C1-343E-4F97-A565-55BBB15F4C77}"/>
               </a:ext>
             </a:extLst>
           </p:cNvPr>
@@ -2938,7 +2939,7 @@
           <p:cNvPr id="11" name="Picture Placeholder 12">
             <a:extLst>
               <a:ext uri="{FF2B5EF4-FFF2-40B4-BE49-F238E27FC236}">
-                <a16:creationId xmlns:a16="http://schemas.microsoft.com/office/drawing/2014/main" xmlns="" id="{BA123E2D-4554-47D5-B0EC-0C47EDB41626}"/>
+                <a16:creationId xmlns:a16="http://schemas.microsoft.com/office/drawing/2014/main" id="{BA123E2D-4554-47D5-B0EC-0C47EDB41626}"/>
               </a:ext>
             </a:extLst>
           </p:cNvPr>
@@ -2979,7 +2980,7 @@
     </p:spTree>
     <p:extLst>
       <p:ext uri="{BB962C8B-B14F-4D97-AF65-F5344CB8AC3E}">
-        <p14:creationId xmlns:p14="http://schemas.microsoft.com/office/powerpoint/2010/main" xmlns="" val="1257891487"/>
+        <p14:creationId xmlns:p14="http://schemas.microsoft.com/office/powerpoint/2010/main" val="1257891487"/>
       </p:ext>
     </p:extLst>
   </p:cSld>
@@ -3027,7 +3028,7 @@
           <p:cNvPr id="33" name="Picture Placeholder 32">
             <a:extLst>
               <a:ext uri="{FF2B5EF4-FFF2-40B4-BE49-F238E27FC236}">
-                <a16:creationId xmlns:a16="http://schemas.microsoft.com/office/drawing/2014/main" xmlns="" id="{3186EA6A-5CD5-4DF7-9C8A-EDFAF28A80D9}"/>
+                <a16:creationId xmlns:a16="http://schemas.microsoft.com/office/drawing/2014/main" id="{3186EA6A-5CD5-4DF7-9C8A-EDFAF28A80D9}"/>
               </a:ext>
             </a:extLst>
           </p:cNvPr>
@@ -3134,7 +3135,7 @@
           <p:cNvPr id="32" name="Picture Placeholder 31">
             <a:extLst>
               <a:ext uri="{FF2B5EF4-FFF2-40B4-BE49-F238E27FC236}">
-                <a16:creationId xmlns:a16="http://schemas.microsoft.com/office/drawing/2014/main" xmlns="" id="{83D5117F-F235-498D-99A5-9DE2D665576C}"/>
+                <a16:creationId xmlns:a16="http://schemas.microsoft.com/office/drawing/2014/main" id="{83D5117F-F235-498D-99A5-9DE2D665576C}"/>
               </a:ext>
             </a:extLst>
           </p:cNvPr>
@@ -3289,7 +3290,7 @@
           <p:cNvPr id="31" name="Picture Placeholder 30">
             <a:extLst>
               <a:ext uri="{FF2B5EF4-FFF2-40B4-BE49-F238E27FC236}">
-                <a16:creationId xmlns:a16="http://schemas.microsoft.com/office/drawing/2014/main" xmlns="" id="{E1E0A794-F1D3-4628-B5B1-9D48AB34C3D4}"/>
+                <a16:creationId xmlns:a16="http://schemas.microsoft.com/office/drawing/2014/main" id="{E1E0A794-F1D3-4628-B5B1-9D48AB34C3D4}"/>
               </a:ext>
             </a:extLst>
           </p:cNvPr>
@@ -3420,7 +3421,7 @@
           <p:cNvPr id="30" name="Picture Placeholder 29">
             <a:extLst>
               <a:ext uri="{FF2B5EF4-FFF2-40B4-BE49-F238E27FC236}">
-                <a16:creationId xmlns:a16="http://schemas.microsoft.com/office/drawing/2014/main" xmlns="" id="{B8D3F45B-B631-47D3-A33C-71CEC2B3602C}"/>
+                <a16:creationId xmlns:a16="http://schemas.microsoft.com/office/drawing/2014/main" id="{B8D3F45B-B631-47D3-A33C-71CEC2B3602C}"/>
               </a:ext>
             </a:extLst>
           </p:cNvPr>
@@ -3567,7 +3568,7 @@
           <p:cNvPr id="2" name="Title 1">
             <a:extLst>
               <a:ext uri="{FF2B5EF4-FFF2-40B4-BE49-F238E27FC236}">
-                <a16:creationId xmlns:a16="http://schemas.microsoft.com/office/drawing/2014/main" xmlns="" id="{E969F227-D21C-48B3-828A-6BFA9585E82F}"/>
+                <a16:creationId xmlns:a16="http://schemas.microsoft.com/office/drawing/2014/main" id="{E969F227-D21C-48B3-828A-6BFA9585E82F}"/>
               </a:ext>
             </a:extLst>
           </p:cNvPr>
@@ -3609,7 +3610,7 @@
           <p:cNvPr id="3" name="Date Placeholder 2">
             <a:extLst>
               <a:ext uri="{FF2B5EF4-FFF2-40B4-BE49-F238E27FC236}">
-                <a16:creationId xmlns:a16="http://schemas.microsoft.com/office/drawing/2014/main" xmlns="" id="{8DF1DFFF-E5C5-43DF-B71C-7270DB97372C}"/>
+                <a16:creationId xmlns:a16="http://schemas.microsoft.com/office/drawing/2014/main" id="{8DF1DFFF-E5C5-43DF-B71C-7270DB97372C}"/>
               </a:ext>
             </a:extLst>
           </p:cNvPr>
@@ -3650,7 +3651,7 @@
           <p:cNvPr id="4" name="Footer Placeholder 3">
             <a:extLst>
               <a:ext uri="{FF2B5EF4-FFF2-40B4-BE49-F238E27FC236}">
-                <a16:creationId xmlns:a16="http://schemas.microsoft.com/office/drawing/2014/main" xmlns="" id="{7EBC03C0-6EB7-4633-967C-12C35768BB58}"/>
+                <a16:creationId xmlns:a16="http://schemas.microsoft.com/office/drawing/2014/main" id="{7EBC03C0-6EB7-4633-967C-12C35768BB58}"/>
               </a:ext>
             </a:extLst>
           </p:cNvPr>
@@ -3691,7 +3692,7 @@
           <p:cNvPr id="5" name="Slide Number Placeholder 4">
             <a:extLst>
               <a:ext uri="{FF2B5EF4-FFF2-40B4-BE49-F238E27FC236}">
-                <a16:creationId xmlns:a16="http://schemas.microsoft.com/office/drawing/2014/main" xmlns="" id="{30FF4306-91CD-4B7B-8A53-34BE8F997581}"/>
+                <a16:creationId xmlns:a16="http://schemas.microsoft.com/office/drawing/2014/main" id="{30FF4306-91CD-4B7B-8A53-34BE8F997581}"/>
               </a:ext>
             </a:extLst>
           </p:cNvPr>
@@ -3734,7 +3735,7 @@
           <p:cNvPr id="8" name="Graphic 32">
             <a:extLst>
               <a:ext uri="{FF2B5EF4-FFF2-40B4-BE49-F238E27FC236}">
-                <a16:creationId xmlns:a16="http://schemas.microsoft.com/office/drawing/2014/main" xmlns="" id="{846CD0EA-B0AA-4845-81A5-4ADD7C58B12F}"/>
+                <a16:creationId xmlns:a16="http://schemas.microsoft.com/office/drawing/2014/main" id="{846CD0EA-B0AA-4845-81A5-4ADD7C58B12F}"/>
               </a:ext>
             </a:extLst>
           </p:cNvPr>
@@ -3934,7 +3935,7 @@
           <p:cNvPr id="10" name="Graphic 33">
             <a:extLst>
               <a:ext uri="{FF2B5EF4-FFF2-40B4-BE49-F238E27FC236}">
-                <a16:creationId xmlns:a16="http://schemas.microsoft.com/office/drawing/2014/main" xmlns="" id="{0E97A0CB-7CB1-47F0-BD48-EEECBAC39CD2}"/>
+                <a16:creationId xmlns:a16="http://schemas.microsoft.com/office/drawing/2014/main" id="{0E97A0CB-7CB1-47F0-BD48-EEECBAC39CD2}"/>
               </a:ext>
             </a:extLst>
           </p:cNvPr>
@@ -4078,7 +4079,7 @@
           <p:cNvPr id="12" name="Graphic 31">
             <a:extLst>
               <a:ext uri="{FF2B5EF4-FFF2-40B4-BE49-F238E27FC236}">
-                <a16:creationId xmlns:a16="http://schemas.microsoft.com/office/drawing/2014/main" xmlns="" id="{477816C9-06CB-4BC5-B26B-6A2877BD941A}"/>
+                <a16:creationId xmlns:a16="http://schemas.microsoft.com/office/drawing/2014/main" id="{477816C9-06CB-4BC5-B26B-6A2877BD941A}"/>
               </a:ext>
             </a:extLst>
           </p:cNvPr>
@@ -4174,7 +4175,7 @@
           <p:cNvPr id="14" name="Straight Connector 13">
             <a:extLst>
               <a:ext uri="{FF2B5EF4-FFF2-40B4-BE49-F238E27FC236}">
-                <a16:creationId xmlns:a16="http://schemas.microsoft.com/office/drawing/2014/main" xmlns="" id="{13AE7F8D-AE68-4A83-BAB5-3A97D473CE3C}"/>
+                <a16:creationId xmlns:a16="http://schemas.microsoft.com/office/drawing/2014/main" id="{13AE7F8D-AE68-4A83-BAB5-3A97D473CE3C}"/>
               </a:ext>
             </a:extLst>
           </p:cNvPr>
@@ -4218,7 +4219,7 @@
           <p:cNvPr id="16" name="Text Placeholder 15">
             <a:extLst>
               <a:ext uri="{FF2B5EF4-FFF2-40B4-BE49-F238E27FC236}">
-                <a16:creationId xmlns:a16="http://schemas.microsoft.com/office/drawing/2014/main" xmlns="" id="{A928810C-E773-43AE-A2A1-4073955CC8DA}"/>
+                <a16:creationId xmlns:a16="http://schemas.microsoft.com/office/drawing/2014/main" id="{A928810C-E773-43AE-A2A1-4073955CC8DA}"/>
               </a:ext>
             </a:extLst>
           </p:cNvPr>
@@ -4259,7 +4260,7 @@
     </p:spTree>
     <p:extLst>
       <p:ext uri="{BB962C8B-B14F-4D97-AF65-F5344CB8AC3E}">
-        <p14:creationId xmlns:p14="http://schemas.microsoft.com/office/powerpoint/2010/main" xmlns="" val="301045157"/>
+        <p14:creationId xmlns:p14="http://schemas.microsoft.com/office/powerpoint/2010/main" val="301045157"/>
       </p:ext>
     </p:extLst>
   </p:cSld>
@@ -4291,7 +4292,7 @@
           <p:cNvPr id="2" name="Title 1">
             <a:extLst>
               <a:ext uri="{FF2B5EF4-FFF2-40B4-BE49-F238E27FC236}">
-                <a16:creationId xmlns:a16="http://schemas.microsoft.com/office/drawing/2014/main" xmlns="" id="{E969F227-D21C-48B3-828A-6BFA9585E82F}"/>
+                <a16:creationId xmlns:a16="http://schemas.microsoft.com/office/drawing/2014/main" id="{E969F227-D21C-48B3-828A-6BFA9585E82F}"/>
               </a:ext>
             </a:extLst>
           </p:cNvPr>
@@ -4319,7 +4320,7 @@
           <p:cNvPr id="3" name="Date Placeholder 2">
             <a:extLst>
               <a:ext uri="{FF2B5EF4-FFF2-40B4-BE49-F238E27FC236}">
-                <a16:creationId xmlns:a16="http://schemas.microsoft.com/office/drawing/2014/main" xmlns="" id="{8DF1DFFF-E5C5-43DF-B71C-7270DB97372C}"/>
+                <a16:creationId xmlns:a16="http://schemas.microsoft.com/office/drawing/2014/main" id="{8DF1DFFF-E5C5-43DF-B71C-7270DB97372C}"/>
               </a:ext>
             </a:extLst>
           </p:cNvPr>
@@ -4347,7 +4348,7 @@
           <p:cNvPr id="4" name="Footer Placeholder 3">
             <a:extLst>
               <a:ext uri="{FF2B5EF4-FFF2-40B4-BE49-F238E27FC236}">
-                <a16:creationId xmlns:a16="http://schemas.microsoft.com/office/drawing/2014/main" xmlns="" id="{7EBC03C0-6EB7-4633-967C-12C35768BB58}"/>
+                <a16:creationId xmlns:a16="http://schemas.microsoft.com/office/drawing/2014/main" id="{7EBC03C0-6EB7-4633-967C-12C35768BB58}"/>
               </a:ext>
             </a:extLst>
           </p:cNvPr>
@@ -4375,7 +4376,7 @@
           <p:cNvPr id="5" name="Slide Number Placeholder 4">
             <a:extLst>
               <a:ext uri="{FF2B5EF4-FFF2-40B4-BE49-F238E27FC236}">
-                <a16:creationId xmlns:a16="http://schemas.microsoft.com/office/drawing/2014/main" xmlns="" id="{30FF4306-91CD-4B7B-8A53-34BE8F997581}"/>
+                <a16:creationId xmlns:a16="http://schemas.microsoft.com/office/drawing/2014/main" id="{30FF4306-91CD-4B7B-8A53-34BE8F997581}"/>
               </a:ext>
             </a:extLst>
           </p:cNvPr>
@@ -4405,7 +4406,7 @@
           <p:cNvPr id="6" name="Straight Connector 5">
             <a:extLst>
               <a:ext uri="{FF2B5EF4-FFF2-40B4-BE49-F238E27FC236}">
-                <a16:creationId xmlns:a16="http://schemas.microsoft.com/office/drawing/2014/main" xmlns="" id="{57596AF9-469C-436D-B7D2-77952EF1825E}"/>
+                <a16:creationId xmlns:a16="http://schemas.microsoft.com/office/drawing/2014/main" id="{57596AF9-469C-436D-B7D2-77952EF1825E}"/>
               </a:ext>
             </a:extLst>
           </p:cNvPr>
@@ -4456,7 +4457,7 @@
     </p:spTree>
     <p:extLst>
       <p:ext uri="{BB962C8B-B14F-4D97-AF65-F5344CB8AC3E}">
-        <p14:creationId xmlns:p14="http://schemas.microsoft.com/office/powerpoint/2010/main" xmlns="" val="1663291002"/>
+        <p14:creationId xmlns:p14="http://schemas.microsoft.com/office/powerpoint/2010/main" val="1663291002"/>
       </p:ext>
     </p:extLst>
   </p:cSld>
@@ -4488,7 +4489,7 @@
           <p:cNvPr id="2" name="Date Placeholder 1">
             <a:extLst>
               <a:ext uri="{FF2B5EF4-FFF2-40B4-BE49-F238E27FC236}">
-                <a16:creationId xmlns:a16="http://schemas.microsoft.com/office/drawing/2014/main" xmlns="" id="{FDFF36D6-399B-43E3-84DD-9FC5119ECCE9}"/>
+                <a16:creationId xmlns:a16="http://schemas.microsoft.com/office/drawing/2014/main" id="{FDFF36D6-399B-43E3-84DD-9FC5119ECCE9}"/>
               </a:ext>
             </a:extLst>
           </p:cNvPr>
@@ -4516,7 +4517,7 @@
           <p:cNvPr id="3" name="Footer Placeholder 2">
             <a:extLst>
               <a:ext uri="{FF2B5EF4-FFF2-40B4-BE49-F238E27FC236}">
-                <a16:creationId xmlns:a16="http://schemas.microsoft.com/office/drawing/2014/main" xmlns="" id="{50234AB7-3B85-4028-A500-5A1BDBF45C56}"/>
+                <a16:creationId xmlns:a16="http://schemas.microsoft.com/office/drawing/2014/main" id="{50234AB7-3B85-4028-A500-5A1BDBF45C56}"/>
               </a:ext>
             </a:extLst>
           </p:cNvPr>
@@ -4544,7 +4545,7 @@
           <p:cNvPr id="4" name="Slide Number Placeholder 3">
             <a:extLst>
               <a:ext uri="{FF2B5EF4-FFF2-40B4-BE49-F238E27FC236}">
-                <a16:creationId xmlns:a16="http://schemas.microsoft.com/office/drawing/2014/main" xmlns="" id="{AC1F40F0-9909-442F-BBA4-409D061ED027}"/>
+                <a16:creationId xmlns:a16="http://schemas.microsoft.com/office/drawing/2014/main" id="{AC1F40F0-9909-442F-BBA4-409D061ED027}"/>
               </a:ext>
             </a:extLst>
           </p:cNvPr>
@@ -4574,7 +4575,7 @@
           <p:cNvPr id="5" name="Straight Connector 4">
             <a:extLst>
               <a:ext uri="{FF2B5EF4-FFF2-40B4-BE49-F238E27FC236}">
-                <a16:creationId xmlns:a16="http://schemas.microsoft.com/office/drawing/2014/main" xmlns="" id="{353C1207-D1C8-49E3-8837-E2B89D366FAE}"/>
+                <a16:creationId xmlns:a16="http://schemas.microsoft.com/office/drawing/2014/main" id="{353C1207-D1C8-49E3-8837-E2B89D366FAE}"/>
               </a:ext>
             </a:extLst>
           </p:cNvPr>
@@ -4625,7 +4626,7 @@
     </p:spTree>
     <p:extLst>
       <p:ext uri="{BB962C8B-B14F-4D97-AF65-F5344CB8AC3E}">
-        <p14:creationId xmlns:p14="http://schemas.microsoft.com/office/powerpoint/2010/main" xmlns="" val="3840867636"/>
+        <p14:creationId xmlns:p14="http://schemas.microsoft.com/office/powerpoint/2010/main" val="3840867636"/>
       </p:ext>
     </p:extLst>
   </p:cSld>
@@ -4657,7 +4658,7 @@
           <p:cNvPr id="2" name="Title 1">
             <a:extLst>
               <a:ext uri="{FF2B5EF4-FFF2-40B4-BE49-F238E27FC236}">
-                <a16:creationId xmlns:a16="http://schemas.microsoft.com/office/drawing/2014/main" xmlns="" id="{A540F214-646F-4D81-AD12-65628EC987DC}"/>
+                <a16:creationId xmlns:a16="http://schemas.microsoft.com/office/drawing/2014/main" id="{A540F214-646F-4D81-AD12-65628EC987DC}"/>
               </a:ext>
             </a:extLst>
           </p:cNvPr>
@@ -4694,7 +4695,7 @@
           <p:cNvPr id="3" name="Content Placeholder 2">
             <a:extLst>
               <a:ext uri="{FF2B5EF4-FFF2-40B4-BE49-F238E27FC236}">
-                <a16:creationId xmlns:a16="http://schemas.microsoft.com/office/drawing/2014/main" xmlns="" id="{4EF71768-C3FA-49EF-99EF-06E6C3B2846F}"/>
+                <a16:creationId xmlns:a16="http://schemas.microsoft.com/office/drawing/2014/main" id="{4EF71768-C3FA-49EF-99EF-06E6C3B2846F}"/>
               </a:ext>
             </a:extLst>
           </p:cNvPr>
@@ -4784,7 +4785,7 @@
           <p:cNvPr id="4" name="Text Placeholder 3">
             <a:extLst>
               <a:ext uri="{FF2B5EF4-FFF2-40B4-BE49-F238E27FC236}">
-                <a16:creationId xmlns:a16="http://schemas.microsoft.com/office/drawing/2014/main" xmlns="" id="{92DA6F24-ED6C-4D12-A9D6-EE37FBD68693}"/>
+                <a16:creationId xmlns:a16="http://schemas.microsoft.com/office/drawing/2014/main" id="{92DA6F24-ED6C-4D12-A9D6-EE37FBD68693}"/>
               </a:ext>
             </a:extLst>
           </p:cNvPr>
@@ -4855,7 +4856,7 @@
           <p:cNvPr id="5" name="Date Placeholder 4">
             <a:extLst>
               <a:ext uri="{FF2B5EF4-FFF2-40B4-BE49-F238E27FC236}">
-                <a16:creationId xmlns:a16="http://schemas.microsoft.com/office/drawing/2014/main" xmlns="" id="{38E6AACE-FAFB-4934-8E3C-AB5B216353D8}"/>
+                <a16:creationId xmlns:a16="http://schemas.microsoft.com/office/drawing/2014/main" id="{38E6AACE-FAFB-4934-8E3C-AB5B216353D8}"/>
               </a:ext>
             </a:extLst>
           </p:cNvPr>
@@ -4883,7 +4884,7 @@
           <p:cNvPr id="6" name="Footer Placeholder 5">
             <a:extLst>
               <a:ext uri="{FF2B5EF4-FFF2-40B4-BE49-F238E27FC236}">
-                <a16:creationId xmlns:a16="http://schemas.microsoft.com/office/drawing/2014/main" xmlns="" id="{181533EA-D0F8-4C79-8721-F190DE2D2DC0}"/>
+                <a16:creationId xmlns:a16="http://schemas.microsoft.com/office/drawing/2014/main" id="{181533EA-D0F8-4C79-8721-F190DE2D2DC0}"/>
               </a:ext>
             </a:extLst>
           </p:cNvPr>
@@ -4911,7 +4912,7 @@
           <p:cNvPr id="7" name="Slide Number Placeholder 6">
             <a:extLst>
               <a:ext uri="{FF2B5EF4-FFF2-40B4-BE49-F238E27FC236}">
-                <a16:creationId xmlns:a16="http://schemas.microsoft.com/office/drawing/2014/main" xmlns="" id="{A059BAC9-F101-4394-BBA4-3D21A3497126}"/>
+                <a16:creationId xmlns:a16="http://schemas.microsoft.com/office/drawing/2014/main" id="{A059BAC9-F101-4394-BBA4-3D21A3497126}"/>
               </a:ext>
             </a:extLst>
           </p:cNvPr>
@@ -4941,7 +4942,7 @@
           <p:cNvPr id="8" name="Straight Connector 7">
             <a:extLst>
               <a:ext uri="{FF2B5EF4-FFF2-40B4-BE49-F238E27FC236}">
-                <a16:creationId xmlns:a16="http://schemas.microsoft.com/office/drawing/2014/main" xmlns="" id="{0F3A79C9-7EDC-44F6-AC48-5DD98A7695AD}"/>
+                <a16:creationId xmlns:a16="http://schemas.microsoft.com/office/drawing/2014/main" id="{0F3A79C9-7EDC-44F6-AC48-5DD98A7695AD}"/>
               </a:ext>
             </a:extLst>
           </p:cNvPr>
@@ -4992,7 +4993,7 @@
     </p:spTree>
     <p:extLst>
       <p:ext uri="{BB962C8B-B14F-4D97-AF65-F5344CB8AC3E}">
-        <p14:creationId xmlns:p14="http://schemas.microsoft.com/office/powerpoint/2010/main" xmlns="" val="3836805959"/>
+        <p14:creationId xmlns:p14="http://schemas.microsoft.com/office/powerpoint/2010/main" val="3836805959"/>
       </p:ext>
     </p:extLst>
   </p:cSld>
@@ -5024,7 +5025,7 @@
           <p:cNvPr id="2" name="Title 1">
             <a:extLst>
               <a:ext uri="{FF2B5EF4-FFF2-40B4-BE49-F238E27FC236}">
-                <a16:creationId xmlns:a16="http://schemas.microsoft.com/office/drawing/2014/main" xmlns="" id="{284CB71F-B6C2-4866-BC97-304F78816E4F}"/>
+                <a16:creationId xmlns:a16="http://schemas.microsoft.com/office/drawing/2014/main" id="{284CB71F-B6C2-4866-BC97-304F78816E4F}"/>
               </a:ext>
             </a:extLst>
           </p:cNvPr>
@@ -5061,7 +5062,7 @@
           <p:cNvPr id="3" name="Picture Placeholder 2">
             <a:extLst>
               <a:ext uri="{FF2B5EF4-FFF2-40B4-BE49-F238E27FC236}">
-                <a16:creationId xmlns:a16="http://schemas.microsoft.com/office/drawing/2014/main" xmlns="" id="{C55ED73B-8413-478D-80D7-B78B69763B69}"/>
+                <a16:creationId xmlns:a16="http://schemas.microsoft.com/office/drawing/2014/main" id="{C55ED73B-8413-478D-80D7-B78B69763B69}"/>
               </a:ext>
             </a:extLst>
           </p:cNvPr>
@@ -5132,7 +5133,7 @@
           <p:cNvPr id="4" name="Text Placeholder 3">
             <a:extLst>
               <a:ext uri="{FF2B5EF4-FFF2-40B4-BE49-F238E27FC236}">
-                <a16:creationId xmlns:a16="http://schemas.microsoft.com/office/drawing/2014/main" xmlns="" id="{91BDF226-1B94-4D2D-98B3-7B932FB17DAA}"/>
+                <a16:creationId xmlns:a16="http://schemas.microsoft.com/office/drawing/2014/main" id="{91BDF226-1B94-4D2D-98B3-7B932FB17DAA}"/>
               </a:ext>
             </a:extLst>
           </p:cNvPr>
@@ -5203,7 +5204,7 @@
           <p:cNvPr id="5" name="Date Placeholder 4">
             <a:extLst>
               <a:ext uri="{FF2B5EF4-FFF2-40B4-BE49-F238E27FC236}">
-                <a16:creationId xmlns:a16="http://schemas.microsoft.com/office/drawing/2014/main" xmlns="" id="{100C4E9A-CA29-4CCD-ACFA-B29F80FBA163}"/>
+                <a16:creationId xmlns:a16="http://schemas.microsoft.com/office/drawing/2014/main" id="{100C4E9A-CA29-4CCD-ACFA-B29F80FBA163}"/>
               </a:ext>
             </a:extLst>
           </p:cNvPr>
@@ -5231,7 +5232,7 @@
           <p:cNvPr id="6" name="Footer Placeholder 5">
             <a:extLst>
               <a:ext uri="{FF2B5EF4-FFF2-40B4-BE49-F238E27FC236}">
-                <a16:creationId xmlns:a16="http://schemas.microsoft.com/office/drawing/2014/main" xmlns="" id="{71A5B7BE-3F1B-4FF3-B1D7-6E39B99D07BD}"/>
+                <a16:creationId xmlns:a16="http://schemas.microsoft.com/office/drawing/2014/main" id="{71A5B7BE-3F1B-4FF3-B1D7-6E39B99D07BD}"/>
               </a:ext>
             </a:extLst>
           </p:cNvPr>
@@ -5259,7 +5260,7 @@
           <p:cNvPr id="7" name="Slide Number Placeholder 6">
             <a:extLst>
               <a:ext uri="{FF2B5EF4-FFF2-40B4-BE49-F238E27FC236}">
-                <a16:creationId xmlns:a16="http://schemas.microsoft.com/office/drawing/2014/main" xmlns="" id="{142F18F1-E27E-470E-AE13-4755DEE63A32}"/>
+                <a16:creationId xmlns:a16="http://schemas.microsoft.com/office/drawing/2014/main" id="{142F18F1-E27E-470E-AE13-4755DEE63A32}"/>
               </a:ext>
             </a:extLst>
           </p:cNvPr>
@@ -5289,7 +5290,7 @@
           <p:cNvPr id="8" name="Straight Connector 7">
             <a:extLst>
               <a:ext uri="{FF2B5EF4-FFF2-40B4-BE49-F238E27FC236}">
-                <a16:creationId xmlns:a16="http://schemas.microsoft.com/office/drawing/2014/main" xmlns="" id="{00F08750-B7F2-4119-B151-68DE77481335}"/>
+                <a16:creationId xmlns:a16="http://schemas.microsoft.com/office/drawing/2014/main" id="{00F08750-B7F2-4119-B151-68DE77481335}"/>
               </a:ext>
             </a:extLst>
           </p:cNvPr>
@@ -5340,7 +5341,7 @@
     </p:spTree>
     <p:extLst>
       <p:ext uri="{BB962C8B-B14F-4D97-AF65-F5344CB8AC3E}">
-        <p14:creationId xmlns:p14="http://schemas.microsoft.com/office/powerpoint/2010/main" xmlns="" val="3840775527"/>
+        <p14:creationId xmlns:p14="http://schemas.microsoft.com/office/powerpoint/2010/main" val="3840775527"/>
       </p:ext>
     </p:extLst>
   </p:cSld>
@@ -5388,7 +5389,7 @@
           <p:cNvPr id="2" name="Title 1">
             <a:extLst>
               <a:ext uri="{FF2B5EF4-FFF2-40B4-BE49-F238E27FC236}">
-                <a16:creationId xmlns:a16="http://schemas.microsoft.com/office/drawing/2014/main" xmlns="" id="{F6640AAD-80AF-40E7-BE3F-43D32FC68ED4}"/>
+                <a16:creationId xmlns:a16="http://schemas.microsoft.com/office/drawing/2014/main" id="{F6640AAD-80AF-40E7-BE3F-43D32FC68ED4}"/>
               </a:ext>
             </a:extLst>
           </p:cNvPr>
@@ -5430,7 +5431,7 @@
           <p:cNvPr id="3" name="Subtitle 2">
             <a:extLst>
               <a:ext uri="{FF2B5EF4-FFF2-40B4-BE49-F238E27FC236}">
-                <a16:creationId xmlns:a16="http://schemas.microsoft.com/office/drawing/2014/main" xmlns="" id="{EC80FBD9-0977-4B2B-9318-30774BB0947C}"/>
+                <a16:creationId xmlns:a16="http://schemas.microsoft.com/office/drawing/2014/main" id="{EC80FBD9-0977-4B2B-9318-30774BB0947C}"/>
               </a:ext>
             </a:extLst>
           </p:cNvPr>
@@ -5506,7 +5507,7 @@
           <p:cNvPr id="9" name="Straight Connector 8">
             <a:extLst>
               <a:ext uri="{FF2B5EF4-FFF2-40B4-BE49-F238E27FC236}">
-                <a16:creationId xmlns:a16="http://schemas.microsoft.com/office/drawing/2014/main" xmlns="" id="{8E825845-66DD-4B77-A729-CD97D156FE6C}"/>
+                <a16:creationId xmlns:a16="http://schemas.microsoft.com/office/drawing/2014/main" id="{8E825845-66DD-4B77-A729-CD97D156FE6C}"/>
               </a:ext>
             </a:extLst>
           </p:cNvPr>
@@ -5550,7 +5551,7 @@
           <p:cNvPr id="19" name="Graphic 12">
             <a:extLst>
               <a:ext uri="{FF2B5EF4-FFF2-40B4-BE49-F238E27FC236}">
-                <a16:creationId xmlns:a16="http://schemas.microsoft.com/office/drawing/2014/main" xmlns="" id="{818B4386-1FCF-4ACE-BE25-AF9CC5E2256F}"/>
+                <a16:creationId xmlns:a16="http://schemas.microsoft.com/office/drawing/2014/main" id="{818B4386-1FCF-4ACE-BE25-AF9CC5E2256F}"/>
               </a:ext>
             </a:extLst>
           </p:cNvPr>
@@ -5646,7 +5647,7 @@
           <p:cNvPr id="21" name="Graphic 13">
             <a:extLst>
               <a:ext uri="{FF2B5EF4-FFF2-40B4-BE49-F238E27FC236}">
-                <a16:creationId xmlns:a16="http://schemas.microsoft.com/office/drawing/2014/main" xmlns="" id="{19319560-50ED-4963-A2CF-74663239D426}"/>
+                <a16:creationId xmlns:a16="http://schemas.microsoft.com/office/drawing/2014/main" id="{19319560-50ED-4963-A2CF-74663239D426}"/>
               </a:ext>
             </a:extLst>
           </p:cNvPr>
@@ -5846,7 +5847,7 @@
           <p:cNvPr id="23" name="Graphic 15">
             <a:extLst>
               <a:ext uri="{FF2B5EF4-FFF2-40B4-BE49-F238E27FC236}">
-                <a16:creationId xmlns:a16="http://schemas.microsoft.com/office/drawing/2014/main" xmlns="" id="{E5ABBDAD-943D-48F3-9C80-B29C48966C79}"/>
+                <a16:creationId xmlns:a16="http://schemas.microsoft.com/office/drawing/2014/main" id="{E5ABBDAD-943D-48F3-9C80-B29C48966C79}"/>
               </a:ext>
             </a:extLst>
           </p:cNvPr>
@@ -5988,7 +5989,7 @@
     </p:spTree>
     <p:extLst>
       <p:ext uri="{BB962C8B-B14F-4D97-AF65-F5344CB8AC3E}">
-        <p14:creationId xmlns:p14="http://schemas.microsoft.com/office/powerpoint/2010/main" xmlns="" val="2137906023"/>
+        <p14:creationId xmlns:p14="http://schemas.microsoft.com/office/powerpoint/2010/main" val="2137906023"/>
       </p:ext>
     </p:extLst>
   </p:cSld>
@@ -6036,7 +6037,7 @@
           <p:cNvPr id="19" name="Picture Placeholder 18">
             <a:extLst>
               <a:ext uri="{FF2B5EF4-FFF2-40B4-BE49-F238E27FC236}">
-                <a16:creationId xmlns:a16="http://schemas.microsoft.com/office/drawing/2014/main" xmlns="" id="{34120D15-E48C-4FBE-BB95-24DB36D9F458}"/>
+                <a16:creationId xmlns:a16="http://schemas.microsoft.com/office/drawing/2014/main" id="{34120D15-E48C-4FBE-BB95-24DB36D9F458}"/>
               </a:ext>
             </a:extLst>
           </p:cNvPr>
@@ -6167,7 +6168,7 @@
           <p:cNvPr id="2" name="Title 1">
             <a:extLst>
               <a:ext uri="{FF2B5EF4-FFF2-40B4-BE49-F238E27FC236}">
-                <a16:creationId xmlns:a16="http://schemas.microsoft.com/office/drawing/2014/main" xmlns="" id="{E969F227-D21C-48B3-828A-6BFA9585E82F}"/>
+                <a16:creationId xmlns:a16="http://schemas.microsoft.com/office/drawing/2014/main" id="{E969F227-D21C-48B3-828A-6BFA9585E82F}"/>
               </a:ext>
             </a:extLst>
           </p:cNvPr>
@@ -6208,7 +6209,7 @@
           <p:cNvPr id="3" name="Date Placeholder 2">
             <a:extLst>
               <a:ext uri="{FF2B5EF4-FFF2-40B4-BE49-F238E27FC236}">
-                <a16:creationId xmlns:a16="http://schemas.microsoft.com/office/drawing/2014/main" xmlns="" id="{8DF1DFFF-E5C5-43DF-B71C-7270DB97372C}"/>
+                <a16:creationId xmlns:a16="http://schemas.microsoft.com/office/drawing/2014/main" id="{8DF1DFFF-E5C5-43DF-B71C-7270DB97372C}"/>
               </a:ext>
             </a:extLst>
           </p:cNvPr>
@@ -6249,7 +6250,7 @@
           <p:cNvPr id="4" name="Footer Placeholder 3">
             <a:extLst>
               <a:ext uri="{FF2B5EF4-FFF2-40B4-BE49-F238E27FC236}">
-                <a16:creationId xmlns:a16="http://schemas.microsoft.com/office/drawing/2014/main" xmlns="" id="{7EBC03C0-6EB7-4633-967C-12C35768BB58}"/>
+                <a16:creationId xmlns:a16="http://schemas.microsoft.com/office/drawing/2014/main" id="{7EBC03C0-6EB7-4633-967C-12C35768BB58}"/>
               </a:ext>
             </a:extLst>
           </p:cNvPr>
@@ -6290,7 +6291,7 @@
           <p:cNvPr id="5" name="Slide Number Placeholder 4">
             <a:extLst>
               <a:ext uri="{FF2B5EF4-FFF2-40B4-BE49-F238E27FC236}">
-                <a16:creationId xmlns:a16="http://schemas.microsoft.com/office/drawing/2014/main" xmlns="" id="{30FF4306-91CD-4B7B-8A53-34BE8F997581}"/>
+                <a16:creationId xmlns:a16="http://schemas.microsoft.com/office/drawing/2014/main" id="{30FF4306-91CD-4B7B-8A53-34BE8F997581}"/>
               </a:ext>
             </a:extLst>
           </p:cNvPr>
@@ -6333,7 +6334,7 @@
           <p:cNvPr id="14" name="Straight Connector 13">
             <a:extLst>
               <a:ext uri="{FF2B5EF4-FFF2-40B4-BE49-F238E27FC236}">
-                <a16:creationId xmlns:a16="http://schemas.microsoft.com/office/drawing/2014/main" xmlns="" id="{13AE7F8D-AE68-4A83-BAB5-3A97D473CE3C}"/>
+                <a16:creationId xmlns:a16="http://schemas.microsoft.com/office/drawing/2014/main" id="{13AE7F8D-AE68-4A83-BAB5-3A97D473CE3C}"/>
               </a:ext>
             </a:extLst>
           </p:cNvPr>
@@ -6377,7 +6378,7 @@
           <p:cNvPr id="16" name="Text Placeholder 15">
             <a:extLst>
               <a:ext uri="{FF2B5EF4-FFF2-40B4-BE49-F238E27FC236}">
-                <a16:creationId xmlns:a16="http://schemas.microsoft.com/office/drawing/2014/main" xmlns="" id="{A928810C-E773-43AE-A2A1-4073955CC8DA}"/>
+                <a16:creationId xmlns:a16="http://schemas.microsoft.com/office/drawing/2014/main" id="{A928810C-E773-43AE-A2A1-4073955CC8DA}"/>
               </a:ext>
             </a:extLst>
           </p:cNvPr>
@@ -6420,7 +6421,7 @@
           <p:cNvPr id="11" name="Graphic 12">
             <a:extLst>
               <a:ext uri="{FF2B5EF4-FFF2-40B4-BE49-F238E27FC236}">
-                <a16:creationId xmlns:a16="http://schemas.microsoft.com/office/drawing/2014/main" xmlns="" id="{EA1B6985-3E5A-40F4-9268-D4AB3BBF8C91}"/>
+                <a16:creationId xmlns:a16="http://schemas.microsoft.com/office/drawing/2014/main" id="{EA1B6985-3E5A-40F4-9268-D4AB3BBF8C91}"/>
               </a:ext>
             </a:extLst>
           </p:cNvPr>
@@ -6516,7 +6517,7 @@
           <p:cNvPr id="13" name="Graphic 13">
             <a:extLst>
               <a:ext uri="{FF2B5EF4-FFF2-40B4-BE49-F238E27FC236}">
-                <a16:creationId xmlns:a16="http://schemas.microsoft.com/office/drawing/2014/main" xmlns="" id="{338BC906-9D03-4280-85E8-21A81BC21D73}"/>
+                <a16:creationId xmlns:a16="http://schemas.microsoft.com/office/drawing/2014/main" id="{338BC906-9D03-4280-85E8-21A81BC21D73}"/>
               </a:ext>
             </a:extLst>
           </p:cNvPr>
@@ -6716,7 +6717,7 @@
           <p:cNvPr id="17" name="Graphic 15">
             <a:extLst>
               <a:ext uri="{FF2B5EF4-FFF2-40B4-BE49-F238E27FC236}">
-                <a16:creationId xmlns:a16="http://schemas.microsoft.com/office/drawing/2014/main" xmlns="" id="{C5C06D53-C9F6-47E8-BFE1-B8193A1AED8B}"/>
+                <a16:creationId xmlns:a16="http://schemas.microsoft.com/office/drawing/2014/main" id="{C5C06D53-C9F6-47E8-BFE1-B8193A1AED8B}"/>
               </a:ext>
             </a:extLst>
           </p:cNvPr>
@@ -6858,7 +6859,7 @@
     </p:spTree>
     <p:extLst>
       <p:ext uri="{BB962C8B-B14F-4D97-AF65-F5344CB8AC3E}">
-        <p14:creationId xmlns:p14="http://schemas.microsoft.com/office/powerpoint/2010/main" xmlns="" val="2490768777"/>
+        <p14:creationId xmlns:p14="http://schemas.microsoft.com/office/powerpoint/2010/main" val="2490768777"/>
       </p:ext>
     </p:extLst>
   </p:cSld>
@@ -6890,7 +6891,7 @@
           <p:cNvPr id="15" name="Picture Placeholder 14">
             <a:extLst>
               <a:ext uri="{FF2B5EF4-FFF2-40B4-BE49-F238E27FC236}">
-                <a16:creationId xmlns:a16="http://schemas.microsoft.com/office/drawing/2014/main" xmlns="" id="{E62FC6D8-DD87-4B93-8491-43C84EE63FE2}"/>
+                <a16:creationId xmlns:a16="http://schemas.microsoft.com/office/drawing/2014/main" id="{E62FC6D8-DD87-4B93-8491-43C84EE63FE2}"/>
               </a:ext>
             </a:extLst>
           </p:cNvPr>
@@ -7041,7 +7042,7 @@
           <p:cNvPr id="2" name="Title 1">
             <a:extLst>
               <a:ext uri="{FF2B5EF4-FFF2-40B4-BE49-F238E27FC236}">
-                <a16:creationId xmlns:a16="http://schemas.microsoft.com/office/drawing/2014/main" xmlns="" id="{9696CF8C-1EA0-4E47-AC60-CAC3B80A3C5D}"/>
+                <a16:creationId xmlns:a16="http://schemas.microsoft.com/office/drawing/2014/main" id="{9696CF8C-1EA0-4E47-AC60-CAC3B80A3C5D}"/>
               </a:ext>
             </a:extLst>
           </p:cNvPr>
@@ -7079,7 +7080,7 @@
           <p:cNvPr id="3" name="Content Placeholder 2">
             <a:extLst>
               <a:ext uri="{FF2B5EF4-FFF2-40B4-BE49-F238E27FC236}">
-                <a16:creationId xmlns:a16="http://schemas.microsoft.com/office/drawing/2014/main" xmlns="" id="{628CABF8-19D8-4F3C-994F-4D35EC7A2C3E}"/>
+                <a16:creationId xmlns:a16="http://schemas.microsoft.com/office/drawing/2014/main" id="{628CABF8-19D8-4F3C-994F-4D35EC7A2C3E}"/>
               </a:ext>
             </a:extLst>
           </p:cNvPr>
@@ -7154,7 +7155,7 @@
           <p:cNvPr id="4" name="Date Placeholder 3">
             <a:extLst>
               <a:ext uri="{FF2B5EF4-FFF2-40B4-BE49-F238E27FC236}">
-                <a16:creationId xmlns:a16="http://schemas.microsoft.com/office/drawing/2014/main" xmlns="" id="{D097BB2D-4E2C-4490-A2A3-4B68BCC5D2F9}"/>
+                <a16:creationId xmlns:a16="http://schemas.microsoft.com/office/drawing/2014/main" id="{D097BB2D-4E2C-4490-A2A3-4B68BCC5D2F9}"/>
               </a:ext>
             </a:extLst>
           </p:cNvPr>
@@ -7190,7 +7191,7 @@
           <p:cNvPr id="5" name="Footer Placeholder 4">
             <a:extLst>
               <a:ext uri="{FF2B5EF4-FFF2-40B4-BE49-F238E27FC236}">
-                <a16:creationId xmlns:a16="http://schemas.microsoft.com/office/drawing/2014/main" xmlns="" id="{6140F15D-DD72-46D5-BF0F-F5064710700E}"/>
+                <a16:creationId xmlns:a16="http://schemas.microsoft.com/office/drawing/2014/main" id="{6140F15D-DD72-46D5-BF0F-F5064710700E}"/>
               </a:ext>
             </a:extLst>
           </p:cNvPr>
@@ -7231,7 +7232,7 @@
           <p:cNvPr id="6" name="Slide Number Placeholder 5">
             <a:extLst>
               <a:ext uri="{FF2B5EF4-FFF2-40B4-BE49-F238E27FC236}">
-                <a16:creationId xmlns:a16="http://schemas.microsoft.com/office/drawing/2014/main" xmlns="" id="{5266FD4D-815A-431C-ADEF-DE6F236F617F}"/>
+                <a16:creationId xmlns:a16="http://schemas.microsoft.com/office/drawing/2014/main" id="{5266FD4D-815A-431C-ADEF-DE6F236F617F}"/>
               </a:ext>
             </a:extLst>
           </p:cNvPr>
@@ -7269,7 +7270,7 @@
           <p:cNvPr id="9" name="Straight Connector 8">
             <a:extLst>
               <a:ext uri="{FF2B5EF4-FFF2-40B4-BE49-F238E27FC236}">
-                <a16:creationId xmlns:a16="http://schemas.microsoft.com/office/drawing/2014/main" xmlns="" id="{FA8B3D0E-ED3F-46FA-AE79-5FEFDE9168E3}"/>
+                <a16:creationId xmlns:a16="http://schemas.microsoft.com/office/drawing/2014/main" id="{FA8B3D0E-ED3F-46FA-AE79-5FEFDE9168E3}"/>
               </a:ext>
             </a:extLst>
           </p:cNvPr>
@@ -7322,7 +7323,7 @@
           <p:cNvPr id="17" name="Graphic 10">
             <a:extLst>
               <a:ext uri="{FF2B5EF4-FFF2-40B4-BE49-F238E27FC236}">
-                <a16:creationId xmlns:a16="http://schemas.microsoft.com/office/drawing/2014/main" xmlns="" id="{AAD06B87-D9B2-4F94-B734-A8F039A2033F}"/>
+                <a16:creationId xmlns:a16="http://schemas.microsoft.com/office/drawing/2014/main" id="{AAD06B87-D9B2-4F94-B734-A8F039A2033F}"/>
               </a:ext>
             </a:extLst>
           </p:cNvPr>
@@ -7418,7 +7419,7 @@
           <p:cNvPr id="19" name="Graphic 11">
             <a:extLst>
               <a:ext uri="{FF2B5EF4-FFF2-40B4-BE49-F238E27FC236}">
-                <a16:creationId xmlns:a16="http://schemas.microsoft.com/office/drawing/2014/main" xmlns="" id="{BB13A13C-36EA-4B13-9175-C5FE95B34D33}"/>
+                <a16:creationId xmlns:a16="http://schemas.microsoft.com/office/drawing/2014/main" id="{BB13A13C-36EA-4B13-9175-C5FE95B34D33}"/>
               </a:ext>
             </a:extLst>
           </p:cNvPr>
@@ -7616,7 +7617,7 @@
     </p:spTree>
     <p:extLst>
       <p:ext uri="{BB962C8B-B14F-4D97-AF65-F5344CB8AC3E}">
-        <p14:creationId xmlns:p14="http://schemas.microsoft.com/office/powerpoint/2010/main" xmlns="" val="1897111348"/>
+        <p14:creationId xmlns:p14="http://schemas.microsoft.com/office/powerpoint/2010/main" val="1897111348"/>
       </p:ext>
     </p:extLst>
   </p:cSld>
@@ -7664,7 +7665,7 @@
           <p:cNvPr id="2" name="Title 1">
             <a:extLst>
               <a:ext uri="{FF2B5EF4-FFF2-40B4-BE49-F238E27FC236}">
-                <a16:creationId xmlns:a16="http://schemas.microsoft.com/office/drawing/2014/main" xmlns="" id="{F6640AAD-80AF-40E7-BE3F-43D32FC68ED4}"/>
+                <a16:creationId xmlns:a16="http://schemas.microsoft.com/office/drawing/2014/main" id="{F6640AAD-80AF-40E7-BE3F-43D32FC68ED4}"/>
               </a:ext>
             </a:extLst>
           </p:cNvPr>
@@ -7708,7 +7709,7 @@
           <p:cNvPr id="3" name="Subtitle 2">
             <a:extLst>
               <a:ext uri="{FF2B5EF4-FFF2-40B4-BE49-F238E27FC236}">
-                <a16:creationId xmlns:a16="http://schemas.microsoft.com/office/drawing/2014/main" xmlns="" id="{EC80FBD9-0977-4B2B-9318-30774BB0947C}"/>
+                <a16:creationId xmlns:a16="http://schemas.microsoft.com/office/drawing/2014/main" id="{EC80FBD9-0977-4B2B-9318-30774BB0947C}"/>
               </a:ext>
             </a:extLst>
           </p:cNvPr>
@@ -7784,7 +7785,7 @@
           <p:cNvPr id="4" name="Graphic 12">
             <a:extLst>
               <a:ext uri="{FF2B5EF4-FFF2-40B4-BE49-F238E27FC236}">
-                <a16:creationId xmlns:a16="http://schemas.microsoft.com/office/drawing/2014/main" xmlns="" id="{8A41917E-4B97-447C-98AB-970D625F1DE6}"/>
+                <a16:creationId xmlns:a16="http://schemas.microsoft.com/office/drawing/2014/main" id="{8A41917E-4B97-447C-98AB-970D625F1DE6}"/>
               </a:ext>
             </a:extLst>
           </p:cNvPr>
@@ -7880,7 +7881,7 @@
           <p:cNvPr id="5" name="Graphic 13">
             <a:extLst>
               <a:ext uri="{FF2B5EF4-FFF2-40B4-BE49-F238E27FC236}">
-                <a16:creationId xmlns:a16="http://schemas.microsoft.com/office/drawing/2014/main" xmlns="" id="{3B3FD238-4561-4AF8-A1F1-185B0CAFE2AC}"/>
+                <a16:creationId xmlns:a16="http://schemas.microsoft.com/office/drawing/2014/main" id="{3B3FD238-4561-4AF8-A1F1-185B0CAFE2AC}"/>
               </a:ext>
             </a:extLst>
           </p:cNvPr>
@@ -8080,7 +8081,7 @@
           <p:cNvPr id="6" name="Graphic 15">
             <a:extLst>
               <a:ext uri="{FF2B5EF4-FFF2-40B4-BE49-F238E27FC236}">
-                <a16:creationId xmlns:a16="http://schemas.microsoft.com/office/drawing/2014/main" xmlns="" id="{BAB9414C-AE69-4648-873E-9CE6B2DF8A71}"/>
+                <a16:creationId xmlns:a16="http://schemas.microsoft.com/office/drawing/2014/main" id="{BAB9414C-AE69-4648-873E-9CE6B2DF8A71}"/>
               </a:ext>
             </a:extLst>
           </p:cNvPr>
@@ -8224,7 +8225,7 @@
           <p:cNvPr id="7" name="Graphic 22">
             <a:extLst>
               <a:ext uri="{FF2B5EF4-FFF2-40B4-BE49-F238E27FC236}">
-                <a16:creationId xmlns:a16="http://schemas.microsoft.com/office/drawing/2014/main" xmlns="" id="{3BF75235-4E6E-4184-82A5-EE6FE7993BBC}"/>
+                <a16:creationId xmlns:a16="http://schemas.microsoft.com/office/drawing/2014/main" id="{3BF75235-4E6E-4184-82A5-EE6FE7993BBC}"/>
               </a:ext>
             </a:extLst>
           </p:cNvPr>
@@ -8424,7 +8425,7 @@
           <p:cNvPr id="11" name="Graphic 21">
             <a:extLst>
               <a:ext uri="{FF2B5EF4-FFF2-40B4-BE49-F238E27FC236}">
-                <a16:creationId xmlns:a16="http://schemas.microsoft.com/office/drawing/2014/main" xmlns="" id="{E66FE37C-2F4B-42DA-BFF6-92DD00BDC49B}"/>
+                <a16:creationId xmlns:a16="http://schemas.microsoft.com/office/drawing/2014/main" id="{E66FE37C-2F4B-42DA-BFF6-92DD00BDC49B}"/>
               </a:ext>
             </a:extLst>
           </p:cNvPr>
@@ -8520,7 +8521,7 @@
           <p:cNvPr id="13" name="Graphic 23">
             <a:extLst>
               <a:ext uri="{FF2B5EF4-FFF2-40B4-BE49-F238E27FC236}">
-                <a16:creationId xmlns:a16="http://schemas.microsoft.com/office/drawing/2014/main" xmlns="" id="{DDD38822-731A-48DA-A8A0-FBBAF7A6D65D}"/>
+                <a16:creationId xmlns:a16="http://schemas.microsoft.com/office/drawing/2014/main" id="{DDD38822-731A-48DA-A8A0-FBBAF7A6D65D}"/>
               </a:ext>
             </a:extLst>
           </p:cNvPr>
@@ -8662,7 +8663,7 @@
     </p:spTree>
     <p:extLst>
       <p:ext uri="{BB962C8B-B14F-4D97-AF65-F5344CB8AC3E}">
-        <p14:creationId xmlns:p14="http://schemas.microsoft.com/office/powerpoint/2010/main" xmlns="" val="3442482048"/>
+        <p14:creationId xmlns:p14="http://schemas.microsoft.com/office/powerpoint/2010/main" val="3442482048"/>
       </p:ext>
     </p:extLst>
   </p:cSld>
@@ -8694,7 +8695,7 @@
           <p:cNvPr id="2" name="Title 1">
             <a:extLst>
               <a:ext uri="{FF2B5EF4-FFF2-40B4-BE49-F238E27FC236}">
-                <a16:creationId xmlns:a16="http://schemas.microsoft.com/office/drawing/2014/main" xmlns="" id="{9696CF8C-1EA0-4E47-AC60-CAC3B80A3C5D}"/>
+                <a16:creationId xmlns:a16="http://schemas.microsoft.com/office/drawing/2014/main" id="{9696CF8C-1EA0-4E47-AC60-CAC3B80A3C5D}"/>
               </a:ext>
             </a:extLst>
           </p:cNvPr>
@@ -8727,7 +8728,7 @@
           <p:cNvPr id="3" name="Content Placeholder 2">
             <a:extLst>
               <a:ext uri="{FF2B5EF4-FFF2-40B4-BE49-F238E27FC236}">
-                <a16:creationId xmlns:a16="http://schemas.microsoft.com/office/drawing/2014/main" xmlns="" id="{628CABF8-19D8-4F3C-994F-4D35EC7A2C3E}"/>
+                <a16:creationId xmlns:a16="http://schemas.microsoft.com/office/drawing/2014/main" id="{628CABF8-19D8-4F3C-994F-4D35EC7A2C3E}"/>
               </a:ext>
             </a:extLst>
           </p:cNvPr>
@@ -8784,7 +8785,7 @@
           <p:cNvPr id="6" name="Slide Number Placeholder 5">
             <a:extLst>
               <a:ext uri="{FF2B5EF4-FFF2-40B4-BE49-F238E27FC236}">
-                <a16:creationId xmlns:a16="http://schemas.microsoft.com/office/drawing/2014/main" xmlns="" id="{5266FD4D-815A-431C-ADEF-DE6F236F617F}"/>
+                <a16:creationId xmlns:a16="http://schemas.microsoft.com/office/drawing/2014/main" id="{5266FD4D-815A-431C-ADEF-DE6F236F617F}"/>
               </a:ext>
             </a:extLst>
           </p:cNvPr>
@@ -8814,7 +8815,7 @@
           <p:cNvPr id="7" name="Straight Connector 6">
             <a:extLst>
               <a:ext uri="{FF2B5EF4-FFF2-40B4-BE49-F238E27FC236}">
-                <a16:creationId xmlns:a16="http://schemas.microsoft.com/office/drawing/2014/main" xmlns="" id="{5C05CAAB-DBA2-4548-AD5F-01BB97FBB207}"/>
+                <a16:creationId xmlns:a16="http://schemas.microsoft.com/office/drawing/2014/main" id="{5C05CAAB-DBA2-4548-AD5F-01BB97FBB207}"/>
               </a:ext>
             </a:extLst>
           </p:cNvPr>
@@ -8865,7 +8866,7 @@
     </p:spTree>
     <p:extLst>
       <p:ext uri="{BB962C8B-B14F-4D97-AF65-F5344CB8AC3E}">
-        <p14:creationId xmlns:p14="http://schemas.microsoft.com/office/powerpoint/2010/main" xmlns="" val="3321745044"/>
+        <p14:creationId xmlns:p14="http://schemas.microsoft.com/office/powerpoint/2010/main" val="3321745044"/>
       </p:ext>
     </p:extLst>
   </p:cSld>
@@ -8897,7 +8898,7 @@
           <p:cNvPr id="2" name="Title 1">
             <a:extLst>
               <a:ext uri="{FF2B5EF4-FFF2-40B4-BE49-F238E27FC236}">
-                <a16:creationId xmlns:a16="http://schemas.microsoft.com/office/drawing/2014/main" xmlns="" id="{F6640AAD-80AF-40E7-BE3F-43D32FC68ED4}"/>
+                <a16:creationId xmlns:a16="http://schemas.microsoft.com/office/drawing/2014/main" id="{F6640AAD-80AF-40E7-BE3F-43D32FC68ED4}"/>
               </a:ext>
             </a:extLst>
           </p:cNvPr>
@@ -8941,7 +8942,7 @@
           <p:cNvPr id="3" name="Subtitle 2">
             <a:extLst>
               <a:ext uri="{FF2B5EF4-FFF2-40B4-BE49-F238E27FC236}">
-                <a16:creationId xmlns:a16="http://schemas.microsoft.com/office/drawing/2014/main" xmlns="" id="{EC80FBD9-0977-4B2B-9318-30774BB0947C}"/>
+                <a16:creationId xmlns:a16="http://schemas.microsoft.com/office/drawing/2014/main" id="{EC80FBD9-0977-4B2B-9318-30774BB0947C}"/>
               </a:ext>
             </a:extLst>
           </p:cNvPr>
@@ -9014,7 +9015,7 @@
           <p:cNvPr id="5" name="Footer Placeholder 4">
             <a:extLst>
               <a:ext uri="{FF2B5EF4-FFF2-40B4-BE49-F238E27FC236}">
-                <a16:creationId xmlns:a16="http://schemas.microsoft.com/office/drawing/2014/main" xmlns="" id="{7F8C2A2A-62DB-40C0-8AE7-CB9B98649BB1}"/>
+                <a16:creationId xmlns:a16="http://schemas.microsoft.com/office/drawing/2014/main" id="{7F8C2A2A-62DB-40C0-8AE7-CB9B98649BB1}"/>
               </a:ext>
             </a:extLst>
           </p:cNvPr>
@@ -9055,7 +9056,7 @@
           <p:cNvPr id="6" name="Slide Number Placeholder 5">
             <a:extLst>
               <a:ext uri="{FF2B5EF4-FFF2-40B4-BE49-F238E27FC236}">
-                <a16:creationId xmlns:a16="http://schemas.microsoft.com/office/drawing/2014/main" xmlns="" id="{A401EAA4-F44C-4C1F-B8E3-1A3005300F50}"/>
+                <a16:creationId xmlns:a16="http://schemas.microsoft.com/office/drawing/2014/main" id="{A401EAA4-F44C-4C1F-B8E3-1A3005300F50}"/>
               </a:ext>
             </a:extLst>
           </p:cNvPr>
@@ -9093,7 +9094,7 @@
           <p:cNvPr id="7" name="Straight Connector 6">
             <a:extLst>
               <a:ext uri="{FF2B5EF4-FFF2-40B4-BE49-F238E27FC236}">
-                <a16:creationId xmlns:a16="http://schemas.microsoft.com/office/drawing/2014/main" xmlns="" id="{6939C974-0ED4-4915-BBF7-1FB00C18AD45}"/>
+                <a16:creationId xmlns:a16="http://schemas.microsoft.com/office/drawing/2014/main" id="{6939C974-0ED4-4915-BBF7-1FB00C18AD45}"/>
               </a:ext>
             </a:extLst>
           </p:cNvPr>
@@ -9146,7 +9147,7 @@
           <p:cNvPr id="9" name="Rectangle 8">
             <a:extLst>
               <a:ext uri="{FF2B5EF4-FFF2-40B4-BE49-F238E27FC236}">
-                <a16:creationId xmlns:a16="http://schemas.microsoft.com/office/drawing/2014/main" xmlns="" id="{515930B2-E36D-4D05-A6B3-CA1BF61D50CC}"/>
+                <a16:creationId xmlns:a16="http://schemas.microsoft.com/office/drawing/2014/main" id="{515930B2-E36D-4D05-A6B3-CA1BF61D50CC}"/>
               </a:ext>
             </a:extLst>
           </p:cNvPr>
@@ -9207,7 +9208,7 @@
           <p:cNvPr id="13" name="Picture Placeholder 12">
             <a:extLst>
               <a:ext uri="{FF2B5EF4-FFF2-40B4-BE49-F238E27FC236}">
-                <a16:creationId xmlns:a16="http://schemas.microsoft.com/office/drawing/2014/main" xmlns="" id="{9CEC7E0F-60E8-418B-978D-C607C82E97F7}"/>
+                <a16:creationId xmlns:a16="http://schemas.microsoft.com/office/drawing/2014/main" id="{9CEC7E0F-60E8-418B-978D-C607C82E97F7}"/>
               </a:ext>
             </a:extLst>
           </p:cNvPr>
@@ -9248,7 +9249,7 @@
     </p:spTree>
     <p:extLst>
       <p:ext uri="{BB962C8B-B14F-4D97-AF65-F5344CB8AC3E}">
-        <p14:creationId xmlns:p14="http://schemas.microsoft.com/office/powerpoint/2010/main" xmlns="" val="1299048612"/>
+        <p14:creationId xmlns:p14="http://schemas.microsoft.com/office/powerpoint/2010/main" val="1299048612"/>
       </p:ext>
     </p:extLst>
   </p:cSld>
@@ -9296,7 +9297,7 @@
           <p:cNvPr id="2" name="Title 1">
             <a:extLst>
               <a:ext uri="{FF2B5EF4-FFF2-40B4-BE49-F238E27FC236}">
-                <a16:creationId xmlns:a16="http://schemas.microsoft.com/office/drawing/2014/main" xmlns="" id="{9696CF8C-1EA0-4E47-AC60-CAC3B80A3C5D}"/>
+                <a16:creationId xmlns:a16="http://schemas.microsoft.com/office/drawing/2014/main" id="{9696CF8C-1EA0-4E47-AC60-CAC3B80A3C5D}"/>
               </a:ext>
             </a:extLst>
           </p:cNvPr>
@@ -9337,7 +9338,7 @@
           <p:cNvPr id="3" name="Content Placeholder 2">
             <a:extLst>
               <a:ext uri="{FF2B5EF4-FFF2-40B4-BE49-F238E27FC236}">
-                <a16:creationId xmlns:a16="http://schemas.microsoft.com/office/drawing/2014/main" xmlns="" id="{628CABF8-19D8-4F3C-994F-4D35EC7A2C3E}"/>
+                <a16:creationId xmlns:a16="http://schemas.microsoft.com/office/drawing/2014/main" id="{628CABF8-19D8-4F3C-994F-4D35EC7A2C3E}"/>
               </a:ext>
             </a:extLst>
           </p:cNvPr>
@@ -9435,7 +9436,7 @@
           <p:cNvPr id="4" name="Date Placeholder 3">
             <a:extLst>
               <a:ext uri="{FF2B5EF4-FFF2-40B4-BE49-F238E27FC236}">
-                <a16:creationId xmlns:a16="http://schemas.microsoft.com/office/drawing/2014/main" xmlns="" id="{D097BB2D-4E2C-4490-A2A3-4B68BCC5D2F9}"/>
+                <a16:creationId xmlns:a16="http://schemas.microsoft.com/office/drawing/2014/main" id="{D097BB2D-4E2C-4490-A2A3-4B68BCC5D2F9}"/>
               </a:ext>
             </a:extLst>
           </p:cNvPr>
@@ -9476,7 +9477,7 @@
           <p:cNvPr id="5" name="Footer Placeholder 4">
             <a:extLst>
               <a:ext uri="{FF2B5EF4-FFF2-40B4-BE49-F238E27FC236}">
-                <a16:creationId xmlns:a16="http://schemas.microsoft.com/office/drawing/2014/main" xmlns="" id="{6140F15D-DD72-46D5-BF0F-F5064710700E}"/>
+                <a16:creationId xmlns:a16="http://schemas.microsoft.com/office/drawing/2014/main" id="{6140F15D-DD72-46D5-BF0F-F5064710700E}"/>
               </a:ext>
             </a:extLst>
           </p:cNvPr>
@@ -9517,7 +9518,7 @@
           <p:cNvPr id="6" name="Slide Number Placeholder 5">
             <a:extLst>
               <a:ext uri="{FF2B5EF4-FFF2-40B4-BE49-F238E27FC236}">
-                <a16:creationId xmlns:a16="http://schemas.microsoft.com/office/drawing/2014/main" xmlns="" id="{5266FD4D-815A-431C-ADEF-DE6F236F617F}"/>
+                <a16:creationId xmlns:a16="http://schemas.microsoft.com/office/drawing/2014/main" id="{5266FD4D-815A-431C-ADEF-DE6F236F617F}"/>
               </a:ext>
             </a:extLst>
           </p:cNvPr>
@@ -9555,7 +9556,7 @@
           <p:cNvPr id="9" name="Graphic 22">
             <a:extLst>
               <a:ext uri="{FF2B5EF4-FFF2-40B4-BE49-F238E27FC236}">
-                <a16:creationId xmlns:a16="http://schemas.microsoft.com/office/drawing/2014/main" xmlns="" id="{4EADA2ED-8A8C-4D17-8798-F26BF3B4CE25}"/>
+                <a16:creationId xmlns:a16="http://schemas.microsoft.com/office/drawing/2014/main" id="{4EADA2ED-8A8C-4D17-8798-F26BF3B4CE25}"/>
               </a:ext>
             </a:extLst>
           </p:cNvPr>
@@ -9755,7 +9756,7 @@
           <p:cNvPr id="11" name="Graphic 23">
             <a:extLst>
               <a:ext uri="{FF2B5EF4-FFF2-40B4-BE49-F238E27FC236}">
-                <a16:creationId xmlns:a16="http://schemas.microsoft.com/office/drawing/2014/main" xmlns="" id="{54AB3A25-6605-4446-9E53-ACEECD25E27B}"/>
+                <a16:creationId xmlns:a16="http://schemas.microsoft.com/office/drawing/2014/main" id="{54AB3A25-6605-4446-9E53-ACEECD25E27B}"/>
               </a:ext>
             </a:extLst>
           </p:cNvPr>
@@ -9897,7 +9898,7 @@
     </p:spTree>
     <p:extLst>
       <p:ext uri="{BB962C8B-B14F-4D97-AF65-F5344CB8AC3E}">
-        <p14:creationId xmlns:p14="http://schemas.microsoft.com/office/powerpoint/2010/main" xmlns="" val="122263523"/>
+        <p14:creationId xmlns:p14="http://schemas.microsoft.com/office/powerpoint/2010/main" val="122263523"/>
       </p:ext>
     </p:extLst>
   </p:cSld>
@@ -9929,7 +9930,7 @@
           <p:cNvPr id="2" name="Title 1">
             <a:extLst>
               <a:ext uri="{FF2B5EF4-FFF2-40B4-BE49-F238E27FC236}">
-                <a16:creationId xmlns:a16="http://schemas.microsoft.com/office/drawing/2014/main" xmlns="" id="{E9257166-6921-4546-BA2C-99E464681F40}"/>
+                <a16:creationId xmlns:a16="http://schemas.microsoft.com/office/drawing/2014/main" id="{E9257166-6921-4546-BA2C-99E464681F40}"/>
               </a:ext>
             </a:extLst>
           </p:cNvPr>
@@ -9957,7 +9958,7 @@
           <p:cNvPr id="3" name="Content Placeholder 2">
             <a:extLst>
               <a:ext uri="{FF2B5EF4-FFF2-40B4-BE49-F238E27FC236}">
-                <a16:creationId xmlns:a16="http://schemas.microsoft.com/office/drawing/2014/main" xmlns="" id="{695B9122-6371-4049-B57A-33DED7DA2F76}"/>
+                <a16:creationId xmlns:a16="http://schemas.microsoft.com/office/drawing/2014/main" id="{695B9122-6371-4049-B57A-33DED7DA2F76}"/>
               </a:ext>
             </a:extLst>
           </p:cNvPr>
@@ -10038,7 +10039,7 @@
           <p:cNvPr id="4" name="Content Placeholder 3">
             <a:extLst>
               <a:ext uri="{FF2B5EF4-FFF2-40B4-BE49-F238E27FC236}">
-                <a16:creationId xmlns:a16="http://schemas.microsoft.com/office/drawing/2014/main" xmlns="" id="{BA14555D-0753-4312-A26B-2338813F9BB1}"/>
+                <a16:creationId xmlns:a16="http://schemas.microsoft.com/office/drawing/2014/main" id="{BA14555D-0753-4312-A26B-2338813F9BB1}"/>
               </a:ext>
             </a:extLst>
           </p:cNvPr>
@@ -10118,7 +10119,7 @@
           <p:cNvPr id="8" name="Straight Connector 7">
             <a:extLst>
               <a:ext uri="{FF2B5EF4-FFF2-40B4-BE49-F238E27FC236}">
-                <a16:creationId xmlns:a16="http://schemas.microsoft.com/office/drawing/2014/main" xmlns="" id="{3FB7E8F4-3FB3-45AB-A381-9093CA95AAEE}"/>
+                <a16:creationId xmlns:a16="http://schemas.microsoft.com/office/drawing/2014/main" id="{3FB7E8F4-3FB3-45AB-A381-9093CA95AAEE}"/>
               </a:ext>
             </a:extLst>
           </p:cNvPr>
@@ -10171,7 +10172,7 @@
           <p:cNvPr id="10" name="Graphic 15">
             <a:extLst>
               <a:ext uri="{FF2B5EF4-FFF2-40B4-BE49-F238E27FC236}">
-                <a16:creationId xmlns:a16="http://schemas.microsoft.com/office/drawing/2014/main" xmlns="" id="{D8685329-C6A1-4CB4-8AAE-150D0341F6A2}"/>
+                <a16:creationId xmlns:a16="http://schemas.microsoft.com/office/drawing/2014/main" id="{D8685329-C6A1-4CB4-8AAE-150D0341F6A2}"/>
               </a:ext>
             </a:extLst>
           </p:cNvPr>
@@ -10371,7 +10372,7 @@
           <p:cNvPr id="12" name="Graphic 16">
             <a:extLst>
               <a:ext uri="{FF2B5EF4-FFF2-40B4-BE49-F238E27FC236}">
-                <a16:creationId xmlns:a16="http://schemas.microsoft.com/office/drawing/2014/main" xmlns="" id="{83CE1DAA-30A3-41AE-8AE1-A7EE5C48A6F3}"/>
+                <a16:creationId xmlns:a16="http://schemas.microsoft.com/office/drawing/2014/main" id="{83CE1DAA-30A3-41AE-8AE1-A7EE5C48A6F3}"/>
               </a:ext>
             </a:extLst>
           </p:cNvPr>
@@ -10515,7 +10516,7 @@
           <p:cNvPr id="14" name="Graphic 14">
             <a:extLst>
               <a:ext uri="{FF2B5EF4-FFF2-40B4-BE49-F238E27FC236}">
-                <a16:creationId xmlns:a16="http://schemas.microsoft.com/office/drawing/2014/main" xmlns="" id="{065162DD-7ACB-4F9C-90DD-24C743035892}"/>
+                <a16:creationId xmlns:a16="http://schemas.microsoft.com/office/drawing/2014/main" id="{065162DD-7ACB-4F9C-90DD-24C743035892}"/>
               </a:ext>
             </a:extLst>
           </p:cNvPr>
@@ -10609,7 +10610,7 @@
     </p:spTree>
     <p:extLst>
       <p:ext uri="{BB962C8B-B14F-4D97-AF65-F5344CB8AC3E}">
-        <p14:creationId xmlns:p14="http://schemas.microsoft.com/office/powerpoint/2010/main" xmlns="" val="1205288056"/>
+        <p14:creationId xmlns:p14="http://schemas.microsoft.com/office/powerpoint/2010/main" val="1205288056"/>
       </p:ext>
     </p:extLst>
   </p:cSld>
@@ -10646,7 +10647,7 @@
           <p:cNvPr id="2" name="Title Placeholder 1">
             <a:extLst>
               <a:ext uri="{FF2B5EF4-FFF2-40B4-BE49-F238E27FC236}">
-                <a16:creationId xmlns:a16="http://schemas.microsoft.com/office/drawing/2014/main" xmlns="" id="{0FDA4224-F4E4-47A4-ACF7-2317493908AE}"/>
+                <a16:creationId xmlns:a16="http://schemas.microsoft.com/office/drawing/2014/main" id="{0FDA4224-F4E4-47A4-ACF7-2317493908AE}"/>
               </a:ext>
             </a:extLst>
           </p:cNvPr>
@@ -10684,7 +10685,7 @@
           <p:cNvPr id="3" name="Text Placeholder 2">
             <a:extLst>
               <a:ext uri="{FF2B5EF4-FFF2-40B4-BE49-F238E27FC236}">
-                <a16:creationId xmlns:a16="http://schemas.microsoft.com/office/drawing/2014/main" xmlns="" id="{31679907-DC49-4B86-A34C-C97DBC26A938}"/>
+                <a16:creationId xmlns:a16="http://schemas.microsoft.com/office/drawing/2014/main" id="{31679907-DC49-4B86-A34C-C97DBC26A938}"/>
               </a:ext>
             </a:extLst>
           </p:cNvPr>
@@ -10751,7 +10752,7 @@
           <p:cNvPr id="4" name="Date Placeholder 3">
             <a:extLst>
               <a:ext uri="{FF2B5EF4-FFF2-40B4-BE49-F238E27FC236}">
-                <a16:creationId xmlns:a16="http://schemas.microsoft.com/office/drawing/2014/main" xmlns="" id="{25DBC8A0-34FC-4B6E-B42B-A721267D890E}"/>
+                <a16:creationId xmlns:a16="http://schemas.microsoft.com/office/drawing/2014/main" id="{25DBC8A0-34FC-4B6E-B42B-A721267D890E}"/>
               </a:ext>
             </a:extLst>
           </p:cNvPr>
@@ -10797,7 +10798,7 @@
           <p:cNvPr id="5" name="Footer Placeholder 4">
             <a:extLst>
               <a:ext uri="{FF2B5EF4-FFF2-40B4-BE49-F238E27FC236}">
-                <a16:creationId xmlns:a16="http://schemas.microsoft.com/office/drawing/2014/main" xmlns="" id="{609AC0B6-4CC4-4E41-8A4D-F62E17F28576}"/>
+                <a16:creationId xmlns:a16="http://schemas.microsoft.com/office/drawing/2014/main" id="{609AC0B6-4CC4-4E41-8A4D-F62E17F28576}"/>
               </a:ext>
             </a:extLst>
           </p:cNvPr>
@@ -10843,7 +10844,7 @@
           <p:cNvPr id="6" name="Slide Number Placeholder 5">
             <a:extLst>
               <a:ext uri="{FF2B5EF4-FFF2-40B4-BE49-F238E27FC236}">
-                <a16:creationId xmlns:a16="http://schemas.microsoft.com/office/drawing/2014/main" xmlns="" id="{F6C0E9BD-90BD-46AE-8A0D-06796ADB760A}"/>
+                <a16:creationId xmlns:a16="http://schemas.microsoft.com/office/drawing/2014/main" id="{F6C0E9BD-90BD-46AE-8A0D-06796ADB760A}"/>
               </a:ext>
             </a:extLst>
           </p:cNvPr>
@@ -10889,7 +10890,7 @@
     </p:spTree>
     <p:extLst>
       <p:ext uri="{BB962C8B-B14F-4D97-AF65-F5344CB8AC3E}">
-        <p14:creationId xmlns:p14="http://schemas.microsoft.com/office/powerpoint/2010/main" xmlns="" val="1999713800"/>
+        <p14:creationId xmlns:p14="http://schemas.microsoft.com/office/powerpoint/2010/main" val="1999713800"/>
       </p:ext>
     </p:extLst>
   </p:cSld>
@@ -11219,7 +11220,7 @@
           <p:cNvPr id="2" name="Title 1">
             <a:extLst>
               <a:ext uri="{FF2B5EF4-FFF2-40B4-BE49-F238E27FC236}">
-                <a16:creationId xmlns:a16="http://schemas.microsoft.com/office/drawing/2014/main" xmlns="" id="{C3A9968B-2619-4F71-AB00-4C493E120805}"/>
+                <a16:creationId xmlns:a16="http://schemas.microsoft.com/office/drawing/2014/main" id="{C3A9968B-2619-4F71-AB00-4C493E120805}"/>
               </a:ext>
             </a:extLst>
           </p:cNvPr>
@@ -11269,7 +11270,7 @@
           <p:cNvPr id="3" name="Subtitle 2">
             <a:extLst>
               <a:ext uri="{FF2B5EF4-FFF2-40B4-BE49-F238E27FC236}">
-                <a16:creationId xmlns:a16="http://schemas.microsoft.com/office/drawing/2014/main" xmlns="" id="{A5F14073-9F68-4B7E-A576-26899D58C7A9}"/>
+                <a16:creationId xmlns:a16="http://schemas.microsoft.com/office/drawing/2014/main" id="{A5F14073-9F68-4B7E-A576-26899D58C7A9}"/>
               </a:ext>
             </a:extLst>
           </p:cNvPr>
@@ -11360,7 +11361,7 @@
           <p:cNvPr id="5" name="Picture 4">
             <a:extLst>
               <a:ext uri="{FF2B5EF4-FFF2-40B4-BE49-F238E27FC236}">
-                <a16:creationId xmlns:a16="http://schemas.microsoft.com/office/drawing/2014/main" xmlns="" id="{67AB4EFB-C48E-435A-8240-EA7D404E1859}"/>
+                <a16:creationId xmlns:a16="http://schemas.microsoft.com/office/drawing/2014/main" id="{67AB4EFB-C48E-435A-8240-EA7D404E1859}"/>
               </a:ext>
             </a:extLst>
           </p:cNvPr>
@@ -11388,20 +11389,13 @@
     </p:spTree>
     <p:extLst>
       <p:ext uri="{BB962C8B-B14F-4D97-AF65-F5344CB8AC3E}">
-        <p14:creationId xmlns:p14="http://schemas.microsoft.com/office/powerpoint/2010/main" xmlns="" val="114769864"/>
+        <p14:creationId xmlns:p14="http://schemas.microsoft.com/office/powerpoint/2010/main" val="114769864"/>
       </p:ext>
     </p:extLst>
   </p:cSld>
   <p:clrMapOvr>
     <a:masterClrMapping/>
   </p:clrMapOvr>
-  <p:timing>
-    <p:tnLst>
-      <p:par>
-        <p:cTn id="1" dur="indefinite" restart="never" nodeType="tmRoot"/>
-      </p:par>
-    </p:tnLst>
-  </p:timing>
 </p:sld>
 </file>
 
@@ -11427,7 +11421,7 @@
           <p:cNvPr id="3" name="Title 2">
             <a:extLst>
               <a:ext uri="{FF2B5EF4-FFF2-40B4-BE49-F238E27FC236}">
-                <a16:creationId xmlns:a16="http://schemas.microsoft.com/office/drawing/2014/main" xmlns="" id="{1DDBBC93-70DF-4E4E-98E3-08124185AB18}"/>
+                <a16:creationId xmlns:a16="http://schemas.microsoft.com/office/drawing/2014/main" id="{1DDBBC93-70DF-4E4E-98E3-08124185AB18}"/>
               </a:ext>
             </a:extLst>
           </p:cNvPr>
@@ -11469,7 +11463,7 @@
           <p:cNvPr id="9" name="Slide Number Placeholder 8">
             <a:extLst>
               <a:ext uri="{FF2B5EF4-FFF2-40B4-BE49-F238E27FC236}">
-                <a16:creationId xmlns:a16="http://schemas.microsoft.com/office/drawing/2014/main" xmlns="" id="{6DCF8D89-56D9-4E2B-9838-07DFB6E9D2BB}"/>
+                <a16:creationId xmlns:a16="http://schemas.microsoft.com/office/drawing/2014/main" id="{6DCF8D89-56D9-4E2B-9838-07DFB6E9D2BB}"/>
               </a:ext>
             </a:extLst>
           </p:cNvPr>
@@ -11499,7 +11493,7 @@
           <p:cNvPr id="6146" name="Picture 2">
             <a:extLst>
               <a:ext uri="{FF2B5EF4-FFF2-40B4-BE49-F238E27FC236}">
-                <a16:creationId xmlns:a16="http://schemas.microsoft.com/office/drawing/2014/main" xmlns="" id="{0213A615-AB5D-4B48-BEC0-D6C3C624D942}"/>
+                <a16:creationId xmlns:a16="http://schemas.microsoft.com/office/drawing/2014/main" id="{0213A615-AB5D-4B48-BEC0-D6C3C624D942}"/>
               </a:ext>
             </a:extLst>
           </p:cNvPr>
@@ -11512,7 +11506,7 @@
           <a:blip r:embed="rId2">
             <a:extLst>
               <a:ext uri="{28A0092B-C50C-407E-A947-70E740481C1C}">
-                <a14:useLocalDpi xmlns:a14="http://schemas.microsoft.com/office/drawing/2010/main" xmlns="" val="0"/>
+                <a14:useLocalDpi xmlns:a14="http://schemas.microsoft.com/office/drawing/2010/main" val="0"/>
               </a:ext>
             </a:extLst>
           </a:blip>
@@ -11532,7 +11526,7 @@
           <a:noFill/>
           <a:extLst>
             <a:ext uri="{909E8E84-426E-40DD-AFC4-6F175D3DCCD1}">
-              <a14:hiddenFill xmlns:a14="http://schemas.microsoft.com/office/drawing/2010/main" xmlns="">
+              <a14:hiddenFill xmlns:a14="http://schemas.microsoft.com/office/drawing/2010/main">
                 <a:solidFill>
                   <a:srgbClr val="FFFFFF"/>
                 </a:solidFill>
@@ -11544,20 +11538,13 @@
     </p:spTree>
     <p:extLst>
       <p:ext uri="{BB962C8B-B14F-4D97-AF65-F5344CB8AC3E}">
-        <p14:creationId xmlns:p14="http://schemas.microsoft.com/office/powerpoint/2010/main" xmlns="" val="2913615278"/>
+        <p14:creationId xmlns:p14="http://schemas.microsoft.com/office/powerpoint/2010/main" val="2913615278"/>
       </p:ext>
     </p:extLst>
   </p:cSld>
   <p:clrMapOvr>
     <a:masterClrMapping/>
   </p:clrMapOvr>
-  <p:timing>
-    <p:tnLst>
-      <p:par>
-        <p:cTn id="1" dur="indefinite" restart="never" nodeType="tmRoot"/>
-      </p:par>
-    </p:tnLst>
-  </p:timing>
 </p:sld>
 </file>
 
@@ -11583,7 +11570,7 @@
           <p:cNvPr id="3" name="Title 2">
             <a:extLst>
               <a:ext uri="{FF2B5EF4-FFF2-40B4-BE49-F238E27FC236}">
-                <a16:creationId xmlns:a16="http://schemas.microsoft.com/office/drawing/2014/main" xmlns="" id="{1DDBBC93-70DF-4E4E-98E3-08124185AB18}"/>
+                <a16:creationId xmlns:a16="http://schemas.microsoft.com/office/drawing/2014/main" id="{1DDBBC93-70DF-4E4E-98E3-08124185AB18}"/>
               </a:ext>
             </a:extLst>
           </p:cNvPr>
@@ -11642,7 +11629,7 @@
           <p:cNvPr id="9" name="Slide Number Placeholder 8">
             <a:extLst>
               <a:ext uri="{FF2B5EF4-FFF2-40B4-BE49-F238E27FC236}">
-                <a16:creationId xmlns:a16="http://schemas.microsoft.com/office/drawing/2014/main" xmlns="" id="{6DCF8D89-56D9-4E2B-9838-07DFB6E9D2BB}"/>
+                <a16:creationId xmlns:a16="http://schemas.microsoft.com/office/drawing/2014/main" id="{6DCF8D89-56D9-4E2B-9838-07DFB6E9D2BB}"/>
               </a:ext>
             </a:extLst>
           </p:cNvPr>
@@ -11672,7 +11659,7 @@
           <p:cNvPr id="2" name="Table 1">
             <a:extLst>
               <a:ext uri="{FF2B5EF4-FFF2-40B4-BE49-F238E27FC236}">
-                <a16:creationId xmlns:a16="http://schemas.microsoft.com/office/drawing/2014/main" xmlns="" id="{6B2DED4F-09E3-4589-9B18-31D637E63867}"/>
+                <a16:creationId xmlns:a16="http://schemas.microsoft.com/office/drawing/2014/main" id="{6B2DED4F-09E3-4589-9B18-31D637E63867}"/>
               </a:ext>
             </a:extLst>
           </p:cNvPr>
@@ -11682,7 +11669,7 @@
           <p:nvPr>
             <p:extLst>
               <p:ext uri="{D42A27DB-BD31-4B8C-83A1-F6EECF244321}">
-                <p14:modId xmlns:p14="http://schemas.microsoft.com/office/powerpoint/2010/main" xmlns="" val="2021422775"/>
+                <p14:modId xmlns:p14="http://schemas.microsoft.com/office/powerpoint/2010/main" val="2021422775"/>
               </p:ext>
             </p:extLst>
           </p:nvPr>
@@ -11701,21 +11688,21 @@
                 <a:gridCol w="1836659">
                   <a:extLst>
                     <a:ext uri="{9D8B030D-6E8A-4147-A177-3AD203B41FA5}">
-                      <a16:colId xmlns:a16="http://schemas.microsoft.com/office/drawing/2014/main" xmlns="" val="2429560252"/>
+                      <a16:colId xmlns:a16="http://schemas.microsoft.com/office/drawing/2014/main" val="2429560252"/>
                     </a:ext>
                   </a:extLst>
                 </a:gridCol>
                 <a:gridCol w="1880739">
                   <a:extLst>
                     <a:ext uri="{9D8B030D-6E8A-4147-A177-3AD203B41FA5}">
-                      <a16:colId xmlns:a16="http://schemas.microsoft.com/office/drawing/2014/main" xmlns="" val="3319016529"/>
+                      <a16:colId xmlns:a16="http://schemas.microsoft.com/office/drawing/2014/main" val="3319016529"/>
                     </a:ext>
                   </a:extLst>
                 </a:gridCol>
                 <a:gridCol w="1858698">
                   <a:extLst>
                     <a:ext uri="{9D8B030D-6E8A-4147-A177-3AD203B41FA5}">
-                      <a16:colId xmlns:a16="http://schemas.microsoft.com/office/drawing/2014/main" xmlns="" val="3655515832"/>
+                      <a16:colId xmlns:a16="http://schemas.microsoft.com/office/drawing/2014/main" val="3655515832"/>
                     </a:ext>
                   </a:extLst>
                 </a:gridCol>
@@ -11810,7 +11797,7 @@
                 </a:tc>
                 <a:extLst>
                   <a:ext uri="{0D108BD9-81ED-4DB2-BD59-A6C34878D82A}">
-                    <a16:rowId xmlns:a16="http://schemas.microsoft.com/office/drawing/2014/main" xmlns="" val="2765379268"/>
+                    <a16:rowId xmlns:a16="http://schemas.microsoft.com/office/drawing/2014/main" val="2765379268"/>
                   </a:ext>
                 </a:extLst>
               </a:tr>
@@ -11904,7 +11891,7 @@
                 </a:tc>
                 <a:extLst>
                   <a:ext uri="{0D108BD9-81ED-4DB2-BD59-A6C34878D82A}">
-                    <a16:rowId xmlns:a16="http://schemas.microsoft.com/office/drawing/2014/main" xmlns="" val="3011296898"/>
+                    <a16:rowId xmlns:a16="http://schemas.microsoft.com/office/drawing/2014/main" val="3011296898"/>
                   </a:ext>
                 </a:extLst>
               </a:tr>
@@ -11998,7 +11985,7 @@
                 </a:tc>
                 <a:extLst>
                   <a:ext uri="{0D108BD9-81ED-4DB2-BD59-A6C34878D82A}">
-                    <a16:rowId xmlns:a16="http://schemas.microsoft.com/office/drawing/2014/main" xmlns="" val="900455711"/>
+                    <a16:rowId xmlns:a16="http://schemas.microsoft.com/office/drawing/2014/main" val="900455711"/>
                   </a:ext>
                 </a:extLst>
               </a:tr>
@@ -12092,7 +12079,7 @@
                 </a:tc>
                 <a:extLst>
                   <a:ext uri="{0D108BD9-81ED-4DB2-BD59-A6C34878D82A}">
-                    <a16:rowId xmlns:a16="http://schemas.microsoft.com/office/drawing/2014/main" xmlns="" val="4089483536"/>
+                    <a16:rowId xmlns:a16="http://schemas.microsoft.com/office/drawing/2014/main" val="4089483536"/>
                   </a:ext>
                 </a:extLst>
               </a:tr>
@@ -12186,7 +12173,7 @@
                 </a:tc>
                 <a:extLst>
                   <a:ext uri="{0D108BD9-81ED-4DB2-BD59-A6C34878D82A}">
-                    <a16:rowId xmlns:a16="http://schemas.microsoft.com/office/drawing/2014/main" xmlns="" val="1329126502"/>
+                    <a16:rowId xmlns:a16="http://schemas.microsoft.com/office/drawing/2014/main" val="1329126502"/>
                   </a:ext>
                 </a:extLst>
               </a:tr>
@@ -12280,7 +12267,7 @@
                 </a:tc>
                 <a:extLst>
                   <a:ext uri="{0D108BD9-81ED-4DB2-BD59-A6C34878D82A}">
-                    <a16:rowId xmlns:a16="http://schemas.microsoft.com/office/drawing/2014/main" xmlns="" val="956909871"/>
+                    <a16:rowId xmlns:a16="http://schemas.microsoft.com/office/drawing/2014/main" val="956909871"/>
                   </a:ext>
                 </a:extLst>
               </a:tr>
@@ -12374,7 +12361,7 @@
                 </a:tc>
                 <a:extLst>
                   <a:ext uri="{0D108BD9-81ED-4DB2-BD59-A6C34878D82A}">
-                    <a16:rowId xmlns:a16="http://schemas.microsoft.com/office/drawing/2014/main" xmlns="" val="3144633354"/>
+                    <a16:rowId xmlns:a16="http://schemas.microsoft.com/office/drawing/2014/main" val="3144633354"/>
                   </a:ext>
                 </a:extLst>
               </a:tr>
@@ -12468,7 +12455,7 @@
                 </a:tc>
                 <a:extLst>
                   <a:ext uri="{0D108BD9-81ED-4DB2-BD59-A6C34878D82A}">
-                    <a16:rowId xmlns:a16="http://schemas.microsoft.com/office/drawing/2014/main" xmlns="" val="1261369749"/>
+                    <a16:rowId xmlns:a16="http://schemas.microsoft.com/office/drawing/2014/main" val="1261369749"/>
                   </a:ext>
                 </a:extLst>
               </a:tr>
@@ -12562,7 +12549,7 @@
                 </a:tc>
                 <a:extLst>
                   <a:ext uri="{0D108BD9-81ED-4DB2-BD59-A6C34878D82A}">
-                    <a16:rowId xmlns:a16="http://schemas.microsoft.com/office/drawing/2014/main" xmlns="" val="1528524348"/>
+                    <a16:rowId xmlns:a16="http://schemas.microsoft.com/office/drawing/2014/main" val="1528524348"/>
                   </a:ext>
                 </a:extLst>
               </a:tr>
@@ -12656,7 +12643,7 @@
                 </a:tc>
                 <a:extLst>
                   <a:ext uri="{0D108BD9-81ED-4DB2-BD59-A6C34878D82A}">
-                    <a16:rowId xmlns:a16="http://schemas.microsoft.com/office/drawing/2014/main" xmlns="" val="1737344715"/>
+                    <a16:rowId xmlns:a16="http://schemas.microsoft.com/office/drawing/2014/main" val="1737344715"/>
                   </a:ext>
                 </a:extLst>
               </a:tr>
@@ -12750,7 +12737,7 @@
                 </a:tc>
                 <a:extLst>
                   <a:ext uri="{0D108BD9-81ED-4DB2-BD59-A6C34878D82A}">
-                    <a16:rowId xmlns:a16="http://schemas.microsoft.com/office/drawing/2014/main" xmlns="" val="600425598"/>
+                    <a16:rowId xmlns:a16="http://schemas.microsoft.com/office/drawing/2014/main" val="600425598"/>
                   </a:ext>
                 </a:extLst>
               </a:tr>
@@ -12761,20 +12748,13 @@
     </p:spTree>
     <p:extLst>
       <p:ext uri="{BB962C8B-B14F-4D97-AF65-F5344CB8AC3E}">
-        <p14:creationId xmlns:p14="http://schemas.microsoft.com/office/powerpoint/2010/main" xmlns="" val="2548584714"/>
+        <p14:creationId xmlns:p14="http://schemas.microsoft.com/office/powerpoint/2010/main" val="2548584714"/>
       </p:ext>
     </p:extLst>
   </p:cSld>
   <p:clrMapOvr>
     <a:masterClrMapping/>
   </p:clrMapOvr>
-  <p:timing>
-    <p:tnLst>
-      <p:par>
-        <p:cTn id="1" dur="indefinite" restart="never" nodeType="tmRoot"/>
-      </p:par>
-    </p:tnLst>
-  </p:timing>
 </p:sld>
 </file>
 
@@ -12817,10 +12797,9 @@
           <a:p>
             <a:pPr algn="ctr"/>
             <a:r>
-              <a:rPr lang="en-US" dirty="0" smtClean="0"/>
+              <a:rPr lang="en-US" dirty="0"/>
               <a:t>Empathy map</a:t>
             </a:r>
-            <a:endParaRPr lang="en-US" dirty="0"/>
           </a:p>
         </p:txBody>
       </p:sp>
@@ -12902,7 +12881,7 @@
           <p:cNvPr id="3" name="Title 2">
             <a:extLst>
               <a:ext uri="{FF2B5EF4-FFF2-40B4-BE49-F238E27FC236}">
-                <a16:creationId xmlns:a16="http://schemas.microsoft.com/office/drawing/2014/main" xmlns="" id="{1DDBBC93-70DF-4E4E-98E3-08124185AB18}"/>
+                <a16:creationId xmlns:a16="http://schemas.microsoft.com/office/drawing/2014/main" id="{1DDBBC93-70DF-4E4E-98E3-08124185AB18}"/>
               </a:ext>
             </a:extLst>
           </p:cNvPr>
@@ -12944,7 +12923,7 @@
           <p:cNvPr id="9" name="Slide Number Placeholder 8">
             <a:extLst>
               <a:ext uri="{FF2B5EF4-FFF2-40B4-BE49-F238E27FC236}">
-                <a16:creationId xmlns:a16="http://schemas.microsoft.com/office/drawing/2014/main" xmlns="" id="{6DCF8D89-56D9-4E2B-9838-07DFB6E9D2BB}"/>
+                <a16:creationId xmlns:a16="http://schemas.microsoft.com/office/drawing/2014/main" id="{6DCF8D89-56D9-4E2B-9838-07DFB6E9D2BB}"/>
               </a:ext>
             </a:extLst>
           </p:cNvPr>
@@ -12974,7 +12953,7 @@
           <p:cNvPr id="4" name="Picture 3">
             <a:extLst>
               <a:ext uri="{FF2B5EF4-FFF2-40B4-BE49-F238E27FC236}">
-                <a16:creationId xmlns:a16="http://schemas.microsoft.com/office/drawing/2014/main" xmlns="" id="{6B8FEA3C-8922-4E7C-880B-A9B71B7AC62A}"/>
+                <a16:creationId xmlns:a16="http://schemas.microsoft.com/office/drawing/2014/main" id="{6B8FEA3C-8922-4E7C-880B-A9B71B7AC62A}"/>
               </a:ext>
             </a:extLst>
           </p:cNvPr>
@@ -13002,20 +12981,13 @@
     </p:spTree>
     <p:extLst>
       <p:ext uri="{BB962C8B-B14F-4D97-AF65-F5344CB8AC3E}">
-        <p14:creationId xmlns:p14="http://schemas.microsoft.com/office/powerpoint/2010/main" xmlns="" val="2123136451"/>
+        <p14:creationId xmlns:p14="http://schemas.microsoft.com/office/powerpoint/2010/main" val="2123136451"/>
       </p:ext>
     </p:extLst>
   </p:cSld>
   <p:clrMapOvr>
     <a:masterClrMapping/>
   </p:clrMapOvr>
-  <p:timing>
-    <p:tnLst>
-      <p:par>
-        <p:cTn id="1" dur="indefinite" restart="never" nodeType="tmRoot"/>
-      </p:par>
-    </p:tnLst>
-  </p:timing>
 </p:sld>
 </file>
 
@@ -13041,7 +13013,7 @@
           <p:cNvPr id="3" name="Title 2">
             <a:extLst>
               <a:ext uri="{FF2B5EF4-FFF2-40B4-BE49-F238E27FC236}">
-                <a16:creationId xmlns:a16="http://schemas.microsoft.com/office/drawing/2014/main" xmlns="" id="{1DDBBC93-70DF-4E4E-98E3-08124185AB18}"/>
+                <a16:creationId xmlns:a16="http://schemas.microsoft.com/office/drawing/2014/main" id="{1DDBBC93-70DF-4E4E-98E3-08124185AB18}"/>
               </a:ext>
             </a:extLst>
           </p:cNvPr>
@@ -13083,7 +13055,7 @@
           <p:cNvPr id="9" name="Slide Number Placeholder 8">
             <a:extLst>
               <a:ext uri="{FF2B5EF4-FFF2-40B4-BE49-F238E27FC236}">
-                <a16:creationId xmlns:a16="http://schemas.microsoft.com/office/drawing/2014/main" xmlns="" id="{6DCF8D89-56D9-4E2B-9838-07DFB6E9D2BB}"/>
+                <a16:creationId xmlns:a16="http://schemas.microsoft.com/office/drawing/2014/main" id="{6DCF8D89-56D9-4E2B-9838-07DFB6E9D2BB}"/>
               </a:ext>
             </a:extLst>
           </p:cNvPr>
@@ -13113,7 +13085,7 @@
           <p:cNvPr id="6" name="Picture 5">
             <a:extLst>
               <a:ext uri="{FF2B5EF4-FFF2-40B4-BE49-F238E27FC236}">
-                <a16:creationId xmlns:a16="http://schemas.microsoft.com/office/drawing/2014/main" xmlns="" id="{18F0A0B9-033E-47F4-8F89-CED6EE1DEFE4}"/>
+                <a16:creationId xmlns:a16="http://schemas.microsoft.com/office/drawing/2014/main" id="{18F0A0B9-033E-47F4-8F89-CED6EE1DEFE4}"/>
               </a:ext>
             </a:extLst>
           </p:cNvPr>
@@ -13141,20 +13113,13 @@
     </p:spTree>
     <p:extLst>
       <p:ext uri="{BB962C8B-B14F-4D97-AF65-F5344CB8AC3E}">
-        <p14:creationId xmlns:p14="http://schemas.microsoft.com/office/powerpoint/2010/main" xmlns="" val="631068472"/>
+        <p14:creationId xmlns:p14="http://schemas.microsoft.com/office/powerpoint/2010/main" val="631068472"/>
       </p:ext>
     </p:extLst>
   </p:cSld>
   <p:clrMapOvr>
     <a:masterClrMapping/>
   </p:clrMapOvr>
-  <p:timing>
-    <p:tnLst>
-      <p:par>
-        <p:cTn id="1" dur="indefinite" restart="never" nodeType="tmRoot"/>
-      </p:par>
-    </p:tnLst>
-  </p:timing>
 </p:sld>
 </file>
 
@@ -13180,7 +13145,229 @@
           <p:cNvPr id="3" name="Title 2">
             <a:extLst>
               <a:ext uri="{FF2B5EF4-FFF2-40B4-BE49-F238E27FC236}">
-                <a16:creationId xmlns:a16="http://schemas.microsoft.com/office/drawing/2014/main" xmlns="" id="{1DDBBC93-70DF-4E4E-98E3-08124185AB18}"/>
+                <a16:creationId xmlns:a16="http://schemas.microsoft.com/office/drawing/2014/main" id="{1DDBBC93-70DF-4E4E-98E3-08124185AB18}"/>
+              </a:ext>
+            </a:extLst>
+          </p:cNvPr>
+          <p:cNvSpPr>
+            <a:spLocks noGrp="1"/>
+          </p:cNvSpPr>
+          <p:nvPr>
+            <p:ph type="title"/>
+          </p:nvPr>
+        </p:nvSpPr>
+        <p:spPr>
+          <a:xfrm>
+            <a:off x="1088994" y="219138"/>
+            <a:ext cx="10014012" cy="793036"/>
+          </a:xfrm>
+        </p:spPr>
+        <p:txBody>
+          <a:bodyPr>
+            <a:normAutofit/>
+          </a:bodyPr>
+          <a:lstStyle/>
+          <a:p>
+            <a:pPr algn="ctr"/>
+            <a:r>
+              <a:rPr lang="bg-BG" sz="4800" b="1" cap="all" spc="400" dirty="0">
+                <a:solidFill>
+                  <a:schemeClr val="bg1"/>
+                </a:solidFill>
+                <a:latin typeface="+mn-lt"/>
+              </a:rPr>
+              <a:t>Прототип</a:t>
+            </a:r>
+            <a:endParaRPr lang="en-US" sz="4800" dirty="0"/>
+          </a:p>
+        </p:txBody>
+      </p:sp>
+      <p:sp>
+        <p:nvSpPr>
+          <p:cNvPr id="9" name="Slide Number Placeholder 8">
+            <a:extLst>
+              <a:ext uri="{FF2B5EF4-FFF2-40B4-BE49-F238E27FC236}">
+                <a16:creationId xmlns:a16="http://schemas.microsoft.com/office/drawing/2014/main" id="{6DCF8D89-56D9-4E2B-9838-07DFB6E9D2BB}"/>
+              </a:ext>
+            </a:extLst>
+          </p:cNvPr>
+          <p:cNvSpPr>
+            <a:spLocks noGrp="1"/>
+          </p:cNvSpPr>
+          <p:nvPr>
+            <p:ph type="sldNum" sz="quarter" idx="12"/>
+          </p:nvPr>
+        </p:nvSpPr>
+        <p:spPr/>
+        <p:txBody>
+          <a:bodyPr/>
+          <a:lstStyle/>
+          <a:p>
+            <a:fld id="{D8DA9DAA-006C-4F4B-980E-E3DF019B24E2}" type="slidenum">
+              <a:rPr lang="en-US" smtClean="0"/>
+              <a:pPr/>
+              <a:t>15</a:t>
+            </a:fld>
+            <a:endParaRPr lang="en-US" dirty="0"/>
+          </a:p>
+        </p:txBody>
+      </p:sp>
+      <p:pic>
+        <p:nvPicPr>
+          <p:cNvPr id="5" name="Picture 4">
+            <a:extLst>
+              <a:ext uri="{FF2B5EF4-FFF2-40B4-BE49-F238E27FC236}">
+                <a16:creationId xmlns:a16="http://schemas.microsoft.com/office/drawing/2014/main" id="{7C2DADB2-3572-4165-AD08-C3E3AD9FD92A}"/>
+              </a:ext>
+            </a:extLst>
+          </p:cNvPr>
+          <p:cNvPicPr>
+            <a:picLocks noChangeAspect="1"/>
+          </p:cNvPicPr>
+          <p:nvPr/>
+        </p:nvPicPr>
+        <p:blipFill>
+          <a:blip r:embed="rId2"/>
+          <a:stretch>
+            <a:fillRect/>
+          </a:stretch>
+        </p:blipFill>
+        <p:spPr>
+          <a:xfrm>
+            <a:off x="187597" y="1176766"/>
+            <a:ext cx="2704902" cy="5514848"/>
+          </a:xfrm>
+          <a:prstGeom prst="rect">
+            <a:avLst/>
+          </a:prstGeom>
+        </p:spPr>
+      </p:pic>
+      <p:pic>
+        <p:nvPicPr>
+          <p:cNvPr id="7" name="Picture 6">
+            <a:extLst>
+              <a:ext uri="{FF2B5EF4-FFF2-40B4-BE49-F238E27FC236}">
+                <a16:creationId xmlns:a16="http://schemas.microsoft.com/office/drawing/2014/main" id="{2F57A558-5436-4D5C-962D-AC99EDA75167}"/>
+              </a:ext>
+            </a:extLst>
+          </p:cNvPr>
+          <p:cNvPicPr>
+            <a:picLocks noChangeAspect="1"/>
+          </p:cNvPicPr>
+          <p:nvPr/>
+        </p:nvPicPr>
+        <p:blipFill>
+          <a:blip r:embed="rId3"/>
+          <a:stretch>
+            <a:fillRect/>
+          </a:stretch>
+        </p:blipFill>
+        <p:spPr>
+          <a:xfrm>
+            <a:off x="3148168" y="1176764"/>
+            <a:ext cx="2714800" cy="5514849"/>
+          </a:xfrm>
+          <a:prstGeom prst="rect">
+            <a:avLst/>
+          </a:prstGeom>
+        </p:spPr>
+      </p:pic>
+      <p:pic>
+        <p:nvPicPr>
+          <p:cNvPr id="10" name="Picture 9">
+            <a:extLst>
+              <a:ext uri="{FF2B5EF4-FFF2-40B4-BE49-F238E27FC236}">
+                <a16:creationId xmlns:a16="http://schemas.microsoft.com/office/drawing/2014/main" id="{E3C055EA-17BF-4FBF-97A8-418F32203D27}"/>
+              </a:ext>
+            </a:extLst>
+          </p:cNvPr>
+          <p:cNvPicPr>
+            <a:picLocks noChangeAspect="1"/>
+          </p:cNvPicPr>
+          <p:nvPr/>
+        </p:nvPicPr>
+        <p:blipFill>
+          <a:blip r:embed="rId4"/>
+          <a:stretch>
+            <a:fillRect/>
+          </a:stretch>
+        </p:blipFill>
+        <p:spPr>
+          <a:xfrm>
+            <a:off x="6118637" y="1176764"/>
+            <a:ext cx="2669525" cy="5514848"/>
+          </a:xfrm>
+          <a:prstGeom prst="rect">
+            <a:avLst/>
+          </a:prstGeom>
+        </p:spPr>
+      </p:pic>
+      <p:pic>
+        <p:nvPicPr>
+          <p:cNvPr id="12" name="Picture 11">
+            <a:extLst>
+              <a:ext uri="{FF2B5EF4-FFF2-40B4-BE49-F238E27FC236}">
+                <a16:creationId xmlns:a16="http://schemas.microsoft.com/office/drawing/2014/main" id="{A3DAF7F3-750C-43E2-94C9-B349FB80B813}"/>
+              </a:ext>
+            </a:extLst>
+          </p:cNvPr>
+          <p:cNvPicPr>
+            <a:picLocks noChangeAspect="1"/>
+          </p:cNvPicPr>
+          <p:nvPr/>
+        </p:nvPicPr>
+        <p:blipFill>
+          <a:blip r:embed="rId5"/>
+          <a:stretch>
+            <a:fillRect/>
+          </a:stretch>
+        </p:blipFill>
+        <p:spPr>
+          <a:xfrm>
+            <a:off x="9202306" y="1176764"/>
+            <a:ext cx="2731163" cy="5514848"/>
+          </a:xfrm>
+          <a:prstGeom prst="rect">
+            <a:avLst/>
+          </a:prstGeom>
+        </p:spPr>
+      </p:pic>
+    </p:spTree>
+    <p:extLst>
+      <p:ext uri="{BB962C8B-B14F-4D97-AF65-F5344CB8AC3E}">
+        <p14:creationId xmlns:p14="http://schemas.microsoft.com/office/powerpoint/2010/main" val="3448762528"/>
+      </p:ext>
+    </p:extLst>
+  </p:cSld>
+  <p:clrMapOvr>
+    <a:masterClrMapping/>
+  </p:clrMapOvr>
+</p:sld>
+</file>
+
+<file path=ppt/slides/slide16.xml><?xml version="1.0" encoding="utf-8"?>
+<p:sld xmlns:a="http://schemas.openxmlformats.org/drawingml/2006/main" xmlns:r="http://schemas.openxmlformats.org/officeDocument/2006/relationships" xmlns:p="http://schemas.openxmlformats.org/presentationml/2006/main">
+  <p:cSld>
+    <p:spTree>
+      <p:nvGrpSpPr>
+        <p:cNvPr id="1" name=""/>
+        <p:cNvGrpSpPr/>
+        <p:nvPr/>
+      </p:nvGrpSpPr>
+      <p:grpSpPr>
+        <a:xfrm>
+          <a:off x="0" y="0"/>
+          <a:ext cx="0" cy="0"/>
+          <a:chOff x="0" y="0"/>
+          <a:chExt cx="0" cy="0"/>
+        </a:xfrm>
+      </p:grpSpPr>
+      <p:sp>
+        <p:nvSpPr>
+          <p:cNvPr id="3" name="Title 2">
+            <a:extLst>
+              <a:ext uri="{FF2B5EF4-FFF2-40B4-BE49-F238E27FC236}">
+                <a16:creationId xmlns:a16="http://schemas.microsoft.com/office/drawing/2014/main" id="{1DDBBC93-70DF-4E4E-98E3-08124185AB18}"/>
               </a:ext>
             </a:extLst>
           </p:cNvPr>
@@ -13222,7 +13409,7 @@
           <p:cNvPr id="9" name="Slide Number Placeholder 8">
             <a:extLst>
               <a:ext uri="{FF2B5EF4-FFF2-40B4-BE49-F238E27FC236}">
-                <a16:creationId xmlns:a16="http://schemas.microsoft.com/office/drawing/2014/main" xmlns="" id="{6DCF8D89-56D9-4E2B-9838-07DFB6E9D2BB}"/>
+                <a16:creationId xmlns:a16="http://schemas.microsoft.com/office/drawing/2014/main" id="{6DCF8D89-56D9-4E2B-9838-07DFB6E9D2BB}"/>
               </a:ext>
             </a:extLst>
           </p:cNvPr>
@@ -13241,7 +13428,7 @@
             <a:fld id="{D8DA9DAA-006C-4F4B-980E-E3DF019B24E2}" type="slidenum">
               <a:rPr lang="en-US" smtClean="0"/>
               <a:pPr/>
-              <a:t>15</a:t>
+              <a:t>16</a:t>
             </a:fld>
             <a:endParaRPr lang="en-US" dirty="0"/>
           </a:p>
@@ -13252,7 +13439,7 @@
           <p:cNvPr id="5" name="Картина 13">
             <a:extLst>
               <a:ext uri="{FF2B5EF4-FFF2-40B4-BE49-F238E27FC236}">
-                <a16:creationId xmlns:a16="http://schemas.microsoft.com/office/drawing/2014/main" xmlns="" id="{8BCD35AF-29EE-42E6-8F28-1A0346B43F61}"/>
+                <a16:creationId xmlns:a16="http://schemas.microsoft.com/office/drawing/2014/main" id="{8BCD35AF-29EE-42E6-8F28-1A0346B43F61}"/>
               </a:ext>
             </a:extLst>
           </p:cNvPr>
@@ -13282,7 +13469,7 @@
           <p:cNvPr id="7" name="Картина 12">
             <a:extLst>
               <a:ext uri="{FF2B5EF4-FFF2-40B4-BE49-F238E27FC236}">
-                <a16:creationId xmlns:a16="http://schemas.microsoft.com/office/drawing/2014/main" xmlns="" id="{4D82A9F9-DE07-48D0-BCEF-B4B74E839694}"/>
+                <a16:creationId xmlns:a16="http://schemas.microsoft.com/office/drawing/2014/main" id="{4D82A9F9-DE07-48D0-BCEF-B4B74E839694}"/>
               </a:ext>
             </a:extLst>
           </p:cNvPr>
@@ -13310,24 +13497,17 @@
     </p:spTree>
     <p:extLst>
       <p:ext uri="{BB962C8B-B14F-4D97-AF65-F5344CB8AC3E}">
-        <p14:creationId xmlns:p14="http://schemas.microsoft.com/office/powerpoint/2010/main" xmlns="" val="2325451885"/>
+        <p14:creationId xmlns:p14="http://schemas.microsoft.com/office/powerpoint/2010/main" val="2325451885"/>
       </p:ext>
     </p:extLst>
   </p:cSld>
   <p:clrMapOvr>
     <a:masterClrMapping/>
   </p:clrMapOvr>
-  <p:timing>
-    <p:tnLst>
-      <p:par>
-        <p:cTn id="1" dur="indefinite" restart="never" nodeType="tmRoot"/>
-      </p:par>
-    </p:tnLst>
-  </p:timing>
 </p:sld>
 </file>
 
-<file path=ppt/slides/slide16.xml><?xml version="1.0" encoding="utf-8"?>
+<file path=ppt/slides/slide17.xml><?xml version="1.0" encoding="utf-8"?>
 <p:sld xmlns:a="http://schemas.openxmlformats.org/drawingml/2006/main" xmlns:r="http://schemas.openxmlformats.org/officeDocument/2006/relationships" xmlns:p="http://schemas.openxmlformats.org/presentationml/2006/main">
   <p:cSld>
     <p:spTree>
@@ -13349,7 +13529,7 @@
           <p:cNvPr id="3" name="Title 2">
             <a:extLst>
               <a:ext uri="{FF2B5EF4-FFF2-40B4-BE49-F238E27FC236}">
-                <a16:creationId xmlns:a16="http://schemas.microsoft.com/office/drawing/2014/main" xmlns="" id="{1DDBBC93-70DF-4E4E-98E3-08124185AB18}"/>
+                <a16:creationId xmlns:a16="http://schemas.microsoft.com/office/drawing/2014/main" id="{1DDBBC93-70DF-4E4E-98E3-08124185AB18}"/>
               </a:ext>
             </a:extLst>
           </p:cNvPr>
@@ -13391,7 +13571,7 @@
           <p:cNvPr id="9" name="Slide Number Placeholder 8">
             <a:extLst>
               <a:ext uri="{FF2B5EF4-FFF2-40B4-BE49-F238E27FC236}">
-                <a16:creationId xmlns:a16="http://schemas.microsoft.com/office/drawing/2014/main" xmlns="" id="{6DCF8D89-56D9-4E2B-9838-07DFB6E9D2BB}"/>
+                <a16:creationId xmlns:a16="http://schemas.microsoft.com/office/drawing/2014/main" id="{6DCF8D89-56D9-4E2B-9838-07DFB6E9D2BB}"/>
               </a:ext>
             </a:extLst>
           </p:cNvPr>
@@ -13410,7 +13590,7 @@
             <a:fld id="{D8DA9DAA-006C-4F4B-980E-E3DF019B24E2}" type="slidenum">
               <a:rPr lang="en-US" smtClean="0"/>
               <a:pPr/>
-              <a:t>16</a:t>
+              <a:t>17</a:t>
             </a:fld>
             <a:endParaRPr lang="en-US" dirty="0"/>
           </a:p>
@@ -13421,7 +13601,7 @@
           <p:cNvPr id="7" name="Картина 14">
             <a:extLst>
               <a:ext uri="{FF2B5EF4-FFF2-40B4-BE49-F238E27FC236}">
-                <a16:creationId xmlns:a16="http://schemas.microsoft.com/office/drawing/2014/main" xmlns="" id="{5B9F6F31-2B8D-4549-8004-32752B12D9F1}"/>
+                <a16:creationId xmlns:a16="http://schemas.microsoft.com/office/drawing/2014/main" id="{5B9F6F31-2B8D-4549-8004-32752B12D9F1}"/>
               </a:ext>
             </a:extLst>
           </p:cNvPr>
@@ -13449,24 +13629,17 @@
     </p:spTree>
     <p:extLst>
       <p:ext uri="{BB962C8B-B14F-4D97-AF65-F5344CB8AC3E}">
-        <p14:creationId xmlns:p14="http://schemas.microsoft.com/office/powerpoint/2010/main" xmlns="" val="3412304714"/>
+        <p14:creationId xmlns:p14="http://schemas.microsoft.com/office/powerpoint/2010/main" val="3412304714"/>
       </p:ext>
     </p:extLst>
   </p:cSld>
   <p:clrMapOvr>
     <a:masterClrMapping/>
   </p:clrMapOvr>
-  <p:timing>
-    <p:tnLst>
-      <p:par>
-        <p:cTn id="1" dur="indefinite" restart="never" nodeType="tmRoot"/>
-      </p:par>
-    </p:tnLst>
-  </p:timing>
 </p:sld>
 </file>
 
-<file path=ppt/slides/slide17.xml><?xml version="1.0" encoding="utf-8"?>
+<file path=ppt/slides/slide18.xml><?xml version="1.0" encoding="utf-8"?>
 <p:sld xmlns:a="http://schemas.openxmlformats.org/drawingml/2006/main" xmlns:r="http://schemas.openxmlformats.org/officeDocument/2006/relationships" xmlns:p="http://schemas.openxmlformats.org/presentationml/2006/main">
   <p:cSld>
     <p:spTree>
@@ -13488,7 +13661,7 @@
           <p:cNvPr id="3" name="Title 2">
             <a:extLst>
               <a:ext uri="{FF2B5EF4-FFF2-40B4-BE49-F238E27FC236}">
-                <a16:creationId xmlns:a16="http://schemas.microsoft.com/office/drawing/2014/main" xmlns="" id="{1DDBBC93-70DF-4E4E-98E3-08124185AB18}"/>
+                <a16:creationId xmlns:a16="http://schemas.microsoft.com/office/drawing/2014/main" id="{1DDBBC93-70DF-4E4E-98E3-08124185AB18}"/>
               </a:ext>
             </a:extLst>
           </p:cNvPr>
@@ -13530,7 +13703,7 @@
           <p:cNvPr id="9" name="Slide Number Placeholder 8">
             <a:extLst>
               <a:ext uri="{FF2B5EF4-FFF2-40B4-BE49-F238E27FC236}">
-                <a16:creationId xmlns:a16="http://schemas.microsoft.com/office/drawing/2014/main" xmlns="" id="{6DCF8D89-56D9-4E2B-9838-07DFB6E9D2BB}"/>
+                <a16:creationId xmlns:a16="http://schemas.microsoft.com/office/drawing/2014/main" id="{6DCF8D89-56D9-4E2B-9838-07DFB6E9D2BB}"/>
               </a:ext>
             </a:extLst>
           </p:cNvPr>
@@ -13549,7 +13722,7 @@
             <a:fld id="{D8DA9DAA-006C-4F4B-980E-E3DF019B24E2}" type="slidenum">
               <a:rPr lang="en-US" smtClean="0"/>
               <a:pPr/>
-              <a:t>17</a:t>
+              <a:t>18</a:t>
             </a:fld>
             <a:endParaRPr lang="en-US" dirty="0"/>
           </a:p>
@@ -13560,7 +13733,7 @@
           <p:cNvPr id="4" name="Picture 3">
             <a:extLst>
               <a:ext uri="{FF2B5EF4-FFF2-40B4-BE49-F238E27FC236}">
-                <a16:creationId xmlns:a16="http://schemas.microsoft.com/office/drawing/2014/main" xmlns="" id="{C4A87EE3-FB94-4E9F-906A-A64895ADD2DD}"/>
+                <a16:creationId xmlns:a16="http://schemas.microsoft.com/office/drawing/2014/main" id="{C4A87EE3-FB94-4E9F-906A-A64895ADD2DD}"/>
               </a:ext>
             </a:extLst>
           </p:cNvPr>
@@ -13588,193 +13761,13 @@
     </p:spTree>
     <p:extLst>
       <p:ext uri="{BB962C8B-B14F-4D97-AF65-F5344CB8AC3E}">
-        <p14:creationId xmlns:p14="http://schemas.microsoft.com/office/powerpoint/2010/main" xmlns="" val="1668801848"/>
+        <p14:creationId xmlns:p14="http://schemas.microsoft.com/office/powerpoint/2010/main" val="1668801848"/>
       </p:ext>
     </p:extLst>
   </p:cSld>
   <p:clrMapOvr>
     <a:masterClrMapping/>
   </p:clrMapOvr>
-  <p:timing>
-    <p:tnLst>
-      <p:par>
-        <p:cTn id="1" dur="indefinite" restart="never" nodeType="tmRoot"/>
-      </p:par>
-    </p:tnLst>
-  </p:timing>
-</p:sld>
-</file>
-
-<file path=ppt/slides/slide18.xml><?xml version="1.0" encoding="utf-8"?>
-<p:sld xmlns:a="http://schemas.openxmlformats.org/drawingml/2006/main" xmlns:r="http://schemas.openxmlformats.org/officeDocument/2006/relationships" xmlns:p="http://schemas.openxmlformats.org/presentationml/2006/main">
-  <p:cSld>
-    <p:spTree>
-      <p:nvGrpSpPr>
-        <p:cNvPr id="1" name=""/>
-        <p:cNvGrpSpPr/>
-        <p:nvPr/>
-      </p:nvGrpSpPr>
-      <p:grpSpPr>
-        <a:xfrm>
-          <a:off x="0" y="0"/>
-          <a:ext cx="0" cy="0"/>
-          <a:chOff x="0" y="0"/>
-          <a:chExt cx="0" cy="0"/>
-        </a:xfrm>
-      </p:grpSpPr>
-      <p:sp>
-        <p:nvSpPr>
-          <p:cNvPr id="3" name="Title 2">
-            <a:extLst>
-              <a:ext uri="{FF2B5EF4-FFF2-40B4-BE49-F238E27FC236}">
-                <a16:creationId xmlns:a16="http://schemas.microsoft.com/office/drawing/2014/main" xmlns="" id="{1DDBBC93-70DF-4E4E-98E3-08124185AB18}"/>
-              </a:ext>
-            </a:extLst>
-          </p:cNvPr>
-          <p:cNvSpPr>
-            <a:spLocks noGrp="1"/>
-          </p:cNvSpPr>
-          <p:nvPr>
-            <p:ph type="title"/>
-          </p:nvPr>
-        </p:nvSpPr>
-        <p:spPr>
-          <a:xfrm>
-            <a:off x="238537" y="1043608"/>
-            <a:ext cx="3939209" cy="1501486"/>
-          </a:xfrm>
-        </p:spPr>
-        <p:txBody>
-          <a:bodyPr>
-            <a:noAutofit/>
-          </a:bodyPr>
-          <a:lstStyle/>
-          <a:p>
-            <a:pPr algn="ctr"/>
-            <a:r>
-              <a:rPr lang="en-US" sz="4800" b="1" cap="all" spc="400" dirty="0">
-                <a:solidFill>
-                  <a:schemeClr val="bg1"/>
-                </a:solidFill>
-                <a:latin typeface="+mn-lt"/>
-              </a:rPr>
-              <a:t>Database </a:t>
-            </a:r>
-            <a:br>
-              <a:rPr lang="en-US" sz="4800" b="1" cap="all" spc="400" dirty="0">
-                <a:solidFill>
-                  <a:schemeClr val="bg1"/>
-                </a:solidFill>
-                <a:latin typeface="+mn-lt"/>
-              </a:rPr>
-            </a:br>
-            <a:r>
-              <a:rPr lang="en-US" sz="4800" b="1" cap="all" spc="400" dirty="0">
-                <a:solidFill>
-                  <a:schemeClr val="bg1"/>
-                </a:solidFill>
-                <a:latin typeface="+mn-lt"/>
-              </a:rPr>
-              <a:t>Model</a:t>
-            </a:r>
-            <a:endParaRPr lang="en-US" sz="4800" dirty="0"/>
-          </a:p>
-        </p:txBody>
-      </p:sp>
-      <p:sp>
-        <p:nvSpPr>
-          <p:cNvPr id="9" name="Slide Number Placeholder 8">
-            <a:extLst>
-              <a:ext uri="{FF2B5EF4-FFF2-40B4-BE49-F238E27FC236}">
-                <a16:creationId xmlns:a16="http://schemas.microsoft.com/office/drawing/2014/main" xmlns="" id="{6DCF8D89-56D9-4E2B-9838-07DFB6E9D2BB}"/>
-              </a:ext>
-            </a:extLst>
-          </p:cNvPr>
-          <p:cNvSpPr>
-            <a:spLocks noGrp="1"/>
-          </p:cNvSpPr>
-          <p:nvPr>
-            <p:ph type="sldNum" sz="quarter" idx="12"/>
-          </p:nvPr>
-        </p:nvSpPr>
-        <p:spPr/>
-        <p:txBody>
-          <a:bodyPr/>
-          <a:lstStyle/>
-          <a:p>
-            <a:fld id="{D8DA9DAA-006C-4F4B-980E-E3DF019B24E2}" type="slidenum">
-              <a:rPr lang="en-US" smtClean="0"/>
-              <a:pPr/>
-              <a:t>18</a:t>
-            </a:fld>
-            <a:endParaRPr lang="en-US" dirty="0"/>
-          </a:p>
-        </p:txBody>
-      </p:sp>
-      <p:pic>
-        <p:nvPicPr>
-          <p:cNvPr id="8194" name="Picture 2">
-            <a:extLst>
-              <a:ext uri="{FF2B5EF4-FFF2-40B4-BE49-F238E27FC236}">
-                <a16:creationId xmlns:a16="http://schemas.microsoft.com/office/drawing/2014/main" xmlns="" id="{633719C0-CB0C-47C6-AF10-BCF294C25D48}"/>
-              </a:ext>
-            </a:extLst>
-          </p:cNvPr>
-          <p:cNvPicPr>
-            <a:picLocks noChangeAspect="1" noChangeArrowheads="1"/>
-          </p:cNvPicPr>
-          <p:nvPr/>
-        </p:nvPicPr>
-        <p:blipFill>
-          <a:blip r:embed="rId2">
-            <a:extLst>
-              <a:ext uri="{28A0092B-C50C-407E-A947-70E740481C1C}">
-                <a14:useLocalDpi xmlns:a14="http://schemas.microsoft.com/office/drawing/2010/main" xmlns="" val="0"/>
-              </a:ext>
-            </a:extLst>
-          </a:blip>
-          <a:srcRect/>
-          <a:stretch>
-            <a:fillRect/>
-          </a:stretch>
-        </p:blipFill>
-        <p:spPr bwMode="auto">
-          <a:xfrm>
-            <a:off x="4420168" y="675861"/>
-            <a:ext cx="7771832" cy="6182139"/>
-          </a:xfrm>
-          <a:prstGeom prst="rect">
-            <a:avLst/>
-          </a:prstGeom>
-          <a:noFill/>
-          <a:extLst>
-            <a:ext uri="{909E8E84-426E-40DD-AFC4-6F175D3DCCD1}">
-              <a14:hiddenFill xmlns:a14="http://schemas.microsoft.com/office/drawing/2010/main" xmlns="">
-                <a:solidFill>
-                  <a:srgbClr val="FFFFFF"/>
-                </a:solidFill>
-              </a14:hiddenFill>
-            </a:ext>
-          </a:extLst>
-        </p:spPr>
-      </p:pic>
-    </p:spTree>
-    <p:extLst>
-      <p:ext uri="{BB962C8B-B14F-4D97-AF65-F5344CB8AC3E}">
-        <p14:creationId xmlns:p14="http://schemas.microsoft.com/office/powerpoint/2010/main" xmlns="" val="3446193886"/>
-      </p:ext>
-    </p:extLst>
-  </p:cSld>
-  <p:clrMapOvr>
-    <a:masterClrMapping/>
-  </p:clrMapOvr>
-  <p:timing>
-    <p:tnLst>
-      <p:par>
-        <p:cTn id="1" dur="indefinite" restart="never" nodeType="tmRoot"/>
-      </p:par>
-    </p:tnLst>
-  </p:timing>
 </p:sld>
 </file>
 
@@ -13800,7 +13793,7 @@
           <p:cNvPr id="3" name="Title 2">
             <a:extLst>
               <a:ext uri="{FF2B5EF4-FFF2-40B4-BE49-F238E27FC236}">
-                <a16:creationId xmlns:a16="http://schemas.microsoft.com/office/drawing/2014/main" xmlns="" id="{1DDBBC93-70DF-4E4E-98E3-08124185AB18}"/>
+                <a16:creationId xmlns:a16="http://schemas.microsoft.com/office/drawing/2014/main" id="{1DDBBC93-70DF-4E4E-98E3-08124185AB18}"/>
               </a:ext>
             </a:extLst>
           </p:cNvPr>
@@ -13813,25 +13806,42 @@
         </p:nvSpPr>
         <p:spPr>
           <a:xfrm>
-            <a:off x="3565992" y="796282"/>
-            <a:ext cx="5060015" cy="793036"/>
+            <a:off x="238537" y="1043608"/>
+            <a:ext cx="3939209" cy="1501486"/>
           </a:xfrm>
         </p:spPr>
         <p:txBody>
           <a:bodyPr>
-            <a:normAutofit/>
+            <a:noAutofit/>
           </a:bodyPr>
           <a:lstStyle/>
           <a:p>
             <a:pPr algn="ctr"/>
             <a:r>
-              <a:rPr lang="bg-BG" sz="4800" b="1" cap="all" spc="400" dirty="0">
+              <a:rPr lang="en-US" sz="4800" b="1" cap="all" spc="400" dirty="0">
                 <a:solidFill>
                   <a:schemeClr val="bg1"/>
                 </a:solidFill>
                 <a:latin typeface="+mn-lt"/>
               </a:rPr>
-              <a:t>Заключение</a:t>
+              <a:t>Database </a:t>
+            </a:r>
+            <a:br>
+              <a:rPr lang="en-US" sz="4800" b="1" cap="all" spc="400" dirty="0">
+                <a:solidFill>
+                  <a:schemeClr val="bg1"/>
+                </a:solidFill>
+                <a:latin typeface="+mn-lt"/>
+              </a:rPr>
+            </a:br>
+            <a:r>
+              <a:rPr lang="en-US" sz="4800" b="1" cap="all" spc="400" dirty="0">
+                <a:solidFill>
+                  <a:schemeClr val="bg1"/>
+                </a:solidFill>
+                <a:latin typeface="+mn-lt"/>
+              </a:rPr>
+              <a:t>Model</a:t>
             </a:r>
             <a:endParaRPr lang="en-US" sz="4800" dirty="0"/>
           </a:p>
@@ -13842,7 +13852,7 @@
           <p:cNvPr id="9" name="Slide Number Placeholder 8">
             <a:extLst>
               <a:ext uri="{FF2B5EF4-FFF2-40B4-BE49-F238E27FC236}">
-                <a16:creationId xmlns:a16="http://schemas.microsoft.com/office/drawing/2014/main" xmlns="" id="{6DCF8D89-56D9-4E2B-9838-07DFB6E9D2BB}"/>
+                <a16:creationId xmlns:a16="http://schemas.microsoft.com/office/drawing/2014/main" id="{6DCF8D89-56D9-4E2B-9838-07DFB6E9D2BB}"/>
               </a:ext>
             </a:extLst>
           </p:cNvPr>
@@ -13867,299 +13877,46 @@
           </a:p>
         </p:txBody>
       </p:sp>
-      <p:sp>
-        <p:nvSpPr>
-          <p:cNvPr id="5" name="Text Placeholder 6">
-            <a:extLst>
-              <a:ext uri="{FF2B5EF4-FFF2-40B4-BE49-F238E27FC236}">
-                <a16:creationId xmlns:a16="http://schemas.microsoft.com/office/drawing/2014/main" xmlns="" id="{9DB13E58-FC39-45A1-95B9-596515EFBCE1}"/>
-              </a:ext>
-            </a:extLst>
-          </p:cNvPr>
-          <p:cNvSpPr>
-            <a:spLocks noGrp="1"/>
-          </p:cNvSpPr>
-          <p:nvPr>
-            <p:ph type="body" sz="quarter" idx="13"/>
-          </p:nvPr>
-        </p:nvSpPr>
+      <p:pic>
+        <p:nvPicPr>
+          <p:cNvPr id="4" name="Picture 3" descr="Graphical user interface&#10;&#10;Description automatically generated">
+            <a:extLst>
+              <a:ext uri="{FF2B5EF4-FFF2-40B4-BE49-F238E27FC236}">
+                <a16:creationId xmlns:a16="http://schemas.microsoft.com/office/drawing/2014/main" id="{C78F9A8C-0571-451B-9A13-D485B4942D23}"/>
+              </a:ext>
+            </a:extLst>
+          </p:cNvPr>
+          <p:cNvPicPr>
+            <a:picLocks noChangeAspect="1"/>
+          </p:cNvPicPr>
+          <p:nvPr/>
+        </p:nvPicPr>
+        <p:blipFill>
+          <a:blip r:embed="rId2"/>
+          <a:stretch>
+            <a:fillRect/>
+          </a:stretch>
+        </p:blipFill>
         <p:spPr>
           <a:xfrm>
-            <a:off x="1793289" y="2612344"/>
-            <a:ext cx="8549196" cy="3118104"/>
+            <a:off x="4318000" y="609843"/>
+            <a:ext cx="7874000" cy="6248157"/>
           </a:xfrm>
+          <a:prstGeom prst="rect">
+            <a:avLst/>
+          </a:prstGeom>
         </p:spPr>
-        <p:txBody>
-          <a:bodyPr>
-            <a:normAutofit/>
-          </a:bodyPr>
-          <a:lstStyle/>
-          <a:p>
-            <a:pPr marL="342900" indent="-342900" algn="l">
-              <a:buFont typeface="Arial" panose="020B0604020202020204" pitchFamily="34" charset="0"/>
-              <a:buChar char="•"/>
-            </a:pPr>
-            <a:r>
-              <a:rPr lang="ru-RU" sz="2400" dirty="0" err="1" smtClean="0"/>
-              <a:t>Нуждата</a:t>
-            </a:r>
-            <a:r>
-              <a:rPr lang="ru-RU" sz="2400" dirty="0" smtClean="0"/>
-              <a:t> от </a:t>
-            </a:r>
-            <a:r>
-              <a:rPr lang="ru-RU" sz="2400" dirty="0" err="1" smtClean="0"/>
-              <a:t>правилно</a:t>
-            </a:r>
-            <a:r>
-              <a:rPr lang="ru-RU" sz="2400" dirty="0" smtClean="0"/>
-              <a:t> управление на </a:t>
-            </a:r>
-            <a:r>
-              <a:rPr lang="ru-RU" sz="2400" dirty="0" err="1" smtClean="0"/>
-              <a:t>личните</a:t>
-            </a:r>
-            <a:r>
-              <a:rPr lang="ru-RU" sz="2400" dirty="0" smtClean="0"/>
-              <a:t> </a:t>
-            </a:r>
-            <a:r>
-              <a:rPr lang="ru-RU" sz="2400" dirty="0" err="1" smtClean="0"/>
-              <a:t>финанси</a:t>
-            </a:r>
-            <a:r>
-              <a:rPr lang="ru-RU" sz="2400" dirty="0" smtClean="0"/>
-              <a:t> и </a:t>
-            </a:r>
-            <a:r>
-              <a:rPr lang="ru-RU" sz="2400" dirty="0" err="1" smtClean="0"/>
-              <a:t>повишаване</a:t>
-            </a:r>
-            <a:r>
-              <a:rPr lang="ru-RU" sz="2400" dirty="0" smtClean="0"/>
-              <a:t> на </a:t>
-            </a:r>
-            <a:r>
-              <a:rPr lang="ru-RU" sz="2400" dirty="0" err="1" smtClean="0"/>
-              <a:t>продуктивността</a:t>
-            </a:r>
-            <a:r>
-              <a:rPr lang="ru-RU" sz="2400" dirty="0" smtClean="0"/>
-              <a:t> и </a:t>
-            </a:r>
-            <a:r>
-              <a:rPr lang="ru-RU" sz="2400" dirty="0" err="1" smtClean="0"/>
-              <a:t>ефективността</a:t>
-            </a:r>
-            <a:r>
-              <a:rPr lang="ru-RU" sz="2400" dirty="0" smtClean="0"/>
-              <a:t>, </a:t>
-            </a:r>
-            <a:r>
-              <a:rPr lang="ru-RU" sz="2400" dirty="0" err="1" smtClean="0"/>
-              <a:t>са</a:t>
-            </a:r>
-            <a:r>
-              <a:rPr lang="ru-RU" sz="2400" dirty="0" smtClean="0"/>
-              <a:t> </a:t>
-            </a:r>
-            <a:r>
-              <a:rPr lang="ru-RU" sz="2400" dirty="0" err="1" smtClean="0"/>
-              <a:t>ключови</a:t>
-            </a:r>
-            <a:r>
-              <a:rPr lang="ru-RU" sz="2400" dirty="0" smtClean="0"/>
-              <a:t> </a:t>
-            </a:r>
-            <a:r>
-              <a:rPr lang="ru-RU" sz="2400" dirty="0" err="1" smtClean="0"/>
-              <a:t>фактори</a:t>
-            </a:r>
-            <a:r>
-              <a:rPr lang="ru-RU" sz="2400" dirty="0" smtClean="0"/>
-              <a:t>, </a:t>
-            </a:r>
-            <a:r>
-              <a:rPr lang="ru-RU" sz="2400" dirty="0" err="1" smtClean="0"/>
-              <a:t>поради</a:t>
-            </a:r>
-            <a:r>
-              <a:rPr lang="ru-RU" sz="2400" dirty="0" smtClean="0"/>
-              <a:t> </a:t>
-            </a:r>
-            <a:r>
-              <a:rPr lang="ru-RU" sz="2400" dirty="0" err="1" smtClean="0"/>
-              <a:t>които</a:t>
-            </a:r>
-            <a:r>
-              <a:rPr lang="ru-RU" sz="2400" dirty="0" smtClean="0"/>
-              <a:t> се зароди </a:t>
-            </a:r>
-            <a:r>
-              <a:rPr lang="ru-RU" sz="2400" dirty="0" err="1" smtClean="0"/>
-              <a:t>идеята</a:t>
-            </a:r>
-            <a:r>
-              <a:rPr lang="ru-RU" sz="2400" dirty="0" smtClean="0"/>
-              <a:t> и </a:t>
-            </a:r>
-            <a:r>
-              <a:rPr lang="ru-RU" sz="2400" dirty="0" err="1" smtClean="0"/>
-              <a:t>целта</a:t>
-            </a:r>
-            <a:r>
-              <a:rPr lang="ru-RU" sz="2400" dirty="0" smtClean="0"/>
-              <a:t> да се </a:t>
-            </a:r>
-            <a:r>
-              <a:rPr lang="ru-RU" sz="2400" dirty="0" err="1" smtClean="0"/>
-              <a:t>проектира</a:t>
-            </a:r>
-            <a:r>
-              <a:rPr lang="ru-RU" sz="2400" dirty="0" smtClean="0"/>
-              <a:t> и </a:t>
-            </a:r>
-            <a:r>
-              <a:rPr lang="ru-RU" sz="2400" dirty="0" err="1" smtClean="0"/>
-              <a:t>реализира</a:t>
-            </a:r>
-            <a:r>
-              <a:rPr lang="ru-RU" sz="2400" dirty="0" smtClean="0"/>
-              <a:t> </a:t>
-            </a:r>
-            <a:r>
-              <a:rPr lang="ru-RU" sz="2400" dirty="0" err="1" smtClean="0"/>
-              <a:t>мобилно</a:t>
-            </a:r>
-            <a:r>
-              <a:rPr lang="ru-RU" sz="2400" dirty="0" smtClean="0"/>
-              <a:t> приложение за управление на </a:t>
-            </a:r>
-            <a:r>
-              <a:rPr lang="ru-RU" sz="2400" dirty="0" err="1" smtClean="0"/>
-              <a:t>финансовите</a:t>
-            </a:r>
-            <a:r>
-              <a:rPr lang="ru-RU" sz="2400" dirty="0" smtClean="0"/>
-              <a:t> средства. С </a:t>
-            </a:r>
-            <a:r>
-              <a:rPr lang="ru-RU" sz="2400" dirty="0" err="1" smtClean="0"/>
-              <a:t>разработването</a:t>
-            </a:r>
-            <a:r>
-              <a:rPr lang="ru-RU" sz="2400" dirty="0" smtClean="0"/>
-              <a:t> на </a:t>
-            </a:r>
-            <a:r>
-              <a:rPr lang="ru-RU" sz="2400" dirty="0" err="1" smtClean="0"/>
-              <a:t>тази</a:t>
-            </a:r>
-            <a:r>
-              <a:rPr lang="ru-RU" sz="2400" dirty="0" smtClean="0"/>
-              <a:t> система се </a:t>
-            </a:r>
-            <a:r>
-              <a:rPr lang="ru-RU" sz="2400" dirty="0" err="1" smtClean="0"/>
-              <a:t>надяваме</a:t>
-            </a:r>
-            <a:r>
-              <a:rPr lang="ru-RU" sz="2400" dirty="0" smtClean="0"/>
-              <a:t> да </a:t>
-            </a:r>
-            <a:r>
-              <a:rPr lang="ru-RU" sz="2400" dirty="0" err="1" smtClean="0"/>
-              <a:t>улесним</a:t>
-            </a:r>
-            <a:r>
-              <a:rPr lang="ru-RU" sz="2400" dirty="0" smtClean="0"/>
-              <a:t> </a:t>
-            </a:r>
-            <a:r>
-              <a:rPr lang="ru-RU" sz="2400" dirty="0" err="1" smtClean="0"/>
-              <a:t>ежедневието</a:t>
-            </a:r>
-            <a:r>
-              <a:rPr lang="ru-RU" sz="2400" dirty="0" smtClean="0"/>
-              <a:t> на </a:t>
-            </a:r>
-            <a:r>
-              <a:rPr lang="ru-RU" sz="2400" dirty="0" err="1" smtClean="0"/>
-              <a:t>крайните</a:t>
-            </a:r>
-            <a:r>
-              <a:rPr lang="ru-RU" sz="2400" dirty="0" smtClean="0"/>
-              <a:t> потребители и да успеем да предоставим решение на един от </a:t>
-            </a:r>
-            <a:r>
-              <a:rPr lang="ru-RU" sz="2400" dirty="0" err="1" smtClean="0"/>
-              <a:t>техните</a:t>
-            </a:r>
-            <a:r>
-              <a:rPr lang="ru-RU" sz="2400" dirty="0" smtClean="0"/>
-              <a:t> </a:t>
-            </a:r>
-            <a:r>
-              <a:rPr lang="ru-RU" sz="2400" dirty="0" err="1" smtClean="0"/>
-              <a:t>проблеми</a:t>
-            </a:r>
-            <a:r>
-              <a:rPr lang="ru-RU" sz="2400" dirty="0" smtClean="0"/>
-              <a:t>, с </a:t>
-            </a:r>
-            <a:r>
-              <a:rPr lang="ru-RU" sz="2400" dirty="0" err="1" smtClean="0"/>
-              <a:t>които</a:t>
-            </a:r>
-            <a:r>
-              <a:rPr lang="ru-RU" sz="2400" dirty="0" smtClean="0"/>
-              <a:t> се </a:t>
-            </a:r>
-            <a:r>
-              <a:rPr lang="ru-RU" sz="2400" dirty="0" err="1" smtClean="0"/>
-              <a:t>сблъскват</a:t>
-            </a:r>
-            <a:r>
-              <a:rPr lang="ru-RU" sz="2400" dirty="0" smtClean="0"/>
-              <a:t> </a:t>
-            </a:r>
-            <a:r>
-              <a:rPr lang="ru-RU" sz="2400" dirty="0" err="1" smtClean="0"/>
-              <a:t>всеки</a:t>
-            </a:r>
-            <a:r>
-              <a:rPr lang="ru-RU" sz="2400" dirty="0" smtClean="0"/>
-              <a:t> </a:t>
-            </a:r>
-            <a:r>
-              <a:rPr lang="ru-RU" sz="2400" dirty="0" err="1" smtClean="0"/>
-              <a:t>ден</a:t>
-            </a:r>
-            <a:r>
-              <a:rPr lang="ru-RU" sz="2400" dirty="0" smtClean="0"/>
-              <a:t>. </a:t>
-            </a:r>
-            <a:endParaRPr lang="bg-BG" sz="2400" dirty="0"/>
-          </a:p>
-        </p:txBody>
-      </p:sp>
+      </p:pic>
     </p:spTree>
     <p:extLst>
       <p:ext uri="{BB962C8B-B14F-4D97-AF65-F5344CB8AC3E}">
-        <p14:creationId xmlns:p14="http://schemas.microsoft.com/office/powerpoint/2010/main" xmlns="" val="3222794256"/>
+        <p14:creationId xmlns:p14="http://schemas.microsoft.com/office/powerpoint/2010/main" val="3446193886"/>
       </p:ext>
     </p:extLst>
   </p:cSld>
   <p:clrMapOvr>
     <a:masterClrMapping/>
   </p:clrMapOvr>
-  <p:timing>
-    <p:tnLst>
-      <p:par>
-        <p:cTn id="1" dur="indefinite" restart="never" nodeType="tmRoot"/>
-      </p:par>
-    </p:tnLst>
-  </p:timing>
 </p:sld>
 </file>
 
@@ -14185,7 +13942,7 @@
           <p:cNvPr id="3" name="Title 2">
             <a:extLst>
               <a:ext uri="{FF2B5EF4-FFF2-40B4-BE49-F238E27FC236}">
-                <a16:creationId xmlns:a16="http://schemas.microsoft.com/office/drawing/2014/main" xmlns="" id="{1DDBBC93-70DF-4E4E-98E3-08124185AB18}"/>
+                <a16:creationId xmlns:a16="http://schemas.microsoft.com/office/drawing/2014/main" id="{1DDBBC93-70DF-4E4E-98E3-08124185AB18}"/>
               </a:ext>
             </a:extLst>
           </p:cNvPr>
@@ -14227,7 +13984,7 @@
           <p:cNvPr id="9" name="Slide Number Placeholder 8">
             <a:extLst>
               <a:ext uri="{FF2B5EF4-FFF2-40B4-BE49-F238E27FC236}">
-                <a16:creationId xmlns:a16="http://schemas.microsoft.com/office/drawing/2014/main" xmlns="" id="{6DCF8D89-56D9-4E2B-9838-07DFB6E9D2BB}"/>
+                <a16:creationId xmlns:a16="http://schemas.microsoft.com/office/drawing/2014/main" id="{6DCF8D89-56D9-4E2B-9838-07DFB6E9D2BB}"/>
               </a:ext>
             </a:extLst>
           </p:cNvPr>
@@ -14257,7 +14014,7 @@
           <p:cNvPr id="4" name="Text Placeholder 6">
             <a:extLst>
               <a:ext uri="{FF2B5EF4-FFF2-40B4-BE49-F238E27FC236}">
-                <a16:creationId xmlns:a16="http://schemas.microsoft.com/office/drawing/2014/main" xmlns="" id="{A8DC97E6-D130-4709-9348-A82363090CDB}"/>
+                <a16:creationId xmlns:a16="http://schemas.microsoft.com/office/drawing/2014/main" id="{A8DC97E6-D130-4709-9348-A82363090CDB}"/>
               </a:ext>
             </a:extLst>
           </p:cNvPr>
@@ -14276,7 +14033,7 @@
         </p:spPr>
         <p:txBody>
           <a:bodyPr>
-            <a:normAutofit lnSpcReduction="10000"/>
+            <a:normAutofit fontScale="92500"/>
           </a:bodyPr>
           <a:lstStyle/>
           <a:p>
@@ -14285,58 +14042,54 @@
               <a:buChar char="•"/>
             </a:pPr>
             <a:r>
-              <a:rPr lang="ru-RU" sz="2400" dirty="0" err="1" smtClean="0"/>
+              <a:rPr lang="ru-RU" sz="2400" dirty="0" err="1"/>
               <a:t>Навременната</a:t>
             </a:r>
             <a:r>
-              <a:rPr lang="ru-RU" sz="2400" dirty="0" smtClean="0"/>
+              <a:rPr lang="ru-RU" sz="2400" dirty="0"/>
               <a:t>, </a:t>
             </a:r>
             <a:r>
-              <a:rPr lang="ru-RU" sz="2400" dirty="0" err="1" smtClean="0"/>
+              <a:rPr lang="ru-RU" sz="2400" dirty="0" err="1"/>
               <a:t>актуална</a:t>
             </a:r>
             <a:r>
-              <a:rPr lang="ru-RU" sz="2400" dirty="0" smtClean="0"/>
+              <a:rPr lang="ru-RU" sz="2400" dirty="0"/>
+              <a:t> и точна информация е от </a:t>
+            </a:r>
+            <a:r>
+              <a:rPr lang="ru-RU" sz="2400" dirty="0" err="1"/>
+              <a:t>особено</a:t>
+            </a:r>
+            <a:r>
+              <a:rPr lang="ru-RU" sz="2400" dirty="0"/>
+              <a:t> важно значение за </a:t>
+            </a:r>
+            <a:r>
+              <a:rPr lang="ru-RU" sz="2400" dirty="0" err="1"/>
+              <a:t>управлението</a:t>
+            </a:r>
+            <a:r>
+              <a:rPr lang="ru-RU" sz="2400" dirty="0"/>
+              <a:t> на </a:t>
+            </a:r>
+            <a:r>
+              <a:rPr lang="ru-RU" sz="2400" dirty="0" err="1"/>
+              <a:t>нашите</a:t>
+            </a:r>
+            <a:r>
+              <a:rPr lang="ru-RU" sz="2400" dirty="0"/>
               <a:t> </a:t>
             </a:r>
             <a:r>
-              <a:rPr lang="ru-RU" sz="2400" dirty="0" smtClean="0"/>
-              <a:t>и точна информация е от </a:t>
-            </a:r>
-            <a:r>
-              <a:rPr lang="ru-RU" sz="2400" dirty="0" err="1" smtClean="0"/>
-              <a:t>особено</a:t>
-            </a:r>
-            <a:r>
-              <a:rPr lang="ru-RU" sz="2400" dirty="0" smtClean="0"/>
-              <a:t> важно значение за </a:t>
-            </a:r>
-            <a:r>
-              <a:rPr lang="ru-RU" sz="2400" dirty="0" err="1" smtClean="0"/>
-              <a:t>управлението</a:t>
-            </a:r>
-            <a:r>
-              <a:rPr lang="ru-RU" sz="2400" dirty="0" smtClean="0"/>
-              <a:t> на </a:t>
-            </a:r>
-            <a:r>
-              <a:rPr lang="ru-RU" sz="2400" dirty="0" err="1" smtClean="0"/>
-              <a:t>нашите</a:t>
-            </a:r>
-            <a:r>
-              <a:rPr lang="ru-RU" sz="2400" dirty="0" smtClean="0"/>
-              <a:t> </a:t>
-            </a:r>
-            <a:r>
-              <a:rPr lang="ru-RU" sz="2400" dirty="0" err="1" smtClean="0"/>
+              <a:rPr lang="ru-RU" sz="2400" dirty="0" err="1"/>
               <a:t>финанси</a:t>
             </a:r>
             <a:r>
-              <a:rPr lang="ru-RU" sz="2400" dirty="0" smtClean="0"/>
+              <a:rPr lang="ru-RU" sz="2400" dirty="0"/>
               <a:t>. </a:t>
             </a:r>
-            <a:endParaRPr lang="en-US" sz="2400" dirty="0" smtClean="0"/>
+            <a:endParaRPr lang="en-US" sz="2400" dirty="0"/>
           </a:p>
           <a:p>
             <a:pPr marL="342900" indent="-342900" algn="l">
@@ -14344,155 +14097,155 @@
               <a:buChar char="•"/>
             </a:pPr>
             <a:r>
-              <a:rPr lang="ru-RU" sz="2400" dirty="0" err="1" smtClean="0"/>
+              <a:rPr lang="ru-RU" sz="2400" dirty="0" err="1"/>
               <a:t>Ефективността</a:t>
             </a:r>
             <a:r>
-              <a:rPr lang="ru-RU" sz="2400" dirty="0" smtClean="0"/>
+              <a:rPr lang="ru-RU" sz="2400" dirty="0"/>
               <a:t> при </a:t>
             </a:r>
             <a:r>
-              <a:rPr lang="ru-RU" sz="2400" dirty="0" err="1" smtClean="0"/>
+              <a:rPr lang="ru-RU" sz="2400" dirty="0" err="1"/>
               <a:t>управлението</a:t>
             </a:r>
             <a:r>
-              <a:rPr lang="ru-RU" sz="2400" dirty="0" smtClean="0"/>
+              <a:rPr lang="ru-RU" sz="2400" dirty="0"/>
               <a:t> на </a:t>
             </a:r>
             <a:r>
-              <a:rPr lang="ru-RU" sz="2400" dirty="0" err="1" smtClean="0"/>
+              <a:rPr lang="ru-RU" sz="2400" dirty="0" err="1"/>
               <a:t>личните</a:t>
             </a:r>
             <a:r>
-              <a:rPr lang="ru-RU" sz="2400" dirty="0" smtClean="0"/>
+              <a:rPr lang="ru-RU" sz="2400" dirty="0"/>
               <a:t> ни </a:t>
             </a:r>
             <a:r>
-              <a:rPr lang="ru-RU" sz="2400" dirty="0" err="1" smtClean="0"/>
+              <a:rPr lang="ru-RU" sz="2400" dirty="0" err="1"/>
               <a:t>финанси</a:t>
             </a:r>
             <a:r>
-              <a:rPr lang="ru-RU" sz="2400" dirty="0" smtClean="0"/>
+              <a:rPr lang="ru-RU" sz="2400" dirty="0"/>
               <a:t>, </a:t>
             </a:r>
             <a:r>
-              <a:rPr lang="ru-RU" sz="2400" dirty="0" err="1" smtClean="0"/>
+              <a:rPr lang="ru-RU" sz="2400" dirty="0" err="1"/>
               <a:t>би</a:t>
             </a:r>
             <a:r>
-              <a:rPr lang="ru-RU" sz="2400" dirty="0" smtClean="0"/>
+              <a:rPr lang="ru-RU" sz="2400" dirty="0"/>
               <a:t> могла да </a:t>
             </a:r>
             <a:r>
-              <a:rPr lang="ru-RU" sz="2400" dirty="0" err="1" smtClean="0"/>
+              <a:rPr lang="ru-RU" sz="2400" dirty="0" err="1"/>
               <a:t>бъде</a:t>
             </a:r>
             <a:r>
-              <a:rPr lang="ru-RU" sz="2400" dirty="0" smtClean="0"/>
+              <a:rPr lang="ru-RU" sz="2400" dirty="0"/>
               <a:t> </a:t>
             </a:r>
             <a:r>
-              <a:rPr lang="ru-RU" sz="2400" dirty="0" err="1" smtClean="0"/>
+              <a:rPr lang="ru-RU" sz="2400" dirty="0" err="1"/>
               <a:t>постигната</a:t>
             </a:r>
             <a:r>
-              <a:rPr lang="ru-RU" sz="2400" dirty="0" smtClean="0"/>
+              <a:rPr lang="ru-RU" sz="2400" dirty="0"/>
               <a:t>, чрез </a:t>
             </a:r>
             <a:r>
-              <a:rPr lang="ru-RU" sz="2400" dirty="0" err="1" smtClean="0"/>
+              <a:rPr lang="ru-RU" sz="2400" dirty="0" err="1"/>
               <a:t>използването</a:t>
             </a:r>
             <a:r>
-              <a:rPr lang="ru-RU" sz="2400" dirty="0" smtClean="0"/>
+              <a:rPr lang="ru-RU" sz="2400" dirty="0"/>
               <a:t> на </a:t>
             </a:r>
             <a:r>
-              <a:rPr lang="ru-RU" sz="2400" dirty="0" err="1" smtClean="0"/>
+              <a:rPr lang="ru-RU" sz="2400" dirty="0" err="1"/>
               <a:t>определени</a:t>
             </a:r>
             <a:r>
-              <a:rPr lang="ru-RU" sz="2400" dirty="0" smtClean="0"/>
+              <a:rPr lang="ru-RU" sz="2400" dirty="0"/>
               <a:t> </a:t>
             </a:r>
             <a:r>
-              <a:rPr lang="ru-RU" sz="2400" dirty="0" err="1" smtClean="0"/>
+              <a:rPr lang="ru-RU" sz="2400" dirty="0" err="1"/>
               <a:t>инструменти</a:t>
             </a:r>
             <a:r>
-              <a:rPr lang="ru-RU" sz="2400" dirty="0" smtClean="0"/>
+              <a:rPr lang="ru-RU" sz="2400" dirty="0"/>
               <a:t> за </a:t>
             </a:r>
             <a:r>
-              <a:rPr lang="ru-RU" sz="2400" dirty="0" err="1" smtClean="0"/>
+              <a:rPr lang="ru-RU" sz="2400" dirty="0" err="1"/>
               <a:t>това</a:t>
             </a:r>
             <a:r>
-              <a:rPr lang="ru-RU" sz="2400" dirty="0" smtClean="0"/>
+              <a:rPr lang="ru-RU" sz="2400" dirty="0"/>
               <a:t>. Като един от </a:t>
             </a:r>
             <a:r>
-              <a:rPr lang="ru-RU" sz="2400" dirty="0" err="1" smtClean="0"/>
+              <a:rPr lang="ru-RU" sz="2400" dirty="0" err="1"/>
               <a:t>най-удобните</a:t>
             </a:r>
             <a:r>
-              <a:rPr lang="ru-RU" sz="2400" dirty="0" smtClean="0"/>
+              <a:rPr lang="ru-RU" sz="2400" dirty="0"/>
               <a:t> и </a:t>
             </a:r>
             <a:r>
-              <a:rPr lang="ru-RU" sz="2400" dirty="0" err="1" smtClean="0"/>
+              <a:rPr lang="ru-RU" sz="2400" dirty="0" err="1"/>
               <a:t>ефективни</a:t>
             </a:r>
             <a:r>
-              <a:rPr lang="ru-RU" sz="2400" dirty="0" smtClean="0"/>
+              <a:rPr lang="ru-RU" sz="2400" dirty="0"/>
               <a:t> начини за </a:t>
             </a:r>
             <a:r>
-              <a:rPr lang="ru-RU" sz="2400" dirty="0" err="1" smtClean="0"/>
+              <a:rPr lang="ru-RU" sz="2400" dirty="0" err="1"/>
               <a:t>постигане</a:t>
             </a:r>
             <a:r>
-              <a:rPr lang="ru-RU" sz="2400" dirty="0" smtClean="0"/>
+              <a:rPr lang="ru-RU" sz="2400" dirty="0"/>
               <a:t> на </a:t>
             </a:r>
             <a:r>
-              <a:rPr lang="ru-RU" sz="2400" dirty="0" err="1" smtClean="0"/>
+              <a:rPr lang="ru-RU" sz="2400" dirty="0" err="1"/>
               <a:t>тази</a:t>
             </a:r>
             <a:r>
-              <a:rPr lang="ru-RU" sz="2400" dirty="0" smtClean="0"/>
+              <a:rPr lang="ru-RU" sz="2400" dirty="0"/>
               <a:t> </a:t>
             </a:r>
             <a:r>
-              <a:rPr lang="ru-RU" sz="2400" dirty="0" err="1" smtClean="0"/>
+              <a:rPr lang="ru-RU" sz="2400" dirty="0" err="1"/>
               <a:t>съответна</a:t>
             </a:r>
             <a:r>
-              <a:rPr lang="ru-RU" sz="2400" dirty="0" smtClean="0"/>
+              <a:rPr lang="ru-RU" sz="2400" dirty="0"/>
               <a:t> цел, е чрез </a:t>
             </a:r>
             <a:r>
-              <a:rPr lang="ru-RU" sz="2400" dirty="0" err="1" smtClean="0"/>
+              <a:rPr lang="ru-RU" sz="2400" dirty="0" err="1"/>
               <a:t>използването</a:t>
             </a:r>
             <a:r>
-              <a:rPr lang="ru-RU" sz="2400" dirty="0" smtClean="0"/>
+              <a:rPr lang="ru-RU" sz="2400" dirty="0"/>
               <a:t> на </a:t>
             </a:r>
             <a:r>
-              <a:rPr lang="ru-RU" sz="2400" dirty="0" err="1" smtClean="0"/>
+              <a:rPr lang="ru-RU" sz="2400" dirty="0" err="1"/>
               <a:t>мобилно</a:t>
             </a:r>
             <a:r>
-              <a:rPr lang="ru-RU" sz="2400" dirty="0" smtClean="0"/>
+              <a:rPr lang="ru-RU" sz="2400" dirty="0"/>
               <a:t> приложение, за управление на </a:t>
             </a:r>
             <a:r>
-              <a:rPr lang="ru-RU" sz="2400" dirty="0" err="1" smtClean="0"/>
+              <a:rPr lang="ru-RU" sz="2400" dirty="0" err="1"/>
               <a:t>разходите</a:t>
             </a:r>
             <a:r>
-              <a:rPr lang="ru-RU" sz="2400" dirty="0" smtClean="0"/>
+              <a:rPr lang="ru-RU" sz="2400" dirty="0"/>
               <a:t> и приходите. </a:t>
             </a:r>
             <a:endParaRPr lang="bg-BG" sz="2400" dirty="0"/>
@@ -14502,20 +14255,13 @@
     </p:spTree>
     <p:extLst>
       <p:ext uri="{BB962C8B-B14F-4D97-AF65-F5344CB8AC3E}">
-        <p14:creationId xmlns:p14="http://schemas.microsoft.com/office/powerpoint/2010/main" xmlns="" val="3993567960"/>
+        <p14:creationId xmlns:p14="http://schemas.microsoft.com/office/powerpoint/2010/main" val="3993567960"/>
       </p:ext>
     </p:extLst>
   </p:cSld>
   <p:clrMapOvr>
     <a:masterClrMapping/>
   </p:clrMapOvr>
-  <p:timing>
-    <p:tnLst>
-      <p:par>
-        <p:cTn id="1" dur="indefinite" restart="never" nodeType="tmRoot"/>
-      </p:par>
-    </p:tnLst>
-  </p:timing>
 </p:sld>
 </file>
 
@@ -14541,7 +14287,385 @@
           <p:cNvPr id="3" name="Title 2">
             <a:extLst>
               <a:ext uri="{FF2B5EF4-FFF2-40B4-BE49-F238E27FC236}">
-                <a16:creationId xmlns:a16="http://schemas.microsoft.com/office/drawing/2014/main" xmlns="" id="{1DDBBC93-70DF-4E4E-98E3-08124185AB18}"/>
+                <a16:creationId xmlns:a16="http://schemas.microsoft.com/office/drawing/2014/main" id="{1DDBBC93-70DF-4E4E-98E3-08124185AB18}"/>
+              </a:ext>
+            </a:extLst>
+          </p:cNvPr>
+          <p:cNvSpPr>
+            <a:spLocks noGrp="1"/>
+          </p:cNvSpPr>
+          <p:nvPr>
+            <p:ph type="title"/>
+          </p:nvPr>
+        </p:nvSpPr>
+        <p:spPr>
+          <a:xfrm>
+            <a:off x="3565992" y="796282"/>
+            <a:ext cx="5060015" cy="793036"/>
+          </a:xfrm>
+        </p:spPr>
+        <p:txBody>
+          <a:bodyPr>
+            <a:normAutofit/>
+          </a:bodyPr>
+          <a:lstStyle/>
+          <a:p>
+            <a:pPr algn="ctr"/>
+            <a:r>
+              <a:rPr lang="bg-BG" sz="4800" b="1" cap="all" spc="400" dirty="0">
+                <a:solidFill>
+                  <a:schemeClr val="bg1"/>
+                </a:solidFill>
+                <a:latin typeface="+mn-lt"/>
+              </a:rPr>
+              <a:t>Заключение</a:t>
+            </a:r>
+            <a:endParaRPr lang="en-US" sz="4800" dirty="0"/>
+          </a:p>
+        </p:txBody>
+      </p:sp>
+      <p:sp>
+        <p:nvSpPr>
+          <p:cNvPr id="9" name="Slide Number Placeholder 8">
+            <a:extLst>
+              <a:ext uri="{FF2B5EF4-FFF2-40B4-BE49-F238E27FC236}">
+                <a16:creationId xmlns:a16="http://schemas.microsoft.com/office/drawing/2014/main" id="{6DCF8D89-56D9-4E2B-9838-07DFB6E9D2BB}"/>
+              </a:ext>
+            </a:extLst>
+          </p:cNvPr>
+          <p:cNvSpPr>
+            <a:spLocks noGrp="1"/>
+          </p:cNvSpPr>
+          <p:nvPr>
+            <p:ph type="sldNum" sz="quarter" idx="12"/>
+          </p:nvPr>
+        </p:nvSpPr>
+        <p:spPr/>
+        <p:txBody>
+          <a:bodyPr/>
+          <a:lstStyle/>
+          <a:p>
+            <a:fld id="{D8DA9DAA-006C-4F4B-980E-E3DF019B24E2}" type="slidenum">
+              <a:rPr lang="en-US" smtClean="0"/>
+              <a:pPr/>
+              <a:t>20</a:t>
+            </a:fld>
+            <a:endParaRPr lang="en-US" dirty="0"/>
+          </a:p>
+        </p:txBody>
+      </p:sp>
+      <p:sp>
+        <p:nvSpPr>
+          <p:cNvPr id="5" name="Text Placeholder 6">
+            <a:extLst>
+              <a:ext uri="{FF2B5EF4-FFF2-40B4-BE49-F238E27FC236}">
+                <a16:creationId xmlns:a16="http://schemas.microsoft.com/office/drawing/2014/main" id="{9DB13E58-FC39-45A1-95B9-596515EFBCE1}"/>
+              </a:ext>
+            </a:extLst>
+          </p:cNvPr>
+          <p:cNvSpPr>
+            <a:spLocks noGrp="1"/>
+          </p:cNvSpPr>
+          <p:nvPr>
+            <p:ph type="body" sz="quarter" idx="13"/>
+          </p:nvPr>
+        </p:nvSpPr>
+        <p:spPr>
+          <a:xfrm>
+            <a:off x="1793289" y="2612344"/>
+            <a:ext cx="8549196" cy="3118104"/>
+          </a:xfrm>
+        </p:spPr>
+        <p:txBody>
+          <a:bodyPr>
+            <a:normAutofit lnSpcReduction="10000"/>
+          </a:bodyPr>
+          <a:lstStyle/>
+          <a:p>
+            <a:pPr marL="342900" indent="-342900" algn="l">
+              <a:buFont typeface="Arial" panose="020B0604020202020204" pitchFamily="34" charset="0"/>
+              <a:buChar char="•"/>
+            </a:pPr>
+            <a:r>
+              <a:rPr lang="ru-RU" sz="2400" dirty="0" err="1"/>
+              <a:t>Нуждата</a:t>
+            </a:r>
+            <a:r>
+              <a:rPr lang="ru-RU" sz="2400" dirty="0"/>
+              <a:t> от </a:t>
+            </a:r>
+            <a:r>
+              <a:rPr lang="ru-RU" sz="2400" dirty="0" err="1"/>
+              <a:t>правилно</a:t>
+            </a:r>
+            <a:r>
+              <a:rPr lang="ru-RU" sz="2400" dirty="0"/>
+              <a:t> управление на </a:t>
+            </a:r>
+            <a:r>
+              <a:rPr lang="ru-RU" sz="2400" dirty="0" err="1"/>
+              <a:t>личните</a:t>
+            </a:r>
+            <a:r>
+              <a:rPr lang="ru-RU" sz="2400" dirty="0"/>
+              <a:t> </a:t>
+            </a:r>
+            <a:r>
+              <a:rPr lang="ru-RU" sz="2400" dirty="0" err="1"/>
+              <a:t>финанси</a:t>
+            </a:r>
+            <a:r>
+              <a:rPr lang="ru-RU" sz="2400" dirty="0"/>
+              <a:t> и </a:t>
+            </a:r>
+            <a:r>
+              <a:rPr lang="ru-RU" sz="2400" dirty="0" err="1"/>
+              <a:t>повишаване</a:t>
+            </a:r>
+            <a:r>
+              <a:rPr lang="ru-RU" sz="2400" dirty="0"/>
+              <a:t> на </a:t>
+            </a:r>
+            <a:r>
+              <a:rPr lang="ru-RU" sz="2400" dirty="0" err="1"/>
+              <a:t>продуктивността</a:t>
+            </a:r>
+            <a:r>
+              <a:rPr lang="ru-RU" sz="2400" dirty="0"/>
+              <a:t> и </a:t>
+            </a:r>
+            <a:r>
+              <a:rPr lang="ru-RU" sz="2400" dirty="0" err="1"/>
+              <a:t>ефективността</a:t>
+            </a:r>
+            <a:r>
+              <a:rPr lang="ru-RU" sz="2400" dirty="0"/>
+              <a:t>, </a:t>
+            </a:r>
+            <a:r>
+              <a:rPr lang="ru-RU" sz="2400" dirty="0" err="1"/>
+              <a:t>са</a:t>
+            </a:r>
+            <a:r>
+              <a:rPr lang="ru-RU" sz="2400" dirty="0"/>
+              <a:t> </a:t>
+            </a:r>
+            <a:r>
+              <a:rPr lang="ru-RU" sz="2400" dirty="0" err="1"/>
+              <a:t>ключови</a:t>
+            </a:r>
+            <a:r>
+              <a:rPr lang="ru-RU" sz="2400" dirty="0"/>
+              <a:t> </a:t>
+            </a:r>
+            <a:r>
+              <a:rPr lang="ru-RU" sz="2400" dirty="0" err="1"/>
+              <a:t>фактори</a:t>
+            </a:r>
+            <a:r>
+              <a:rPr lang="ru-RU" sz="2400" dirty="0"/>
+              <a:t>, </a:t>
+            </a:r>
+            <a:r>
+              <a:rPr lang="ru-RU" sz="2400" dirty="0" err="1"/>
+              <a:t>поради</a:t>
+            </a:r>
+            <a:r>
+              <a:rPr lang="ru-RU" sz="2400" dirty="0"/>
+              <a:t> </a:t>
+            </a:r>
+            <a:r>
+              <a:rPr lang="ru-RU" sz="2400" dirty="0" err="1"/>
+              <a:t>които</a:t>
+            </a:r>
+            <a:r>
+              <a:rPr lang="ru-RU" sz="2400" dirty="0"/>
+              <a:t> се зароди </a:t>
+            </a:r>
+            <a:r>
+              <a:rPr lang="ru-RU" sz="2400" dirty="0" err="1"/>
+              <a:t>идеята</a:t>
+            </a:r>
+            <a:r>
+              <a:rPr lang="ru-RU" sz="2400" dirty="0"/>
+              <a:t> и </a:t>
+            </a:r>
+            <a:r>
+              <a:rPr lang="ru-RU" sz="2400" dirty="0" err="1"/>
+              <a:t>целта</a:t>
+            </a:r>
+            <a:r>
+              <a:rPr lang="ru-RU" sz="2400" dirty="0"/>
+              <a:t> да се </a:t>
+            </a:r>
+            <a:r>
+              <a:rPr lang="ru-RU" sz="2400" dirty="0" err="1"/>
+              <a:t>проектира</a:t>
+            </a:r>
+            <a:r>
+              <a:rPr lang="ru-RU" sz="2400" dirty="0"/>
+              <a:t> и </a:t>
+            </a:r>
+            <a:r>
+              <a:rPr lang="ru-RU" sz="2400" dirty="0" err="1"/>
+              <a:t>реализира</a:t>
+            </a:r>
+            <a:r>
+              <a:rPr lang="ru-RU" sz="2400" dirty="0"/>
+              <a:t> </a:t>
+            </a:r>
+            <a:r>
+              <a:rPr lang="ru-RU" sz="2400" dirty="0" err="1"/>
+              <a:t>мобилно</a:t>
+            </a:r>
+            <a:r>
+              <a:rPr lang="ru-RU" sz="2400" dirty="0"/>
+              <a:t> приложение за управление на </a:t>
+            </a:r>
+            <a:r>
+              <a:rPr lang="ru-RU" sz="2400" dirty="0" err="1"/>
+              <a:t>финансовите</a:t>
+            </a:r>
+            <a:r>
+              <a:rPr lang="ru-RU" sz="2400" dirty="0"/>
+              <a:t> средства. С </a:t>
+            </a:r>
+            <a:r>
+              <a:rPr lang="ru-RU" sz="2400" dirty="0" err="1"/>
+              <a:t>разработването</a:t>
+            </a:r>
+            <a:r>
+              <a:rPr lang="ru-RU" sz="2400" dirty="0"/>
+              <a:t> на </a:t>
+            </a:r>
+            <a:r>
+              <a:rPr lang="ru-RU" sz="2400" dirty="0" err="1"/>
+              <a:t>тази</a:t>
+            </a:r>
+            <a:r>
+              <a:rPr lang="ru-RU" sz="2400" dirty="0"/>
+              <a:t> система се </a:t>
+            </a:r>
+            <a:r>
+              <a:rPr lang="ru-RU" sz="2400" dirty="0" err="1"/>
+              <a:t>надяваме</a:t>
+            </a:r>
+            <a:r>
+              <a:rPr lang="ru-RU" sz="2400" dirty="0"/>
+              <a:t> да </a:t>
+            </a:r>
+            <a:r>
+              <a:rPr lang="ru-RU" sz="2400" dirty="0" err="1"/>
+              <a:t>улесним</a:t>
+            </a:r>
+            <a:r>
+              <a:rPr lang="ru-RU" sz="2400" dirty="0"/>
+              <a:t> </a:t>
+            </a:r>
+            <a:r>
+              <a:rPr lang="ru-RU" sz="2400" dirty="0" err="1"/>
+              <a:t>ежедневието</a:t>
+            </a:r>
+            <a:r>
+              <a:rPr lang="ru-RU" sz="2400" dirty="0"/>
+              <a:t> на </a:t>
+            </a:r>
+            <a:r>
+              <a:rPr lang="ru-RU" sz="2400" dirty="0" err="1"/>
+              <a:t>крайните</a:t>
+            </a:r>
+            <a:r>
+              <a:rPr lang="ru-RU" sz="2400" dirty="0"/>
+              <a:t> потребители и да успеем да предоставим решение на един от </a:t>
+            </a:r>
+            <a:r>
+              <a:rPr lang="ru-RU" sz="2400" dirty="0" err="1"/>
+              <a:t>техните</a:t>
+            </a:r>
+            <a:r>
+              <a:rPr lang="ru-RU" sz="2400" dirty="0"/>
+              <a:t> </a:t>
+            </a:r>
+            <a:r>
+              <a:rPr lang="ru-RU" sz="2400" dirty="0" err="1"/>
+              <a:t>проблеми</a:t>
+            </a:r>
+            <a:r>
+              <a:rPr lang="ru-RU" sz="2400" dirty="0"/>
+              <a:t>, с </a:t>
+            </a:r>
+            <a:r>
+              <a:rPr lang="ru-RU" sz="2400" dirty="0" err="1"/>
+              <a:t>които</a:t>
+            </a:r>
+            <a:r>
+              <a:rPr lang="ru-RU" sz="2400" dirty="0"/>
+              <a:t> се </a:t>
+            </a:r>
+            <a:r>
+              <a:rPr lang="ru-RU" sz="2400" dirty="0" err="1"/>
+              <a:t>сблъскват</a:t>
+            </a:r>
+            <a:r>
+              <a:rPr lang="ru-RU" sz="2400" dirty="0"/>
+              <a:t> </a:t>
+            </a:r>
+            <a:r>
+              <a:rPr lang="ru-RU" sz="2400" dirty="0" err="1"/>
+              <a:t>всеки</a:t>
+            </a:r>
+            <a:r>
+              <a:rPr lang="ru-RU" sz="2400" dirty="0"/>
+              <a:t> </a:t>
+            </a:r>
+            <a:r>
+              <a:rPr lang="ru-RU" sz="2400" dirty="0" err="1"/>
+              <a:t>ден</a:t>
+            </a:r>
+            <a:r>
+              <a:rPr lang="ru-RU" sz="2400" dirty="0"/>
+              <a:t>. </a:t>
+            </a:r>
+            <a:endParaRPr lang="bg-BG" sz="2400" dirty="0"/>
+          </a:p>
+        </p:txBody>
+      </p:sp>
+    </p:spTree>
+    <p:extLst>
+      <p:ext uri="{BB962C8B-B14F-4D97-AF65-F5344CB8AC3E}">
+        <p14:creationId xmlns:p14="http://schemas.microsoft.com/office/powerpoint/2010/main" val="3222794256"/>
+      </p:ext>
+    </p:extLst>
+  </p:cSld>
+  <p:clrMapOvr>
+    <a:masterClrMapping/>
+  </p:clrMapOvr>
+</p:sld>
+</file>
+
+<file path=ppt/slides/slide21.xml><?xml version="1.0" encoding="utf-8"?>
+<p:sld xmlns:a="http://schemas.openxmlformats.org/drawingml/2006/main" xmlns:r="http://schemas.openxmlformats.org/officeDocument/2006/relationships" xmlns:p="http://schemas.openxmlformats.org/presentationml/2006/main">
+  <p:cSld>
+    <p:spTree>
+      <p:nvGrpSpPr>
+        <p:cNvPr id="1" name=""/>
+        <p:cNvGrpSpPr/>
+        <p:nvPr/>
+      </p:nvGrpSpPr>
+      <p:grpSpPr>
+        <a:xfrm>
+          <a:off x="0" y="0"/>
+          <a:ext cx="0" cy="0"/>
+          <a:chOff x="0" y="0"/>
+          <a:chExt cx="0" cy="0"/>
+        </a:xfrm>
+      </p:grpSpPr>
+      <p:sp>
+        <p:nvSpPr>
+          <p:cNvPr id="3" name="Title 2">
+            <a:extLst>
+              <a:ext uri="{FF2B5EF4-FFF2-40B4-BE49-F238E27FC236}">
+                <a16:creationId xmlns:a16="http://schemas.microsoft.com/office/drawing/2014/main" id="{1DDBBC93-70DF-4E4E-98E3-08124185AB18}"/>
               </a:ext>
             </a:extLst>
           </p:cNvPr>
@@ -14617,7 +14741,7 @@
           <p:cNvPr id="9" name="Slide Number Placeholder 8">
             <a:extLst>
               <a:ext uri="{FF2B5EF4-FFF2-40B4-BE49-F238E27FC236}">
-                <a16:creationId xmlns:a16="http://schemas.microsoft.com/office/drawing/2014/main" xmlns="" id="{6DCF8D89-56D9-4E2B-9838-07DFB6E9D2BB}"/>
+                <a16:creationId xmlns:a16="http://schemas.microsoft.com/office/drawing/2014/main" id="{6DCF8D89-56D9-4E2B-9838-07DFB6E9D2BB}"/>
               </a:ext>
             </a:extLst>
           </p:cNvPr>
@@ -14636,7 +14760,7 @@
             <a:fld id="{D8DA9DAA-006C-4F4B-980E-E3DF019B24E2}" type="slidenum">
               <a:rPr lang="en-US" smtClean="0"/>
               <a:pPr/>
-              <a:t>20</a:t>
+              <a:t>21</a:t>
             </a:fld>
             <a:endParaRPr lang="en-US" dirty="0"/>
           </a:p>
@@ -14645,20 +14769,13 @@
     </p:spTree>
     <p:extLst>
       <p:ext uri="{BB962C8B-B14F-4D97-AF65-F5344CB8AC3E}">
-        <p14:creationId xmlns:p14="http://schemas.microsoft.com/office/powerpoint/2010/main" xmlns="" val="477989864"/>
+        <p14:creationId xmlns:p14="http://schemas.microsoft.com/office/powerpoint/2010/main" val="477989864"/>
       </p:ext>
     </p:extLst>
   </p:cSld>
   <p:clrMapOvr>
     <a:masterClrMapping/>
   </p:clrMapOvr>
-  <p:timing>
-    <p:tnLst>
-      <p:par>
-        <p:cTn id="1" dur="indefinite" restart="never" nodeType="tmRoot"/>
-      </p:par>
-    </p:tnLst>
-  </p:timing>
 </p:sld>
 </file>
 
@@ -14684,7 +14801,7 @@
           <p:cNvPr id="3" name="Title 2">
             <a:extLst>
               <a:ext uri="{FF2B5EF4-FFF2-40B4-BE49-F238E27FC236}">
-                <a16:creationId xmlns:a16="http://schemas.microsoft.com/office/drawing/2014/main" xmlns="" id="{1DDBBC93-70DF-4E4E-98E3-08124185AB18}"/>
+                <a16:creationId xmlns:a16="http://schemas.microsoft.com/office/drawing/2014/main" id="{1DDBBC93-70DF-4E4E-98E3-08124185AB18}"/>
               </a:ext>
             </a:extLst>
           </p:cNvPr>
@@ -14726,7 +14843,7 @@
           <p:cNvPr id="9" name="Slide Number Placeholder 8">
             <a:extLst>
               <a:ext uri="{FF2B5EF4-FFF2-40B4-BE49-F238E27FC236}">
-                <a16:creationId xmlns:a16="http://schemas.microsoft.com/office/drawing/2014/main" xmlns="" id="{6DCF8D89-56D9-4E2B-9838-07DFB6E9D2BB}"/>
+                <a16:creationId xmlns:a16="http://schemas.microsoft.com/office/drawing/2014/main" id="{6DCF8D89-56D9-4E2B-9838-07DFB6E9D2BB}"/>
               </a:ext>
             </a:extLst>
           </p:cNvPr>
@@ -14756,7 +14873,7 @@
           <p:cNvPr id="17" name="Table 16">
             <a:extLst>
               <a:ext uri="{FF2B5EF4-FFF2-40B4-BE49-F238E27FC236}">
-                <a16:creationId xmlns:a16="http://schemas.microsoft.com/office/drawing/2014/main" xmlns="" id="{D07B1909-C472-4E22-8E33-F5987FFF7884}"/>
+                <a16:creationId xmlns:a16="http://schemas.microsoft.com/office/drawing/2014/main" id="{D07B1909-C472-4E22-8E33-F5987FFF7884}"/>
               </a:ext>
             </a:extLst>
           </p:cNvPr>
@@ -14766,7 +14883,7 @@
           <p:nvPr>
             <p:extLst>
               <p:ext uri="{D42A27DB-BD31-4B8C-83A1-F6EECF244321}">
-                <p14:modId xmlns:p14="http://schemas.microsoft.com/office/powerpoint/2010/main" xmlns="" val="3392227713"/>
+                <p14:modId xmlns:p14="http://schemas.microsoft.com/office/powerpoint/2010/main" val="3392227713"/>
               </p:ext>
             </p:extLst>
           </p:nvPr>
@@ -14785,28 +14902,28 @@
                 <a:gridCol w="1007251">
                   <a:extLst>
                     <a:ext uri="{9D8B030D-6E8A-4147-A177-3AD203B41FA5}">
-                      <a16:colId xmlns:a16="http://schemas.microsoft.com/office/drawing/2014/main" xmlns="" val="2727011704"/>
+                      <a16:colId xmlns:a16="http://schemas.microsoft.com/office/drawing/2014/main" val="2727011704"/>
                     </a:ext>
                   </a:extLst>
                 </a:gridCol>
                 <a:gridCol w="1382426">
                   <a:extLst>
                     <a:ext uri="{9D8B030D-6E8A-4147-A177-3AD203B41FA5}">
-                      <a16:colId xmlns:a16="http://schemas.microsoft.com/office/drawing/2014/main" xmlns="" val="3501698707"/>
+                      <a16:colId xmlns:a16="http://schemas.microsoft.com/office/drawing/2014/main" val="3501698707"/>
                     </a:ext>
                   </a:extLst>
                 </a:gridCol>
                 <a:gridCol w="111780">
                   <a:extLst>
                     <a:ext uri="{9D8B030D-6E8A-4147-A177-3AD203B41FA5}">
-                      <a16:colId xmlns:a16="http://schemas.microsoft.com/office/drawing/2014/main" xmlns="" val="2813890663"/>
+                      <a16:colId xmlns:a16="http://schemas.microsoft.com/office/drawing/2014/main" val="2813890663"/>
                     </a:ext>
                   </a:extLst>
                 </a:gridCol>
                 <a:gridCol w="1487984">
                   <a:extLst>
                     <a:ext uri="{9D8B030D-6E8A-4147-A177-3AD203B41FA5}">
-                      <a16:colId xmlns:a16="http://schemas.microsoft.com/office/drawing/2014/main" xmlns="" val="447971825"/>
+                      <a16:colId xmlns:a16="http://schemas.microsoft.com/office/drawing/2014/main" val="447971825"/>
                     </a:ext>
                   </a:extLst>
                 </a:gridCol>
@@ -14935,7 +15052,7 @@
                 </a:tc>
                 <a:extLst>
                   <a:ext uri="{0D108BD9-81ED-4DB2-BD59-A6C34878D82A}">
-                    <a16:rowId xmlns:a16="http://schemas.microsoft.com/office/drawing/2014/main" xmlns="" val="551250015"/>
+                    <a16:rowId xmlns:a16="http://schemas.microsoft.com/office/drawing/2014/main" val="551250015"/>
                   </a:ext>
                 </a:extLst>
               </a:tr>
@@ -15186,7 +15303,7 @@
                 </a:tc>
                 <a:extLst>
                   <a:ext uri="{0D108BD9-81ED-4DB2-BD59-A6C34878D82A}">
-                    <a16:rowId xmlns:a16="http://schemas.microsoft.com/office/drawing/2014/main" xmlns="" val="983714848"/>
+                    <a16:rowId xmlns:a16="http://schemas.microsoft.com/office/drawing/2014/main" val="983714848"/>
                   </a:ext>
                 </a:extLst>
               </a:tr>
@@ -15395,7 +15512,7 @@
                 </a:tc>
                 <a:extLst>
                   <a:ext uri="{0D108BD9-81ED-4DB2-BD59-A6C34878D82A}">
-                    <a16:rowId xmlns:a16="http://schemas.microsoft.com/office/drawing/2014/main" xmlns="" val="2827030967"/>
+                    <a16:rowId xmlns:a16="http://schemas.microsoft.com/office/drawing/2014/main" val="2827030967"/>
                   </a:ext>
                 </a:extLst>
               </a:tr>
@@ -15408,7 +15525,7 @@
           <p:cNvPr id="18" name="Table 17">
             <a:extLst>
               <a:ext uri="{FF2B5EF4-FFF2-40B4-BE49-F238E27FC236}">
-                <a16:creationId xmlns:a16="http://schemas.microsoft.com/office/drawing/2014/main" xmlns="" id="{EB75CF33-3188-4F37-8185-6E39E617C1AB}"/>
+                <a16:creationId xmlns:a16="http://schemas.microsoft.com/office/drawing/2014/main" id="{EB75CF33-3188-4F37-8185-6E39E617C1AB}"/>
               </a:ext>
             </a:extLst>
           </p:cNvPr>
@@ -15418,14 +15535,14 @@
           <p:nvPr>
             <p:extLst>
               <p:ext uri="{D42A27DB-BD31-4B8C-83A1-F6EECF244321}">
-                <p14:modId xmlns:p14="http://schemas.microsoft.com/office/powerpoint/2010/main" xmlns="" val="3413634638"/>
+                <p14:modId xmlns:p14="http://schemas.microsoft.com/office/powerpoint/2010/main" val="3413634638"/>
               </p:ext>
             </p:extLst>
           </p:nvPr>
         </p:nvGraphicFramePr>
         <p:xfrm>
           <a:off x="3989442" y="1016488"/>
-          <a:ext cx="3689741" cy="5841511"/>
+          <a:ext cx="3689741" cy="5860182"/>
         </p:xfrm>
         <a:graphic>
           <a:graphicData uri="http://schemas.openxmlformats.org/drawingml/2006/table">
@@ -15437,21 +15554,21 @@
                 <a:gridCol w="810923">
                   <a:extLst>
                     <a:ext uri="{9D8B030D-6E8A-4147-A177-3AD203B41FA5}">
-                      <a16:colId xmlns:a16="http://schemas.microsoft.com/office/drawing/2014/main" xmlns="" val="3639734042"/>
+                      <a16:colId xmlns:a16="http://schemas.microsoft.com/office/drawing/2014/main" val="3639734042"/>
                     </a:ext>
                   </a:extLst>
                 </a:gridCol>
                 <a:gridCol w="1457858">
                   <a:extLst>
                     <a:ext uri="{9D8B030D-6E8A-4147-A177-3AD203B41FA5}">
-                      <a16:colId xmlns:a16="http://schemas.microsoft.com/office/drawing/2014/main" xmlns="" val="2240796854"/>
+                      <a16:colId xmlns:a16="http://schemas.microsoft.com/office/drawing/2014/main" val="2240796854"/>
                     </a:ext>
                   </a:extLst>
                 </a:gridCol>
                 <a:gridCol w="1420960">
                   <a:extLst>
                     <a:ext uri="{9D8B030D-6E8A-4147-A177-3AD203B41FA5}">
-                      <a16:colId xmlns:a16="http://schemas.microsoft.com/office/drawing/2014/main" xmlns="" val="2324055718"/>
+                      <a16:colId xmlns:a16="http://schemas.microsoft.com/office/drawing/2014/main" val="2324055718"/>
                     </a:ext>
                   </a:extLst>
                 </a:gridCol>
@@ -15567,7 +15684,7 @@
                 </a:tc>
                 <a:extLst>
                   <a:ext uri="{0D108BD9-81ED-4DB2-BD59-A6C34878D82A}">
-                    <a16:rowId xmlns:a16="http://schemas.microsoft.com/office/drawing/2014/main" xmlns="" val="1823980651"/>
+                    <a16:rowId xmlns:a16="http://schemas.microsoft.com/office/drawing/2014/main" val="1823980651"/>
                   </a:ext>
                 </a:extLst>
               </a:tr>
@@ -15744,7 +15861,7 @@
                 </a:tc>
                 <a:extLst>
                   <a:ext uri="{0D108BD9-81ED-4DB2-BD59-A6C34878D82A}">
-                    <a16:rowId xmlns:a16="http://schemas.microsoft.com/office/drawing/2014/main" xmlns="" val="2381535481"/>
+                    <a16:rowId xmlns:a16="http://schemas.microsoft.com/office/drawing/2014/main" val="2381535481"/>
                   </a:ext>
                 </a:extLst>
               </a:tr>
@@ -15847,7 +15964,7 @@
                 </a:tc>
                 <a:extLst>
                   <a:ext uri="{0D108BD9-81ED-4DB2-BD59-A6C34878D82A}">
-                    <a16:rowId xmlns:a16="http://schemas.microsoft.com/office/drawing/2014/main" xmlns="" val="1921558470"/>
+                    <a16:rowId xmlns:a16="http://schemas.microsoft.com/office/drawing/2014/main" val="1921558470"/>
                   </a:ext>
                 </a:extLst>
               </a:tr>
@@ -15860,7 +15977,7 @@
           <p:cNvPr id="19" name="Table 18">
             <a:extLst>
               <a:ext uri="{FF2B5EF4-FFF2-40B4-BE49-F238E27FC236}">
-                <a16:creationId xmlns:a16="http://schemas.microsoft.com/office/drawing/2014/main" xmlns="" id="{AAAADEB7-2A9F-4505-AD61-B598E8059E3A}"/>
+                <a16:creationId xmlns:a16="http://schemas.microsoft.com/office/drawing/2014/main" id="{AAAADEB7-2A9F-4505-AD61-B598E8059E3A}"/>
               </a:ext>
             </a:extLst>
           </p:cNvPr>
@@ -15870,7 +15987,7 @@
           <p:nvPr>
             <p:extLst>
               <p:ext uri="{D42A27DB-BD31-4B8C-83A1-F6EECF244321}">
-                <p14:modId xmlns:p14="http://schemas.microsoft.com/office/powerpoint/2010/main" xmlns="" val="4255137440"/>
+                <p14:modId xmlns:p14="http://schemas.microsoft.com/office/powerpoint/2010/main" val="4255137440"/>
               </p:ext>
             </p:extLst>
           </p:nvPr>
@@ -15889,21 +16006,21 @@
                 <a:gridCol w="991817">
                   <a:extLst>
                     <a:ext uri="{9D8B030D-6E8A-4147-A177-3AD203B41FA5}">
-                      <a16:colId xmlns:a16="http://schemas.microsoft.com/office/drawing/2014/main" xmlns="" val="1527589522"/>
+                      <a16:colId xmlns:a16="http://schemas.microsoft.com/office/drawing/2014/main" val="1527589522"/>
                     </a:ext>
                   </a:extLst>
                 </a:gridCol>
                 <a:gridCol w="1783064">
                   <a:extLst>
                     <a:ext uri="{9D8B030D-6E8A-4147-A177-3AD203B41FA5}">
-                      <a16:colId xmlns:a16="http://schemas.microsoft.com/office/drawing/2014/main" xmlns="" val="2924430698"/>
+                      <a16:colId xmlns:a16="http://schemas.microsoft.com/office/drawing/2014/main" val="2924430698"/>
                     </a:ext>
                   </a:extLst>
                 </a:gridCol>
                 <a:gridCol w="1737935">
                   <a:extLst>
                     <a:ext uri="{9D8B030D-6E8A-4147-A177-3AD203B41FA5}">
-                      <a16:colId xmlns:a16="http://schemas.microsoft.com/office/drawing/2014/main" xmlns="" val="2024491297"/>
+                      <a16:colId xmlns:a16="http://schemas.microsoft.com/office/drawing/2014/main" val="2024491297"/>
                     </a:ext>
                   </a:extLst>
                 </a:gridCol>
@@ -16007,7 +16124,7 @@
                 </a:tc>
                 <a:extLst>
                   <a:ext uri="{0D108BD9-81ED-4DB2-BD59-A6C34878D82A}">
-                    <a16:rowId xmlns:a16="http://schemas.microsoft.com/office/drawing/2014/main" xmlns="" val="2473888495"/>
+                    <a16:rowId xmlns:a16="http://schemas.microsoft.com/office/drawing/2014/main" val="2473888495"/>
                   </a:ext>
                 </a:extLst>
               </a:tr>
@@ -16134,7 +16251,7 @@
                 </a:tc>
                 <a:extLst>
                   <a:ext uri="{0D108BD9-81ED-4DB2-BD59-A6C34878D82A}">
-                    <a16:rowId xmlns:a16="http://schemas.microsoft.com/office/drawing/2014/main" xmlns="" val="1316917449"/>
+                    <a16:rowId xmlns:a16="http://schemas.microsoft.com/office/drawing/2014/main" val="1316917449"/>
                   </a:ext>
                 </a:extLst>
               </a:tr>
@@ -16142,117 +16259,16 @@
           </a:graphicData>
         </a:graphic>
       </p:graphicFrame>
-      <p:pic>
-        <p:nvPicPr>
-          <p:cNvPr id="1026" name="Picture 1">
-            <a:extLst>
-              <a:ext uri="{FF2B5EF4-FFF2-40B4-BE49-F238E27FC236}">
-                <a16:creationId xmlns:a16="http://schemas.microsoft.com/office/drawing/2014/main" xmlns="" id="{D8124A56-DA47-49F8-9A64-5FAE9BB4314B}"/>
-              </a:ext>
-            </a:extLst>
-          </p:cNvPr>
-          <p:cNvPicPr>
-            <a:picLocks noChangeAspect="1" noChangeArrowheads="1"/>
-          </p:cNvPicPr>
-          <p:nvPr/>
-        </p:nvPicPr>
-        <p:blipFill>
-          <a:blip r:embed="rId2">
-            <a:extLst>
-              <a:ext uri="{28A0092B-C50C-407E-A947-70E740481C1C}">
-                <a14:useLocalDpi xmlns:a14="http://schemas.microsoft.com/office/drawing/2010/main" xmlns="" val="0"/>
-              </a:ext>
-            </a:extLst>
-          </a:blip>
-          <a:srcRect/>
-          <a:stretch>
-            <a:fillRect/>
-          </a:stretch>
-        </p:blipFill>
-        <p:spPr bwMode="auto">
-          <a:xfrm>
-            <a:off x="0" y="0"/>
-            <a:ext cx="754063" cy="754063"/>
-          </a:xfrm>
-          <a:prstGeom prst="rect">
-            <a:avLst/>
-          </a:prstGeom>
-          <a:noFill/>
-          <a:extLst>
-            <a:ext uri="{909E8E84-426E-40DD-AFC4-6F175D3DCCD1}">
-              <a14:hiddenFill xmlns:a14="http://schemas.microsoft.com/office/drawing/2010/main" xmlns="">
-                <a:solidFill>
-                  <a:srgbClr val="FFFFFF"/>
-                </a:solidFill>
-              </a14:hiddenFill>
-            </a:ext>
-          </a:extLst>
-        </p:spPr>
-      </p:pic>
-      <p:pic>
-        <p:nvPicPr>
-          <p:cNvPr id="1025" name="Picture 2">
-            <a:extLst>
-              <a:ext uri="{FF2B5EF4-FFF2-40B4-BE49-F238E27FC236}">
-                <a16:creationId xmlns:a16="http://schemas.microsoft.com/office/drawing/2014/main" xmlns="" id="{38578A69-6C4B-4F7A-94D5-35DB3F096CDC}"/>
-              </a:ext>
-            </a:extLst>
-          </p:cNvPr>
-          <p:cNvPicPr>
-            <a:picLocks noChangeAspect="1" noChangeArrowheads="1"/>
-          </p:cNvPicPr>
-          <p:nvPr/>
-        </p:nvPicPr>
-        <p:blipFill>
-          <a:blip r:embed="rId3">
-            <a:extLst>
-              <a:ext uri="{28A0092B-C50C-407E-A947-70E740481C1C}">
-                <a14:useLocalDpi xmlns:a14="http://schemas.microsoft.com/office/drawing/2010/main" xmlns="" val="0"/>
-              </a:ext>
-            </a:extLst>
-          </a:blip>
-          <a:srcRect/>
-          <a:stretch>
-            <a:fillRect/>
-          </a:stretch>
-        </p:blipFill>
-        <p:spPr bwMode="auto">
-          <a:xfrm>
-            <a:off x="0" y="0"/>
-            <a:ext cx="769938" cy="769938"/>
-          </a:xfrm>
-          <a:prstGeom prst="rect">
-            <a:avLst/>
-          </a:prstGeom>
-          <a:noFill/>
-          <a:extLst>
-            <a:ext uri="{909E8E84-426E-40DD-AFC4-6F175D3DCCD1}">
-              <a14:hiddenFill xmlns:a14="http://schemas.microsoft.com/office/drawing/2010/main" xmlns="">
-                <a:solidFill>
-                  <a:srgbClr val="FFFFFF"/>
-                </a:solidFill>
-              </a14:hiddenFill>
-            </a:ext>
-          </a:extLst>
-        </p:spPr>
-      </p:pic>
     </p:spTree>
     <p:extLst>
       <p:ext uri="{BB962C8B-B14F-4D97-AF65-F5344CB8AC3E}">
-        <p14:creationId xmlns:p14="http://schemas.microsoft.com/office/powerpoint/2010/main" xmlns="" val="1613598062"/>
+        <p14:creationId xmlns:p14="http://schemas.microsoft.com/office/powerpoint/2010/main" val="1613598062"/>
       </p:ext>
     </p:extLst>
   </p:cSld>
   <p:clrMapOvr>
     <a:masterClrMapping/>
   </p:clrMapOvr>
-  <p:timing>
-    <p:tnLst>
-      <p:par>
-        <p:cTn id="1" dur="indefinite" restart="never" nodeType="tmRoot"/>
-      </p:par>
-    </p:tnLst>
-  </p:timing>
 </p:sld>
 </file>
 
@@ -16278,7 +16294,7 @@
           <p:cNvPr id="3" name="Title 2">
             <a:extLst>
               <a:ext uri="{FF2B5EF4-FFF2-40B4-BE49-F238E27FC236}">
-                <a16:creationId xmlns:a16="http://schemas.microsoft.com/office/drawing/2014/main" xmlns="" id="{1DDBBC93-70DF-4E4E-98E3-08124185AB18}"/>
+                <a16:creationId xmlns:a16="http://schemas.microsoft.com/office/drawing/2014/main" id="{1DDBBC93-70DF-4E4E-98E3-08124185AB18}"/>
               </a:ext>
             </a:extLst>
           </p:cNvPr>
@@ -16320,7 +16336,7 @@
           <p:cNvPr id="9" name="Slide Number Placeholder 8">
             <a:extLst>
               <a:ext uri="{FF2B5EF4-FFF2-40B4-BE49-F238E27FC236}">
-                <a16:creationId xmlns:a16="http://schemas.microsoft.com/office/drawing/2014/main" xmlns="" id="{6DCF8D89-56D9-4E2B-9838-07DFB6E9D2BB}"/>
+                <a16:creationId xmlns:a16="http://schemas.microsoft.com/office/drawing/2014/main" id="{6DCF8D89-56D9-4E2B-9838-07DFB6E9D2BB}"/>
               </a:ext>
             </a:extLst>
           </p:cNvPr>
@@ -16350,7 +16366,7 @@
           <p:cNvPr id="4" name="Picture 3">
             <a:extLst>
               <a:ext uri="{FF2B5EF4-FFF2-40B4-BE49-F238E27FC236}">
-                <a16:creationId xmlns:a16="http://schemas.microsoft.com/office/drawing/2014/main" xmlns="" id="{5C722D79-A088-4CE3-96FA-34DF9CDED86A}"/>
+                <a16:creationId xmlns:a16="http://schemas.microsoft.com/office/drawing/2014/main" id="{5C722D79-A088-4CE3-96FA-34DF9CDED86A}"/>
               </a:ext>
             </a:extLst>
           </p:cNvPr>
@@ -16380,7 +16396,7 @@
           <p:cNvPr id="6" name="Picture 5">
             <a:extLst>
               <a:ext uri="{FF2B5EF4-FFF2-40B4-BE49-F238E27FC236}">
-                <a16:creationId xmlns:a16="http://schemas.microsoft.com/office/drawing/2014/main" xmlns="" id="{9DCA1549-1143-4819-8305-50BF7EE5C4C0}"/>
+                <a16:creationId xmlns:a16="http://schemas.microsoft.com/office/drawing/2014/main" id="{9DCA1549-1143-4819-8305-50BF7EE5C4C0}"/>
               </a:ext>
             </a:extLst>
           </p:cNvPr>
@@ -16410,7 +16426,7 @@
           <p:cNvPr id="10" name="Picture 9">
             <a:extLst>
               <a:ext uri="{FF2B5EF4-FFF2-40B4-BE49-F238E27FC236}">
-                <a16:creationId xmlns:a16="http://schemas.microsoft.com/office/drawing/2014/main" xmlns="" id="{B3456FCD-0EB5-4ED8-81F5-032E511A8738}"/>
+                <a16:creationId xmlns:a16="http://schemas.microsoft.com/office/drawing/2014/main" id="{B3456FCD-0EB5-4ED8-81F5-032E511A8738}"/>
               </a:ext>
             </a:extLst>
           </p:cNvPr>
@@ -16438,20 +16454,13 @@
     </p:spTree>
     <p:extLst>
       <p:ext uri="{BB962C8B-B14F-4D97-AF65-F5344CB8AC3E}">
-        <p14:creationId xmlns:p14="http://schemas.microsoft.com/office/powerpoint/2010/main" xmlns="" val="891436050"/>
+        <p14:creationId xmlns:p14="http://schemas.microsoft.com/office/powerpoint/2010/main" val="891436050"/>
       </p:ext>
     </p:extLst>
   </p:cSld>
   <p:clrMapOvr>
     <a:masterClrMapping/>
   </p:clrMapOvr>
-  <p:timing>
-    <p:tnLst>
-      <p:par>
-        <p:cTn id="1" dur="indefinite" restart="never" nodeType="tmRoot"/>
-      </p:par>
-    </p:tnLst>
-  </p:timing>
 </p:sld>
 </file>
 
@@ -16477,7 +16486,7 @@
           <p:cNvPr id="3" name="Title 2">
             <a:extLst>
               <a:ext uri="{FF2B5EF4-FFF2-40B4-BE49-F238E27FC236}">
-                <a16:creationId xmlns:a16="http://schemas.microsoft.com/office/drawing/2014/main" xmlns="" id="{1DDBBC93-70DF-4E4E-98E3-08124185AB18}"/>
+                <a16:creationId xmlns:a16="http://schemas.microsoft.com/office/drawing/2014/main" id="{1DDBBC93-70DF-4E4E-98E3-08124185AB18}"/>
               </a:ext>
             </a:extLst>
           </p:cNvPr>
@@ -16519,7 +16528,7 @@
           <p:cNvPr id="9" name="Slide Number Placeholder 8">
             <a:extLst>
               <a:ext uri="{FF2B5EF4-FFF2-40B4-BE49-F238E27FC236}">
-                <a16:creationId xmlns:a16="http://schemas.microsoft.com/office/drawing/2014/main" xmlns="" id="{6DCF8D89-56D9-4E2B-9838-07DFB6E9D2BB}"/>
+                <a16:creationId xmlns:a16="http://schemas.microsoft.com/office/drawing/2014/main" id="{6DCF8D89-56D9-4E2B-9838-07DFB6E9D2BB}"/>
               </a:ext>
             </a:extLst>
           </p:cNvPr>
@@ -16549,7 +16558,7 @@
           <p:cNvPr id="12" name="Picture 11">
             <a:extLst>
               <a:ext uri="{FF2B5EF4-FFF2-40B4-BE49-F238E27FC236}">
-                <a16:creationId xmlns:a16="http://schemas.microsoft.com/office/drawing/2014/main" xmlns="" id="{D9ECCA61-3BDB-4E1F-B17F-A9A904FD21FA}"/>
+                <a16:creationId xmlns:a16="http://schemas.microsoft.com/office/drawing/2014/main" id="{D9ECCA61-3BDB-4E1F-B17F-A9A904FD21FA}"/>
               </a:ext>
             </a:extLst>
           </p:cNvPr>
@@ -16579,7 +16588,7 @@
           <p:cNvPr id="14" name="Picture 13">
             <a:extLst>
               <a:ext uri="{FF2B5EF4-FFF2-40B4-BE49-F238E27FC236}">
-                <a16:creationId xmlns:a16="http://schemas.microsoft.com/office/drawing/2014/main" xmlns="" id="{46A7068B-0D3F-47BC-A360-C970E6D0E180}"/>
+                <a16:creationId xmlns:a16="http://schemas.microsoft.com/office/drawing/2014/main" id="{46A7068B-0D3F-47BC-A360-C970E6D0E180}"/>
               </a:ext>
             </a:extLst>
           </p:cNvPr>
@@ -16607,20 +16616,13 @@
     </p:spTree>
     <p:extLst>
       <p:ext uri="{BB962C8B-B14F-4D97-AF65-F5344CB8AC3E}">
-        <p14:creationId xmlns:p14="http://schemas.microsoft.com/office/powerpoint/2010/main" xmlns="" val="3808887362"/>
+        <p14:creationId xmlns:p14="http://schemas.microsoft.com/office/powerpoint/2010/main" val="3808887362"/>
       </p:ext>
     </p:extLst>
   </p:cSld>
   <p:clrMapOvr>
     <a:masterClrMapping/>
   </p:clrMapOvr>
-  <p:timing>
-    <p:tnLst>
-      <p:par>
-        <p:cTn id="1" dur="indefinite" restart="never" nodeType="tmRoot"/>
-      </p:par>
-    </p:tnLst>
-  </p:timing>
 </p:sld>
 </file>
 
@@ -16646,7 +16648,7 @@
           <p:cNvPr id="3" name="Title 2">
             <a:extLst>
               <a:ext uri="{FF2B5EF4-FFF2-40B4-BE49-F238E27FC236}">
-                <a16:creationId xmlns:a16="http://schemas.microsoft.com/office/drawing/2014/main" xmlns="" id="{1DDBBC93-70DF-4E4E-98E3-08124185AB18}"/>
+                <a16:creationId xmlns:a16="http://schemas.microsoft.com/office/drawing/2014/main" id="{1DDBBC93-70DF-4E4E-98E3-08124185AB18}"/>
               </a:ext>
             </a:extLst>
           </p:cNvPr>
@@ -16688,7 +16690,7 @@
           <p:cNvPr id="9" name="Slide Number Placeholder 8">
             <a:extLst>
               <a:ext uri="{FF2B5EF4-FFF2-40B4-BE49-F238E27FC236}">
-                <a16:creationId xmlns:a16="http://schemas.microsoft.com/office/drawing/2014/main" xmlns="" id="{6DCF8D89-56D9-4E2B-9838-07DFB6E9D2BB}"/>
+                <a16:creationId xmlns:a16="http://schemas.microsoft.com/office/drawing/2014/main" id="{6DCF8D89-56D9-4E2B-9838-07DFB6E9D2BB}"/>
               </a:ext>
             </a:extLst>
           </p:cNvPr>
@@ -16718,7 +16720,7 @@
           <p:cNvPr id="4" name="Text Placeholder 6">
             <a:extLst>
               <a:ext uri="{FF2B5EF4-FFF2-40B4-BE49-F238E27FC236}">
-                <a16:creationId xmlns:a16="http://schemas.microsoft.com/office/drawing/2014/main" xmlns="" id="{87A096A5-7421-4B75-B970-D4E9AA978254}"/>
+                <a16:creationId xmlns:a16="http://schemas.microsoft.com/office/drawing/2014/main" id="{87A096A5-7421-4B75-B970-D4E9AA978254}"/>
               </a:ext>
             </a:extLst>
           </p:cNvPr>
@@ -16743,247 +16745,247 @@
           <a:p>
             <a:pPr algn="l"/>
             <a:r>
-              <a:rPr lang="ru-RU" sz="2400" dirty="0" smtClean="0"/>
+              <a:rPr lang="ru-RU" sz="2400" dirty="0"/>
               <a:t>С </a:t>
             </a:r>
             <a:r>
-              <a:rPr lang="ru-RU" sz="2400" dirty="0" err="1" smtClean="0"/>
+              <a:rPr lang="ru-RU" sz="2400" dirty="0" err="1"/>
               <a:t>проектирането</a:t>
             </a:r>
             <a:r>
-              <a:rPr lang="ru-RU" sz="2400" dirty="0" smtClean="0"/>
+              <a:rPr lang="ru-RU" sz="2400" dirty="0"/>
               <a:t> и </a:t>
             </a:r>
             <a:r>
-              <a:rPr lang="ru-RU" sz="2400" dirty="0" err="1" smtClean="0"/>
+              <a:rPr lang="ru-RU" sz="2400" dirty="0" err="1"/>
               <a:t>реализирането</a:t>
             </a:r>
             <a:r>
-              <a:rPr lang="ru-RU" sz="2400" dirty="0" smtClean="0"/>
+              <a:rPr lang="ru-RU" sz="2400" dirty="0"/>
               <a:t> на </a:t>
             </a:r>
             <a:r>
-              <a:rPr lang="ru-RU" sz="2400" dirty="0" err="1" smtClean="0"/>
+              <a:rPr lang="ru-RU" sz="2400" dirty="0" err="1"/>
               <a:t>мобилно</a:t>
             </a:r>
             <a:r>
-              <a:rPr lang="ru-RU" sz="2400" dirty="0" smtClean="0"/>
+              <a:rPr lang="ru-RU" sz="2400" dirty="0"/>
               <a:t> приложение за управление на </a:t>
             </a:r>
             <a:r>
-              <a:rPr lang="ru-RU" sz="2400" dirty="0" err="1" smtClean="0"/>
+              <a:rPr lang="ru-RU" sz="2400" dirty="0" err="1"/>
               <a:t>личните</a:t>
             </a:r>
             <a:r>
-              <a:rPr lang="ru-RU" sz="2400" dirty="0" smtClean="0"/>
+              <a:rPr lang="ru-RU" sz="2400" dirty="0"/>
               <a:t> </a:t>
             </a:r>
             <a:r>
-              <a:rPr lang="ru-RU" sz="2400" dirty="0" err="1" smtClean="0"/>
+              <a:rPr lang="ru-RU" sz="2400" dirty="0" err="1"/>
               <a:t>финанси</a:t>
             </a:r>
             <a:r>
-              <a:rPr lang="ru-RU" sz="2400" dirty="0" smtClean="0"/>
+              <a:rPr lang="ru-RU" sz="2400" dirty="0"/>
               <a:t>, </a:t>
             </a:r>
             <a:r>
-              <a:rPr lang="ru-RU" sz="2400" dirty="0" err="1" smtClean="0"/>
+              <a:rPr lang="ru-RU" sz="2400" dirty="0" err="1"/>
               <a:t>бихме</a:t>
             </a:r>
             <a:r>
-              <a:rPr lang="ru-RU" sz="2400" dirty="0" smtClean="0"/>
+              <a:rPr lang="ru-RU" sz="2400" dirty="0"/>
               <a:t> искали до </a:t>
             </a:r>
             <a:r>
-              <a:rPr lang="ru-RU" sz="2400" dirty="0" err="1" smtClean="0"/>
+              <a:rPr lang="ru-RU" sz="2400" dirty="0" err="1"/>
               <a:t>някаква</a:t>
             </a:r>
             <a:r>
-              <a:rPr lang="ru-RU" sz="2400" dirty="0" smtClean="0"/>
+              <a:rPr lang="ru-RU" sz="2400" dirty="0"/>
               <a:t> </a:t>
             </a:r>
             <a:r>
-              <a:rPr lang="ru-RU" sz="2400" dirty="0" err="1" smtClean="0"/>
+              <a:rPr lang="ru-RU" sz="2400" dirty="0" err="1"/>
               <a:t>степен</a:t>
             </a:r>
             <a:r>
-              <a:rPr lang="ru-RU" sz="2400" dirty="0" smtClean="0"/>
+              <a:rPr lang="ru-RU" sz="2400" dirty="0"/>
               <a:t> да </a:t>
             </a:r>
             <a:r>
-              <a:rPr lang="ru-RU" sz="2400" dirty="0" err="1" smtClean="0"/>
+              <a:rPr lang="ru-RU" sz="2400" dirty="0" err="1"/>
               <a:t>автоматизираме</a:t>
             </a:r>
             <a:r>
-              <a:rPr lang="ru-RU" sz="2400" dirty="0" smtClean="0"/>
+              <a:rPr lang="ru-RU" sz="2400" dirty="0"/>
               <a:t> и </a:t>
             </a:r>
             <a:r>
-              <a:rPr lang="ru-RU" sz="2400" dirty="0" err="1" smtClean="0"/>
+              <a:rPr lang="ru-RU" sz="2400" dirty="0" err="1"/>
               <a:t>улесним</a:t>
             </a:r>
             <a:r>
-              <a:rPr lang="ru-RU" sz="2400" dirty="0" smtClean="0"/>
+              <a:rPr lang="ru-RU" sz="2400" dirty="0"/>
               <a:t> </a:t>
             </a:r>
             <a:r>
-              <a:rPr lang="ru-RU" sz="2400" dirty="0" err="1" smtClean="0"/>
+              <a:rPr lang="ru-RU" sz="2400" dirty="0" err="1"/>
               <a:t>процеса</a:t>
             </a:r>
             <a:r>
-              <a:rPr lang="ru-RU" sz="2400" dirty="0" smtClean="0"/>
+              <a:rPr lang="ru-RU" sz="2400" dirty="0"/>
               <a:t> по </a:t>
             </a:r>
             <a:r>
-              <a:rPr lang="ru-RU" sz="2400" dirty="0" err="1" smtClean="0"/>
+              <a:rPr lang="ru-RU" sz="2400" dirty="0" err="1"/>
               <a:t>калкулация</a:t>
             </a:r>
             <a:r>
-              <a:rPr lang="ru-RU" sz="2400" dirty="0" smtClean="0"/>
+              <a:rPr lang="ru-RU" sz="2400" dirty="0"/>
               <a:t> и </a:t>
             </a:r>
             <a:r>
-              <a:rPr lang="ru-RU" sz="2400" dirty="0" err="1" smtClean="0"/>
+              <a:rPr lang="ru-RU" sz="2400" dirty="0" err="1"/>
               <a:t>изчисляване</a:t>
             </a:r>
             <a:r>
-              <a:rPr lang="ru-RU" sz="2400" dirty="0" smtClean="0"/>
+              <a:rPr lang="ru-RU" sz="2400" dirty="0"/>
               <a:t> на </a:t>
             </a:r>
             <a:r>
-              <a:rPr lang="ru-RU" sz="2400" dirty="0" err="1" smtClean="0"/>
+              <a:rPr lang="ru-RU" sz="2400" dirty="0" err="1"/>
               <a:t>разходи</a:t>
             </a:r>
             <a:r>
-              <a:rPr lang="ru-RU" sz="2400" dirty="0" smtClean="0"/>
+              <a:rPr lang="ru-RU" sz="2400" dirty="0"/>
               <a:t> и приходи, </a:t>
             </a:r>
             <a:r>
-              <a:rPr lang="ru-RU" sz="2400" dirty="0" err="1" smtClean="0"/>
+              <a:rPr lang="ru-RU" sz="2400" dirty="0" err="1"/>
               <a:t>както</a:t>
             </a:r>
             <a:r>
-              <a:rPr lang="ru-RU" sz="2400" dirty="0" smtClean="0"/>
+              <a:rPr lang="ru-RU" sz="2400" dirty="0"/>
               <a:t> и да се </a:t>
             </a:r>
             <a:r>
-              <a:rPr lang="ru-RU" sz="2400" dirty="0" err="1" smtClean="0"/>
+              <a:rPr lang="ru-RU" sz="2400" dirty="0" err="1"/>
               <a:t>погрижим</a:t>
             </a:r>
             <a:r>
-              <a:rPr lang="ru-RU" sz="2400" dirty="0" smtClean="0"/>
+              <a:rPr lang="ru-RU" sz="2400" dirty="0"/>
               <a:t> за </a:t>
             </a:r>
             <a:r>
-              <a:rPr lang="ru-RU" sz="2400" dirty="0" err="1" smtClean="0"/>
+              <a:rPr lang="ru-RU" sz="2400" dirty="0" err="1"/>
               <a:t>безопасното</a:t>
             </a:r>
             <a:r>
-              <a:rPr lang="ru-RU" sz="2400" dirty="0" smtClean="0"/>
+              <a:rPr lang="ru-RU" sz="2400" dirty="0"/>
               <a:t> и </a:t>
             </a:r>
             <a:r>
-              <a:rPr lang="ru-RU" sz="2400" dirty="0" err="1" smtClean="0"/>
+              <a:rPr lang="ru-RU" sz="2400" dirty="0" err="1"/>
               <a:t>сигурно</a:t>
             </a:r>
             <a:r>
-              <a:rPr lang="ru-RU" sz="2400" dirty="0" smtClean="0"/>
+              <a:rPr lang="ru-RU" sz="2400" dirty="0"/>
               <a:t> </a:t>
             </a:r>
             <a:r>
-              <a:rPr lang="ru-RU" sz="2400" dirty="0" err="1" smtClean="0"/>
+              <a:rPr lang="ru-RU" sz="2400" dirty="0" err="1"/>
               <a:t>съхранение</a:t>
             </a:r>
             <a:r>
-              <a:rPr lang="ru-RU" sz="2400" dirty="0" smtClean="0"/>
+              <a:rPr lang="ru-RU" sz="2400" dirty="0"/>
               <a:t> на </a:t>
             </a:r>
             <a:r>
-              <a:rPr lang="ru-RU" sz="2400" dirty="0" err="1" smtClean="0"/>
+              <a:rPr lang="ru-RU" sz="2400" dirty="0" err="1"/>
               <a:t>тази</a:t>
             </a:r>
             <a:r>
-              <a:rPr lang="ru-RU" sz="2400" dirty="0" smtClean="0"/>
+              <a:rPr lang="ru-RU" sz="2400" dirty="0"/>
               <a:t> информация. Важно е </a:t>
             </a:r>
             <a:r>
-              <a:rPr lang="ru-RU" sz="2400" dirty="0" err="1" smtClean="0"/>
+              <a:rPr lang="ru-RU" sz="2400" dirty="0" err="1"/>
               <a:t>информацията</a:t>
             </a:r>
             <a:r>
-              <a:rPr lang="ru-RU" sz="2400" dirty="0" smtClean="0"/>
+              <a:rPr lang="ru-RU" sz="2400" dirty="0"/>
               <a:t> да </a:t>
             </a:r>
             <a:r>
-              <a:rPr lang="ru-RU" sz="2400" dirty="0" err="1" smtClean="0"/>
+              <a:rPr lang="ru-RU" sz="2400" dirty="0" err="1"/>
               <a:t>бъде</a:t>
             </a:r>
             <a:r>
-              <a:rPr lang="ru-RU" sz="2400" dirty="0" smtClean="0"/>
+              <a:rPr lang="ru-RU" sz="2400" dirty="0"/>
               <a:t> </a:t>
             </a:r>
             <a:r>
-              <a:rPr lang="ru-RU" sz="2400" dirty="0" err="1" smtClean="0"/>
+              <a:rPr lang="ru-RU" sz="2400" dirty="0" err="1"/>
               <a:t>винаги</a:t>
             </a:r>
             <a:r>
-              <a:rPr lang="ru-RU" sz="2400" dirty="0" smtClean="0"/>
+              <a:rPr lang="ru-RU" sz="2400" dirty="0"/>
               <a:t> </a:t>
             </a:r>
             <a:r>
-              <a:rPr lang="ru-RU" sz="2400" dirty="0" err="1" smtClean="0"/>
+              <a:rPr lang="ru-RU" sz="2400" dirty="0" err="1"/>
               <a:t>лесно</a:t>
             </a:r>
             <a:r>
-              <a:rPr lang="ru-RU" sz="2400" dirty="0" smtClean="0"/>
+              <a:rPr lang="ru-RU" sz="2400" dirty="0"/>
               <a:t> </a:t>
             </a:r>
             <a:r>
-              <a:rPr lang="ru-RU" sz="2400" dirty="0" err="1" smtClean="0"/>
+              <a:rPr lang="ru-RU" sz="2400" dirty="0" err="1"/>
               <a:t>достъпна</a:t>
             </a:r>
             <a:r>
-              <a:rPr lang="ru-RU" sz="2400" dirty="0" smtClean="0"/>
+              <a:rPr lang="ru-RU" sz="2400" dirty="0"/>
               <a:t>, </a:t>
             </a:r>
             <a:r>
-              <a:rPr lang="ru-RU" sz="2400" dirty="0" err="1" smtClean="0"/>
+              <a:rPr lang="ru-RU" sz="2400" dirty="0" err="1"/>
               <a:t>да</a:t>
             </a:r>
             <a:r>
-              <a:rPr lang="ru-RU" sz="2400" dirty="0" smtClean="0"/>
+              <a:rPr lang="ru-RU" sz="2400" dirty="0"/>
               <a:t> </a:t>
             </a:r>
             <a:r>
-              <a:rPr lang="ru-RU" sz="2400" dirty="0" err="1" smtClean="0"/>
+              <a:rPr lang="ru-RU" sz="2400" dirty="0" err="1"/>
               <a:t>бъде</a:t>
             </a:r>
             <a:r>
-              <a:rPr lang="ru-RU" sz="2400" dirty="0" smtClean="0"/>
+              <a:rPr lang="ru-RU" sz="2400" dirty="0"/>
               <a:t> </a:t>
             </a:r>
             <a:r>
-              <a:rPr lang="ru-RU" sz="2400" dirty="0" err="1" smtClean="0"/>
+              <a:rPr lang="ru-RU" sz="2400" dirty="0" err="1"/>
               <a:t>актуална</a:t>
             </a:r>
             <a:r>
-              <a:rPr lang="ru-RU" sz="2400" dirty="0" smtClean="0"/>
+              <a:rPr lang="ru-RU" sz="2400" dirty="0"/>
               <a:t>, точна, </a:t>
             </a:r>
             <a:r>
-              <a:rPr lang="ru-RU" sz="2400" dirty="0" err="1" smtClean="0"/>
+              <a:rPr lang="ru-RU" sz="2400" dirty="0" err="1"/>
               <a:t>сигурна</a:t>
             </a:r>
             <a:r>
-              <a:rPr lang="ru-RU" sz="2400" dirty="0" smtClean="0"/>
+              <a:rPr lang="ru-RU" sz="2400" dirty="0"/>
               <a:t> и </a:t>
             </a:r>
             <a:r>
-              <a:rPr lang="ru-RU" sz="2400" dirty="0" err="1" smtClean="0"/>
+              <a:rPr lang="ru-RU" sz="2400" dirty="0" err="1"/>
               <a:t>правилна</a:t>
             </a:r>
             <a:r>
-              <a:rPr lang="ru-RU" sz="2400" dirty="0" smtClean="0"/>
+              <a:rPr lang="ru-RU" sz="2400" dirty="0"/>
               <a:t>. </a:t>
             </a:r>
             <a:endParaRPr lang="bg-BG" sz="2400" dirty="0"/>
@@ -16993,20 +16995,13 @@
     </p:spTree>
     <p:extLst>
       <p:ext uri="{BB962C8B-B14F-4D97-AF65-F5344CB8AC3E}">
-        <p14:creationId xmlns:p14="http://schemas.microsoft.com/office/powerpoint/2010/main" xmlns="" val="931783242"/>
+        <p14:creationId xmlns:p14="http://schemas.microsoft.com/office/powerpoint/2010/main" val="931783242"/>
       </p:ext>
     </p:extLst>
   </p:cSld>
   <p:clrMapOvr>
     <a:masterClrMapping/>
   </p:clrMapOvr>
-  <p:timing>
-    <p:tnLst>
-      <p:par>
-        <p:cTn id="1" dur="indefinite" restart="never" nodeType="tmRoot"/>
-      </p:par>
-    </p:tnLst>
-  </p:timing>
 </p:sld>
 </file>
 
@@ -17032,7 +17027,7 @@
           <p:cNvPr id="3" name="Title 2">
             <a:extLst>
               <a:ext uri="{FF2B5EF4-FFF2-40B4-BE49-F238E27FC236}">
-                <a16:creationId xmlns:a16="http://schemas.microsoft.com/office/drawing/2014/main" xmlns="" id="{1DDBBC93-70DF-4E4E-98E3-08124185AB18}"/>
+                <a16:creationId xmlns:a16="http://schemas.microsoft.com/office/drawing/2014/main" id="{1DDBBC93-70DF-4E4E-98E3-08124185AB18}"/>
               </a:ext>
             </a:extLst>
           </p:cNvPr>
@@ -17074,7 +17069,7 @@
           <p:cNvPr id="9" name="Slide Number Placeholder 8">
             <a:extLst>
               <a:ext uri="{FF2B5EF4-FFF2-40B4-BE49-F238E27FC236}">
-                <a16:creationId xmlns:a16="http://schemas.microsoft.com/office/drawing/2014/main" xmlns="" id="{6DCF8D89-56D9-4E2B-9838-07DFB6E9D2BB}"/>
+                <a16:creationId xmlns:a16="http://schemas.microsoft.com/office/drawing/2014/main" id="{6DCF8D89-56D9-4E2B-9838-07DFB6E9D2BB}"/>
               </a:ext>
             </a:extLst>
           </p:cNvPr>
@@ -17104,7 +17099,7 @@
           <p:cNvPr id="5" name="Picture 4">
             <a:extLst>
               <a:ext uri="{FF2B5EF4-FFF2-40B4-BE49-F238E27FC236}">
-                <a16:creationId xmlns:a16="http://schemas.microsoft.com/office/drawing/2014/main" xmlns="" id="{58BB1531-2B99-4BE9-8558-77BF8AB709DF}"/>
+                <a16:creationId xmlns:a16="http://schemas.microsoft.com/office/drawing/2014/main" id="{58BB1531-2B99-4BE9-8558-77BF8AB709DF}"/>
               </a:ext>
             </a:extLst>
           </p:cNvPr>
@@ -17134,7 +17129,7 @@
           <p:cNvPr id="8" name="Picture 7">
             <a:extLst>
               <a:ext uri="{FF2B5EF4-FFF2-40B4-BE49-F238E27FC236}">
-                <a16:creationId xmlns:a16="http://schemas.microsoft.com/office/drawing/2014/main" xmlns="" id="{C3F789DE-C88B-4091-AFBF-594789073E48}"/>
+                <a16:creationId xmlns:a16="http://schemas.microsoft.com/office/drawing/2014/main" id="{C3F789DE-C88B-4091-AFBF-594789073E48}"/>
               </a:ext>
             </a:extLst>
           </p:cNvPr>
@@ -17164,7 +17159,7 @@
           <p:cNvPr id="14" name="Picture 13">
             <a:extLst>
               <a:ext uri="{FF2B5EF4-FFF2-40B4-BE49-F238E27FC236}">
-                <a16:creationId xmlns:a16="http://schemas.microsoft.com/office/drawing/2014/main" xmlns="" id="{4DC56451-BF3E-485E-B7A1-CE61F7B5E657}"/>
+                <a16:creationId xmlns:a16="http://schemas.microsoft.com/office/drawing/2014/main" id="{4DC56451-BF3E-485E-B7A1-CE61F7B5E657}"/>
               </a:ext>
             </a:extLst>
           </p:cNvPr>
@@ -17194,7 +17189,7 @@
           <p:cNvPr id="16" name="Graphic 15">
             <a:extLst>
               <a:ext uri="{FF2B5EF4-FFF2-40B4-BE49-F238E27FC236}">
-                <a16:creationId xmlns:a16="http://schemas.microsoft.com/office/drawing/2014/main" xmlns="" id="{1C178B54-E45B-4233-8A02-2D9CA67F4BA5}"/>
+                <a16:creationId xmlns:a16="http://schemas.microsoft.com/office/drawing/2014/main" id="{1C178B54-E45B-4233-8A02-2D9CA67F4BA5}"/>
               </a:ext>
             </a:extLst>
           </p:cNvPr>
@@ -17207,7 +17202,7 @@
           <a:blip r:embed="rId5">
             <a:extLst>
               <a:ext uri="{96DAC541-7B7A-43D3-8B79-37D633B846F1}">
-                <asvg:svgBlip xmlns:asvg="http://schemas.microsoft.com/office/drawing/2016/SVG/main" xmlns="" r:embed="rId6"/>
+                <asvg:svgBlip xmlns:asvg="http://schemas.microsoft.com/office/drawing/2016/SVG/main" r:embed="rId6"/>
               </a:ext>
             </a:extLst>
           </a:blip>
@@ -17230,7 +17225,7 @@
           <p:cNvPr id="3074" name="Picture 2" descr="Image">
             <a:extLst>
               <a:ext uri="{FF2B5EF4-FFF2-40B4-BE49-F238E27FC236}">
-                <a16:creationId xmlns:a16="http://schemas.microsoft.com/office/drawing/2014/main" xmlns="" id="{33F707AE-BE6A-47C3-A538-40BFB31D6B5A}"/>
+                <a16:creationId xmlns:a16="http://schemas.microsoft.com/office/drawing/2014/main" id="{33F707AE-BE6A-47C3-A538-40BFB31D6B5A}"/>
               </a:ext>
             </a:extLst>
           </p:cNvPr>
@@ -17243,7 +17238,7 @@
           <a:blip r:embed="rId7">
             <a:extLst>
               <a:ext uri="{28A0092B-C50C-407E-A947-70E740481C1C}">
-                <a14:useLocalDpi xmlns:a14="http://schemas.microsoft.com/office/drawing/2010/main" xmlns="" val="0"/>
+                <a14:useLocalDpi xmlns:a14="http://schemas.microsoft.com/office/drawing/2010/main" val="0"/>
               </a:ext>
             </a:extLst>
           </a:blip>
@@ -17263,7 +17258,7 @@
           <a:noFill/>
           <a:extLst>
             <a:ext uri="{909E8E84-426E-40DD-AFC4-6F175D3DCCD1}">
-              <a14:hiddenFill xmlns:a14="http://schemas.microsoft.com/office/drawing/2010/main" xmlns="">
+              <a14:hiddenFill xmlns:a14="http://schemas.microsoft.com/office/drawing/2010/main">
                 <a:solidFill>
                   <a:srgbClr val="FFFFFF"/>
                 </a:solidFill>
@@ -17275,20 +17270,13 @@
     </p:spTree>
     <p:extLst>
       <p:ext uri="{BB962C8B-B14F-4D97-AF65-F5344CB8AC3E}">
-        <p14:creationId xmlns:p14="http://schemas.microsoft.com/office/powerpoint/2010/main" xmlns="" val="2320710457"/>
+        <p14:creationId xmlns:p14="http://schemas.microsoft.com/office/powerpoint/2010/main" val="2320710457"/>
       </p:ext>
     </p:extLst>
   </p:cSld>
   <p:clrMapOvr>
     <a:masterClrMapping/>
   </p:clrMapOvr>
-  <p:timing>
-    <p:tnLst>
-      <p:par>
-        <p:cTn id="1" dur="indefinite" restart="never" nodeType="tmRoot"/>
-      </p:par>
-    </p:tnLst>
-  </p:timing>
 </p:sld>
 </file>
 
@@ -17314,7 +17302,7 @@
           <p:cNvPr id="3" name="Title 2">
             <a:extLst>
               <a:ext uri="{FF2B5EF4-FFF2-40B4-BE49-F238E27FC236}">
-                <a16:creationId xmlns:a16="http://schemas.microsoft.com/office/drawing/2014/main" xmlns="" id="{1DDBBC93-70DF-4E4E-98E3-08124185AB18}"/>
+                <a16:creationId xmlns:a16="http://schemas.microsoft.com/office/drawing/2014/main" id="{1DDBBC93-70DF-4E4E-98E3-08124185AB18}"/>
               </a:ext>
             </a:extLst>
           </p:cNvPr>
@@ -17356,7 +17344,7 @@
           <p:cNvPr id="9" name="Slide Number Placeholder 8">
             <a:extLst>
               <a:ext uri="{FF2B5EF4-FFF2-40B4-BE49-F238E27FC236}">
-                <a16:creationId xmlns:a16="http://schemas.microsoft.com/office/drawing/2014/main" xmlns="" id="{6DCF8D89-56D9-4E2B-9838-07DFB6E9D2BB}"/>
+                <a16:creationId xmlns:a16="http://schemas.microsoft.com/office/drawing/2014/main" id="{6DCF8D89-56D9-4E2B-9838-07DFB6E9D2BB}"/>
               </a:ext>
             </a:extLst>
           </p:cNvPr>
@@ -17386,7 +17374,7 @@
           <p:cNvPr id="4" name="Picture 3">
             <a:extLst>
               <a:ext uri="{FF2B5EF4-FFF2-40B4-BE49-F238E27FC236}">
-                <a16:creationId xmlns:a16="http://schemas.microsoft.com/office/drawing/2014/main" xmlns="" id="{AF9E042D-8422-44CF-9AF3-073AA5799281}"/>
+                <a16:creationId xmlns:a16="http://schemas.microsoft.com/office/drawing/2014/main" id="{AF9E042D-8422-44CF-9AF3-073AA5799281}"/>
               </a:ext>
             </a:extLst>
           </p:cNvPr>
@@ -17414,20 +17402,13 @@
     </p:spTree>
     <p:extLst>
       <p:ext uri="{BB962C8B-B14F-4D97-AF65-F5344CB8AC3E}">
-        <p14:creationId xmlns:p14="http://schemas.microsoft.com/office/powerpoint/2010/main" xmlns="" val="803064220"/>
+        <p14:creationId xmlns:p14="http://schemas.microsoft.com/office/powerpoint/2010/main" val="803064220"/>
       </p:ext>
     </p:extLst>
   </p:cSld>
   <p:clrMapOvr>
     <a:masterClrMapping/>
   </p:clrMapOvr>
-  <p:timing>
-    <p:tnLst>
-      <p:par>
-        <p:cTn id="1" dur="indefinite" restart="never" nodeType="tmRoot"/>
-      </p:par>
-    </p:tnLst>
-  </p:timing>
 </p:sld>
 </file>
 
@@ -17453,7 +17434,7 @@
           <p:cNvPr id="3" name="Title 2">
             <a:extLst>
               <a:ext uri="{FF2B5EF4-FFF2-40B4-BE49-F238E27FC236}">
-                <a16:creationId xmlns:a16="http://schemas.microsoft.com/office/drawing/2014/main" xmlns="" id="{1DDBBC93-70DF-4E4E-98E3-08124185AB18}"/>
+                <a16:creationId xmlns:a16="http://schemas.microsoft.com/office/drawing/2014/main" id="{1DDBBC93-70DF-4E4E-98E3-08124185AB18}"/>
               </a:ext>
             </a:extLst>
           </p:cNvPr>
@@ -17495,7 +17476,7 @@
           <p:cNvPr id="9" name="Slide Number Placeholder 8">
             <a:extLst>
               <a:ext uri="{FF2B5EF4-FFF2-40B4-BE49-F238E27FC236}">
-                <a16:creationId xmlns:a16="http://schemas.microsoft.com/office/drawing/2014/main" xmlns="" id="{6DCF8D89-56D9-4E2B-9838-07DFB6E9D2BB}"/>
+                <a16:creationId xmlns:a16="http://schemas.microsoft.com/office/drawing/2014/main" id="{6DCF8D89-56D9-4E2B-9838-07DFB6E9D2BB}"/>
               </a:ext>
             </a:extLst>
           </p:cNvPr>
@@ -17571,20 +17552,13 @@
     </p:spTree>
     <p:extLst>
       <p:ext uri="{BB962C8B-B14F-4D97-AF65-F5344CB8AC3E}">
-        <p14:creationId xmlns:p14="http://schemas.microsoft.com/office/powerpoint/2010/main" xmlns="" val="3076628306"/>
+        <p14:creationId xmlns:p14="http://schemas.microsoft.com/office/powerpoint/2010/main" val="3076628306"/>
       </p:ext>
     </p:extLst>
   </p:cSld>
   <p:clrMapOvr>
     <a:masterClrMapping/>
   </p:clrMapOvr>
-  <p:timing>
-    <p:tnLst>
-      <p:par>
-        <p:cTn id="1" dur="indefinite" restart="never" nodeType="tmRoot"/>
-      </p:par>
-    </p:tnLst>
-  </p:timing>
 </p:sld>
 </file>
 
@@ -17783,7 +17757,7 @@
   <a:extraClrSchemeLst/>
   <a:extLst>
     <a:ext uri="{05A4C25C-085E-4340-85A3-A5531E510DB2}">
-      <thm15:themeFamily xmlns:thm15="http://schemas.microsoft.com/office/thememl/2012/main" xmlns="" name="GradientUnivers" id="{605F9078-86F9-4258-A3E1-F8EFF02AE8CC}" vid="{4848699B-BB01-41E3-9EC4-3D97DFE5292B}"/>
+      <thm15:themeFamily xmlns:thm15="http://schemas.microsoft.com/office/thememl/2012/main" name="GradientUnivers" id="{605F9078-86F9-4258-A3E1-F8EFF02AE8CC}" vid="{4848699B-BB01-41E3-9EC4-3D97DFE5292B}"/>
     </a:ext>
   </a:extLst>
 </a:theme>
@@ -18078,28 +18052,28 @@
   <a:extraClrSchemeLst/>
   <a:extLst>
     <a:ext uri="{05A4C25C-085E-4340-85A3-A5531E510DB2}">
-      <thm15:themeFamily xmlns:thm15="http://schemas.microsoft.com/office/thememl/2012/main" xmlns="" name="Office Theme" id="{62F939B6-93AF-4DB8-9C6B-D6C7DFDC589F}" vid="{4A3C46E8-61CC-4603-A589-7422A47A8E4A}"/>
+      <thm15:themeFamily xmlns:thm15="http://schemas.microsoft.com/office/thememl/2012/main" name="Office Theme" id="{62F939B6-93AF-4DB8-9C6B-D6C7DFDC589F}" vid="{4A3C46E8-61CC-4603-A589-7422A47A8E4A}"/>
     </a:ext>
   </a:extLst>
 </a:theme>
 </file>
 
 <file path=customXml/item1.xml><?xml version="1.0" encoding="utf-8"?>
+<?mso-contentType ?>
+<FormTemplates xmlns="http://schemas.microsoft.com/sharepoint/v3/contenttype/forms">
+  <Display>DocumentLibraryForm</Display>
+  <Edit>DocumentLibraryForm</Edit>
+  <New>DocumentLibraryForm</New>
+</FormTemplates>
+</file>
+
+<file path=customXml/item2.xml><?xml version="1.0" encoding="utf-8"?>
 <p:properties xmlns:p="http://schemas.microsoft.com/office/2006/metadata/properties" xmlns:xsi="http://www.w3.org/2001/XMLSchema-instance" xmlns:pc="http://schemas.microsoft.com/office/infopath/2007/PartnerControls">
   <documentManagement>
     <Status xmlns="71af3243-3dd4-4a8d-8c0d-dd76da1f02a5">Not started</Status>
     <MediaServiceKeyPoints xmlns="71af3243-3dd4-4a8d-8c0d-dd76da1f02a5" xsi:nil="true"/>
   </documentManagement>
 </p:properties>
-</file>
-
-<file path=customXml/item2.xml><?xml version="1.0" encoding="utf-8"?>
-<?mso-contentType ?>
-<FormTemplates xmlns="http://schemas.microsoft.com/sharepoint/v3/contenttype/forms">
-  <Display>DocumentLibraryForm</Display>
-  <Edit>DocumentLibraryForm</Edit>
-  <New>DocumentLibraryForm</New>
-</FormTemplates>
 </file>
 
 <file path=customXml/item3.xml><?xml version="1.0" encoding="utf-8"?>
@@ -18324,19 +18298,19 @@
 </file>
 
 <file path=customXml/itemProps1.xml><?xml version="1.0" encoding="utf-8"?>
+<ds:datastoreItem xmlns:ds="http://schemas.openxmlformats.org/officeDocument/2006/customXml" ds:itemID="{3C8E00D1-8EA3-4E42-801D-0253E1EAFC21}">
+  <ds:schemaRefs>
+    <ds:schemaRef ds:uri="http://schemas.microsoft.com/sharepoint/v3/contenttype/forms"/>
+  </ds:schemaRefs>
+</ds:datastoreItem>
+</file>
+
+<file path=customXml/itemProps2.xml><?xml version="1.0" encoding="utf-8"?>
 <ds:datastoreItem xmlns:ds="http://schemas.openxmlformats.org/officeDocument/2006/customXml" ds:itemID="{99919F73-B6C2-4A43-95E2-833EC48925FE}">
   <ds:schemaRefs>
     <ds:schemaRef ds:uri="http://schemas.microsoft.com/office/2006/metadata/properties"/>
     <ds:schemaRef ds:uri="http://schemas.microsoft.com/office/infopath/2007/PartnerControls"/>
     <ds:schemaRef ds:uri="71af3243-3dd4-4a8d-8c0d-dd76da1f02a5"/>
-  </ds:schemaRefs>
-</ds:datastoreItem>
-</file>
-
-<file path=customXml/itemProps2.xml><?xml version="1.0" encoding="utf-8"?>
-<ds:datastoreItem xmlns:ds="http://schemas.openxmlformats.org/officeDocument/2006/customXml" ds:itemID="{3C8E00D1-8EA3-4E42-801D-0253E1EAFC21}">
-  <ds:schemaRefs>
-    <ds:schemaRef ds:uri="http://schemas.microsoft.com/sharepoint/v3/contenttype/forms"/>
   </ds:schemaRefs>
 </ds:datastoreItem>
 </file>

--- a/Documentation/Final Presentation/Presentation.pptx
+++ b/Documentation/Final Presentation/Presentation.pptx
@@ -17116,7 +17116,7 @@
         </p:blipFill>
         <p:spPr>
           <a:xfrm>
-            <a:off x="332132" y="1212143"/>
+            <a:off x="4939785" y="1688015"/>
             <a:ext cx="3000375" cy="2495573"/>
           </a:xfrm>
           <a:prstGeom prst="rect">
@@ -17146,7 +17146,7 @@
         </p:blipFill>
         <p:spPr>
           <a:xfrm>
-            <a:off x="332132" y="4894109"/>
+            <a:off x="323705" y="1575125"/>
             <a:ext cx="4005470" cy="1794116"/>
           </a:xfrm>
           <a:prstGeom prst="rect">
@@ -17176,7 +17176,7 @@
         </p:blipFill>
         <p:spPr>
           <a:xfrm>
-            <a:off x="4507924" y="1546026"/>
+            <a:off x="8550770" y="1096733"/>
             <a:ext cx="3250705" cy="3765947"/>
           </a:xfrm>
           <a:prstGeom prst="rect">
@@ -17249,7 +17249,7 @@
         </p:blipFill>
         <p:spPr bwMode="auto">
           <a:xfrm>
-            <a:off x="8934046" y="1546026"/>
+            <a:off x="0" y="3964472"/>
             <a:ext cx="2482299" cy="2482299"/>
           </a:xfrm>
           <a:prstGeom prst="rect">
@@ -17265,6 +17265,36 @@
               </a14:hiddenFill>
             </a:ext>
           </a:extLst>
+        </p:spPr>
+      </p:pic>
+      <p:pic>
+        <p:nvPicPr>
+          <p:cNvPr id="10" name="Картина 27">
+            <a:extLst>
+              <a:ext uri="{FF2B5EF4-FFF2-40B4-BE49-F238E27FC236}">
+                <a16:creationId xmlns:a16="http://schemas.microsoft.com/office/drawing/2014/main" id="{3B7BF89A-3CDD-4673-8EC9-67D4ECAB5301}"/>
+              </a:ext>
+            </a:extLst>
+          </p:cNvPr>
+          <p:cNvPicPr>
+            <a:picLocks noChangeAspect="1"/>
+          </p:cNvPicPr>
+          <p:nvPr/>
+        </p:nvPicPr>
+        <p:blipFill>
+          <a:blip r:embed="rId8" cstate="print"/>
+          <a:stretch>
+            <a:fillRect/>
+          </a:stretch>
+        </p:blipFill>
+        <p:spPr>
+          <a:xfrm>
+            <a:off x="2675433" y="4640701"/>
+            <a:ext cx="5313193" cy="1992447"/>
+          </a:xfrm>
+          <a:prstGeom prst="rect">
+            <a:avLst/>
+          </a:prstGeom>
         </p:spPr>
       </p:pic>
     </p:spTree>
@@ -18059,21 +18089,21 @@
 </file>
 
 <file path=customXml/item1.xml><?xml version="1.0" encoding="utf-8"?>
+<p:properties xmlns:p="http://schemas.microsoft.com/office/2006/metadata/properties" xmlns:xsi="http://www.w3.org/2001/XMLSchema-instance" xmlns:pc="http://schemas.microsoft.com/office/infopath/2007/PartnerControls">
+  <documentManagement>
+    <Status xmlns="71af3243-3dd4-4a8d-8c0d-dd76da1f02a5">Not started</Status>
+    <MediaServiceKeyPoints xmlns="71af3243-3dd4-4a8d-8c0d-dd76da1f02a5" xsi:nil="true"/>
+  </documentManagement>
+</p:properties>
+</file>
+
+<file path=customXml/item2.xml><?xml version="1.0" encoding="utf-8"?>
 <?mso-contentType ?>
 <FormTemplates xmlns="http://schemas.microsoft.com/sharepoint/v3/contenttype/forms">
   <Display>DocumentLibraryForm</Display>
   <Edit>DocumentLibraryForm</Edit>
   <New>DocumentLibraryForm</New>
 </FormTemplates>
-</file>
-
-<file path=customXml/item2.xml><?xml version="1.0" encoding="utf-8"?>
-<p:properties xmlns:p="http://schemas.microsoft.com/office/2006/metadata/properties" xmlns:xsi="http://www.w3.org/2001/XMLSchema-instance" xmlns:pc="http://schemas.microsoft.com/office/infopath/2007/PartnerControls">
-  <documentManagement>
-    <Status xmlns="71af3243-3dd4-4a8d-8c0d-dd76da1f02a5">Not started</Status>
-    <MediaServiceKeyPoints xmlns="71af3243-3dd4-4a8d-8c0d-dd76da1f02a5" xsi:nil="true"/>
-  </documentManagement>
-</p:properties>
 </file>
 
 <file path=customXml/item3.xml><?xml version="1.0" encoding="utf-8"?>
@@ -18298,19 +18328,19 @@
 </file>
 
 <file path=customXml/itemProps1.xml><?xml version="1.0" encoding="utf-8"?>
-<ds:datastoreItem xmlns:ds="http://schemas.openxmlformats.org/officeDocument/2006/customXml" ds:itemID="{3C8E00D1-8EA3-4E42-801D-0253E1EAFC21}">
+<ds:datastoreItem xmlns:ds="http://schemas.openxmlformats.org/officeDocument/2006/customXml" ds:itemID="{99919F73-B6C2-4A43-95E2-833EC48925FE}">
   <ds:schemaRefs>
-    <ds:schemaRef ds:uri="http://schemas.microsoft.com/sharepoint/v3/contenttype/forms"/>
+    <ds:schemaRef ds:uri="http://schemas.microsoft.com/office/2006/metadata/properties"/>
+    <ds:schemaRef ds:uri="http://schemas.microsoft.com/office/infopath/2007/PartnerControls"/>
+    <ds:schemaRef ds:uri="71af3243-3dd4-4a8d-8c0d-dd76da1f02a5"/>
   </ds:schemaRefs>
 </ds:datastoreItem>
 </file>
 
 <file path=customXml/itemProps2.xml><?xml version="1.0" encoding="utf-8"?>
-<ds:datastoreItem xmlns:ds="http://schemas.openxmlformats.org/officeDocument/2006/customXml" ds:itemID="{99919F73-B6C2-4A43-95E2-833EC48925FE}">
+<ds:datastoreItem xmlns:ds="http://schemas.openxmlformats.org/officeDocument/2006/customXml" ds:itemID="{3C8E00D1-8EA3-4E42-801D-0253E1EAFC21}">
   <ds:schemaRefs>
-    <ds:schemaRef ds:uri="http://schemas.microsoft.com/office/2006/metadata/properties"/>
-    <ds:schemaRef ds:uri="http://schemas.microsoft.com/office/infopath/2007/PartnerControls"/>
-    <ds:schemaRef ds:uri="71af3243-3dd4-4a8d-8c0d-dd76da1f02a5"/>
+    <ds:schemaRef ds:uri="http://schemas.microsoft.com/sharepoint/v3/contenttype/forms"/>
   </ds:schemaRefs>
 </ds:datastoreItem>
 </file>

--- a/Documentation/Final Presentation/Presentation.pptx
+++ b/Documentation/Final Presentation/Presentation.pptx
@@ -13879,10 +13879,10 @@
       </p:sp>
       <p:pic>
         <p:nvPicPr>
-          <p:cNvPr id="4" name="Picture 3" descr="Graphical user interface&#10;&#10;Description automatically generated">
-            <a:extLst>
-              <a:ext uri="{FF2B5EF4-FFF2-40B4-BE49-F238E27FC236}">
-                <a16:creationId xmlns:a16="http://schemas.microsoft.com/office/drawing/2014/main" id="{C78F9A8C-0571-451B-9A13-D485B4942D23}"/>
+          <p:cNvPr id="5" name="Picture 4" descr="Graphical user interface&#10;&#10;Description automatically generated">
+            <a:extLst>
+              <a:ext uri="{FF2B5EF4-FFF2-40B4-BE49-F238E27FC236}">
+                <a16:creationId xmlns:a16="http://schemas.microsoft.com/office/drawing/2014/main" id="{9F92387E-ACC4-4DE7-9366-26AADBEA78ED}"/>
               </a:ext>
             </a:extLst>
           </p:cNvPr>
@@ -13899,8 +13899,8 @@
         </p:blipFill>
         <p:spPr>
           <a:xfrm>
-            <a:off x="4318000" y="609843"/>
-            <a:ext cx="7874000" cy="6248157"/>
+            <a:off x="4303643" y="598451"/>
+            <a:ext cx="7888357" cy="6259549"/>
           </a:xfrm>
           <a:prstGeom prst="rect">
             <a:avLst/>
@@ -18089,21 +18089,21 @@
 </file>
 
 <file path=customXml/item1.xml><?xml version="1.0" encoding="utf-8"?>
+<?mso-contentType ?>
+<FormTemplates xmlns="http://schemas.microsoft.com/sharepoint/v3/contenttype/forms">
+  <Display>DocumentLibraryForm</Display>
+  <Edit>DocumentLibraryForm</Edit>
+  <New>DocumentLibraryForm</New>
+</FormTemplates>
+</file>
+
+<file path=customXml/item2.xml><?xml version="1.0" encoding="utf-8"?>
 <p:properties xmlns:p="http://schemas.microsoft.com/office/2006/metadata/properties" xmlns:xsi="http://www.w3.org/2001/XMLSchema-instance" xmlns:pc="http://schemas.microsoft.com/office/infopath/2007/PartnerControls">
   <documentManagement>
     <Status xmlns="71af3243-3dd4-4a8d-8c0d-dd76da1f02a5">Not started</Status>
     <MediaServiceKeyPoints xmlns="71af3243-3dd4-4a8d-8c0d-dd76da1f02a5" xsi:nil="true"/>
   </documentManagement>
 </p:properties>
-</file>
-
-<file path=customXml/item2.xml><?xml version="1.0" encoding="utf-8"?>
-<?mso-contentType ?>
-<FormTemplates xmlns="http://schemas.microsoft.com/sharepoint/v3/contenttype/forms">
-  <Display>DocumentLibraryForm</Display>
-  <Edit>DocumentLibraryForm</Edit>
-  <New>DocumentLibraryForm</New>
-</FormTemplates>
 </file>
 
 <file path=customXml/item3.xml><?xml version="1.0" encoding="utf-8"?>
@@ -18328,19 +18328,19 @@
 </file>
 
 <file path=customXml/itemProps1.xml><?xml version="1.0" encoding="utf-8"?>
+<ds:datastoreItem xmlns:ds="http://schemas.openxmlformats.org/officeDocument/2006/customXml" ds:itemID="{3C8E00D1-8EA3-4E42-801D-0253E1EAFC21}">
+  <ds:schemaRefs>
+    <ds:schemaRef ds:uri="http://schemas.microsoft.com/sharepoint/v3/contenttype/forms"/>
+  </ds:schemaRefs>
+</ds:datastoreItem>
+</file>
+
+<file path=customXml/itemProps2.xml><?xml version="1.0" encoding="utf-8"?>
 <ds:datastoreItem xmlns:ds="http://schemas.openxmlformats.org/officeDocument/2006/customXml" ds:itemID="{99919F73-B6C2-4A43-95E2-833EC48925FE}">
   <ds:schemaRefs>
     <ds:schemaRef ds:uri="http://schemas.microsoft.com/office/2006/metadata/properties"/>
     <ds:schemaRef ds:uri="http://schemas.microsoft.com/office/infopath/2007/PartnerControls"/>
     <ds:schemaRef ds:uri="71af3243-3dd4-4a8d-8c0d-dd76da1f02a5"/>
-  </ds:schemaRefs>
-</ds:datastoreItem>
-</file>
-
-<file path=customXml/itemProps2.xml><?xml version="1.0" encoding="utf-8"?>
-<ds:datastoreItem xmlns:ds="http://schemas.openxmlformats.org/officeDocument/2006/customXml" ds:itemID="{3C8E00D1-8EA3-4E42-801D-0253E1EAFC21}">
-  <ds:schemaRefs>
-    <ds:schemaRef ds:uri="http://schemas.microsoft.com/sharepoint/v3/contenttype/forms"/>
   </ds:schemaRefs>
 </ds:datastoreItem>
 </file>

--- a/Documentation/Final Presentation/Presentation.pptx
+++ b/Documentation/Final Presentation/Presentation.pptx
@@ -5,30 +5,32 @@
     <p:sldMasterId id="2147483696" r:id="rId4"/>
   </p:sldMasterIdLst>
   <p:notesMasterIdLst>
-    <p:notesMasterId r:id="rId26"/>
+    <p:notesMasterId r:id="rId28"/>
   </p:notesMasterIdLst>
   <p:sldIdLst>
     <p:sldId id="306" r:id="rId5"/>
     <p:sldId id="333" r:id="rId6"/>
-    <p:sldId id="307" r:id="rId7"/>
-    <p:sldId id="314" r:id="rId8"/>
-    <p:sldId id="316" r:id="rId9"/>
-    <p:sldId id="335" r:id="rId10"/>
-    <p:sldId id="317" r:id="rId11"/>
-    <p:sldId id="318" r:id="rId12"/>
-    <p:sldId id="319" r:id="rId13"/>
-    <p:sldId id="321" r:id="rId14"/>
-    <p:sldId id="322" r:id="rId15"/>
-    <p:sldId id="339" r:id="rId16"/>
-    <p:sldId id="324" r:id="rId17"/>
-    <p:sldId id="326" r:id="rId18"/>
-    <p:sldId id="341" r:id="rId19"/>
-    <p:sldId id="327" r:id="rId20"/>
-    <p:sldId id="328" r:id="rId21"/>
-    <p:sldId id="330" r:id="rId22"/>
-    <p:sldId id="337" r:id="rId23"/>
-    <p:sldId id="338" r:id="rId24"/>
-    <p:sldId id="331" r:id="rId25"/>
+    <p:sldId id="314" r:id="rId7"/>
+    <p:sldId id="316" r:id="rId8"/>
+    <p:sldId id="335" r:id="rId9"/>
+    <p:sldId id="307" r:id="rId10"/>
+    <p:sldId id="319" r:id="rId11"/>
+    <p:sldId id="321" r:id="rId12"/>
+    <p:sldId id="339" r:id="rId13"/>
+    <p:sldId id="330" r:id="rId14"/>
+    <p:sldId id="324" r:id="rId15"/>
+    <p:sldId id="341" r:id="rId16"/>
+    <p:sldId id="345" r:id="rId17"/>
+    <p:sldId id="322" r:id="rId18"/>
+    <p:sldId id="326" r:id="rId19"/>
+    <p:sldId id="344" r:id="rId20"/>
+    <p:sldId id="318" r:id="rId21"/>
+    <p:sldId id="327" r:id="rId22"/>
+    <p:sldId id="317" r:id="rId23"/>
+    <p:sldId id="337" r:id="rId24"/>
+    <p:sldId id="338" r:id="rId25"/>
+    <p:sldId id="331" r:id="rId26"/>
+    <p:sldId id="342" r:id="rId27"/>
   </p:sldIdLst>
   <p:sldSz cx="12192000" cy="6858000"/>
   <p:notesSz cx="6858000" cy="9144000"/>
@@ -240,7 +242,7 @@
             <a:fld id="{5EA28068-AFBD-4979-B752-9EB6F90B1386}" type="datetimeFigureOut">
               <a:rPr lang="en-US" smtClean="0"/>
               <a:pPr/>
-              <a:t>1/10/2022</a:t>
+              <a:t>1/12/2022</a:t>
             </a:fld>
             <a:endParaRPr lang="en-US" dirty="0"/>
           </a:p>
@@ -11283,12 +11285,14 @@
         </p:nvSpPr>
         <p:spPr>
           <a:xfrm>
-            <a:off x="7734153" y="4772060"/>
+            <a:off x="7663132" y="4698509"/>
             <a:ext cx="4457847" cy="2085940"/>
           </a:xfrm>
         </p:spPr>
         <p:txBody>
-          <a:bodyPr/>
+          <a:bodyPr>
+            <a:normAutofit fontScale="92500" lnSpcReduction="20000"/>
+          </a:bodyPr>
           <a:lstStyle/>
           <a:p>
             <a:pPr algn="l"/>
@@ -11342,6 +11346,19 @@
               <a:rPr lang="bg-BG" dirty="0"/>
               <a:t>Специалност: СИТ</a:t>
             </a:r>
+            <a:endParaRPr lang="en-US" dirty="0"/>
+          </a:p>
+          <a:p>
+            <a:pPr algn="l"/>
+            <a:r>
+              <a:rPr lang="bg-BG" dirty="0"/>
+              <a:t>Преподавател: х. ас. Д. Димитров</a:t>
+            </a:r>
+            <a:endParaRPr lang="en-US" dirty="0"/>
+          </a:p>
+          <a:p>
+            <a:pPr algn="l"/>
+            <a:endParaRPr lang="bg-BG" dirty="0"/>
           </a:p>
           <a:p>
             <a:pPr algn="l"/>
@@ -11434,8 +11451,8 @@
         </p:nvSpPr>
         <p:spPr>
           <a:xfrm>
-            <a:off x="1088994" y="726367"/>
-            <a:ext cx="10014012" cy="793036"/>
+            <a:off x="3589390" y="201168"/>
+            <a:ext cx="5060015" cy="793036"/>
           </a:xfrm>
         </p:spPr>
         <p:txBody>
@@ -11452,7 +11469,7 @@
                 </a:solidFill>
                 <a:latin typeface="+mn-lt"/>
               </a:rPr>
-              <a:t>Storyboard</a:t>
+              <a:t>Mood board</a:t>
             </a:r>
             <a:endParaRPr lang="en-US" sz="4800" dirty="0"/>
           </a:p>
@@ -11490,55 +11507,38 @@
       </p:sp>
       <p:pic>
         <p:nvPicPr>
-          <p:cNvPr id="6146" name="Picture 2">
-            <a:extLst>
-              <a:ext uri="{FF2B5EF4-FFF2-40B4-BE49-F238E27FC236}">
-                <a16:creationId xmlns:a16="http://schemas.microsoft.com/office/drawing/2014/main" id="{0213A615-AB5D-4B48-BEC0-D6C3C624D942}"/>
+          <p:cNvPr id="4" name="Picture 3">
+            <a:extLst>
+              <a:ext uri="{FF2B5EF4-FFF2-40B4-BE49-F238E27FC236}">
+                <a16:creationId xmlns:a16="http://schemas.microsoft.com/office/drawing/2014/main" id="{C4A87EE3-FB94-4E9F-906A-A64895ADD2DD}"/>
               </a:ext>
             </a:extLst>
           </p:cNvPr>
           <p:cNvPicPr>
-            <a:picLocks noChangeAspect="1" noChangeArrowheads="1"/>
+            <a:picLocks noChangeAspect="1"/>
           </p:cNvPicPr>
           <p:nvPr/>
         </p:nvPicPr>
         <p:blipFill>
-          <a:blip r:embed="rId2">
-            <a:extLst>
-              <a:ext uri="{28A0092B-C50C-407E-A947-70E740481C1C}">
-                <a14:useLocalDpi xmlns:a14="http://schemas.microsoft.com/office/drawing/2010/main" val="0"/>
-              </a:ext>
-            </a:extLst>
-          </a:blip>
-          <a:srcRect/>
+          <a:blip r:embed="rId2"/>
           <a:stretch>
             <a:fillRect/>
           </a:stretch>
         </p:blipFill>
-        <p:spPr bwMode="auto">
+        <p:spPr>
           <a:xfrm>
-            <a:off x="0" y="2981739"/>
-            <a:ext cx="12192000" cy="3876261"/>
+            <a:off x="2405476" y="1182354"/>
+            <a:ext cx="7381047" cy="5675646"/>
           </a:xfrm>
           <a:prstGeom prst="rect">
             <a:avLst/>
           </a:prstGeom>
-          <a:noFill/>
-          <a:extLst>
-            <a:ext uri="{909E8E84-426E-40DD-AFC4-6F175D3DCCD1}">
-              <a14:hiddenFill xmlns:a14="http://schemas.microsoft.com/office/drawing/2010/main">
-                <a:solidFill>
-                  <a:srgbClr val="FFFFFF"/>
-                </a:solidFill>
-              </a14:hiddenFill>
-            </a:ext>
-          </a:extLst>
         </p:spPr>
       </p:pic>
     </p:spTree>
     <p:extLst>
       <p:ext uri="{BB962C8B-B14F-4D97-AF65-F5344CB8AC3E}">
-        <p14:creationId xmlns:p14="http://schemas.microsoft.com/office/powerpoint/2010/main" val="2913615278"/>
+        <p14:creationId xmlns:p14="http://schemas.microsoft.com/office/powerpoint/2010/main" val="1668801848"/>
       </p:ext>
     </p:extLst>
   </p:cSld>
@@ -11583,8 +11583,8 @@
         </p:nvSpPr>
         <p:spPr>
           <a:xfrm>
-            <a:off x="-243266" y="1109709"/>
-            <a:ext cx="5696780" cy="2038872"/>
+            <a:off x="1088993" y="383730"/>
+            <a:ext cx="10014012" cy="793036"/>
           </a:xfrm>
         </p:spPr>
         <p:txBody>
@@ -11595,32 +11595,15 @@
           <a:p>
             <a:pPr algn="ctr"/>
             <a:r>
-              <a:rPr lang="en-US" sz="4400" b="1" cap="all" spc="400" dirty="0">
+              <a:rPr lang="en-US" sz="4800" b="1" cap="all" spc="400" dirty="0">
                 <a:solidFill>
                   <a:schemeClr val="bg1"/>
                 </a:solidFill>
                 <a:latin typeface="+mn-lt"/>
               </a:rPr>
-              <a:t>Essential </a:t>
-            </a:r>
-            <a:br>
-              <a:rPr lang="en-US" sz="4400" b="1" cap="all" spc="400" dirty="0">
-                <a:solidFill>
-                  <a:schemeClr val="bg1"/>
-                </a:solidFill>
-                <a:latin typeface="+mn-lt"/>
-              </a:rPr>
-            </a:br>
-            <a:r>
-              <a:rPr lang="en-US" sz="4400" b="1" cap="all" spc="400" dirty="0">
-                <a:solidFill>
-                  <a:schemeClr val="bg1"/>
-                </a:solidFill>
-                <a:latin typeface="+mn-lt"/>
-              </a:rPr>
-              <a:t>use case diagram</a:t>
-            </a:r>
-            <a:endParaRPr lang="en-US" sz="4400" dirty="0"/>
+              <a:t>Mind map</a:t>
+            </a:r>
+            <a:endParaRPr lang="en-US" sz="4800" dirty="0"/>
           </a:p>
         </p:txBody>
       </p:sp>
@@ -11654,6 +11637,519 @@
           </a:p>
         </p:txBody>
       </p:sp>
+      <p:pic>
+        <p:nvPicPr>
+          <p:cNvPr id="4" name="Picture 3">
+            <a:extLst>
+              <a:ext uri="{FF2B5EF4-FFF2-40B4-BE49-F238E27FC236}">
+                <a16:creationId xmlns:a16="http://schemas.microsoft.com/office/drawing/2014/main" id="{6B8FEA3C-8922-4E7C-880B-A9B71B7AC62A}"/>
+              </a:ext>
+            </a:extLst>
+          </p:cNvPr>
+          <p:cNvPicPr>
+            <a:picLocks noChangeAspect="1"/>
+          </p:cNvPicPr>
+          <p:nvPr/>
+        </p:nvPicPr>
+        <p:blipFill>
+          <a:blip r:embed="rId2"/>
+          <a:stretch>
+            <a:fillRect/>
+          </a:stretch>
+        </p:blipFill>
+        <p:spPr>
+          <a:xfrm>
+            <a:off x="1395412" y="1475232"/>
+            <a:ext cx="9401175" cy="5181600"/>
+          </a:xfrm>
+          <a:prstGeom prst="rect">
+            <a:avLst/>
+          </a:prstGeom>
+        </p:spPr>
+      </p:pic>
+    </p:spTree>
+    <p:extLst>
+      <p:ext uri="{BB962C8B-B14F-4D97-AF65-F5344CB8AC3E}">
+        <p14:creationId xmlns:p14="http://schemas.microsoft.com/office/powerpoint/2010/main" val="2123136451"/>
+      </p:ext>
+    </p:extLst>
+  </p:cSld>
+  <p:clrMapOvr>
+    <a:masterClrMapping/>
+  </p:clrMapOvr>
+</p:sld>
+</file>
+
+<file path=ppt/slides/slide12.xml><?xml version="1.0" encoding="utf-8"?>
+<p:sld xmlns:a="http://schemas.openxmlformats.org/drawingml/2006/main" xmlns:r="http://schemas.openxmlformats.org/officeDocument/2006/relationships" xmlns:p="http://schemas.openxmlformats.org/presentationml/2006/main">
+  <p:cSld>
+    <p:spTree>
+      <p:nvGrpSpPr>
+        <p:cNvPr id="1" name=""/>
+        <p:cNvGrpSpPr/>
+        <p:nvPr/>
+      </p:nvGrpSpPr>
+      <p:grpSpPr>
+        <a:xfrm>
+          <a:off x="0" y="0"/>
+          <a:ext cx="0" cy="0"/>
+          <a:chOff x="0" y="0"/>
+          <a:chExt cx="0" cy="0"/>
+        </a:xfrm>
+      </p:grpSpPr>
+      <p:sp>
+        <p:nvSpPr>
+          <p:cNvPr id="3" name="Title 2">
+            <a:extLst>
+              <a:ext uri="{FF2B5EF4-FFF2-40B4-BE49-F238E27FC236}">
+                <a16:creationId xmlns:a16="http://schemas.microsoft.com/office/drawing/2014/main" id="{1DDBBC93-70DF-4E4E-98E3-08124185AB18}"/>
+              </a:ext>
+            </a:extLst>
+          </p:cNvPr>
+          <p:cNvSpPr>
+            <a:spLocks noGrp="1"/>
+          </p:cNvSpPr>
+          <p:nvPr>
+            <p:ph type="title"/>
+          </p:nvPr>
+        </p:nvSpPr>
+        <p:spPr>
+          <a:xfrm>
+            <a:off x="1088994" y="219138"/>
+            <a:ext cx="10014012" cy="793036"/>
+          </a:xfrm>
+        </p:spPr>
+        <p:txBody>
+          <a:bodyPr>
+            <a:normAutofit/>
+          </a:bodyPr>
+          <a:lstStyle/>
+          <a:p>
+            <a:pPr algn="ctr"/>
+            <a:r>
+              <a:rPr lang="bg-BG" sz="4800" b="1" cap="all" spc="400" dirty="0">
+                <a:solidFill>
+                  <a:schemeClr val="bg1"/>
+                </a:solidFill>
+                <a:latin typeface="+mn-lt"/>
+              </a:rPr>
+              <a:t>Прототип</a:t>
+            </a:r>
+            <a:endParaRPr lang="en-US" sz="4800" dirty="0"/>
+          </a:p>
+        </p:txBody>
+      </p:sp>
+      <p:sp>
+        <p:nvSpPr>
+          <p:cNvPr id="9" name="Slide Number Placeholder 8">
+            <a:extLst>
+              <a:ext uri="{FF2B5EF4-FFF2-40B4-BE49-F238E27FC236}">
+                <a16:creationId xmlns:a16="http://schemas.microsoft.com/office/drawing/2014/main" id="{6DCF8D89-56D9-4E2B-9838-07DFB6E9D2BB}"/>
+              </a:ext>
+            </a:extLst>
+          </p:cNvPr>
+          <p:cNvSpPr>
+            <a:spLocks noGrp="1"/>
+          </p:cNvSpPr>
+          <p:nvPr>
+            <p:ph type="sldNum" sz="quarter" idx="12"/>
+          </p:nvPr>
+        </p:nvSpPr>
+        <p:spPr/>
+        <p:txBody>
+          <a:bodyPr/>
+          <a:lstStyle/>
+          <a:p>
+            <a:fld id="{D8DA9DAA-006C-4F4B-980E-E3DF019B24E2}" type="slidenum">
+              <a:rPr lang="en-US" smtClean="0"/>
+              <a:pPr/>
+              <a:t>12</a:t>
+            </a:fld>
+            <a:endParaRPr lang="en-US" dirty="0"/>
+          </a:p>
+        </p:txBody>
+      </p:sp>
+      <p:pic>
+        <p:nvPicPr>
+          <p:cNvPr id="5" name="Picture 4">
+            <a:extLst>
+              <a:ext uri="{FF2B5EF4-FFF2-40B4-BE49-F238E27FC236}">
+                <a16:creationId xmlns:a16="http://schemas.microsoft.com/office/drawing/2014/main" id="{7C2DADB2-3572-4165-AD08-C3E3AD9FD92A}"/>
+              </a:ext>
+            </a:extLst>
+          </p:cNvPr>
+          <p:cNvPicPr>
+            <a:picLocks noChangeAspect="1"/>
+          </p:cNvPicPr>
+          <p:nvPr/>
+        </p:nvPicPr>
+        <p:blipFill>
+          <a:blip r:embed="rId2"/>
+          <a:stretch>
+            <a:fillRect/>
+          </a:stretch>
+        </p:blipFill>
+        <p:spPr>
+          <a:xfrm>
+            <a:off x="187597" y="1176766"/>
+            <a:ext cx="2704902" cy="5514848"/>
+          </a:xfrm>
+          <a:prstGeom prst="rect">
+            <a:avLst/>
+          </a:prstGeom>
+        </p:spPr>
+      </p:pic>
+      <p:pic>
+        <p:nvPicPr>
+          <p:cNvPr id="7" name="Picture 6">
+            <a:extLst>
+              <a:ext uri="{FF2B5EF4-FFF2-40B4-BE49-F238E27FC236}">
+                <a16:creationId xmlns:a16="http://schemas.microsoft.com/office/drawing/2014/main" id="{2F57A558-5436-4D5C-962D-AC99EDA75167}"/>
+              </a:ext>
+            </a:extLst>
+          </p:cNvPr>
+          <p:cNvPicPr>
+            <a:picLocks noChangeAspect="1"/>
+          </p:cNvPicPr>
+          <p:nvPr/>
+        </p:nvPicPr>
+        <p:blipFill>
+          <a:blip r:embed="rId3"/>
+          <a:stretch>
+            <a:fillRect/>
+          </a:stretch>
+        </p:blipFill>
+        <p:spPr>
+          <a:xfrm>
+            <a:off x="3148168" y="1176764"/>
+            <a:ext cx="2714800" cy="5514849"/>
+          </a:xfrm>
+          <a:prstGeom prst="rect">
+            <a:avLst/>
+          </a:prstGeom>
+        </p:spPr>
+      </p:pic>
+      <p:pic>
+        <p:nvPicPr>
+          <p:cNvPr id="10" name="Picture 9">
+            <a:extLst>
+              <a:ext uri="{FF2B5EF4-FFF2-40B4-BE49-F238E27FC236}">
+                <a16:creationId xmlns:a16="http://schemas.microsoft.com/office/drawing/2014/main" id="{E3C055EA-17BF-4FBF-97A8-418F32203D27}"/>
+              </a:ext>
+            </a:extLst>
+          </p:cNvPr>
+          <p:cNvPicPr>
+            <a:picLocks noChangeAspect="1"/>
+          </p:cNvPicPr>
+          <p:nvPr/>
+        </p:nvPicPr>
+        <p:blipFill>
+          <a:blip r:embed="rId4"/>
+          <a:stretch>
+            <a:fillRect/>
+          </a:stretch>
+        </p:blipFill>
+        <p:spPr>
+          <a:xfrm>
+            <a:off x="6118637" y="1176764"/>
+            <a:ext cx="2669525" cy="5514848"/>
+          </a:xfrm>
+          <a:prstGeom prst="rect">
+            <a:avLst/>
+          </a:prstGeom>
+        </p:spPr>
+      </p:pic>
+      <p:pic>
+        <p:nvPicPr>
+          <p:cNvPr id="12" name="Picture 11">
+            <a:extLst>
+              <a:ext uri="{FF2B5EF4-FFF2-40B4-BE49-F238E27FC236}">
+                <a16:creationId xmlns:a16="http://schemas.microsoft.com/office/drawing/2014/main" id="{A3DAF7F3-750C-43E2-94C9-B349FB80B813}"/>
+              </a:ext>
+            </a:extLst>
+          </p:cNvPr>
+          <p:cNvPicPr>
+            <a:picLocks noChangeAspect="1"/>
+          </p:cNvPicPr>
+          <p:nvPr/>
+        </p:nvPicPr>
+        <p:blipFill>
+          <a:blip r:embed="rId5"/>
+          <a:stretch>
+            <a:fillRect/>
+          </a:stretch>
+        </p:blipFill>
+        <p:spPr>
+          <a:xfrm>
+            <a:off x="9202306" y="1176764"/>
+            <a:ext cx="2731163" cy="5514848"/>
+          </a:xfrm>
+          <a:prstGeom prst="rect">
+            <a:avLst/>
+          </a:prstGeom>
+        </p:spPr>
+      </p:pic>
+    </p:spTree>
+    <p:extLst>
+      <p:ext uri="{BB962C8B-B14F-4D97-AF65-F5344CB8AC3E}">
+        <p14:creationId xmlns:p14="http://schemas.microsoft.com/office/powerpoint/2010/main" val="3448762528"/>
+      </p:ext>
+    </p:extLst>
+  </p:cSld>
+  <p:clrMapOvr>
+    <a:masterClrMapping/>
+  </p:clrMapOvr>
+</p:sld>
+</file>
+
+<file path=ppt/slides/slide13.xml><?xml version="1.0" encoding="utf-8"?>
+<p:sld xmlns:a="http://schemas.openxmlformats.org/drawingml/2006/main" xmlns:r="http://schemas.openxmlformats.org/officeDocument/2006/relationships" xmlns:p="http://schemas.openxmlformats.org/presentationml/2006/main">
+  <p:cSld>
+    <p:spTree>
+      <p:nvGrpSpPr>
+        <p:cNvPr id="1" name=""/>
+        <p:cNvGrpSpPr/>
+        <p:nvPr/>
+      </p:nvGrpSpPr>
+      <p:grpSpPr>
+        <a:xfrm>
+          <a:off x="0" y="0"/>
+          <a:ext cx="0" cy="0"/>
+          <a:chOff x="0" y="0"/>
+          <a:chExt cx="0" cy="0"/>
+        </a:xfrm>
+      </p:grpSpPr>
+      <p:sp>
+        <p:nvSpPr>
+          <p:cNvPr id="3" name="Title 2">
+            <a:extLst>
+              <a:ext uri="{FF2B5EF4-FFF2-40B4-BE49-F238E27FC236}">
+                <a16:creationId xmlns:a16="http://schemas.microsoft.com/office/drawing/2014/main" id="{1DDBBC93-70DF-4E4E-98E3-08124185AB18}"/>
+              </a:ext>
+            </a:extLst>
+          </p:cNvPr>
+          <p:cNvSpPr>
+            <a:spLocks noGrp="1"/>
+          </p:cNvSpPr>
+          <p:nvPr>
+            <p:ph type="title"/>
+          </p:nvPr>
+        </p:nvSpPr>
+        <p:spPr>
+          <a:xfrm>
+            <a:off x="1088993" y="383730"/>
+            <a:ext cx="10014012" cy="793036"/>
+          </a:xfrm>
+        </p:spPr>
+        <p:txBody>
+          <a:bodyPr>
+            <a:normAutofit/>
+          </a:bodyPr>
+          <a:lstStyle/>
+          <a:p>
+            <a:pPr algn="ctr"/>
+            <a:r>
+              <a:rPr lang="en-US" sz="4800" b="1" cap="all" spc="400" dirty="0">
+                <a:solidFill>
+                  <a:schemeClr val="bg1"/>
+                </a:solidFill>
+                <a:latin typeface="+mn-lt"/>
+              </a:rPr>
+              <a:t>Use case diagram</a:t>
+            </a:r>
+            <a:endParaRPr lang="en-US" sz="4800" dirty="0"/>
+          </a:p>
+        </p:txBody>
+      </p:sp>
+      <p:sp>
+        <p:nvSpPr>
+          <p:cNvPr id="9" name="Slide Number Placeholder 8">
+            <a:extLst>
+              <a:ext uri="{FF2B5EF4-FFF2-40B4-BE49-F238E27FC236}">
+                <a16:creationId xmlns:a16="http://schemas.microsoft.com/office/drawing/2014/main" id="{6DCF8D89-56D9-4E2B-9838-07DFB6E9D2BB}"/>
+              </a:ext>
+            </a:extLst>
+          </p:cNvPr>
+          <p:cNvSpPr>
+            <a:spLocks noGrp="1"/>
+          </p:cNvSpPr>
+          <p:nvPr>
+            <p:ph type="sldNum" sz="quarter" idx="12"/>
+          </p:nvPr>
+        </p:nvSpPr>
+        <p:spPr/>
+        <p:txBody>
+          <a:bodyPr/>
+          <a:lstStyle/>
+          <a:p>
+            <a:fld id="{D8DA9DAA-006C-4F4B-980E-E3DF019B24E2}" type="slidenum">
+              <a:rPr lang="en-US" smtClean="0"/>
+              <a:pPr/>
+              <a:t>13</a:t>
+            </a:fld>
+            <a:endParaRPr lang="en-US" dirty="0"/>
+          </a:p>
+        </p:txBody>
+      </p:sp>
+      <p:pic>
+        <p:nvPicPr>
+          <p:cNvPr id="5" name="Картина 45">
+            <a:extLst>
+              <a:ext uri="{FF2B5EF4-FFF2-40B4-BE49-F238E27FC236}">
+                <a16:creationId xmlns:a16="http://schemas.microsoft.com/office/drawing/2014/main" id="{06DA10C4-40BB-4B0C-A366-A283DA7A0A61}"/>
+              </a:ext>
+            </a:extLst>
+          </p:cNvPr>
+          <p:cNvPicPr>
+            <a:picLocks noChangeAspect="1"/>
+          </p:cNvPicPr>
+          <p:nvPr/>
+        </p:nvPicPr>
+        <p:blipFill>
+          <a:blip r:embed="rId2" cstate="print"/>
+          <a:stretch>
+            <a:fillRect/>
+          </a:stretch>
+        </p:blipFill>
+        <p:spPr>
+          <a:xfrm>
+            <a:off x="2726634" y="1359328"/>
+            <a:ext cx="6738731" cy="5360827"/>
+          </a:xfrm>
+          <a:prstGeom prst="rect">
+            <a:avLst/>
+          </a:prstGeom>
+          <a:ln>
+            <a:noFill/>
+          </a:ln>
+          <a:effectLst>
+            <a:outerShdw blurRad="292100" dist="139700" dir="2700000" algn="tl" rotWithShape="0">
+              <a:srgbClr val="333333">
+                <a:alpha val="65000"/>
+              </a:srgbClr>
+            </a:outerShdw>
+          </a:effectLst>
+        </p:spPr>
+      </p:pic>
+    </p:spTree>
+    <p:extLst>
+      <p:ext uri="{BB962C8B-B14F-4D97-AF65-F5344CB8AC3E}">
+        <p14:creationId xmlns:p14="http://schemas.microsoft.com/office/powerpoint/2010/main" val="2607412702"/>
+      </p:ext>
+    </p:extLst>
+  </p:cSld>
+  <p:clrMapOvr>
+    <a:masterClrMapping/>
+  </p:clrMapOvr>
+</p:sld>
+</file>
+
+<file path=ppt/slides/slide14.xml><?xml version="1.0" encoding="utf-8"?>
+<p:sld xmlns:a="http://schemas.openxmlformats.org/drawingml/2006/main" xmlns:r="http://schemas.openxmlformats.org/officeDocument/2006/relationships" xmlns:p="http://schemas.openxmlformats.org/presentationml/2006/main">
+  <p:cSld>
+    <p:spTree>
+      <p:nvGrpSpPr>
+        <p:cNvPr id="1" name=""/>
+        <p:cNvGrpSpPr/>
+        <p:nvPr/>
+      </p:nvGrpSpPr>
+      <p:grpSpPr>
+        <a:xfrm>
+          <a:off x="0" y="0"/>
+          <a:ext cx="0" cy="0"/>
+          <a:chOff x="0" y="0"/>
+          <a:chExt cx="0" cy="0"/>
+        </a:xfrm>
+      </p:grpSpPr>
+      <p:sp>
+        <p:nvSpPr>
+          <p:cNvPr id="3" name="Title 2">
+            <a:extLst>
+              <a:ext uri="{FF2B5EF4-FFF2-40B4-BE49-F238E27FC236}">
+                <a16:creationId xmlns:a16="http://schemas.microsoft.com/office/drawing/2014/main" id="{1DDBBC93-70DF-4E4E-98E3-08124185AB18}"/>
+              </a:ext>
+            </a:extLst>
+          </p:cNvPr>
+          <p:cNvSpPr>
+            <a:spLocks noGrp="1"/>
+          </p:cNvSpPr>
+          <p:nvPr>
+            <p:ph type="title"/>
+          </p:nvPr>
+        </p:nvSpPr>
+        <p:spPr>
+          <a:xfrm>
+            <a:off x="-243266" y="949911"/>
+            <a:ext cx="5696780" cy="2038872"/>
+          </a:xfrm>
+        </p:spPr>
+        <p:txBody>
+          <a:bodyPr>
+            <a:normAutofit/>
+          </a:bodyPr>
+          <a:lstStyle/>
+          <a:p>
+            <a:pPr algn="ctr"/>
+            <a:r>
+              <a:rPr lang="en-US" sz="4400" b="1" cap="all" spc="400" dirty="0">
+                <a:solidFill>
+                  <a:schemeClr val="bg1"/>
+                </a:solidFill>
+                <a:latin typeface="+mn-lt"/>
+              </a:rPr>
+              <a:t>Essential </a:t>
+            </a:r>
+            <a:br>
+              <a:rPr lang="en-US" sz="4400" b="1" cap="all" spc="400" dirty="0">
+                <a:solidFill>
+                  <a:schemeClr val="bg1"/>
+                </a:solidFill>
+                <a:latin typeface="+mn-lt"/>
+              </a:rPr>
+            </a:br>
+            <a:r>
+              <a:rPr lang="en-US" sz="4400" b="1" cap="all" spc="400" dirty="0">
+                <a:solidFill>
+                  <a:schemeClr val="bg1"/>
+                </a:solidFill>
+                <a:latin typeface="+mn-lt"/>
+              </a:rPr>
+              <a:t>use case diagram</a:t>
+            </a:r>
+            <a:endParaRPr lang="en-US" sz="4400" dirty="0"/>
+          </a:p>
+        </p:txBody>
+      </p:sp>
+      <p:sp>
+        <p:nvSpPr>
+          <p:cNvPr id="9" name="Slide Number Placeholder 8">
+            <a:extLst>
+              <a:ext uri="{FF2B5EF4-FFF2-40B4-BE49-F238E27FC236}">
+                <a16:creationId xmlns:a16="http://schemas.microsoft.com/office/drawing/2014/main" id="{6DCF8D89-56D9-4E2B-9838-07DFB6E9D2BB}"/>
+              </a:ext>
+            </a:extLst>
+          </p:cNvPr>
+          <p:cNvSpPr>
+            <a:spLocks noGrp="1"/>
+          </p:cNvSpPr>
+          <p:nvPr>
+            <p:ph type="sldNum" sz="quarter" idx="12"/>
+          </p:nvPr>
+        </p:nvSpPr>
+        <p:spPr/>
+        <p:txBody>
+          <a:bodyPr/>
+          <a:lstStyle/>
+          <a:p>
+            <a:fld id="{D8DA9DAA-006C-4F4B-980E-E3DF019B24E2}" type="slidenum">
+              <a:rPr lang="en-US" smtClean="0"/>
+              <a:pPr/>
+              <a:t>14</a:t>
+            </a:fld>
+            <a:endParaRPr lang="en-US" dirty="0"/>
+          </a:p>
+        </p:txBody>
+      </p:sp>
       <p:graphicFrame>
         <p:nvGraphicFramePr>
           <p:cNvPr id="2" name="Table 1">
@@ -11669,13 +12165,13 @@
           <p:nvPr>
             <p:extLst>
               <p:ext uri="{D42A27DB-BD31-4B8C-83A1-F6EECF244321}">
-                <p14:modId xmlns:p14="http://schemas.microsoft.com/office/powerpoint/2010/main" val="2021422775"/>
+                <p14:modId xmlns:p14="http://schemas.microsoft.com/office/powerpoint/2010/main" val="2284615563"/>
               </p:ext>
             </p:extLst>
           </p:nvPr>
         </p:nvGraphicFramePr>
         <p:xfrm>
-          <a:off x="5453514" y="1"/>
+          <a:off x="5240450" y="0"/>
           <a:ext cx="5576096" cy="6858002"/>
         </p:xfrm>
         <a:graphic>
@@ -12004,12 +12500,12 @@
                         </a:spcAft>
                       </a:pPr>
                       <a:r>
-                        <a:rPr lang="bg-BG" sz="1100">
+                        <a:rPr lang="bg-BG" sz="1100" dirty="0">
                           <a:effectLst/>
                         </a:rPr>
                         <a:t>Избор на категория и подкатегория при добавяне на разход или приход</a:t>
                       </a:r>
-                      <a:endParaRPr lang="bg-BG" sz="1100">
+                      <a:endParaRPr lang="bg-BG" sz="1100" dirty="0">
                         <a:effectLst/>
                         <a:latin typeface="Calibri" panose="020F0502020204030204" pitchFamily="34" charset="0"/>
                         <a:ea typeface="Calibri" panose="020F0502020204030204" pitchFamily="34" charset="0"/>
@@ -12758,108 +13254,7 @@
 </p:sld>
 </file>
 
-<file path=ppt/slides/slide12.xml><?xml version="1.0" encoding="utf-8"?>
-<p:sld xmlns:a="http://schemas.openxmlformats.org/drawingml/2006/main" xmlns:r="http://schemas.openxmlformats.org/officeDocument/2006/relationships" xmlns:p="http://schemas.openxmlformats.org/presentationml/2006/main">
-  <p:cSld>
-    <p:spTree>
-      <p:nvGrpSpPr>
-        <p:cNvPr id="1" name=""/>
-        <p:cNvGrpSpPr/>
-        <p:nvPr/>
-      </p:nvGrpSpPr>
-      <p:grpSpPr>
-        <a:xfrm>
-          <a:off x="0" y="0"/>
-          <a:ext cx="0" cy="0"/>
-          <a:chOff x="0" y="0"/>
-          <a:chExt cx="0" cy="0"/>
-        </a:xfrm>
-      </p:grpSpPr>
-      <p:sp>
-        <p:nvSpPr>
-          <p:cNvPr id="3" name="Заглавие 2"/>
-          <p:cNvSpPr>
-            <a:spLocks noGrp="1"/>
-          </p:cNvSpPr>
-          <p:nvPr>
-            <p:ph type="title"/>
-          </p:nvPr>
-        </p:nvSpPr>
-        <p:spPr>
-          <a:xfrm>
-            <a:off x="897147" y="585216"/>
-            <a:ext cx="10139661" cy="924407"/>
-          </a:xfrm>
-        </p:spPr>
-        <p:txBody>
-          <a:bodyPr/>
-          <a:lstStyle/>
-          <a:p>
-            <a:pPr algn="ctr"/>
-            <a:r>
-              <a:rPr lang="en-US" dirty="0"/>
-              <a:t>Empathy map</a:t>
-            </a:r>
-          </a:p>
-        </p:txBody>
-      </p:sp>
-      <p:sp>
-        <p:nvSpPr>
-          <p:cNvPr id="6" name="Контейнер за номер на слайда 5"/>
-          <p:cNvSpPr>
-            <a:spLocks noGrp="1"/>
-          </p:cNvSpPr>
-          <p:nvPr>
-            <p:ph type="sldNum" sz="quarter" idx="12"/>
-          </p:nvPr>
-        </p:nvSpPr>
-        <p:spPr/>
-        <p:txBody>
-          <a:bodyPr/>
-          <a:lstStyle/>
-          <a:p>
-            <a:fld id="{D8DA9DAA-006C-4F4B-980E-E3DF019B24E2}" type="slidenum">
-              <a:rPr lang="en-US" smtClean="0"/>
-              <a:pPr/>
-              <a:t>12</a:t>
-            </a:fld>
-            <a:endParaRPr lang="en-US" dirty="0"/>
-          </a:p>
-        </p:txBody>
-      </p:sp>
-      <p:pic>
-        <p:nvPicPr>
-          <p:cNvPr id="10" name="Картина 9" descr="Карта на съпричастност.png"/>
-          <p:cNvPicPr>
-            <a:picLocks noChangeAspect="1"/>
-          </p:cNvPicPr>
-          <p:nvPr/>
-        </p:nvPicPr>
-        <p:blipFill>
-          <a:blip r:embed="rId2"/>
-          <a:stretch>
-            <a:fillRect/>
-          </a:stretch>
-        </p:blipFill>
-        <p:spPr>
-          <a:xfrm>
-            <a:off x="1932318" y="1591999"/>
-            <a:ext cx="7940165" cy="4705283"/>
-          </a:xfrm>
-          <a:prstGeom prst="rect">
-            <a:avLst/>
-          </a:prstGeom>
-        </p:spPr>
-      </p:pic>
-    </p:spTree>
-  </p:cSld>
-  <p:clrMapOvr>
-    <a:masterClrMapping/>
-  </p:clrMapOvr>
-</p:sld>
-</file>
-
-<file path=ppt/slides/slide13.xml><?xml version="1.0" encoding="utf-8"?>
+<file path=ppt/slides/slide15.xml><?xml version="1.0" encoding="utf-8"?>
 <p:sld xmlns:a="http://schemas.openxmlformats.org/drawingml/2006/main" xmlns:r="http://schemas.openxmlformats.org/officeDocument/2006/relationships" xmlns:p="http://schemas.openxmlformats.org/presentationml/2006/main">
   <p:cSld>
     <p:spTree>
@@ -12894,7 +13289,7 @@
         </p:nvSpPr>
         <p:spPr>
           <a:xfrm>
-            <a:off x="1088993" y="383730"/>
+            <a:off x="-2457670" y="2359609"/>
             <a:ext cx="10014012" cy="793036"/>
           </a:xfrm>
         </p:spPr>
@@ -12912,7 +13307,7 @@
                 </a:solidFill>
                 <a:latin typeface="+mn-lt"/>
               </a:rPr>
-              <a:t>Mind map</a:t>
+              <a:t>Sitemap</a:t>
             </a:r>
             <a:endParaRPr lang="en-US" sz="4800" dirty="0"/>
           </a:p>
@@ -12942,139 +13337,7 @@
             <a:fld id="{D8DA9DAA-006C-4F4B-980E-E3DF019B24E2}" type="slidenum">
               <a:rPr lang="en-US" smtClean="0"/>
               <a:pPr/>
-              <a:t>13</a:t>
-            </a:fld>
-            <a:endParaRPr lang="en-US" dirty="0"/>
-          </a:p>
-        </p:txBody>
-      </p:sp>
-      <p:pic>
-        <p:nvPicPr>
-          <p:cNvPr id="4" name="Picture 3">
-            <a:extLst>
-              <a:ext uri="{FF2B5EF4-FFF2-40B4-BE49-F238E27FC236}">
-                <a16:creationId xmlns:a16="http://schemas.microsoft.com/office/drawing/2014/main" id="{6B8FEA3C-8922-4E7C-880B-A9B71B7AC62A}"/>
-              </a:ext>
-            </a:extLst>
-          </p:cNvPr>
-          <p:cNvPicPr>
-            <a:picLocks noChangeAspect="1"/>
-          </p:cNvPicPr>
-          <p:nvPr/>
-        </p:nvPicPr>
-        <p:blipFill>
-          <a:blip r:embed="rId2"/>
-          <a:stretch>
-            <a:fillRect/>
-          </a:stretch>
-        </p:blipFill>
-        <p:spPr>
-          <a:xfrm>
-            <a:off x="1395412" y="1475232"/>
-            <a:ext cx="9401175" cy="5181600"/>
-          </a:xfrm>
-          <a:prstGeom prst="rect">
-            <a:avLst/>
-          </a:prstGeom>
-        </p:spPr>
-      </p:pic>
-    </p:spTree>
-    <p:extLst>
-      <p:ext uri="{BB962C8B-B14F-4D97-AF65-F5344CB8AC3E}">
-        <p14:creationId xmlns:p14="http://schemas.microsoft.com/office/powerpoint/2010/main" val="2123136451"/>
-      </p:ext>
-    </p:extLst>
-  </p:cSld>
-  <p:clrMapOvr>
-    <a:masterClrMapping/>
-  </p:clrMapOvr>
-</p:sld>
-</file>
-
-<file path=ppt/slides/slide14.xml><?xml version="1.0" encoding="utf-8"?>
-<p:sld xmlns:a="http://schemas.openxmlformats.org/drawingml/2006/main" xmlns:r="http://schemas.openxmlformats.org/officeDocument/2006/relationships" xmlns:p="http://schemas.openxmlformats.org/presentationml/2006/main">
-  <p:cSld>
-    <p:spTree>
-      <p:nvGrpSpPr>
-        <p:cNvPr id="1" name=""/>
-        <p:cNvGrpSpPr/>
-        <p:nvPr/>
-      </p:nvGrpSpPr>
-      <p:grpSpPr>
-        <a:xfrm>
-          <a:off x="0" y="0"/>
-          <a:ext cx="0" cy="0"/>
-          <a:chOff x="0" y="0"/>
-          <a:chExt cx="0" cy="0"/>
-        </a:xfrm>
-      </p:grpSpPr>
-      <p:sp>
-        <p:nvSpPr>
-          <p:cNvPr id="3" name="Title 2">
-            <a:extLst>
-              <a:ext uri="{FF2B5EF4-FFF2-40B4-BE49-F238E27FC236}">
-                <a16:creationId xmlns:a16="http://schemas.microsoft.com/office/drawing/2014/main" id="{1DDBBC93-70DF-4E4E-98E3-08124185AB18}"/>
-              </a:ext>
-            </a:extLst>
-          </p:cNvPr>
-          <p:cNvSpPr>
-            <a:spLocks noGrp="1"/>
-          </p:cNvSpPr>
-          <p:nvPr>
-            <p:ph type="title"/>
-          </p:nvPr>
-        </p:nvSpPr>
-        <p:spPr>
-          <a:xfrm>
-            <a:off x="-2697815" y="2202591"/>
-            <a:ext cx="10014012" cy="793036"/>
-          </a:xfrm>
-        </p:spPr>
-        <p:txBody>
-          <a:bodyPr>
-            <a:normAutofit/>
-          </a:bodyPr>
-          <a:lstStyle/>
-          <a:p>
-            <a:pPr algn="ctr"/>
-            <a:r>
-              <a:rPr lang="en-US" sz="4800" b="1" cap="all" spc="400" dirty="0">
-                <a:solidFill>
-                  <a:schemeClr val="bg1"/>
-                </a:solidFill>
-                <a:latin typeface="+mn-lt"/>
-              </a:rPr>
-              <a:t>Sitemap</a:t>
-            </a:r>
-            <a:endParaRPr lang="en-US" sz="4800" dirty="0"/>
-          </a:p>
-        </p:txBody>
-      </p:sp>
-      <p:sp>
-        <p:nvSpPr>
-          <p:cNvPr id="9" name="Slide Number Placeholder 8">
-            <a:extLst>
-              <a:ext uri="{FF2B5EF4-FFF2-40B4-BE49-F238E27FC236}">
-                <a16:creationId xmlns:a16="http://schemas.microsoft.com/office/drawing/2014/main" id="{6DCF8D89-56D9-4E2B-9838-07DFB6E9D2BB}"/>
-              </a:ext>
-            </a:extLst>
-          </p:cNvPr>
-          <p:cNvSpPr>
-            <a:spLocks noGrp="1"/>
-          </p:cNvSpPr>
-          <p:nvPr>
-            <p:ph type="sldNum" sz="quarter" idx="12"/>
-          </p:nvPr>
-        </p:nvSpPr>
-        <p:spPr/>
-        <p:txBody>
-          <a:bodyPr/>
-          <a:lstStyle/>
-          <a:p>
-            <a:fld id="{D8DA9DAA-006C-4F4B-980E-E3DF019B24E2}" type="slidenum">
-              <a:rPr lang="en-US" smtClean="0"/>
-              <a:pPr/>
-              <a:t>14</a:t>
+              <a:t>15</a:t>
             </a:fld>
             <a:endParaRPr lang="en-US" dirty="0"/>
           </a:p>
@@ -13123,228 +13386,6 @@
 </p:sld>
 </file>
 
-<file path=ppt/slides/slide15.xml><?xml version="1.0" encoding="utf-8"?>
-<p:sld xmlns:a="http://schemas.openxmlformats.org/drawingml/2006/main" xmlns:r="http://schemas.openxmlformats.org/officeDocument/2006/relationships" xmlns:p="http://schemas.openxmlformats.org/presentationml/2006/main">
-  <p:cSld>
-    <p:spTree>
-      <p:nvGrpSpPr>
-        <p:cNvPr id="1" name=""/>
-        <p:cNvGrpSpPr/>
-        <p:nvPr/>
-      </p:nvGrpSpPr>
-      <p:grpSpPr>
-        <a:xfrm>
-          <a:off x="0" y="0"/>
-          <a:ext cx="0" cy="0"/>
-          <a:chOff x="0" y="0"/>
-          <a:chExt cx="0" cy="0"/>
-        </a:xfrm>
-      </p:grpSpPr>
-      <p:sp>
-        <p:nvSpPr>
-          <p:cNvPr id="3" name="Title 2">
-            <a:extLst>
-              <a:ext uri="{FF2B5EF4-FFF2-40B4-BE49-F238E27FC236}">
-                <a16:creationId xmlns:a16="http://schemas.microsoft.com/office/drawing/2014/main" id="{1DDBBC93-70DF-4E4E-98E3-08124185AB18}"/>
-              </a:ext>
-            </a:extLst>
-          </p:cNvPr>
-          <p:cNvSpPr>
-            <a:spLocks noGrp="1"/>
-          </p:cNvSpPr>
-          <p:nvPr>
-            <p:ph type="title"/>
-          </p:nvPr>
-        </p:nvSpPr>
-        <p:spPr>
-          <a:xfrm>
-            <a:off x="1088994" y="219138"/>
-            <a:ext cx="10014012" cy="793036"/>
-          </a:xfrm>
-        </p:spPr>
-        <p:txBody>
-          <a:bodyPr>
-            <a:normAutofit/>
-          </a:bodyPr>
-          <a:lstStyle/>
-          <a:p>
-            <a:pPr algn="ctr"/>
-            <a:r>
-              <a:rPr lang="bg-BG" sz="4800" b="1" cap="all" spc="400" dirty="0">
-                <a:solidFill>
-                  <a:schemeClr val="bg1"/>
-                </a:solidFill>
-                <a:latin typeface="+mn-lt"/>
-              </a:rPr>
-              <a:t>Прототип</a:t>
-            </a:r>
-            <a:endParaRPr lang="en-US" sz="4800" dirty="0"/>
-          </a:p>
-        </p:txBody>
-      </p:sp>
-      <p:sp>
-        <p:nvSpPr>
-          <p:cNvPr id="9" name="Slide Number Placeholder 8">
-            <a:extLst>
-              <a:ext uri="{FF2B5EF4-FFF2-40B4-BE49-F238E27FC236}">
-                <a16:creationId xmlns:a16="http://schemas.microsoft.com/office/drawing/2014/main" id="{6DCF8D89-56D9-4E2B-9838-07DFB6E9D2BB}"/>
-              </a:ext>
-            </a:extLst>
-          </p:cNvPr>
-          <p:cNvSpPr>
-            <a:spLocks noGrp="1"/>
-          </p:cNvSpPr>
-          <p:nvPr>
-            <p:ph type="sldNum" sz="quarter" idx="12"/>
-          </p:nvPr>
-        </p:nvSpPr>
-        <p:spPr/>
-        <p:txBody>
-          <a:bodyPr/>
-          <a:lstStyle/>
-          <a:p>
-            <a:fld id="{D8DA9DAA-006C-4F4B-980E-E3DF019B24E2}" type="slidenum">
-              <a:rPr lang="en-US" smtClean="0"/>
-              <a:pPr/>
-              <a:t>15</a:t>
-            </a:fld>
-            <a:endParaRPr lang="en-US" dirty="0"/>
-          </a:p>
-        </p:txBody>
-      </p:sp>
-      <p:pic>
-        <p:nvPicPr>
-          <p:cNvPr id="5" name="Picture 4">
-            <a:extLst>
-              <a:ext uri="{FF2B5EF4-FFF2-40B4-BE49-F238E27FC236}">
-                <a16:creationId xmlns:a16="http://schemas.microsoft.com/office/drawing/2014/main" id="{7C2DADB2-3572-4165-AD08-C3E3AD9FD92A}"/>
-              </a:ext>
-            </a:extLst>
-          </p:cNvPr>
-          <p:cNvPicPr>
-            <a:picLocks noChangeAspect="1"/>
-          </p:cNvPicPr>
-          <p:nvPr/>
-        </p:nvPicPr>
-        <p:blipFill>
-          <a:blip r:embed="rId2"/>
-          <a:stretch>
-            <a:fillRect/>
-          </a:stretch>
-        </p:blipFill>
-        <p:spPr>
-          <a:xfrm>
-            <a:off x="187597" y="1176766"/>
-            <a:ext cx="2704902" cy="5514848"/>
-          </a:xfrm>
-          <a:prstGeom prst="rect">
-            <a:avLst/>
-          </a:prstGeom>
-        </p:spPr>
-      </p:pic>
-      <p:pic>
-        <p:nvPicPr>
-          <p:cNvPr id="7" name="Picture 6">
-            <a:extLst>
-              <a:ext uri="{FF2B5EF4-FFF2-40B4-BE49-F238E27FC236}">
-                <a16:creationId xmlns:a16="http://schemas.microsoft.com/office/drawing/2014/main" id="{2F57A558-5436-4D5C-962D-AC99EDA75167}"/>
-              </a:ext>
-            </a:extLst>
-          </p:cNvPr>
-          <p:cNvPicPr>
-            <a:picLocks noChangeAspect="1"/>
-          </p:cNvPicPr>
-          <p:nvPr/>
-        </p:nvPicPr>
-        <p:blipFill>
-          <a:blip r:embed="rId3"/>
-          <a:stretch>
-            <a:fillRect/>
-          </a:stretch>
-        </p:blipFill>
-        <p:spPr>
-          <a:xfrm>
-            <a:off x="3148168" y="1176764"/>
-            <a:ext cx="2714800" cy="5514849"/>
-          </a:xfrm>
-          <a:prstGeom prst="rect">
-            <a:avLst/>
-          </a:prstGeom>
-        </p:spPr>
-      </p:pic>
-      <p:pic>
-        <p:nvPicPr>
-          <p:cNvPr id="10" name="Picture 9">
-            <a:extLst>
-              <a:ext uri="{FF2B5EF4-FFF2-40B4-BE49-F238E27FC236}">
-                <a16:creationId xmlns:a16="http://schemas.microsoft.com/office/drawing/2014/main" id="{E3C055EA-17BF-4FBF-97A8-418F32203D27}"/>
-              </a:ext>
-            </a:extLst>
-          </p:cNvPr>
-          <p:cNvPicPr>
-            <a:picLocks noChangeAspect="1"/>
-          </p:cNvPicPr>
-          <p:nvPr/>
-        </p:nvPicPr>
-        <p:blipFill>
-          <a:blip r:embed="rId4"/>
-          <a:stretch>
-            <a:fillRect/>
-          </a:stretch>
-        </p:blipFill>
-        <p:spPr>
-          <a:xfrm>
-            <a:off x="6118637" y="1176764"/>
-            <a:ext cx="2669525" cy="5514848"/>
-          </a:xfrm>
-          <a:prstGeom prst="rect">
-            <a:avLst/>
-          </a:prstGeom>
-        </p:spPr>
-      </p:pic>
-      <p:pic>
-        <p:nvPicPr>
-          <p:cNvPr id="12" name="Picture 11">
-            <a:extLst>
-              <a:ext uri="{FF2B5EF4-FFF2-40B4-BE49-F238E27FC236}">
-                <a16:creationId xmlns:a16="http://schemas.microsoft.com/office/drawing/2014/main" id="{A3DAF7F3-750C-43E2-94C9-B349FB80B813}"/>
-              </a:ext>
-            </a:extLst>
-          </p:cNvPr>
-          <p:cNvPicPr>
-            <a:picLocks noChangeAspect="1"/>
-          </p:cNvPicPr>
-          <p:nvPr/>
-        </p:nvPicPr>
-        <p:blipFill>
-          <a:blip r:embed="rId5"/>
-          <a:stretch>
-            <a:fillRect/>
-          </a:stretch>
-        </p:blipFill>
-        <p:spPr>
-          <a:xfrm>
-            <a:off x="9202306" y="1176764"/>
-            <a:ext cx="2731163" cy="5514848"/>
-          </a:xfrm>
-          <a:prstGeom prst="rect">
-            <a:avLst/>
-          </a:prstGeom>
-        </p:spPr>
-      </p:pic>
-    </p:spTree>
-    <p:extLst>
-      <p:ext uri="{BB962C8B-B14F-4D97-AF65-F5344CB8AC3E}">
-        <p14:creationId xmlns:p14="http://schemas.microsoft.com/office/powerpoint/2010/main" val="3448762528"/>
-      </p:ext>
-    </p:extLst>
-  </p:cSld>
-  <p:clrMapOvr>
-    <a:masterClrMapping/>
-  </p:clrMapOvr>
-</p:sld>
-</file>
-
 <file path=ppt/slides/slide16.xml><?xml version="1.0" encoding="utf-8"?>
 <p:sld xmlns:a="http://schemas.openxmlformats.org/drawingml/2006/main" xmlns:r="http://schemas.openxmlformats.org/officeDocument/2006/relationships" xmlns:p="http://schemas.openxmlformats.org/presentationml/2006/main">
   <p:cSld>
@@ -13380,8 +13421,8 @@
         </p:nvSpPr>
         <p:spPr>
           <a:xfrm>
-            <a:off x="3608078" y="865514"/>
-            <a:ext cx="5060015" cy="793036"/>
+            <a:off x="678687" y="794749"/>
+            <a:ext cx="10834626" cy="971344"/>
           </a:xfrm>
         </p:spPr>
         <p:txBody>
@@ -13392,15 +13433,15 @@
           <a:p>
             <a:pPr algn="ctr"/>
             <a:r>
-              <a:rPr lang="en-US" sz="4800" b="1" cap="all" spc="400" dirty="0">
+              <a:rPr lang="bg-BG" sz="4400" b="1" cap="all" spc="400" dirty="0">
                 <a:solidFill>
                   <a:schemeClr val="bg1"/>
                 </a:solidFill>
                 <a:latin typeface="+mn-lt"/>
               </a:rPr>
-              <a:t>Core model</a:t>
-            </a:r>
-            <a:endParaRPr lang="en-US" sz="4800" dirty="0"/>
+              <a:t>Цел и задачи</a:t>
+            </a:r>
+            <a:endParaRPr lang="en-US" sz="4400" dirty="0"/>
           </a:p>
         </p:txBody>
       </p:sp>
@@ -13434,70 +13475,129 @@
           </a:p>
         </p:txBody>
       </p:sp>
-      <p:pic>
-        <p:nvPicPr>
-          <p:cNvPr id="5" name="Картина 13">
-            <a:extLst>
-              <a:ext uri="{FF2B5EF4-FFF2-40B4-BE49-F238E27FC236}">
-                <a16:creationId xmlns:a16="http://schemas.microsoft.com/office/drawing/2014/main" id="{8BCD35AF-29EE-42E6-8F28-1A0346B43F61}"/>
-              </a:ext>
-            </a:extLst>
-          </p:cNvPr>
-          <p:cNvPicPr>
-            <a:picLocks noChangeAspect="1"/>
-          </p:cNvPicPr>
+      <p:sp>
+        <p:nvSpPr>
+          <p:cNvPr id="6" name="TextBox 5">
+            <a:extLst>
+              <a:ext uri="{FF2B5EF4-FFF2-40B4-BE49-F238E27FC236}">
+                <a16:creationId xmlns:a16="http://schemas.microsoft.com/office/drawing/2014/main" id="{15D94879-3A42-44D6-B9B8-41C4DE871E4C}"/>
+              </a:ext>
+            </a:extLst>
+          </p:cNvPr>
+          <p:cNvSpPr txBox="1"/>
           <p:nvPr/>
-        </p:nvPicPr>
-        <p:blipFill>
-          <a:blip r:embed="rId2" cstate="print"/>
-          <a:stretch>
-            <a:fillRect/>
-          </a:stretch>
-        </p:blipFill>
+        </p:nvSpPr>
         <p:spPr>
           <a:xfrm>
-            <a:off x="0" y="2505748"/>
-            <a:ext cx="6138086" cy="4352252"/>
+            <a:off x="1382885" y="3178957"/>
+            <a:ext cx="10130428" cy="3477875"/>
           </a:xfrm>
           <a:prstGeom prst="rect">
             <a:avLst/>
           </a:prstGeom>
+          <a:noFill/>
         </p:spPr>
-      </p:pic>
-      <p:pic>
-        <p:nvPicPr>
-          <p:cNvPr id="7" name="Картина 12">
-            <a:extLst>
-              <a:ext uri="{FF2B5EF4-FFF2-40B4-BE49-F238E27FC236}">
-                <a16:creationId xmlns:a16="http://schemas.microsoft.com/office/drawing/2014/main" id="{4D82A9F9-DE07-48D0-BCEF-B4B74E839694}"/>
-              </a:ext>
-            </a:extLst>
-          </p:cNvPr>
-          <p:cNvPicPr>
-            <a:picLocks noChangeAspect="1"/>
-          </p:cNvPicPr>
-          <p:nvPr/>
-        </p:nvPicPr>
-        <p:blipFill>
-          <a:blip r:embed="rId3" cstate="print"/>
-          <a:stretch>
-            <a:fillRect/>
-          </a:stretch>
-        </p:blipFill>
-        <p:spPr>
-          <a:xfrm>
-            <a:off x="6138086" y="2505748"/>
-            <a:ext cx="6053914" cy="4352252"/>
-          </a:xfrm>
-          <a:prstGeom prst="rect">
-            <a:avLst/>
-          </a:prstGeom>
-        </p:spPr>
-      </p:pic>
+        <p:txBody>
+          <a:bodyPr wrap="square" rtlCol="0">
+            <a:spAutoFit/>
+          </a:bodyPr>
+          <a:lstStyle/>
+          <a:p>
+            <a:r>
+              <a:rPr lang="bg-BG" sz="2200" dirty="0">
+                <a:solidFill>
+                  <a:schemeClr val="bg1"/>
+                </a:solidFill>
+              </a:rPr>
+              <a:t>Да се изгради </a:t>
+            </a:r>
+            <a:r>
+              <a:rPr lang="en-US" sz="2200" dirty="0">
+                <a:solidFill>
+                  <a:schemeClr val="bg1"/>
+                </a:solidFill>
+              </a:rPr>
+              <a:t>Android </a:t>
+            </a:r>
+            <a:r>
+              <a:rPr lang="bg-BG" sz="2200" dirty="0">
+                <a:solidFill>
+                  <a:schemeClr val="bg1"/>
+                </a:solidFill>
+              </a:rPr>
+              <a:t>мобилно приложение за отчитане на ежедневни приходи и разходи, като трябва:</a:t>
+            </a:r>
+          </a:p>
+          <a:p>
+            <a:pPr marL="342900" indent="-342900">
+              <a:buFont typeface="Wingdings" panose="05000000000000000000" pitchFamily="2" charset="2"/>
+              <a:buChar char="v"/>
+            </a:pPr>
+            <a:r>
+              <a:rPr lang="bg-BG" sz="2200" dirty="0">
+                <a:solidFill>
+                  <a:schemeClr val="bg1"/>
+                </a:solidFill>
+              </a:rPr>
+              <a:t>Да предоставя ключови фукционалности – добавяне на парични движения (приход/разход), добавяне и управление на парични сметки и графично извеждане на статистики за паричните движения</a:t>
+            </a:r>
+          </a:p>
+          <a:p>
+            <a:pPr marL="342900" indent="-342900">
+              <a:buFont typeface="Wingdings" panose="05000000000000000000" pitchFamily="2" charset="2"/>
+              <a:buChar char="v"/>
+            </a:pPr>
+            <a:r>
+              <a:rPr lang="bg-BG" sz="2200" dirty="0">
+                <a:solidFill>
+                  <a:schemeClr val="bg1"/>
+                </a:solidFill>
+              </a:rPr>
+              <a:t>Всички данни да се съхраняват в база данни </a:t>
+            </a:r>
+          </a:p>
+          <a:p>
+            <a:pPr marL="342900" indent="-342900">
+              <a:buFont typeface="Wingdings" panose="05000000000000000000" pitchFamily="2" charset="2"/>
+              <a:buChar char="v"/>
+            </a:pPr>
+            <a:r>
+              <a:rPr lang="bg-BG" sz="2200" dirty="0">
+                <a:solidFill>
+                  <a:schemeClr val="bg1"/>
+                </a:solidFill>
+              </a:rPr>
+              <a:t>Да предоставя модерен, изчистен интерфейс и оптимално потребителско изживяване за потребителите от целевата група</a:t>
+            </a:r>
+          </a:p>
+          <a:p>
+            <a:pPr marL="342900" indent="-342900">
+              <a:buFont typeface="Wingdings" panose="05000000000000000000" pitchFamily="2" charset="2"/>
+              <a:buChar char="v"/>
+            </a:pPr>
+            <a:endParaRPr lang="bg-BG" sz="2200" dirty="0">
+              <a:solidFill>
+                <a:schemeClr val="bg1"/>
+              </a:solidFill>
+            </a:endParaRPr>
+          </a:p>
+          <a:p>
+            <a:pPr marL="342900" indent="-342900">
+              <a:buFont typeface="Wingdings" panose="05000000000000000000" pitchFamily="2" charset="2"/>
+              <a:buChar char="v"/>
+            </a:pPr>
+            <a:endParaRPr lang="bg-BG" sz="2200" dirty="0">
+              <a:solidFill>
+                <a:schemeClr val="bg1"/>
+              </a:solidFill>
+            </a:endParaRPr>
+          </a:p>
+        </p:txBody>
+      </p:sp>
     </p:spTree>
     <p:extLst>
       <p:ext uri="{BB962C8B-B14F-4D97-AF65-F5344CB8AC3E}">
-        <p14:creationId xmlns:p14="http://schemas.microsoft.com/office/powerpoint/2010/main" val="2325451885"/>
+        <p14:creationId xmlns:p14="http://schemas.microsoft.com/office/powerpoint/2010/main" val="1033826564"/>
       </p:ext>
     </p:extLst>
   </p:cSld>
@@ -13542,7 +13642,7 @@
         </p:nvSpPr>
         <p:spPr>
           <a:xfrm>
-            <a:off x="1088994" y="419590"/>
+            <a:off x="1088994" y="169775"/>
             <a:ext cx="10014012" cy="793036"/>
           </a:xfrm>
         </p:spPr>
@@ -13554,15 +13654,15 @@
           <a:p>
             <a:pPr algn="ctr"/>
             <a:r>
-              <a:rPr lang="en-US" sz="4000" b="1" cap="all" spc="400" dirty="0">
+              <a:rPr lang="bg-BG" sz="4800" b="1" cap="all" spc="400" dirty="0">
                 <a:solidFill>
                   <a:schemeClr val="bg1"/>
                 </a:solidFill>
                 <a:latin typeface="+mn-lt"/>
               </a:rPr>
-              <a:t>Core model (2)</a:t>
-            </a:r>
-            <a:endParaRPr lang="en-US" sz="4000" dirty="0"/>
+              <a:t>Концептуален модел</a:t>
+            </a:r>
+            <a:endParaRPr lang="en-US" sz="4800" dirty="0"/>
           </a:p>
         </p:txBody>
       </p:sp>
@@ -13598,10 +13698,10 @@
       </p:sp>
       <p:pic>
         <p:nvPicPr>
-          <p:cNvPr id="7" name="Картина 14">
-            <a:extLst>
-              <a:ext uri="{FF2B5EF4-FFF2-40B4-BE49-F238E27FC236}">
-                <a16:creationId xmlns:a16="http://schemas.microsoft.com/office/drawing/2014/main" id="{5B9F6F31-2B8D-4549-8004-32752B12D9F1}"/>
+          <p:cNvPr id="4" name="Picture 3">
+            <a:extLst>
+              <a:ext uri="{FF2B5EF4-FFF2-40B4-BE49-F238E27FC236}">
+                <a16:creationId xmlns:a16="http://schemas.microsoft.com/office/drawing/2014/main" id="{AF9E042D-8422-44CF-9AF3-073AA5799281}"/>
               </a:ext>
             </a:extLst>
           </p:cNvPr>
@@ -13611,15 +13711,15 @@
           <p:nvPr/>
         </p:nvPicPr>
         <p:blipFill>
-          <a:blip r:embed="rId2" cstate="print"/>
+          <a:blip r:embed="rId2"/>
           <a:stretch>
             <a:fillRect/>
           </a:stretch>
         </p:blipFill>
         <p:spPr>
           <a:xfrm>
-            <a:off x="2657659" y="1747191"/>
-            <a:ext cx="6876682" cy="4909641"/>
+            <a:off x="1349039" y="994204"/>
+            <a:ext cx="9493922" cy="5864334"/>
           </a:xfrm>
           <a:prstGeom prst="rect">
             <a:avLst/>
@@ -13629,7 +13729,7 @@
     </p:spTree>
     <p:extLst>
       <p:ext uri="{BB962C8B-B14F-4D97-AF65-F5344CB8AC3E}">
-        <p14:creationId xmlns:p14="http://schemas.microsoft.com/office/powerpoint/2010/main" val="3412304714"/>
+        <p14:creationId xmlns:p14="http://schemas.microsoft.com/office/powerpoint/2010/main" val="803064220"/>
       </p:ext>
     </p:extLst>
   </p:cSld>
@@ -13674,13 +13774,13 @@
         </p:nvSpPr>
         <p:spPr>
           <a:xfrm>
-            <a:off x="3589390" y="201168"/>
+            <a:off x="3608078" y="865514"/>
             <a:ext cx="5060015" cy="793036"/>
           </a:xfrm>
         </p:spPr>
         <p:txBody>
           <a:bodyPr>
-            <a:normAutofit/>
+            <a:normAutofit fontScale="90000"/>
           </a:bodyPr>
           <a:lstStyle/>
           <a:p>
@@ -13692,7 +13792,16 @@
                 </a:solidFill>
                 <a:latin typeface="+mn-lt"/>
               </a:rPr>
-              <a:t>Mood board</a:t>
+              <a:t>Core </a:t>
+            </a:r>
+            <a:r>
+              <a:rPr lang="en-US" sz="4800" b="1" cap="all" spc="400" dirty="0" err="1">
+                <a:solidFill>
+                  <a:schemeClr val="bg1"/>
+                </a:solidFill>
+                <a:latin typeface="+mn-lt"/>
+              </a:rPr>
+              <a:t>modelS</a:t>
             </a:r>
             <a:endParaRPr lang="en-US" sz="4800" dirty="0"/>
           </a:p>
@@ -13730,10 +13839,10 @@
       </p:sp>
       <p:pic>
         <p:nvPicPr>
-          <p:cNvPr id="4" name="Picture 3">
-            <a:extLst>
-              <a:ext uri="{FF2B5EF4-FFF2-40B4-BE49-F238E27FC236}">
-                <a16:creationId xmlns:a16="http://schemas.microsoft.com/office/drawing/2014/main" id="{C4A87EE3-FB94-4E9F-906A-A64895ADD2DD}"/>
+          <p:cNvPr id="5" name="Картина 13">
+            <a:extLst>
+              <a:ext uri="{FF2B5EF4-FFF2-40B4-BE49-F238E27FC236}">
+                <a16:creationId xmlns:a16="http://schemas.microsoft.com/office/drawing/2014/main" id="{8BCD35AF-29EE-42E6-8F28-1A0346B43F61}"/>
               </a:ext>
             </a:extLst>
           </p:cNvPr>
@@ -13743,15 +13852,45 @@
           <p:nvPr/>
         </p:nvPicPr>
         <p:blipFill>
-          <a:blip r:embed="rId2"/>
+          <a:blip r:embed="rId2" cstate="print"/>
           <a:stretch>
             <a:fillRect/>
           </a:stretch>
         </p:blipFill>
         <p:spPr>
           <a:xfrm>
-            <a:off x="2405476" y="1182354"/>
-            <a:ext cx="7381047" cy="5675646"/>
+            <a:off x="0" y="2505748"/>
+            <a:ext cx="6138086" cy="4352252"/>
+          </a:xfrm>
+          <a:prstGeom prst="rect">
+            <a:avLst/>
+          </a:prstGeom>
+        </p:spPr>
+      </p:pic>
+      <p:pic>
+        <p:nvPicPr>
+          <p:cNvPr id="6" name="Картина 14">
+            <a:extLst>
+              <a:ext uri="{FF2B5EF4-FFF2-40B4-BE49-F238E27FC236}">
+                <a16:creationId xmlns:a16="http://schemas.microsoft.com/office/drawing/2014/main" id="{67EE2D25-F9BE-4D98-A84F-CE25394DB6AF}"/>
+              </a:ext>
+            </a:extLst>
+          </p:cNvPr>
+          <p:cNvPicPr>
+            <a:picLocks noChangeAspect="1"/>
+          </p:cNvPicPr>
+          <p:nvPr/>
+        </p:nvPicPr>
+        <p:blipFill>
+          <a:blip r:embed="rId3" cstate="print"/>
+          <a:stretch>
+            <a:fillRect/>
+          </a:stretch>
+        </p:blipFill>
+        <p:spPr>
+          <a:xfrm>
+            <a:off x="6096000" y="2505731"/>
+            <a:ext cx="6096000" cy="4352269"/>
           </a:xfrm>
           <a:prstGeom prst="rect">
             <a:avLst/>
@@ -13761,7 +13900,7 @@
     </p:spTree>
     <p:extLst>
       <p:ext uri="{BB962C8B-B14F-4D97-AF65-F5344CB8AC3E}">
-        <p14:creationId xmlns:p14="http://schemas.microsoft.com/office/powerpoint/2010/main" val="1668801848"/>
+        <p14:creationId xmlns:p14="http://schemas.microsoft.com/office/powerpoint/2010/main" val="2325451885"/>
       </p:ext>
     </p:extLst>
   </p:cSld>
@@ -13806,42 +13945,25 @@
         </p:nvSpPr>
         <p:spPr>
           <a:xfrm>
-            <a:off x="238537" y="1043608"/>
-            <a:ext cx="3939209" cy="1501486"/>
+            <a:off x="1088994" y="169775"/>
+            <a:ext cx="10014012" cy="793036"/>
           </a:xfrm>
         </p:spPr>
         <p:txBody>
           <a:bodyPr>
-            <a:noAutofit/>
+            <a:normAutofit/>
           </a:bodyPr>
           <a:lstStyle/>
           <a:p>
             <a:pPr algn="ctr"/>
             <a:r>
-              <a:rPr lang="en-US" sz="4800" b="1" cap="all" spc="400" dirty="0">
+              <a:rPr lang="bg-BG" sz="4800" b="1" cap="all" spc="400" dirty="0">
                 <a:solidFill>
                   <a:schemeClr val="bg1"/>
                 </a:solidFill>
                 <a:latin typeface="+mn-lt"/>
               </a:rPr>
-              <a:t>Database </a:t>
-            </a:r>
-            <a:br>
-              <a:rPr lang="en-US" sz="4800" b="1" cap="all" spc="400" dirty="0">
-                <a:solidFill>
-                  <a:schemeClr val="bg1"/>
-                </a:solidFill>
-                <a:latin typeface="+mn-lt"/>
-              </a:rPr>
-            </a:br>
-            <a:r>
-              <a:rPr lang="en-US" sz="4800" b="1" cap="all" spc="400" dirty="0">
-                <a:solidFill>
-                  <a:schemeClr val="bg1"/>
-                </a:solidFill>
-                <a:latin typeface="+mn-lt"/>
-              </a:rPr>
-              <a:t>Model</a:t>
+              <a:t>Избор на технологии</a:t>
             </a:r>
             <a:endParaRPr lang="en-US" sz="4800" dirty="0"/>
           </a:p>
@@ -13879,10 +14001,10 @@
       </p:sp>
       <p:pic>
         <p:nvPicPr>
-          <p:cNvPr id="5" name="Picture 4" descr="Graphical user interface&#10;&#10;Description automatically generated">
-            <a:extLst>
-              <a:ext uri="{FF2B5EF4-FFF2-40B4-BE49-F238E27FC236}">
-                <a16:creationId xmlns:a16="http://schemas.microsoft.com/office/drawing/2014/main" id="{9F92387E-ACC4-4DE7-9366-26AADBEA78ED}"/>
+          <p:cNvPr id="5" name="Picture 4">
+            <a:extLst>
+              <a:ext uri="{FF2B5EF4-FFF2-40B4-BE49-F238E27FC236}">
+                <a16:creationId xmlns:a16="http://schemas.microsoft.com/office/drawing/2014/main" id="{58BB1531-2B99-4BE9-8558-77BF8AB709DF}"/>
               </a:ext>
             </a:extLst>
           </p:cNvPr>
@@ -13899,8 +14021,181 @@
         </p:blipFill>
         <p:spPr>
           <a:xfrm>
-            <a:off x="4303643" y="598451"/>
-            <a:ext cx="7888357" cy="6259549"/>
+            <a:off x="4939785" y="1688015"/>
+            <a:ext cx="3000375" cy="2495573"/>
+          </a:xfrm>
+          <a:prstGeom prst="rect">
+            <a:avLst/>
+          </a:prstGeom>
+        </p:spPr>
+      </p:pic>
+      <p:pic>
+        <p:nvPicPr>
+          <p:cNvPr id="8" name="Picture 7">
+            <a:extLst>
+              <a:ext uri="{FF2B5EF4-FFF2-40B4-BE49-F238E27FC236}">
+                <a16:creationId xmlns:a16="http://schemas.microsoft.com/office/drawing/2014/main" id="{C3F789DE-C88B-4091-AFBF-594789073E48}"/>
+              </a:ext>
+            </a:extLst>
+          </p:cNvPr>
+          <p:cNvPicPr>
+            <a:picLocks noChangeAspect="1"/>
+          </p:cNvPicPr>
+          <p:nvPr/>
+        </p:nvPicPr>
+        <p:blipFill>
+          <a:blip r:embed="rId3"/>
+          <a:stretch>
+            <a:fillRect/>
+          </a:stretch>
+        </p:blipFill>
+        <p:spPr>
+          <a:xfrm>
+            <a:off x="323705" y="1575125"/>
+            <a:ext cx="4005470" cy="1794116"/>
+          </a:xfrm>
+          <a:prstGeom prst="rect">
+            <a:avLst/>
+          </a:prstGeom>
+        </p:spPr>
+      </p:pic>
+      <p:pic>
+        <p:nvPicPr>
+          <p:cNvPr id="14" name="Picture 13">
+            <a:extLst>
+              <a:ext uri="{FF2B5EF4-FFF2-40B4-BE49-F238E27FC236}">
+                <a16:creationId xmlns:a16="http://schemas.microsoft.com/office/drawing/2014/main" id="{4DC56451-BF3E-485E-B7A1-CE61F7B5E657}"/>
+              </a:ext>
+            </a:extLst>
+          </p:cNvPr>
+          <p:cNvPicPr>
+            <a:picLocks noChangeAspect="1"/>
+          </p:cNvPicPr>
+          <p:nvPr/>
+        </p:nvPicPr>
+        <p:blipFill>
+          <a:blip r:embed="rId4"/>
+          <a:stretch>
+            <a:fillRect/>
+          </a:stretch>
+        </p:blipFill>
+        <p:spPr>
+          <a:xfrm>
+            <a:off x="8550770" y="1096733"/>
+            <a:ext cx="3250705" cy="3765947"/>
+          </a:xfrm>
+          <a:prstGeom prst="rect">
+            <a:avLst/>
+          </a:prstGeom>
+        </p:spPr>
+      </p:pic>
+      <p:pic>
+        <p:nvPicPr>
+          <p:cNvPr id="16" name="Graphic 15">
+            <a:extLst>
+              <a:ext uri="{FF2B5EF4-FFF2-40B4-BE49-F238E27FC236}">
+                <a16:creationId xmlns:a16="http://schemas.microsoft.com/office/drawing/2014/main" id="{1C178B54-E45B-4233-8A02-2D9CA67F4BA5}"/>
+              </a:ext>
+            </a:extLst>
+          </p:cNvPr>
+          <p:cNvPicPr>
+            <a:picLocks noChangeAspect="1"/>
+          </p:cNvPicPr>
+          <p:nvPr/>
+        </p:nvPicPr>
+        <p:blipFill>
+          <a:blip r:embed="rId5">
+            <a:extLst>
+              <a:ext uri="{96DAC541-7B7A-43D3-8B79-37D633B846F1}">
+                <asvg:svgBlip xmlns:asvg="http://schemas.microsoft.com/office/drawing/2016/SVG/main" r:embed="rId6"/>
+              </a:ext>
+            </a:extLst>
+          </a:blip>
+          <a:stretch>
+            <a:fillRect/>
+          </a:stretch>
+        </p:blipFill>
+        <p:spPr>
+          <a:xfrm>
+            <a:off x="8356847" y="4996602"/>
+            <a:ext cx="3638550" cy="1724025"/>
+          </a:xfrm>
+          <a:prstGeom prst="rect">
+            <a:avLst/>
+          </a:prstGeom>
+        </p:spPr>
+      </p:pic>
+      <p:pic>
+        <p:nvPicPr>
+          <p:cNvPr id="3074" name="Picture 2" descr="Image">
+            <a:extLst>
+              <a:ext uri="{FF2B5EF4-FFF2-40B4-BE49-F238E27FC236}">
+                <a16:creationId xmlns:a16="http://schemas.microsoft.com/office/drawing/2014/main" id="{33F707AE-BE6A-47C3-A538-40BFB31D6B5A}"/>
+              </a:ext>
+            </a:extLst>
+          </p:cNvPr>
+          <p:cNvPicPr>
+            <a:picLocks noChangeAspect="1" noChangeArrowheads="1"/>
+          </p:cNvPicPr>
+          <p:nvPr/>
+        </p:nvPicPr>
+        <p:blipFill>
+          <a:blip r:embed="rId7">
+            <a:extLst>
+              <a:ext uri="{28A0092B-C50C-407E-A947-70E740481C1C}">
+                <a14:useLocalDpi xmlns:a14="http://schemas.microsoft.com/office/drawing/2010/main" val="0"/>
+              </a:ext>
+            </a:extLst>
+          </a:blip>
+          <a:srcRect/>
+          <a:stretch>
+            <a:fillRect/>
+          </a:stretch>
+        </p:blipFill>
+        <p:spPr bwMode="auto">
+          <a:xfrm>
+            <a:off x="78534" y="3840184"/>
+            <a:ext cx="2482299" cy="2482299"/>
+          </a:xfrm>
+          <a:prstGeom prst="rect">
+            <a:avLst/>
+          </a:prstGeom>
+          <a:noFill/>
+          <a:extLst>
+            <a:ext uri="{909E8E84-426E-40DD-AFC4-6F175D3DCCD1}">
+              <a14:hiddenFill xmlns:a14="http://schemas.microsoft.com/office/drawing/2010/main">
+                <a:solidFill>
+                  <a:srgbClr val="FFFFFF"/>
+                </a:solidFill>
+              </a14:hiddenFill>
+            </a:ext>
+          </a:extLst>
+        </p:spPr>
+      </p:pic>
+      <p:pic>
+        <p:nvPicPr>
+          <p:cNvPr id="10" name="Картина 27">
+            <a:extLst>
+              <a:ext uri="{FF2B5EF4-FFF2-40B4-BE49-F238E27FC236}">
+                <a16:creationId xmlns:a16="http://schemas.microsoft.com/office/drawing/2014/main" id="{3B7BF89A-3CDD-4673-8EC9-67D4ECAB5301}"/>
+              </a:ext>
+            </a:extLst>
+          </p:cNvPr>
+          <p:cNvPicPr>
+            <a:picLocks noChangeAspect="1"/>
+          </p:cNvPicPr>
+          <p:nvPr/>
+        </p:nvPicPr>
+        <p:blipFill>
+          <a:blip r:embed="rId8" cstate="print"/>
+          <a:stretch>
+            <a:fillRect/>
+          </a:stretch>
+        </p:blipFill>
+        <p:spPr>
+          <a:xfrm>
+            <a:off x="2866138" y="4728180"/>
+            <a:ext cx="5313193" cy="1992447"/>
           </a:xfrm>
           <a:prstGeom prst="rect">
             <a:avLst/>
@@ -13910,7 +14205,7 @@
     </p:spTree>
     <p:extLst>
       <p:ext uri="{BB962C8B-B14F-4D97-AF65-F5344CB8AC3E}">
-        <p14:creationId xmlns:p14="http://schemas.microsoft.com/office/powerpoint/2010/main" val="3446193886"/>
+        <p14:creationId xmlns:p14="http://schemas.microsoft.com/office/powerpoint/2010/main" val="2320710457"/>
       </p:ext>
     </p:extLst>
   </p:cSld>
@@ -13955,7 +14250,7 @@
         </p:nvSpPr>
         <p:spPr>
           <a:xfrm>
-            <a:off x="1088994" y="566293"/>
+            <a:off x="1088994" y="708336"/>
             <a:ext cx="10014012" cy="793036"/>
           </a:xfrm>
         </p:spPr>
@@ -14027,7 +14322,7 @@
         </p:nvSpPr>
         <p:spPr>
           <a:xfrm>
-            <a:off x="1793289" y="2612344"/>
+            <a:off x="1821402" y="2860919"/>
             <a:ext cx="8549196" cy="3118104"/>
           </a:xfrm>
         </p:spPr>
@@ -14300,25 +14595,42 @@
         </p:nvSpPr>
         <p:spPr>
           <a:xfrm>
-            <a:off x="3565992" y="796282"/>
-            <a:ext cx="5060015" cy="793036"/>
+            <a:off x="238537" y="1043608"/>
+            <a:ext cx="3939209" cy="1501486"/>
           </a:xfrm>
         </p:spPr>
         <p:txBody>
           <a:bodyPr>
-            <a:normAutofit/>
+            <a:noAutofit/>
           </a:bodyPr>
           <a:lstStyle/>
           <a:p>
             <a:pPr algn="ctr"/>
             <a:r>
-              <a:rPr lang="bg-BG" sz="4800" b="1" cap="all" spc="400" dirty="0">
+              <a:rPr lang="en-US" sz="4800" b="1" cap="all" spc="400" dirty="0">
                 <a:solidFill>
                   <a:schemeClr val="bg1"/>
                 </a:solidFill>
                 <a:latin typeface="+mn-lt"/>
               </a:rPr>
-              <a:t>Заключение</a:t>
+              <a:t>Database </a:t>
+            </a:r>
+            <a:br>
+              <a:rPr lang="en-US" sz="4800" b="1" cap="all" spc="400" dirty="0">
+                <a:solidFill>
+                  <a:schemeClr val="bg1"/>
+                </a:solidFill>
+                <a:latin typeface="+mn-lt"/>
+              </a:rPr>
+            </a:br>
+            <a:r>
+              <a:rPr lang="en-US" sz="4800" b="1" cap="all" spc="400" dirty="0">
+                <a:solidFill>
+                  <a:schemeClr val="bg1"/>
+                </a:solidFill>
+                <a:latin typeface="+mn-lt"/>
+              </a:rPr>
+              <a:t>Model</a:t>
             </a:r>
             <a:endParaRPr lang="en-US" sz="4800" dirty="0"/>
           </a:p>
@@ -14354,286 +14666,40 @@
           </a:p>
         </p:txBody>
       </p:sp>
-      <p:sp>
-        <p:nvSpPr>
-          <p:cNvPr id="5" name="Text Placeholder 6">
-            <a:extLst>
-              <a:ext uri="{FF2B5EF4-FFF2-40B4-BE49-F238E27FC236}">
-                <a16:creationId xmlns:a16="http://schemas.microsoft.com/office/drawing/2014/main" id="{9DB13E58-FC39-45A1-95B9-596515EFBCE1}"/>
-              </a:ext>
-            </a:extLst>
-          </p:cNvPr>
-          <p:cNvSpPr>
-            <a:spLocks noGrp="1"/>
-          </p:cNvSpPr>
-          <p:nvPr>
-            <p:ph type="body" sz="quarter" idx="13"/>
-          </p:nvPr>
-        </p:nvSpPr>
+      <p:pic>
+        <p:nvPicPr>
+          <p:cNvPr id="5" name="Picture 4" descr="Graphical user interface&#10;&#10;Description automatically generated">
+            <a:extLst>
+              <a:ext uri="{FF2B5EF4-FFF2-40B4-BE49-F238E27FC236}">
+                <a16:creationId xmlns:a16="http://schemas.microsoft.com/office/drawing/2014/main" id="{9F92387E-ACC4-4DE7-9366-26AADBEA78ED}"/>
+              </a:ext>
+            </a:extLst>
+          </p:cNvPr>
+          <p:cNvPicPr>
+            <a:picLocks noChangeAspect="1"/>
+          </p:cNvPicPr>
+          <p:nvPr/>
+        </p:nvPicPr>
+        <p:blipFill>
+          <a:blip r:embed="rId2"/>
+          <a:stretch>
+            <a:fillRect/>
+          </a:stretch>
+        </p:blipFill>
         <p:spPr>
           <a:xfrm>
-            <a:off x="1793289" y="2612344"/>
-            <a:ext cx="8549196" cy="3118104"/>
+            <a:off x="4303643" y="598451"/>
+            <a:ext cx="7888357" cy="6259549"/>
           </a:xfrm>
+          <a:prstGeom prst="rect">
+            <a:avLst/>
+          </a:prstGeom>
         </p:spPr>
-        <p:txBody>
-          <a:bodyPr>
-            <a:normAutofit lnSpcReduction="10000"/>
-          </a:bodyPr>
-          <a:lstStyle/>
-          <a:p>
-            <a:pPr marL="342900" indent="-342900" algn="l">
-              <a:buFont typeface="Arial" panose="020B0604020202020204" pitchFamily="34" charset="0"/>
-              <a:buChar char="•"/>
-            </a:pPr>
-            <a:r>
-              <a:rPr lang="ru-RU" sz="2400" dirty="0" err="1"/>
-              <a:t>Нуждата</a:t>
-            </a:r>
-            <a:r>
-              <a:rPr lang="ru-RU" sz="2400" dirty="0"/>
-              <a:t> от </a:t>
-            </a:r>
-            <a:r>
-              <a:rPr lang="ru-RU" sz="2400" dirty="0" err="1"/>
-              <a:t>правилно</a:t>
-            </a:r>
-            <a:r>
-              <a:rPr lang="ru-RU" sz="2400" dirty="0"/>
-              <a:t> управление на </a:t>
-            </a:r>
-            <a:r>
-              <a:rPr lang="ru-RU" sz="2400" dirty="0" err="1"/>
-              <a:t>личните</a:t>
-            </a:r>
-            <a:r>
-              <a:rPr lang="ru-RU" sz="2400" dirty="0"/>
-              <a:t> </a:t>
-            </a:r>
-            <a:r>
-              <a:rPr lang="ru-RU" sz="2400" dirty="0" err="1"/>
-              <a:t>финанси</a:t>
-            </a:r>
-            <a:r>
-              <a:rPr lang="ru-RU" sz="2400" dirty="0"/>
-              <a:t> и </a:t>
-            </a:r>
-            <a:r>
-              <a:rPr lang="ru-RU" sz="2400" dirty="0" err="1"/>
-              <a:t>повишаване</a:t>
-            </a:r>
-            <a:r>
-              <a:rPr lang="ru-RU" sz="2400" dirty="0"/>
-              <a:t> на </a:t>
-            </a:r>
-            <a:r>
-              <a:rPr lang="ru-RU" sz="2400" dirty="0" err="1"/>
-              <a:t>продуктивността</a:t>
-            </a:r>
-            <a:r>
-              <a:rPr lang="ru-RU" sz="2400" dirty="0"/>
-              <a:t> и </a:t>
-            </a:r>
-            <a:r>
-              <a:rPr lang="ru-RU" sz="2400" dirty="0" err="1"/>
-              <a:t>ефективността</a:t>
-            </a:r>
-            <a:r>
-              <a:rPr lang="ru-RU" sz="2400" dirty="0"/>
-              <a:t>, </a:t>
-            </a:r>
-            <a:r>
-              <a:rPr lang="ru-RU" sz="2400" dirty="0" err="1"/>
-              <a:t>са</a:t>
-            </a:r>
-            <a:r>
-              <a:rPr lang="ru-RU" sz="2400" dirty="0"/>
-              <a:t> </a:t>
-            </a:r>
-            <a:r>
-              <a:rPr lang="ru-RU" sz="2400" dirty="0" err="1"/>
-              <a:t>ключови</a:t>
-            </a:r>
-            <a:r>
-              <a:rPr lang="ru-RU" sz="2400" dirty="0"/>
-              <a:t> </a:t>
-            </a:r>
-            <a:r>
-              <a:rPr lang="ru-RU" sz="2400" dirty="0" err="1"/>
-              <a:t>фактори</a:t>
-            </a:r>
-            <a:r>
-              <a:rPr lang="ru-RU" sz="2400" dirty="0"/>
-              <a:t>, </a:t>
-            </a:r>
-            <a:r>
-              <a:rPr lang="ru-RU" sz="2400" dirty="0" err="1"/>
-              <a:t>поради</a:t>
-            </a:r>
-            <a:r>
-              <a:rPr lang="ru-RU" sz="2400" dirty="0"/>
-              <a:t> </a:t>
-            </a:r>
-            <a:r>
-              <a:rPr lang="ru-RU" sz="2400" dirty="0" err="1"/>
-              <a:t>които</a:t>
-            </a:r>
-            <a:r>
-              <a:rPr lang="ru-RU" sz="2400" dirty="0"/>
-              <a:t> се зароди </a:t>
-            </a:r>
-            <a:r>
-              <a:rPr lang="ru-RU" sz="2400" dirty="0" err="1"/>
-              <a:t>идеята</a:t>
-            </a:r>
-            <a:r>
-              <a:rPr lang="ru-RU" sz="2400" dirty="0"/>
-              <a:t> и </a:t>
-            </a:r>
-            <a:r>
-              <a:rPr lang="ru-RU" sz="2400" dirty="0" err="1"/>
-              <a:t>целта</a:t>
-            </a:r>
-            <a:r>
-              <a:rPr lang="ru-RU" sz="2400" dirty="0"/>
-              <a:t> да се </a:t>
-            </a:r>
-            <a:r>
-              <a:rPr lang="ru-RU" sz="2400" dirty="0" err="1"/>
-              <a:t>проектира</a:t>
-            </a:r>
-            <a:r>
-              <a:rPr lang="ru-RU" sz="2400" dirty="0"/>
-              <a:t> и </a:t>
-            </a:r>
-            <a:r>
-              <a:rPr lang="ru-RU" sz="2400" dirty="0" err="1"/>
-              <a:t>реализира</a:t>
-            </a:r>
-            <a:r>
-              <a:rPr lang="ru-RU" sz="2400" dirty="0"/>
-              <a:t> </a:t>
-            </a:r>
-            <a:r>
-              <a:rPr lang="ru-RU" sz="2400" dirty="0" err="1"/>
-              <a:t>мобилно</a:t>
-            </a:r>
-            <a:r>
-              <a:rPr lang="ru-RU" sz="2400" dirty="0"/>
-              <a:t> приложение за управление на </a:t>
-            </a:r>
-            <a:r>
-              <a:rPr lang="ru-RU" sz="2400" dirty="0" err="1"/>
-              <a:t>финансовите</a:t>
-            </a:r>
-            <a:r>
-              <a:rPr lang="ru-RU" sz="2400" dirty="0"/>
-              <a:t> средства. С </a:t>
-            </a:r>
-            <a:r>
-              <a:rPr lang="ru-RU" sz="2400" dirty="0" err="1"/>
-              <a:t>разработването</a:t>
-            </a:r>
-            <a:r>
-              <a:rPr lang="ru-RU" sz="2400" dirty="0"/>
-              <a:t> на </a:t>
-            </a:r>
-            <a:r>
-              <a:rPr lang="ru-RU" sz="2400" dirty="0" err="1"/>
-              <a:t>тази</a:t>
-            </a:r>
-            <a:r>
-              <a:rPr lang="ru-RU" sz="2400" dirty="0"/>
-              <a:t> система се </a:t>
-            </a:r>
-            <a:r>
-              <a:rPr lang="ru-RU" sz="2400" dirty="0" err="1"/>
-              <a:t>надяваме</a:t>
-            </a:r>
-            <a:r>
-              <a:rPr lang="ru-RU" sz="2400" dirty="0"/>
-              <a:t> да </a:t>
-            </a:r>
-            <a:r>
-              <a:rPr lang="ru-RU" sz="2400" dirty="0" err="1"/>
-              <a:t>улесним</a:t>
-            </a:r>
-            <a:r>
-              <a:rPr lang="ru-RU" sz="2400" dirty="0"/>
-              <a:t> </a:t>
-            </a:r>
-            <a:r>
-              <a:rPr lang="ru-RU" sz="2400" dirty="0" err="1"/>
-              <a:t>ежедневието</a:t>
-            </a:r>
-            <a:r>
-              <a:rPr lang="ru-RU" sz="2400" dirty="0"/>
-              <a:t> на </a:t>
-            </a:r>
-            <a:r>
-              <a:rPr lang="ru-RU" sz="2400" dirty="0" err="1"/>
-              <a:t>крайните</a:t>
-            </a:r>
-            <a:r>
-              <a:rPr lang="ru-RU" sz="2400" dirty="0"/>
-              <a:t> потребители и да успеем да предоставим решение на един от </a:t>
-            </a:r>
-            <a:r>
-              <a:rPr lang="ru-RU" sz="2400" dirty="0" err="1"/>
-              <a:t>техните</a:t>
-            </a:r>
-            <a:r>
-              <a:rPr lang="ru-RU" sz="2400" dirty="0"/>
-              <a:t> </a:t>
-            </a:r>
-            <a:r>
-              <a:rPr lang="ru-RU" sz="2400" dirty="0" err="1"/>
-              <a:t>проблеми</a:t>
-            </a:r>
-            <a:r>
-              <a:rPr lang="ru-RU" sz="2400" dirty="0"/>
-              <a:t>, с </a:t>
-            </a:r>
-            <a:r>
-              <a:rPr lang="ru-RU" sz="2400" dirty="0" err="1"/>
-              <a:t>които</a:t>
-            </a:r>
-            <a:r>
-              <a:rPr lang="ru-RU" sz="2400" dirty="0"/>
-              <a:t> се </a:t>
-            </a:r>
-            <a:r>
-              <a:rPr lang="ru-RU" sz="2400" dirty="0" err="1"/>
-              <a:t>сблъскват</a:t>
-            </a:r>
-            <a:r>
-              <a:rPr lang="ru-RU" sz="2400" dirty="0"/>
-              <a:t> </a:t>
-            </a:r>
-            <a:r>
-              <a:rPr lang="ru-RU" sz="2400" dirty="0" err="1"/>
-              <a:t>всеки</a:t>
-            </a:r>
-            <a:r>
-              <a:rPr lang="ru-RU" sz="2400" dirty="0"/>
-              <a:t> </a:t>
-            </a:r>
-            <a:r>
-              <a:rPr lang="ru-RU" sz="2400" dirty="0" err="1"/>
-              <a:t>ден</a:t>
-            </a:r>
-            <a:r>
-              <a:rPr lang="ru-RU" sz="2400" dirty="0"/>
-              <a:t>. </a:t>
-            </a:r>
-            <a:endParaRPr lang="bg-BG" sz="2400" dirty="0"/>
-          </a:p>
-        </p:txBody>
-      </p:sp>
+      </p:pic>
     </p:spTree>
     <p:extLst>
       <p:ext uri="{BB962C8B-B14F-4D97-AF65-F5344CB8AC3E}">
-        <p14:creationId xmlns:p14="http://schemas.microsoft.com/office/powerpoint/2010/main" val="3222794256"/>
+        <p14:creationId xmlns:p14="http://schemas.microsoft.com/office/powerpoint/2010/main" val="3446193886"/>
       </p:ext>
     </p:extLst>
   </p:cSld>
@@ -14678,61 +14744,27 @@
         </p:nvSpPr>
         <p:spPr>
           <a:xfrm>
-            <a:off x="1732721" y="1972771"/>
-            <a:ext cx="8726557" cy="2912458"/>
+            <a:off x="3565992" y="796282"/>
+            <a:ext cx="5060015" cy="793036"/>
           </a:xfrm>
         </p:spPr>
         <p:txBody>
           <a:bodyPr>
-            <a:noAutofit/>
+            <a:normAutofit/>
           </a:bodyPr>
           <a:lstStyle/>
           <a:p>
             <a:pPr algn="ctr"/>
             <a:r>
-              <a:rPr lang="bg-BG" b="1" cap="all" spc="400" dirty="0">
+              <a:rPr lang="bg-BG" sz="4800" b="1" cap="all" spc="400" dirty="0">
                 <a:solidFill>
                   <a:schemeClr val="bg1"/>
                 </a:solidFill>
                 <a:latin typeface="+mn-lt"/>
               </a:rPr>
-              <a:t>Благодарим </a:t>
-            </a:r>
-            <a:br>
-              <a:rPr lang="bg-BG" b="1" cap="all" spc="400" dirty="0">
-                <a:solidFill>
-                  <a:schemeClr val="bg1"/>
-                </a:solidFill>
-                <a:latin typeface="+mn-lt"/>
-              </a:rPr>
-            </a:br>
-            <a:r>
-              <a:rPr lang="bg-BG" b="1" cap="all" spc="400" dirty="0">
-                <a:solidFill>
-                  <a:schemeClr val="bg1"/>
-                </a:solidFill>
-                <a:latin typeface="+mn-lt"/>
-              </a:rPr>
-              <a:t>за </a:t>
-            </a:r>
-            <a:br>
-              <a:rPr lang="bg-BG" b="1" cap="all" spc="400" dirty="0">
-                <a:solidFill>
-                  <a:schemeClr val="bg1"/>
-                </a:solidFill>
-                <a:latin typeface="+mn-lt"/>
-              </a:rPr>
-            </a:br>
-            <a:r>
-              <a:rPr lang="bg-BG" b="1" cap="all" spc="400" dirty="0">
-                <a:solidFill>
-                  <a:schemeClr val="bg1"/>
-                </a:solidFill>
-                <a:latin typeface="+mn-lt"/>
-              </a:rPr>
-              <a:t>вниманието!</a:t>
-            </a:r>
-            <a:endParaRPr lang="en-US" dirty="0"/>
+              <a:t>Заключение</a:t>
+            </a:r>
+            <a:endParaRPr lang="en-US" sz="4800" dirty="0"/>
           </a:p>
         </p:txBody>
       </p:sp>
@@ -14766,10 +14798,638 @@
           </a:p>
         </p:txBody>
       </p:sp>
+      <p:sp>
+        <p:nvSpPr>
+          <p:cNvPr id="5" name="Text Placeholder 6">
+            <a:extLst>
+              <a:ext uri="{FF2B5EF4-FFF2-40B4-BE49-F238E27FC236}">
+                <a16:creationId xmlns:a16="http://schemas.microsoft.com/office/drawing/2014/main" id="{9DB13E58-FC39-45A1-95B9-596515EFBCE1}"/>
+              </a:ext>
+            </a:extLst>
+          </p:cNvPr>
+          <p:cNvSpPr>
+            <a:spLocks noGrp="1"/>
+          </p:cNvSpPr>
+          <p:nvPr>
+            <p:ph type="body" sz="quarter" idx="13"/>
+          </p:nvPr>
+        </p:nvSpPr>
+        <p:spPr>
+          <a:xfrm>
+            <a:off x="1821401" y="2869796"/>
+            <a:ext cx="8549196" cy="3118104"/>
+          </a:xfrm>
+        </p:spPr>
+        <p:txBody>
+          <a:bodyPr>
+            <a:normAutofit lnSpcReduction="10000"/>
+          </a:bodyPr>
+          <a:lstStyle/>
+          <a:p>
+            <a:pPr marL="342900" indent="-342900" algn="l">
+              <a:buFont typeface="Arial" panose="020B0604020202020204" pitchFamily="34" charset="0"/>
+              <a:buChar char="•"/>
+            </a:pPr>
+            <a:r>
+              <a:rPr lang="ru-RU" sz="2400" dirty="0" err="1"/>
+              <a:t>Нуждата</a:t>
+            </a:r>
+            <a:r>
+              <a:rPr lang="ru-RU" sz="2400" dirty="0"/>
+              <a:t> от </a:t>
+            </a:r>
+            <a:r>
+              <a:rPr lang="ru-RU" sz="2400" dirty="0" err="1"/>
+              <a:t>правилно</a:t>
+            </a:r>
+            <a:r>
+              <a:rPr lang="ru-RU" sz="2400" dirty="0"/>
+              <a:t> управление на </a:t>
+            </a:r>
+            <a:r>
+              <a:rPr lang="ru-RU" sz="2400" dirty="0" err="1"/>
+              <a:t>личните</a:t>
+            </a:r>
+            <a:r>
+              <a:rPr lang="ru-RU" sz="2400" dirty="0"/>
+              <a:t> </a:t>
+            </a:r>
+            <a:r>
+              <a:rPr lang="ru-RU" sz="2400" dirty="0" err="1"/>
+              <a:t>финанси</a:t>
+            </a:r>
+            <a:r>
+              <a:rPr lang="ru-RU" sz="2400" dirty="0"/>
+              <a:t> и </a:t>
+            </a:r>
+            <a:r>
+              <a:rPr lang="ru-RU" sz="2400" dirty="0" err="1"/>
+              <a:t>повишаване</a:t>
+            </a:r>
+            <a:r>
+              <a:rPr lang="ru-RU" sz="2400" dirty="0"/>
+              <a:t> на </a:t>
+            </a:r>
+            <a:r>
+              <a:rPr lang="ru-RU" sz="2400" dirty="0" err="1"/>
+              <a:t>продуктивността</a:t>
+            </a:r>
+            <a:r>
+              <a:rPr lang="ru-RU" sz="2400" dirty="0"/>
+              <a:t> и </a:t>
+            </a:r>
+            <a:r>
+              <a:rPr lang="ru-RU" sz="2400" dirty="0" err="1"/>
+              <a:t>ефективността</a:t>
+            </a:r>
+            <a:r>
+              <a:rPr lang="ru-RU" sz="2400" dirty="0"/>
+              <a:t>, </a:t>
+            </a:r>
+            <a:r>
+              <a:rPr lang="ru-RU" sz="2400" dirty="0" err="1"/>
+              <a:t>са</a:t>
+            </a:r>
+            <a:r>
+              <a:rPr lang="ru-RU" sz="2400" dirty="0"/>
+              <a:t> </a:t>
+            </a:r>
+            <a:r>
+              <a:rPr lang="ru-RU" sz="2400" dirty="0" err="1"/>
+              <a:t>ключови</a:t>
+            </a:r>
+            <a:r>
+              <a:rPr lang="ru-RU" sz="2400" dirty="0"/>
+              <a:t> </a:t>
+            </a:r>
+            <a:r>
+              <a:rPr lang="ru-RU" sz="2400" dirty="0" err="1"/>
+              <a:t>фактори</a:t>
+            </a:r>
+            <a:r>
+              <a:rPr lang="ru-RU" sz="2400" dirty="0"/>
+              <a:t>, </a:t>
+            </a:r>
+            <a:r>
+              <a:rPr lang="ru-RU" sz="2400" dirty="0" err="1"/>
+              <a:t>поради</a:t>
+            </a:r>
+            <a:r>
+              <a:rPr lang="ru-RU" sz="2400" dirty="0"/>
+              <a:t> </a:t>
+            </a:r>
+            <a:r>
+              <a:rPr lang="ru-RU" sz="2400" dirty="0" err="1"/>
+              <a:t>които</a:t>
+            </a:r>
+            <a:r>
+              <a:rPr lang="ru-RU" sz="2400" dirty="0"/>
+              <a:t> се зароди </a:t>
+            </a:r>
+            <a:r>
+              <a:rPr lang="ru-RU" sz="2400" dirty="0" err="1"/>
+              <a:t>идеята</a:t>
+            </a:r>
+            <a:r>
+              <a:rPr lang="ru-RU" sz="2400" dirty="0"/>
+              <a:t> и </a:t>
+            </a:r>
+            <a:r>
+              <a:rPr lang="ru-RU" sz="2400" dirty="0" err="1"/>
+              <a:t>целта</a:t>
+            </a:r>
+            <a:r>
+              <a:rPr lang="ru-RU" sz="2400" dirty="0"/>
+              <a:t> да се </a:t>
+            </a:r>
+            <a:r>
+              <a:rPr lang="ru-RU" sz="2400" dirty="0" err="1"/>
+              <a:t>проектира</a:t>
+            </a:r>
+            <a:r>
+              <a:rPr lang="ru-RU" sz="2400" dirty="0"/>
+              <a:t> и </a:t>
+            </a:r>
+            <a:r>
+              <a:rPr lang="ru-RU" sz="2400" dirty="0" err="1"/>
+              <a:t>реализира</a:t>
+            </a:r>
+            <a:r>
+              <a:rPr lang="ru-RU" sz="2400" dirty="0"/>
+              <a:t> </a:t>
+            </a:r>
+            <a:r>
+              <a:rPr lang="ru-RU" sz="2400" dirty="0" err="1"/>
+              <a:t>мобилно</a:t>
+            </a:r>
+            <a:r>
+              <a:rPr lang="ru-RU" sz="2400" dirty="0"/>
+              <a:t> приложение за управление на </a:t>
+            </a:r>
+            <a:r>
+              <a:rPr lang="ru-RU" sz="2400" dirty="0" err="1"/>
+              <a:t>финансовите</a:t>
+            </a:r>
+            <a:r>
+              <a:rPr lang="ru-RU" sz="2400" dirty="0"/>
+              <a:t> средства. С </a:t>
+            </a:r>
+            <a:r>
+              <a:rPr lang="ru-RU" sz="2400" dirty="0" err="1"/>
+              <a:t>разработването</a:t>
+            </a:r>
+            <a:r>
+              <a:rPr lang="ru-RU" sz="2400" dirty="0"/>
+              <a:t> на </a:t>
+            </a:r>
+            <a:r>
+              <a:rPr lang="ru-RU" sz="2400" dirty="0" err="1"/>
+              <a:t>тази</a:t>
+            </a:r>
+            <a:r>
+              <a:rPr lang="ru-RU" sz="2400" dirty="0"/>
+              <a:t> система се </a:t>
+            </a:r>
+            <a:r>
+              <a:rPr lang="ru-RU" sz="2400" dirty="0" err="1"/>
+              <a:t>надяваме</a:t>
+            </a:r>
+            <a:r>
+              <a:rPr lang="ru-RU" sz="2400" dirty="0"/>
+              <a:t> да </a:t>
+            </a:r>
+            <a:r>
+              <a:rPr lang="ru-RU" sz="2400" dirty="0" err="1"/>
+              <a:t>улесним</a:t>
+            </a:r>
+            <a:r>
+              <a:rPr lang="ru-RU" sz="2400" dirty="0"/>
+              <a:t> </a:t>
+            </a:r>
+            <a:r>
+              <a:rPr lang="ru-RU" sz="2400" dirty="0" err="1"/>
+              <a:t>ежедневието</a:t>
+            </a:r>
+            <a:r>
+              <a:rPr lang="ru-RU" sz="2400" dirty="0"/>
+              <a:t> на </a:t>
+            </a:r>
+            <a:r>
+              <a:rPr lang="ru-RU" sz="2400" dirty="0" err="1"/>
+              <a:t>крайните</a:t>
+            </a:r>
+            <a:r>
+              <a:rPr lang="ru-RU" sz="2400" dirty="0"/>
+              <a:t> потребители и да успеем да предоставим решение на един от </a:t>
+            </a:r>
+            <a:r>
+              <a:rPr lang="ru-RU" sz="2400" dirty="0" err="1"/>
+              <a:t>техните</a:t>
+            </a:r>
+            <a:r>
+              <a:rPr lang="ru-RU" sz="2400" dirty="0"/>
+              <a:t> </a:t>
+            </a:r>
+            <a:r>
+              <a:rPr lang="ru-RU" sz="2400" dirty="0" err="1"/>
+              <a:t>проблеми</a:t>
+            </a:r>
+            <a:r>
+              <a:rPr lang="ru-RU" sz="2400" dirty="0"/>
+              <a:t>, с </a:t>
+            </a:r>
+            <a:r>
+              <a:rPr lang="ru-RU" sz="2400" dirty="0" err="1"/>
+              <a:t>които</a:t>
+            </a:r>
+            <a:r>
+              <a:rPr lang="ru-RU" sz="2400" dirty="0"/>
+              <a:t> се </a:t>
+            </a:r>
+            <a:r>
+              <a:rPr lang="ru-RU" sz="2400" dirty="0" err="1"/>
+              <a:t>сблъскват</a:t>
+            </a:r>
+            <a:r>
+              <a:rPr lang="ru-RU" sz="2400" dirty="0"/>
+              <a:t> </a:t>
+            </a:r>
+            <a:r>
+              <a:rPr lang="ru-RU" sz="2400" dirty="0" err="1"/>
+              <a:t>всеки</a:t>
+            </a:r>
+            <a:r>
+              <a:rPr lang="ru-RU" sz="2400" dirty="0"/>
+              <a:t> </a:t>
+            </a:r>
+            <a:r>
+              <a:rPr lang="ru-RU" sz="2400" dirty="0" err="1"/>
+              <a:t>ден</a:t>
+            </a:r>
+            <a:r>
+              <a:rPr lang="ru-RU" sz="2400" dirty="0"/>
+              <a:t>. </a:t>
+            </a:r>
+            <a:endParaRPr lang="bg-BG" sz="2400" dirty="0"/>
+          </a:p>
+        </p:txBody>
+      </p:sp>
+    </p:spTree>
+    <p:extLst>
+      <p:ext uri="{BB962C8B-B14F-4D97-AF65-F5344CB8AC3E}">
+        <p14:creationId xmlns:p14="http://schemas.microsoft.com/office/powerpoint/2010/main" val="3222794256"/>
+      </p:ext>
+    </p:extLst>
+  </p:cSld>
+  <p:clrMapOvr>
+    <a:masterClrMapping/>
+  </p:clrMapOvr>
+</p:sld>
+</file>
+
+<file path=ppt/slides/slide22.xml><?xml version="1.0" encoding="utf-8"?>
+<p:sld xmlns:a="http://schemas.openxmlformats.org/drawingml/2006/main" xmlns:r="http://schemas.openxmlformats.org/officeDocument/2006/relationships" xmlns:p="http://schemas.openxmlformats.org/presentationml/2006/main">
+  <p:cSld>
+    <p:spTree>
+      <p:nvGrpSpPr>
+        <p:cNvPr id="1" name=""/>
+        <p:cNvGrpSpPr/>
+        <p:nvPr/>
+      </p:nvGrpSpPr>
+      <p:grpSpPr>
+        <a:xfrm>
+          <a:off x="0" y="0"/>
+          <a:ext cx="0" cy="0"/>
+          <a:chOff x="0" y="0"/>
+          <a:chExt cx="0" cy="0"/>
+        </a:xfrm>
+      </p:grpSpPr>
+      <p:sp>
+        <p:nvSpPr>
+          <p:cNvPr id="3" name="Title 2">
+            <a:extLst>
+              <a:ext uri="{FF2B5EF4-FFF2-40B4-BE49-F238E27FC236}">
+                <a16:creationId xmlns:a16="http://schemas.microsoft.com/office/drawing/2014/main" id="{1DDBBC93-70DF-4E4E-98E3-08124185AB18}"/>
+              </a:ext>
+            </a:extLst>
+          </p:cNvPr>
+          <p:cNvSpPr>
+            <a:spLocks noGrp="1"/>
+          </p:cNvSpPr>
+          <p:nvPr>
+            <p:ph type="title"/>
+          </p:nvPr>
+        </p:nvSpPr>
+        <p:spPr>
+          <a:xfrm>
+            <a:off x="1732721" y="1972771"/>
+            <a:ext cx="8726557" cy="2912458"/>
+          </a:xfrm>
+        </p:spPr>
+        <p:txBody>
+          <a:bodyPr>
+            <a:noAutofit/>
+          </a:bodyPr>
+          <a:lstStyle/>
+          <a:p>
+            <a:pPr algn="ctr"/>
+            <a:r>
+              <a:rPr lang="bg-BG" b="1" cap="all" spc="400" dirty="0">
+                <a:solidFill>
+                  <a:schemeClr val="bg1"/>
+                </a:solidFill>
+                <a:latin typeface="+mn-lt"/>
+              </a:rPr>
+              <a:t>Благодарим </a:t>
+            </a:r>
+            <a:br>
+              <a:rPr lang="bg-BG" b="1" cap="all" spc="400" dirty="0">
+                <a:solidFill>
+                  <a:schemeClr val="bg1"/>
+                </a:solidFill>
+                <a:latin typeface="+mn-lt"/>
+              </a:rPr>
+            </a:br>
+            <a:r>
+              <a:rPr lang="bg-BG" b="1" cap="all" spc="400" dirty="0">
+                <a:solidFill>
+                  <a:schemeClr val="bg1"/>
+                </a:solidFill>
+                <a:latin typeface="+mn-lt"/>
+              </a:rPr>
+              <a:t>за </a:t>
+            </a:r>
+            <a:br>
+              <a:rPr lang="bg-BG" b="1" cap="all" spc="400" dirty="0">
+                <a:solidFill>
+                  <a:schemeClr val="bg1"/>
+                </a:solidFill>
+                <a:latin typeface="+mn-lt"/>
+              </a:rPr>
+            </a:br>
+            <a:r>
+              <a:rPr lang="bg-BG" b="1" cap="all" spc="400" dirty="0">
+                <a:solidFill>
+                  <a:schemeClr val="bg1"/>
+                </a:solidFill>
+                <a:latin typeface="+mn-lt"/>
+              </a:rPr>
+              <a:t>вниманието!</a:t>
+            </a:r>
+            <a:endParaRPr lang="en-US" dirty="0"/>
+          </a:p>
+        </p:txBody>
+      </p:sp>
+      <p:sp>
+        <p:nvSpPr>
+          <p:cNvPr id="9" name="Slide Number Placeholder 8">
+            <a:extLst>
+              <a:ext uri="{FF2B5EF4-FFF2-40B4-BE49-F238E27FC236}">
+                <a16:creationId xmlns:a16="http://schemas.microsoft.com/office/drawing/2014/main" id="{6DCF8D89-56D9-4E2B-9838-07DFB6E9D2BB}"/>
+              </a:ext>
+            </a:extLst>
+          </p:cNvPr>
+          <p:cNvSpPr>
+            <a:spLocks noGrp="1"/>
+          </p:cNvSpPr>
+          <p:nvPr>
+            <p:ph type="sldNum" sz="quarter" idx="12"/>
+          </p:nvPr>
+        </p:nvSpPr>
+        <p:spPr/>
+        <p:txBody>
+          <a:bodyPr/>
+          <a:lstStyle/>
+          <a:p>
+            <a:fld id="{D8DA9DAA-006C-4F4B-980E-E3DF019B24E2}" type="slidenum">
+              <a:rPr lang="en-US" smtClean="0"/>
+              <a:pPr/>
+              <a:t>22</a:t>
+            </a:fld>
+            <a:endParaRPr lang="en-US" dirty="0"/>
+          </a:p>
+        </p:txBody>
+      </p:sp>
     </p:spTree>
     <p:extLst>
       <p:ext uri="{BB962C8B-B14F-4D97-AF65-F5344CB8AC3E}">
         <p14:creationId xmlns:p14="http://schemas.microsoft.com/office/powerpoint/2010/main" val="477989864"/>
+      </p:ext>
+    </p:extLst>
+  </p:cSld>
+  <p:clrMapOvr>
+    <a:masterClrMapping/>
+  </p:clrMapOvr>
+</p:sld>
+</file>
+
+<file path=ppt/slides/slide23.xml><?xml version="1.0" encoding="utf-8"?>
+<p:sld xmlns:a="http://schemas.openxmlformats.org/drawingml/2006/main" xmlns:r="http://schemas.openxmlformats.org/officeDocument/2006/relationships" xmlns:p="http://schemas.openxmlformats.org/presentationml/2006/main">
+  <p:cSld>
+    <p:spTree>
+      <p:nvGrpSpPr>
+        <p:cNvPr id="1" name=""/>
+        <p:cNvGrpSpPr/>
+        <p:nvPr/>
+      </p:nvGrpSpPr>
+      <p:grpSpPr>
+        <a:xfrm>
+          <a:off x="0" y="0"/>
+          <a:ext cx="0" cy="0"/>
+          <a:chOff x="0" y="0"/>
+          <a:chExt cx="0" cy="0"/>
+        </a:xfrm>
+      </p:grpSpPr>
+      <p:sp>
+        <p:nvSpPr>
+          <p:cNvPr id="2" name="Title 1">
+            <a:extLst>
+              <a:ext uri="{FF2B5EF4-FFF2-40B4-BE49-F238E27FC236}">
+                <a16:creationId xmlns:a16="http://schemas.microsoft.com/office/drawing/2014/main" id="{C3A9968B-2619-4F71-AB00-4C493E120805}"/>
+              </a:ext>
+            </a:extLst>
+          </p:cNvPr>
+          <p:cNvSpPr>
+            <a:spLocks noGrp="1"/>
+          </p:cNvSpPr>
+          <p:nvPr>
+            <p:ph type="ctrTitle"/>
+          </p:nvPr>
+        </p:nvSpPr>
+        <p:spPr>
+          <a:xfrm>
+            <a:off x="498629" y="683581"/>
+            <a:ext cx="11194742" cy="2017449"/>
+          </a:xfrm>
+        </p:spPr>
+        <p:txBody>
+          <a:bodyPr>
+            <a:normAutofit/>
+          </a:bodyPr>
+          <a:lstStyle/>
+          <a:p>
+            <a:pPr marL="226695" indent="-226695" algn="ctr">
+              <a:lnSpc>
+                <a:spcPct val="100000"/>
+              </a:lnSpc>
+              <a:spcAft>
+                <a:spcPts val="800"/>
+              </a:spcAft>
+              <a:tabLst>
+                <a:tab pos="228600" algn="l"/>
+              </a:tabLst>
+            </a:pPr>
+            <a:r>
+              <a:rPr lang="bg-BG" dirty="0">
+                <a:effectLst/>
+                <a:ea typeface="Calibri" panose="020F0502020204030204" pitchFamily="34" charset="0"/>
+                <a:cs typeface="Times New Roman" panose="02020603050405020304" pitchFamily="18" charset="0"/>
+              </a:rPr>
+              <a:t>Система за отчитане на ежедневни разходи</a:t>
+            </a:r>
+          </a:p>
+        </p:txBody>
+      </p:sp>
+      <p:sp>
+        <p:nvSpPr>
+          <p:cNvPr id="3" name="Subtitle 2">
+            <a:extLst>
+              <a:ext uri="{FF2B5EF4-FFF2-40B4-BE49-F238E27FC236}">
+                <a16:creationId xmlns:a16="http://schemas.microsoft.com/office/drawing/2014/main" id="{A5F14073-9F68-4B7E-A576-26899D58C7A9}"/>
+              </a:ext>
+            </a:extLst>
+          </p:cNvPr>
+          <p:cNvSpPr>
+            <a:spLocks noGrp="1"/>
+          </p:cNvSpPr>
+          <p:nvPr>
+            <p:ph type="subTitle" idx="1"/>
+          </p:nvPr>
+        </p:nvSpPr>
+        <p:spPr>
+          <a:xfrm>
+            <a:off x="7663132" y="4698509"/>
+            <a:ext cx="4457847" cy="2085940"/>
+          </a:xfrm>
+        </p:spPr>
+        <p:txBody>
+          <a:bodyPr>
+            <a:normAutofit fontScale="92500" lnSpcReduction="20000"/>
+          </a:bodyPr>
+          <a:lstStyle/>
+          <a:p>
+            <a:pPr algn="l"/>
+            <a:r>
+              <a:rPr lang="bg-BG" sz="2000" dirty="0">
+                <a:solidFill>
+                  <a:schemeClr val="bg1"/>
+                </a:solidFill>
+              </a:rPr>
+              <a:t>Изготвили: </a:t>
+            </a:r>
+          </a:p>
+          <a:p>
+            <a:pPr marL="342900" indent="-342900" algn="l">
+              <a:buFontTx/>
+              <a:buChar char="-"/>
+            </a:pPr>
+            <a:r>
+              <a:rPr lang="bg-BG" dirty="0"/>
+              <a:t>Михаел Агопян, ф.н: 18621765</a:t>
+            </a:r>
+          </a:p>
+          <a:p>
+            <a:pPr marL="342900" indent="-342900" algn="l">
+              <a:buFontTx/>
+              <a:buChar char="-"/>
+            </a:pPr>
+            <a:r>
+              <a:rPr lang="bg-BG" sz="2000" dirty="0">
+                <a:solidFill>
+                  <a:schemeClr val="bg1"/>
+                </a:solidFill>
+              </a:rPr>
+              <a:t>Георги Георгиев, ф.н: 18621746</a:t>
+            </a:r>
+          </a:p>
+          <a:p>
+            <a:pPr algn="l"/>
+            <a:r>
+              <a:rPr lang="bg-BG" sz="2000" dirty="0">
+                <a:solidFill>
+                  <a:schemeClr val="bg1"/>
+                </a:solidFill>
+              </a:rPr>
+              <a:t>Група: 4</a:t>
+            </a:r>
+          </a:p>
+          <a:p>
+            <a:pPr algn="l"/>
+            <a:r>
+              <a:rPr lang="bg-BG" dirty="0"/>
+              <a:t>Специалност: СИТ</a:t>
+            </a:r>
+            <a:endParaRPr lang="en-US" dirty="0"/>
+          </a:p>
+          <a:p>
+            <a:pPr algn="l"/>
+            <a:r>
+              <a:rPr lang="bg-BG" dirty="0"/>
+              <a:t>Преподавател: х. ас. Д. Димитров</a:t>
+            </a:r>
+            <a:endParaRPr lang="en-US" dirty="0"/>
+          </a:p>
+          <a:p>
+            <a:pPr algn="l"/>
+            <a:endParaRPr lang="bg-BG" dirty="0"/>
+          </a:p>
+          <a:p>
+            <a:pPr algn="l"/>
+            <a:endParaRPr lang="en-US" sz="2000" dirty="0">
+              <a:solidFill>
+                <a:schemeClr val="bg1"/>
+              </a:solidFill>
+            </a:endParaRPr>
+          </a:p>
+          <a:p>
+            <a:endParaRPr lang="en-US" dirty="0"/>
+          </a:p>
+        </p:txBody>
+      </p:sp>
+      <p:pic>
+        <p:nvPicPr>
+          <p:cNvPr id="5" name="Picture 4">
+            <a:extLst>
+              <a:ext uri="{FF2B5EF4-FFF2-40B4-BE49-F238E27FC236}">
+                <a16:creationId xmlns:a16="http://schemas.microsoft.com/office/drawing/2014/main" id="{67AB4EFB-C48E-435A-8240-EA7D404E1859}"/>
+              </a:ext>
+            </a:extLst>
+          </p:cNvPr>
+          <p:cNvPicPr>
+            <a:picLocks noChangeAspect="1"/>
+          </p:cNvPicPr>
+          <p:nvPr/>
+        </p:nvPicPr>
+        <p:blipFill>
+          <a:blip r:embed="rId2"/>
+          <a:stretch>
+            <a:fillRect/>
+          </a:stretch>
+        </p:blipFill>
+        <p:spPr>
+          <a:xfrm>
+            <a:off x="1744112" y="3429000"/>
+            <a:ext cx="3931134" cy="3100351"/>
+          </a:xfrm>
+          <a:prstGeom prst="rect">
+            <a:avLst/>
+          </a:prstGeom>
+        </p:spPr>
+      </p:pic>
+    </p:spTree>
+    <p:extLst>
+      <p:ext uri="{BB962C8B-B14F-4D97-AF65-F5344CB8AC3E}">
+        <p14:creationId xmlns:p14="http://schemas.microsoft.com/office/powerpoint/2010/main" val="2757153785"/>
       </p:ext>
     </p:extLst>
   </p:cSld>
@@ -14814,13 +15474,13 @@
         </p:nvSpPr>
         <p:spPr>
           <a:xfrm>
-            <a:off x="1088994" y="223453"/>
+            <a:off x="1088994" y="169775"/>
             <a:ext cx="10014012" cy="793036"/>
           </a:xfrm>
         </p:spPr>
         <p:txBody>
           <a:bodyPr>
-            <a:normAutofit/>
+            <a:normAutofit fontScale="90000"/>
           </a:bodyPr>
           <a:lstStyle/>
           <a:p>
@@ -14832,7 +15492,7 @@
                 </a:solidFill>
                 <a:latin typeface="+mn-lt"/>
               </a:rPr>
-              <a:t>Анализ на конкуренцията</a:t>
+              <a:t>Проучване на потребители</a:t>
             </a:r>
             <a:endParaRPr lang="en-US" sz="4400" dirty="0"/>
           </a:p>
@@ -14863,1499 +15523,6 @@
               <a:rPr lang="en-US" smtClean="0"/>
               <a:pPr/>
               <a:t>3</a:t>
-            </a:fld>
-            <a:endParaRPr lang="en-US" dirty="0"/>
-          </a:p>
-        </p:txBody>
-      </p:sp>
-      <p:graphicFrame>
-        <p:nvGraphicFramePr>
-          <p:cNvPr id="17" name="Table 16">
-            <a:extLst>
-              <a:ext uri="{FF2B5EF4-FFF2-40B4-BE49-F238E27FC236}">
-                <a16:creationId xmlns:a16="http://schemas.microsoft.com/office/drawing/2014/main" id="{D07B1909-C472-4E22-8E33-F5987FFF7884}"/>
-              </a:ext>
-            </a:extLst>
-          </p:cNvPr>
-          <p:cNvGraphicFramePr>
-            <a:graphicFrameLocks noGrp="1"/>
-          </p:cNvGraphicFramePr>
-          <p:nvPr>
-            <p:extLst>
-              <p:ext uri="{D42A27DB-BD31-4B8C-83A1-F6EECF244321}">
-                <p14:modId xmlns:p14="http://schemas.microsoft.com/office/powerpoint/2010/main" val="3392227713"/>
-              </p:ext>
-            </p:extLst>
-          </p:nvPr>
-        </p:nvGraphicFramePr>
-        <p:xfrm>
-          <a:off x="-1" y="1016489"/>
-          <a:ext cx="3989441" cy="5841511"/>
-        </p:xfrm>
-        <a:graphic>
-          <a:graphicData uri="http://schemas.openxmlformats.org/drawingml/2006/table">
-            <a:tbl>
-              <a:tblPr firstRow="1" firstCol="1" bandRow="1">
-                <a:tableStyleId>{5C22544A-7EE6-4342-B048-85BDC9FD1C3A}</a:tableStyleId>
-              </a:tblPr>
-              <a:tblGrid>
-                <a:gridCol w="1007251">
-                  <a:extLst>
-                    <a:ext uri="{9D8B030D-6E8A-4147-A177-3AD203B41FA5}">
-                      <a16:colId xmlns:a16="http://schemas.microsoft.com/office/drawing/2014/main" val="2727011704"/>
-                    </a:ext>
-                  </a:extLst>
-                </a:gridCol>
-                <a:gridCol w="1382426">
-                  <a:extLst>
-                    <a:ext uri="{9D8B030D-6E8A-4147-A177-3AD203B41FA5}">
-                      <a16:colId xmlns:a16="http://schemas.microsoft.com/office/drawing/2014/main" val="3501698707"/>
-                    </a:ext>
-                  </a:extLst>
-                </a:gridCol>
-                <a:gridCol w="111780">
-                  <a:extLst>
-                    <a:ext uri="{9D8B030D-6E8A-4147-A177-3AD203B41FA5}">
-                      <a16:colId xmlns:a16="http://schemas.microsoft.com/office/drawing/2014/main" val="2813890663"/>
-                    </a:ext>
-                  </a:extLst>
-                </a:gridCol>
-                <a:gridCol w="1487984">
-                  <a:extLst>
-                    <a:ext uri="{9D8B030D-6E8A-4147-A177-3AD203B41FA5}">
-                      <a16:colId xmlns:a16="http://schemas.microsoft.com/office/drawing/2014/main" val="447971825"/>
-                    </a:ext>
-                  </a:extLst>
-                </a:gridCol>
-              </a:tblGrid>
-              <a:tr h="379387">
-                <a:tc>
-                  <a:txBody>
-                    <a:bodyPr/>
-                    <a:lstStyle/>
-                    <a:p>
-                      <a:pPr algn="ctr">
-                        <a:lnSpc>
-                          <a:spcPct val="106000"/>
-                        </a:lnSpc>
-                        <a:spcAft>
-                          <a:spcPts val="800"/>
-                        </a:spcAft>
-                      </a:pPr>
-                      <a:r>
-                        <a:rPr lang="en-US" sz="700">
-                          <a:effectLst/>
-                        </a:rPr>
-                        <a:t>Критерии</a:t>
-                      </a:r>
-                      <a:endParaRPr lang="bg-BG" sz="700">
-                        <a:effectLst/>
-                        <a:latin typeface="Calibri" panose="020F0502020204030204" pitchFamily="34" charset="0"/>
-                        <a:ea typeface="Calibri" panose="020F0502020204030204" pitchFamily="34" charset="0"/>
-                        <a:cs typeface="Times New Roman" panose="02020603050405020304" pitchFamily="18" charset="0"/>
-                      </a:endParaRPr>
-                    </a:p>
-                  </a:txBody>
-                  <a:tcPr marL="42123" marR="42123" marT="0" marB="0"/>
-                </a:tc>
-                <a:tc gridSpan="2">
-                  <a:txBody>
-                    <a:bodyPr/>
-                    <a:lstStyle/>
-                    <a:p>
-                      <a:pPr>
-                        <a:lnSpc>
-                          <a:spcPct val="106000"/>
-                        </a:lnSpc>
-                        <a:spcAft>
-                          <a:spcPts val="800"/>
-                        </a:spcAft>
-                      </a:pPr>
-                      <a:r>
-                        <a:rPr lang="en-US" sz="700">
-                          <a:effectLst/>
-                        </a:rPr>
-                        <a:t>Monefy – Budget Manager and Expense Tracking App </a:t>
-                      </a:r>
-                      <a:r>
-                        <a:rPr lang="bg-BG" sz="700">
-                          <a:effectLst/>
-                        </a:rPr>
-                        <a:t>на </a:t>
-                      </a:r>
-                      <a:r>
-                        <a:rPr lang="en-US" sz="700">
-                          <a:effectLst/>
-                        </a:rPr>
-                        <a:t>Reflectly</a:t>
-                      </a:r>
-                      <a:endParaRPr lang="bg-BG" sz="700">
-                        <a:effectLst/>
-                        <a:latin typeface="Calibri" panose="020F0502020204030204" pitchFamily="34" charset="0"/>
-                        <a:ea typeface="Calibri" panose="020F0502020204030204" pitchFamily="34" charset="0"/>
-                        <a:cs typeface="Times New Roman" panose="02020603050405020304" pitchFamily="18" charset="0"/>
-                      </a:endParaRPr>
-                    </a:p>
-                  </a:txBody>
-                  <a:tcPr marL="42123" marR="42123" marT="0" marB="0"/>
-                </a:tc>
-                <a:tc hMerge="1">
-                  <a:txBody>
-                    <a:bodyPr/>
-                    <a:lstStyle/>
-                    <a:p>
-                      <a:endParaRPr lang="bg-BG"/>
-                    </a:p>
-                  </a:txBody>
-                  <a:tcPr/>
-                </a:tc>
-                <a:tc>
-                  <a:txBody>
-                    <a:bodyPr/>
-                    <a:lstStyle/>
-                    <a:p>
-                      <a:pPr>
-                        <a:lnSpc>
-                          <a:spcPct val="106000"/>
-                        </a:lnSpc>
-                        <a:spcAft>
-                          <a:spcPts val="800"/>
-                        </a:spcAft>
-                      </a:pPr>
-                      <a:r>
-                        <a:rPr lang="en-US" sz="700">
-                          <a:effectLst/>
-                        </a:rPr>
-                        <a:t>Money Manager Expense &amp; Budget </a:t>
-                      </a:r>
-                      <a:r>
-                        <a:rPr lang="bg-BG" sz="700">
-                          <a:effectLst/>
-                        </a:rPr>
-                        <a:t>на </a:t>
-                      </a:r>
-                      <a:r>
-                        <a:rPr lang="en-US" sz="700">
-                          <a:effectLst/>
-                        </a:rPr>
-                        <a:t>Realbyte Inc.</a:t>
-                      </a:r>
-                      <a:endParaRPr lang="bg-BG" sz="700">
-                        <a:effectLst/>
-                        <a:latin typeface="Calibri" panose="020F0502020204030204" pitchFamily="34" charset="0"/>
-                        <a:ea typeface="Calibri" panose="020F0502020204030204" pitchFamily="34" charset="0"/>
-                        <a:cs typeface="Times New Roman" panose="02020603050405020304" pitchFamily="18" charset="0"/>
-                      </a:endParaRPr>
-                    </a:p>
-                  </a:txBody>
-                  <a:tcPr marL="42123" marR="42123" marT="0" marB="0"/>
-                </a:tc>
-                <a:extLst>
-                  <a:ext uri="{0D108BD9-81ED-4DB2-BD59-A6C34878D82A}">
-                    <a16:rowId xmlns:a16="http://schemas.microsoft.com/office/drawing/2014/main" val="551250015"/>
-                  </a:ext>
-                </a:extLst>
-              </a:tr>
-              <a:tr h="3027809">
-                <a:tc>
-                  <a:txBody>
-                    <a:bodyPr/>
-                    <a:lstStyle/>
-                    <a:p>
-                      <a:pPr algn="ctr">
-                        <a:lnSpc>
-                          <a:spcPct val="106000"/>
-                        </a:lnSpc>
-                        <a:spcBef>
-                          <a:spcPts val="1200"/>
-                        </a:spcBef>
-                        <a:spcAft>
-                          <a:spcPts val="800"/>
-                        </a:spcAft>
-                      </a:pPr>
-                      <a:r>
-                        <a:rPr lang="en-US" sz="700" dirty="0" err="1">
-                          <a:effectLst/>
-                        </a:rPr>
-                        <a:t>Информация</a:t>
-                      </a:r>
-                      <a:r>
-                        <a:rPr lang="en-US" sz="700" dirty="0">
-                          <a:effectLst/>
-                        </a:rPr>
-                        <a:t> </a:t>
-                      </a:r>
-                      <a:r>
-                        <a:rPr lang="en-US" sz="700" dirty="0" err="1">
-                          <a:effectLst/>
-                        </a:rPr>
-                        <a:t>за</a:t>
-                      </a:r>
-                      <a:r>
-                        <a:rPr lang="en-US" sz="700" dirty="0">
-                          <a:effectLst/>
-                        </a:rPr>
-                        <a:t> </a:t>
-                      </a:r>
-                      <a:r>
-                        <a:rPr lang="en-US" sz="700" dirty="0" err="1">
-                          <a:effectLst/>
-                        </a:rPr>
-                        <a:t>състоянието</a:t>
-                      </a:r>
-                      <a:r>
-                        <a:rPr lang="en-US" sz="700" dirty="0">
-                          <a:effectLst/>
-                        </a:rPr>
-                        <a:t> </a:t>
-                      </a:r>
-                      <a:r>
-                        <a:rPr lang="en-US" sz="700" dirty="0" err="1">
-                          <a:effectLst/>
-                        </a:rPr>
-                        <a:t>на</a:t>
-                      </a:r>
-                      <a:r>
-                        <a:rPr lang="en-US" sz="700" dirty="0">
-                          <a:effectLst/>
-                        </a:rPr>
-                        <a:t> </a:t>
-                      </a:r>
-                      <a:r>
-                        <a:rPr lang="en-US" sz="700" dirty="0" err="1">
-                          <a:effectLst/>
-                        </a:rPr>
-                        <a:t>системата</a:t>
-                      </a:r>
-                      <a:endParaRPr lang="bg-BG" sz="700" dirty="0">
-                        <a:effectLst/>
-                        <a:latin typeface="Calibri" panose="020F0502020204030204" pitchFamily="34" charset="0"/>
-                        <a:ea typeface="Calibri" panose="020F0502020204030204" pitchFamily="34" charset="0"/>
-                        <a:cs typeface="Times New Roman" panose="02020603050405020304" pitchFamily="18" charset="0"/>
-                      </a:endParaRPr>
-                    </a:p>
-                  </a:txBody>
-                  <a:tcPr marL="42123" marR="42123" marT="0" marB="0"/>
-                </a:tc>
-                <a:tc>
-                  <a:txBody>
-                    <a:bodyPr/>
-                    <a:lstStyle/>
-                    <a:p>
-                      <a:pPr>
-                        <a:lnSpc>
-                          <a:spcPct val="106000"/>
-                        </a:lnSpc>
-                        <a:spcBef>
-                          <a:spcPts val="1200"/>
-                        </a:spcBef>
-                        <a:spcAft>
-                          <a:spcPts val="800"/>
-                        </a:spcAft>
-                      </a:pPr>
-                      <a:r>
-                        <a:rPr lang="bg-BG" sz="700" dirty="0">
-                          <a:effectLst/>
-                        </a:rPr>
-                        <a:t>Системата предоставя семпъл и ефективен интерфейс с добре групирани елементи, който позволява интуитивна работа с нея дори за потребители, които използват подобно приложение за пръв път</a:t>
-                      </a:r>
-                      <a:r>
-                        <a:rPr lang="en-US" sz="700" dirty="0">
-                          <a:effectLst/>
-                        </a:rPr>
-                        <a:t>. </a:t>
-                      </a:r>
-                      <a:r>
-                        <a:rPr lang="bg-BG" sz="700" dirty="0">
-                          <a:effectLst/>
-                        </a:rPr>
-                        <a:t>Основна функционалност е добавянето на записи за разходи и приходи и категоризирането им. Предоставя лесен начин за справки за период от време. Функционалности като синхронизания между множество устройства, задаване на валути, както и козметични промени като </a:t>
-                      </a:r>
-                      <a:r>
-                        <a:rPr lang="en-US" sz="700" dirty="0">
-                          <a:effectLst/>
-                        </a:rPr>
-                        <a:t>Dark mode</a:t>
-                      </a:r>
-                      <a:r>
-                        <a:rPr lang="bg-BG" sz="700" dirty="0">
-                          <a:effectLst/>
-                        </a:rPr>
-                        <a:t> не са включени в безплатната версия. Има функция за експорт на записите в избран формат</a:t>
-                      </a:r>
-                      <a:endParaRPr lang="bg-BG" sz="700" dirty="0">
-                        <a:effectLst/>
-                        <a:latin typeface="Calibri" panose="020F0502020204030204" pitchFamily="34" charset="0"/>
-                        <a:ea typeface="Calibri" panose="020F0502020204030204" pitchFamily="34" charset="0"/>
-                        <a:cs typeface="Times New Roman" panose="02020603050405020304" pitchFamily="18" charset="0"/>
-                      </a:endParaRPr>
-                    </a:p>
-                  </a:txBody>
-                  <a:tcPr marL="42123" marR="42123" marT="0" marB="0"/>
-                </a:tc>
-                <a:tc gridSpan="2">
-                  <a:txBody>
-                    <a:bodyPr/>
-                    <a:lstStyle/>
-                    <a:p>
-                      <a:pPr>
-                        <a:lnSpc>
-                          <a:spcPct val="106000"/>
-                        </a:lnSpc>
-                        <a:spcBef>
-                          <a:spcPts val="1200"/>
-                        </a:spcBef>
-                        <a:spcAft>
-                          <a:spcPts val="800"/>
-                        </a:spcAft>
-                      </a:pPr>
-                      <a:r>
-                        <a:rPr lang="bg-BG" sz="700" dirty="0">
-                          <a:effectLst/>
-                        </a:rPr>
-                        <a:t>Системата предоставя възможност за отчитане на приходи и разходи по категории, както и за прехвърляне на средства от една сметка в друга. Записите могат да се представят графично за избран период от време. Всички функционалности са включени в безплатната версия, като платената единствено премахва рекламите. Освен начини за експорт на записите в избран формат, системата позволява изпращане по имейл, като автоматично прикачва </a:t>
-                      </a:r>
-                      <a:r>
-                        <a:rPr lang="en-US" sz="700" dirty="0">
-                          <a:effectLst/>
-                        </a:rPr>
-                        <a:t>.</a:t>
-                      </a:r>
-                      <a:r>
-                        <a:rPr lang="en-US" sz="700" dirty="0" err="1">
-                          <a:effectLst/>
-                        </a:rPr>
-                        <a:t>sqlite</a:t>
-                      </a:r>
-                      <a:r>
-                        <a:rPr lang="bg-BG" sz="700" dirty="0">
-                          <a:effectLst/>
-                        </a:rPr>
-                        <a:t> файл, който може да бъде </a:t>
-                      </a:r>
-                      <a:r>
-                        <a:rPr lang="en-US" sz="700" dirty="0">
-                          <a:effectLst/>
-                        </a:rPr>
-                        <a:t>restore-</a:t>
-                      </a:r>
-                      <a:r>
-                        <a:rPr lang="bg-BG" sz="700" dirty="0">
-                          <a:effectLst/>
-                        </a:rPr>
-                        <a:t>нат на друго устройство. Друг начин за </a:t>
-                      </a:r>
-                      <a:r>
-                        <a:rPr lang="en-US" sz="700" dirty="0">
-                          <a:effectLst/>
-                        </a:rPr>
-                        <a:t>backup</a:t>
-                      </a:r>
-                      <a:r>
-                        <a:rPr lang="bg-BG" sz="700" dirty="0">
-                          <a:effectLst/>
-                        </a:rPr>
-                        <a:t> е синхронизиране с </a:t>
-                      </a:r>
-                      <a:r>
-                        <a:rPr lang="en-US" sz="700" dirty="0">
-                          <a:effectLst/>
-                        </a:rPr>
-                        <a:t>Google Drive </a:t>
-                      </a:r>
-                      <a:r>
-                        <a:rPr lang="bg-BG" sz="700" dirty="0">
-                          <a:effectLst/>
-                        </a:rPr>
-                        <a:t>с възможност за </a:t>
-                      </a:r>
-                      <a:r>
-                        <a:rPr lang="en-US" sz="700" dirty="0">
-                          <a:effectLst/>
-                        </a:rPr>
-                        <a:t>restore</a:t>
-                      </a:r>
-                      <a:r>
-                        <a:rPr lang="bg-BG" sz="700" dirty="0">
-                          <a:effectLst/>
-                        </a:rPr>
-                        <a:t> от същия</a:t>
-                      </a:r>
-                      <a:endParaRPr lang="bg-BG" sz="700" dirty="0">
-                        <a:effectLst/>
-                        <a:latin typeface="Calibri" panose="020F0502020204030204" pitchFamily="34" charset="0"/>
-                        <a:ea typeface="Calibri" panose="020F0502020204030204" pitchFamily="34" charset="0"/>
-                        <a:cs typeface="Times New Roman" panose="02020603050405020304" pitchFamily="18" charset="0"/>
-                      </a:endParaRPr>
-                    </a:p>
-                  </a:txBody>
-                  <a:tcPr marL="42123" marR="42123" marT="0" marB="0"/>
-                </a:tc>
-                <a:tc hMerge="1">
-                  <a:txBody>
-                    <a:bodyPr/>
-                    <a:lstStyle/>
-                    <a:p>
-                      <a:endParaRPr lang="bg-BG"/>
-                    </a:p>
-                  </a:txBody>
-                  <a:tcPr/>
-                </a:tc>
-                <a:extLst>
-                  <a:ext uri="{0D108BD9-81ED-4DB2-BD59-A6C34878D82A}">
-                    <a16:rowId xmlns:a16="http://schemas.microsoft.com/office/drawing/2014/main" val="983714848"/>
-                  </a:ext>
-                </a:extLst>
-              </a:tr>
-              <a:tr h="2434315">
-                <a:tc>
-                  <a:txBody>
-                    <a:bodyPr/>
-                    <a:lstStyle/>
-                    <a:p>
-                      <a:pPr algn="ctr">
-                        <a:lnSpc>
-                          <a:spcPct val="106000"/>
-                        </a:lnSpc>
-                        <a:spcBef>
-                          <a:spcPts val="1200"/>
-                        </a:spcBef>
-                        <a:spcAft>
-                          <a:spcPts val="800"/>
-                        </a:spcAft>
-                      </a:pPr>
-                      <a:r>
-                        <a:rPr lang="en-US" sz="700" dirty="0" err="1">
-                          <a:effectLst/>
-                        </a:rPr>
-                        <a:t>Съвпадение</a:t>
-                      </a:r>
-                      <a:r>
-                        <a:rPr lang="en-US" sz="700" dirty="0">
-                          <a:effectLst/>
-                        </a:rPr>
-                        <a:t> </a:t>
-                      </a:r>
-                      <a:r>
-                        <a:rPr lang="en-US" sz="700" dirty="0" err="1">
-                          <a:effectLst/>
-                        </a:rPr>
-                        <a:t>на</a:t>
-                      </a:r>
-                      <a:r>
-                        <a:rPr lang="en-US" sz="700" dirty="0">
-                          <a:effectLst/>
-                        </a:rPr>
-                        <a:t> </a:t>
-                      </a:r>
-                      <a:r>
-                        <a:rPr lang="en-US" sz="700" dirty="0" err="1">
-                          <a:effectLst/>
-                        </a:rPr>
-                        <a:t>нуждите</a:t>
-                      </a:r>
-                      <a:r>
-                        <a:rPr lang="en-US" sz="700" dirty="0">
-                          <a:effectLst/>
-                        </a:rPr>
-                        <a:t> </a:t>
-                      </a:r>
-                      <a:r>
-                        <a:rPr lang="en-US" sz="700" dirty="0" err="1">
-                          <a:effectLst/>
-                        </a:rPr>
-                        <a:t>на</a:t>
-                      </a:r>
-                      <a:r>
-                        <a:rPr lang="en-US" sz="700" dirty="0">
-                          <a:effectLst/>
-                        </a:rPr>
-                        <a:t> </a:t>
-                      </a:r>
-                      <a:r>
-                        <a:rPr lang="en-US" sz="700" dirty="0" err="1">
-                          <a:effectLst/>
-                        </a:rPr>
-                        <a:t>реалния</a:t>
-                      </a:r>
-                      <a:r>
-                        <a:rPr lang="en-US" sz="700" dirty="0">
-                          <a:effectLst/>
-                        </a:rPr>
-                        <a:t> </a:t>
-                      </a:r>
-                      <a:r>
-                        <a:rPr lang="en-US" sz="700" dirty="0" err="1">
-                          <a:effectLst/>
-                        </a:rPr>
-                        <a:t>свят</a:t>
-                      </a:r>
-                      <a:r>
-                        <a:rPr lang="en-US" sz="700" dirty="0">
-                          <a:effectLst/>
-                        </a:rPr>
-                        <a:t> с </a:t>
-                      </a:r>
-                      <a:r>
-                        <a:rPr lang="en-US" sz="700" dirty="0" err="1">
-                          <a:effectLst/>
-                        </a:rPr>
-                        <a:t>предоставяните</a:t>
-                      </a:r>
-                      <a:r>
-                        <a:rPr lang="en-US" sz="700" dirty="0">
-                          <a:effectLst/>
-                        </a:rPr>
-                        <a:t> </a:t>
-                      </a:r>
-                      <a:r>
-                        <a:rPr lang="en-US" sz="700" dirty="0" err="1">
-                          <a:effectLst/>
-                        </a:rPr>
-                        <a:t>от</a:t>
-                      </a:r>
-                      <a:r>
-                        <a:rPr lang="en-US" sz="700" dirty="0">
-                          <a:effectLst/>
-                        </a:rPr>
-                        <a:t> </a:t>
-                      </a:r>
-                      <a:r>
-                        <a:rPr lang="en-US" sz="700" dirty="0" err="1">
-                          <a:effectLst/>
-                        </a:rPr>
-                        <a:t>приложението</a:t>
-                      </a:r>
-                      <a:endParaRPr lang="bg-BG" sz="700" dirty="0">
-                        <a:effectLst/>
-                        <a:latin typeface="Calibri" panose="020F0502020204030204" pitchFamily="34" charset="0"/>
-                        <a:ea typeface="Calibri" panose="020F0502020204030204" pitchFamily="34" charset="0"/>
-                        <a:cs typeface="Times New Roman" panose="02020603050405020304" pitchFamily="18" charset="0"/>
-                      </a:endParaRPr>
-                    </a:p>
-                  </a:txBody>
-                  <a:tcPr marL="42123" marR="42123" marT="0" marB="0"/>
-                </a:tc>
-                <a:tc gridSpan="2">
-                  <a:txBody>
-                    <a:bodyPr/>
-                    <a:lstStyle/>
-                    <a:p>
-                      <a:pPr>
-                        <a:lnSpc>
-                          <a:spcPct val="106000"/>
-                        </a:lnSpc>
-                        <a:spcBef>
-                          <a:spcPts val="1200"/>
-                        </a:spcBef>
-                        <a:spcAft>
-                          <a:spcPts val="800"/>
-                        </a:spcAft>
-                      </a:pPr>
-                      <a:r>
-                        <a:rPr lang="bg-BG" sz="750" b="0" dirty="0">
-                          <a:effectLst/>
-                        </a:rPr>
-                        <a:t>Системата предоставя основни функционалности като избиране на вида на разходите и приходите, но лиспват подвидове, напр. има разходи за автомобил, но няма начин потребителят да конкретизира точно за какво е разхода – За ремонт? Гориво? И т.н. Има начин за добавяне на нови категории, но в платената версия, и дори това не решава проблема с липсата на йерархия (подкатегории). Липсата на избор на валути може да отблъсне потребители, които имат сметки в различни валути.</a:t>
-                      </a:r>
-                      <a:endParaRPr lang="bg-BG" sz="750" b="0" dirty="0">
-                        <a:effectLst/>
-                        <a:latin typeface="Calibri" panose="020F0502020204030204" pitchFamily="34" charset="0"/>
-                        <a:ea typeface="Calibri" panose="020F0502020204030204" pitchFamily="34" charset="0"/>
-                        <a:cs typeface="Times New Roman" panose="02020603050405020304" pitchFamily="18" charset="0"/>
-                      </a:endParaRPr>
-                    </a:p>
-                  </a:txBody>
-                  <a:tcPr marL="42123" marR="42123" marT="0" marB="0"/>
-                </a:tc>
-                <a:tc hMerge="1">
-                  <a:txBody>
-                    <a:bodyPr/>
-                    <a:lstStyle/>
-                    <a:p>
-                      <a:endParaRPr lang="bg-BG"/>
-                    </a:p>
-                  </a:txBody>
-                  <a:tcPr/>
-                </a:tc>
-                <a:tc>
-                  <a:txBody>
-                    <a:bodyPr/>
-                    <a:lstStyle/>
-                    <a:p>
-                      <a:pPr>
-                        <a:lnSpc>
-                          <a:spcPct val="106000"/>
-                        </a:lnSpc>
-                        <a:spcBef>
-                          <a:spcPts val="1200"/>
-                        </a:spcBef>
-                        <a:spcAft>
-                          <a:spcPts val="800"/>
-                        </a:spcAft>
-                      </a:pPr>
-                      <a:r>
-                        <a:rPr lang="bg-BG" sz="800" dirty="0">
-                          <a:effectLst/>
-                        </a:rPr>
-                        <a:t>Приложението предоставя повечето функционалности, с които да покрие потребителските нужди, но липсват подкатегории на категориите приходи и разходи. Функционалността за добавяне на нови категории е полезна, но не заменя нуждата от йерархична структура.</a:t>
-                      </a:r>
-                      <a:endParaRPr lang="bg-BG" sz="800" dirty="0">
-                        <a:effectLst/>
-                        <a:latin typeface="Calibri" panose="020F0502020204030204" pitchFamily="34" charset="0"/>
-                        <a:ea typeface="Calibri" panose="020F0502020204030204" pitchFamily="34" charset="0"/>
-                        <a:cs typeface="Times New Roman" panose="02020603050405020304" pitchFamily="18" charset="0"/>
-                      </a:endParaRPr>
-                    </a:p>
-                  </a:txBody>
-                  <a:tcPr marL="42123" marR="42123" marT="0" marB="0"/>
-                </a:tc>
-                <a:extLst>
-                  <a:ext uri="{0D108BD9-81ED-4DB2-BD59-A6C34878D82A}">
-                    <a16:rowId xmlns:a16="http://schemas.microsoft.com/office/drawing/2014/main" val="2827030967"/>
-                  </a:ext>
-                </a:extLst>
-              </a:tr>
-            </a:tbl>
-          </a:graphicData>
-        </a:graphic>
-      </p:graphicFrame>
-      <p:graphicFrame>
-        <p:nvGraphicFramePr>
-          <p:cNvPr id="18" name="Table 17">
-            <a:extLst>
-              <a:ext uri="{FF2B5EF4-FFF2-40B4-BE49-F238E27FC236}">
-                <a16:creationId xmlns:a16="http://schemas.microsoft.com/office/drawing/2014/main" id="{EB75CF33-3188-4F37-8185-6E39E617C1AB}"/>
-              </a:ext>
-            </a:extLst>
-          </p:cNvPr>
-          <p:cNvGraphicFramePr>
-            <a:graphicFrameLocks noGrp="1"/>
-          </p:cNvGraphicFramePr>
-          <p:nvPr>
-            <p:extLst>
-              <p:ext uri="{D42A27DB-BD31-4B8C-83A1-F6EECF244321}">
-                <p14:modId xmlns:p14="http://schemas.microsoft.com/office/powerpoint/2010/main" val="3413634638"/>
-              </p:ext>
-            </p:extLst>
-          </p:nvPr>
-        </p:nvGraphicFramePr>
-        <p:xfrm>
-          <a:off x="3989442" y="1016488"/>
-          <a:ext cx="3689741" cy="5860182"/>
-        </p:xfrm>
-        <a:graphic>
-          <a:graphicData uri="http://schemas.openxmlformats.org/drawingml/2006/table">
-            <a:tbl>
-              <a:tblPr firstRow="1" firstCol="1" bandRow="1">
-                <a:tableStyleId>{5C22544A-7EE6-4342-B048-85BDC9FD1C3A}</a:tableStyleId>
-              </a:tblPr>
-              <a:tblGrid>
-                <a:gridCol w="810923">
-                  <a:extLst>
-                    <a:ext uri="{9D8B030D-6E8A-4147-A177-3AD203B41FA5}">
-                      <a16:colId xmlns:a16="http://schemas.microsoft.com/office/drawing/2014/main" val="3639734042"/>
-                    </a:ext>
-                  </a:extLst>
-                </a:gridCol>
-                <a:gridCol w="1457858">
-                  <a:extLst>
-                    <a:ext uri="{9D8B030D-6E8A-4147-A177-3AD203B41FA5}">
-                      <a16:colId xmlns:a16="http://schemas.microsoft.com/office/drawing/2014/main" val="2240796854"/>
-                    </a:ext>
-                  </a:extLst>
-                </a:gridCol>
-                <a:gridCol w="1420960">
-                  <a:extLst>
-                    <a:ext uri="{9D8B030D-6E8A-4147-A177-3AD203B41FA5}">
-                      <a16:colId xmlns:a16="http://schemas.microsoft.com/office/drawing/2014/main" val="2324055718"/>
-                    </a:ext>
-                  </a:extLst>
-                </a:gridCol>
-              </a:tblGrid>
-              <a:tr h="1777558">
-                <a:tc>
-                  <a:txBody>
-                    <a:bodyPr/>
-                    <a:lstStyle/>
-                    <a:p>
-                      <a:pPr algn="just">
-                        <a:lnSpc>
-                          <a:spcPct val="107000"/>
-                        </a:lnSpc>
-                        <a:spcBef>
-                          <a:spcPts val="1200"/>
-                        </a:spcBef>
-                        <a:spcAft>
-                          <a:spcPts val="800"/>
-                        </a:spcAft>
-                      </a:pPr>
-                      <a:r>
-                        <a:rPr lang="en-US" sz="700">
-                          <a:effectLst/>
-                        </a:rPr>
-                        <a:t>Потребителски контрол и свобода на действията</a:t>
-                      </a:r>
-                      <a:endParaRPr lang="bg-BG" sz="700">
-                        <a:effectLst/>
-                        <a:latin typeface="Calibri" panose="020F0502020204030204" pitchFamily="34" charset="0"/>
-                        <a:ea typeface="Calibri" panose="020F0502020204030204" pitchFamily="34" charset="0"/>
-                        <a:cs typeface="Times New Roman" panose="02020603050405020304" pitchFamily="18" charset="0"/>
-                      </a:endParaRPr>
-                    </a:p>
-                  </a:txBody>
-                  <a:tcPr marL="28145" marR="28145" marT="0" marB="0"/>
-                </a:tc>
-                <a:tc>
-                  <a:txBody>
-                    <a:bodyPr/>
-                    <a:lstStyle/>
-                    <a:p>
-                      <a:pPr algn="just">
-                        <a:lnSpc>
-                          <a:spcPct val="107000"/>
-                        </a:lnSpc>
-                        <a:spcBef>
-                          <a:spcPts val="1200"/>
-                        </a:spcBef>
-                        <a:spcAft>
-                          <a:spcPts val="800"/>
-                        </a:spcAft>
-                      </a:pPr>
-                      <a:r>
-                        <a:rPr lang="bg-BG" sz="700" dirty="0">
-                          <a:effectLst/>
-                        </a:rPr>
-                        <a:t>Потребителите имат свободата да избират категория на разходите/приходите, да избират интервал от време за справки, но въпреки че системата предоставя меню с около 20 опции, повечето от тях (за синхронизация, </a:t>
-                      </a:r>
-                      <a:r>
-                        <a:rPr lang="en-US" sz="700" dirty="0">
-                          <a:effectLst/>
-                        </a:rPr>
-                        <a:t>backup</a:t>
-                      </a:r>
-                      <a:r>
-                        <a:rPr lang="bg-BG" sz="700" dirty="0">
-                          <a:effectLst/>
-                        </a:rPr>
-                        <a:t>, избиране на валута, опции за по-голяма сигурност) остават заключени в безплатната версия</a:t>
-                      </a:r>
-                      <a:endParaRPr lang="bg-BG" sz="700" dirty="0">
-                        <a:effectLst/>
-                        <a:latin typeface="Calibri" panose="020F0502020204030204" pitchFamily="34" charset="0"/>
-                        <a:ea typeface="Calibri" panose="020F0502020204030204" pitchFamily="34" charset="0"/>
-                        <a:cs typeface="Times New Roman" panose="02020603050405020304" pitchFamily="18" charset="0"/>
-                      </a:endParaRPr>
-                    </a:p>
-                  </a:txBody>
-                  <a:tcPr marL="28145" marR="28145" marT="0" marB="0"/>
-                </a:tc>
-                <a:tc>
-                  <a:txBody>
-                    <a:bodyPr/>
-                    <a:lstStyle/>
-                    <a:p>
-                      <a:pPr algn="just">
-                        <a:lnSpc>
-                          <a:spcPct val="107000"/>
-                        </a:lnSpc>
-                        <a:spcBef>
-                          <a:spcPts val="1200"/>
-                        </a:spcBef>
-                        <a:spcAft>
-                          <a:spcPts val="800"/>
-                        </a:spcAft>
-                      </a:pPr>
-                      <a:r>
-                        <a:rPr lang="bg-BG" sz="700" dirty="0">
-                          <a:effectLst/>
-                        </a:rPr>
-                        <a:t>Потребителите имат свободата да избират категория на разходите/приходите, да избират интервал от време за справки, да избират цветова гама на интерфейса на приложението. Има налични всички валути и за всяка сметка те могат да се променят. </a:t>
-                      </a:r>
-                      <a:endParaRPr lang="bg-BG" sz="700" dirty="0">
-                        <a:effectLst/>
-                        <a:latin typeface="Calibri" panose="020F0502020204030204" pitchFamily="34" charset="0"/>
-                        <a:ea typeface="Calibri" panose="020F0502020204030204" pitchFamily="34" charset="0"/>
-                        <a:cs typeface="Times New Roman" panose="02020603050405020304" pitchFamily="18" charset="0"/>
-                      </a:endParaRPr>
-                    </a:p>
-                  </a:txBody>
-                  <a:tcPr marL="28145" marR="28145" marT="0" marB="0"/>
-                </a:tc>
-                <a:extLst>
-                  <a:ext uri="{0D108BD9-81ED-4DB2-BD59-A6C34878D82A}">
-                    <a16:rowId xmlns:a16="http://schemas.microsoft.com/office/drawing/2014/main" val="1823980651"/>
-                  </a:ext>
-                </a:extLst>
-              </a:tr>
-              <a:tr h="3109847">
-                <a:tc>
-                  <a:txBody>
-                    <a:bodyPr/>
-                    <a:lstStyle/>
-                    <a:p>
-                      <a:pPr algn="just">
-                        <a:lnSpc>
-                          <a:spcPct val="107000"/>
-                        </a:lnSpc>
-                        <a:spcBef>
-                          <a:spcPts val="1200"/>
-                        </a:spcBef>
-                        <a:spcAft>
-                          <a:spcPts val="800"/>
-                        </a:spcAft>
-                      </a:pPr>
-                      <a:r>
-                        <a:rPr lang="en-US" sz="600">
-                          <a:effectLst/>
-                        </a:rPr>
-                        <a:t>Консистентно представяне на информацията и стандарти</a:t>
-                      </a:r>
-                      <a:endParaRPr lang="bg-BG" sz="500">
-                        <a:effectLst/>
-                        <a:latin typeface="Calibri" panose="020F0502020204030204" pitchFamily="34" charset="0"/>
-                        <a:ea typeface="Calibri" panose="020F0502020204030204" pitchFamily="34" charset="0"/>
-                        <a:cs typeface="Times New Roman" panose="02020603050405020304" pitchFamily="18" charset="0"/>
-                      </a:endParaRPr>
-                    </a:p>
-                  </a:txBody>
-                  <a:tcPr marL="28145" marR="28145" marT="0" marB="0"/>
-                </a:tc>
-                <a:tc>
-                  <a:txBody>
-                    <a:bodyPr/>
-                    <a:lstStyle/>
-                    <a:p>
-                      <a:pPr algn="l">
-                        <a:lnSpc>
-                          <a:spcPct val="107000"/>
-                        </a:lnSpc>
-                        <a:spcBef>
-                          <a:spcPts val="1200"/>
-                        </a:spcBef>
-                        <a:spcAft>
-                          <a:spcPts val="800"/>
-                        </a:spcAft>
-                      </a:pPr>
-                      <a:r>
-                        <a:rPr lang="bg-BG" sz="1000" dirty="0">
-                          <a:effectLst/>
-                        </a:rPr>
-                        <a:t>Информацията е нагледно представена в основния, начален екран на приложението. Разходите и приходите са представени графично в кръгова диаграма с празен център с текст в него, която не е идеалният вариант за целта и би било добре да има поне опция за представяне с друг вид диаграма</a:t>
-                      </a:r>
-                      <a:endParaRPr lang="bg-BG" sz="1000" dirty="0">
-                        <a:effectLst/>
-                        <a:latin typeface="Calibri" panose="020F0502020204030204" pitchFamily="34" charset="0"/>
-                        <a:ea typeface="Calibri" panose="020F0502020204030204" pitchFamily="34" charset="0"/>
-                        <a:cs typeface="Times New Roman" panose="02020603050405020304" pitchFamily="18" charset="0"/>
-                      </a:endParaRPr>
-                    </a:p>
-                  </a:txBody>
-                  <a:tcPr marL="28145" marR="28145" marT="0" marB="0"/>
-                </a:tc>
-                <a:tc>
-                  <a:txBody>
-                    <a:bodyPr/>
-                    <a:lstStyle/>
-                    <a:p>
-                      <a:pPr algn="just">
-                        <a:lnSpc>
-                          <a:spcPct val="107000"/>
-                        </a:lnSpc>
-                        <a:spcBef>
-                          <a:spcPts val="1200"/>
-                        </a:spcBef>
-                        <a:spcAft>
-                          <a:spcPts val="800"/>
-                        </a:spcAft>
-                      </a:pPr>
-                      <a:r>
-                        <a:rPr lang="bg-BG" sz="700" dirty="0">
-                          <a:effectLst/>
-                        </a:rPr>
-                        <a:t>Името на таба в </a:t>
-                      </a:r>
-                      <a:r>
-                        <a:rPr lang="en-US" sz="700" dirty="0">
-                          <a:effectLst/>
-                        </a:rPr>
-                        <a:t>navigation bar </a:t>
-                      </a:r>
-                      <a:r>
-                        <a:rPr lang="bg-BG" sz="700" dirty="0">
-                          <a:effectLst/>
-                        </a:rPr>
-                        <a:t>за преглед на списъка и добавяне на нов приход/разход е </a:t>
-                      </a:r>
-                      <a:r>
-                        <a:rPr lang="en-US" sz="700" dirty="0">
-                          <a:effectLst/>
-                        </a:rPr>
-                        <a:t>Transactions,</a:t>
-                      </a:r>
-                      <a:r>
-                        <a:rPr lang="bg-BG" sz="700" dirty="0">
-                          <a:effectLst/>
-                        </a:rPr>
-                        <a:t> но тъй като е дълга дума е съкратено на „</a:t>
-                      </a:r>
-                      <a:r>
-                        <a:rPr lang="en-US" sz="700" dirty="0">
-                          <a:effectLst/>
-                        </a:rPr>
-                        <a:t>Trans.”,</a:t>
-                      </a:r>
-                      <a:r>
-                        <a:rPr lang="bg-BG" sz="700" dirty="0">
-                          <a:effectLst/>
-                        </a:rPr>
-                        <a:t> което не е удачно за толкова ключов елемент от интерфейса.</a:t>
-                      </a:r>
-                    </a:p>
-                    <a:p>
-                      <a:pPr algn="just">
-                        <a:lnSpc>
-                          <a:spcPct val="107000"/>
-                        </a:lnSpc>
-                        <a:spcBef>
-                          <a:spcPts val="1200"/>
-                        </a:spcBef>
-                        <a:spcAft>
-                          <a:spcPts val="800"/>
-                        </a:spcAft>
-                      </a:pPr>
-                      <a:r>
-                        <a:rPr lang="bg-BG" sz="700" dirty="0">
-                          <a:effectLst/>
-                        </a:rPr>
-                        <a:t>Записите на същия основен екран са представени в списък, но както в него, така и на други места в приложението текстът на места е труден за четене, в сив вместо черен цвят, с малък размер и шрифт, който в тази ситуация прави текста още по-труден за четене</a:t>
-                      </a:r>
-                    </a:p>
-                    <a:p>
-                      <a:pPr algn="just">
-                        <a:lnSpc>
-                          <a:spcPct val="107000"/>
-                        </a:lnSpc>
-                        <a:spcBef>
-                          <a:spcPts val="1200"/>
-                        </a:spcBef>
-                        <a:spcAft>
-                          <a:spcPts val="800"/>
-                        </a:spcAft>
-                      </a:pPr>
-                      <a:r>
-                        <a:rPr lang="bg-BG" sz="700" dirty="0">
-                          <a:effectLst/>
-                        </a:rPr>
-                        <a:t>Графично представените справки са под формата на кръгова диаграма с добре обозначено това кой цвят какво преставлява</a:t>
-                      </a:r>
-                      <a:endParaRPr lang="bg-BG" sz="700" dirty="0">
-                        <a:effectLst/>
-                        <a:latin typeface="Calibri" panose="020F0502020204030204" pitchFamily="34" charset="0"/>
-                        <a:ea typeface="Calibri" panose="020F0502020204030204" pitchFamily="34" charset="0"/>
-                        <a:cs typeface="Times New Roman" panose="02020603050405020304" pitchFamily="18" charset="0"/>
-                      </a:endParaRPr>
-                    </a:p>
-                  </a:txBody>
-                  <a:tcPr marL="28145" marR="28145" marT="0" marB="0"/>
-                </a:tc>
-                <a:extLst>
-                  <a:ext uri="{0D108BD9-81ED-4DB2-BD59-A6C34878D82A}">
-                    <a16:rowId xmlns:a16="http://schemas.microsoft.com/office/drawing/2014/main" val="2381535481"/>
-                  </a:ext>
-                </a:extLst>
-              </a:tr>
-              <a:tr h="954106">
-                <a:tc>
-                  <a:txBody>
-                    <a:bodyPr/>
-                    <a:lstStyle/>
-                    <a:p>
-                      <a:pPr algn="just">
-                        <a:lnSpc>
-                          <a:spcPct val="107000"/>
-                        </a:lnSpc>
-                        <a:spcBef>
-                          <a:spcPts val="1200"/>
-                        </a:spcBef>
-                        <a:spcAft>
-                          <a:spcPts val="800"/>
-                        </a:spcAft>
-                      </a:pPr>
-                      <a:r>
-                        <a:rPr lang="en-US" sz="600">
-                          <a:effectLst/>
-                        </a:rPr>
-                        <a:t>Предотвратяване на грешки и тяхното прихващане</a:t>
-                      </a:r>
-                      <a:endParaRPr lang="bg-BG" sz="500">
-                        <a:effectLst/>
-                        <a:latin typeface="Calibri" panose="020F0502020204030204" pitchFamily="34" charset="0"/>
-                        <a:ea typeface="Calibri" panose="020F0502020204030204" pitchFamily="34" charset="0"/>
-                        <a:cs typeface="Times New Roman" panose="02020603050405020304" pitchFamily="18" charset="0"/>
-                      </a:endParaRPr>
-                    </a:p>
-                  </a:txBody>
-                  <a:tcPr marL="28145" marR="28145" marT="0" marB="0"/>
-                </a:tc>
-                <a:tc>
-                  <a:txBody>
-                    <a:bodyPr/>
-                    <a:lstStyle/>
-                    <a:p>
-                      <a:pPr algn="just">
-                        <a:lnSpc>
-                          <a:spcPct val="107000"/>
-                        </a:lnSpc>
-                        <a:spcBef>
-                          <a:spcPts val="1200"/>
-                        </a:spcBef>
-                        <a:spcAft>
-                          <a:spcPts val="800"/>
-                        </a:spcAft>
-                      </a:pPr>
-                      <a:r>
-                        <a:rPr lang="bg-BG" sz="700" dirty="0">
-                          <a:effectLst/>
-                        </a:rPr>
-                        <a:t>Системата не позволява добавяне на записи без минимална въведена информация (в случая сумата на прихода/разхода – категорията му се избира предварително)</a:t>
-                      </a:r>
-                      <a:endParaRPr lang="bg-BG" sz="700" dirty="0">
-                        <a:effectLst/>
-                        <a:latin typeface="Calibri" panose="020F0502020204030204" pitchFamily="34" charset="0"/>
-                        <a:ea typeface="Calibri" panose="020F0502020204030204" pitchFamily="34" charset="0"/>
-                        <a:cs typeface="Times New Roman" panose="02020603050405020304" pitchFamily="18" charset="0"/>
-                      </a:endParaRPr>
-                    </a:p>
-                  </a:txBody>
-                  <a:tcPr marL="28145" marR="28145" marT="0" marB="0"/>
-                </a:tc>
-                <a:tc>
-                  <a:txBody>
-                    <a:bodyPr/>
-                    <a:lstStyle/>
-                    <a:p>
-                      <a:pPr algn="just">
-                        <a:lnSpc>
-                          <a:spcPct val="107000"/>
-                        </a:lnSpc>
-                        <a:spcBef>
-                          <a:spcPts val="1200"/>
-                        </a:spcBef>
-                        <a:spcAft>
-                          <a:spcPts val="800"/>
-                        </a:spcAft>
-                      </a:pPr>
-                      <a:r>
-                        <a:rPr lang="bg-BG" sz="700" dirty="0">
-                          <a:effectLst/>
-                        </a:rPr>
-                        <a:t>Системата не позволява добавяне на записи без минимална въведена информация (в случая сумата на прихода/разхода, категорията и разхода)</a:t>
-                      </a:r>
-                      <a:endParaRPr lang="bg-BG" sz="700" dirty="0">
-                        <a:effectLst/>
-                        <a:latin typeface="Calibri" panose="020F0502020204030204" pitchFamily="34" charset="0"/>
-                        <a:ea typeface="Calibri" panose="020F0502020204030204" pitchFamily="34" charset="0"/>
-                        <a:cs typeface="Times New Roman" panose="02020603050405020304" pitchFamily="18" charset="0"/>
-                      </a:endParaRPr>
-                    </a:p>
-                  </a:txBody>
-                  <a:tcPr marL="28145" marR="28145" marT="0" marB="0"/>
-                </a:tc>
-                <a:extLst>
-                  <a:ext uri="{0D108BD9-81ED-4DB2-BD59-A6C34878D82A}">
-                    <a16:rowId xmlns:a16="http://schemas.microsoft.com/office/drawing/2014/main" val="1921558470"/>
-                  </a:ext>
-                </a:extLst>
-              </a:tr>
-            </a:tbl>
-          </a:graphicData>
-        </a:graphic>
-      </p:graphicFrame>
-      <p:graphicFrame>
-        <p:nvGraphicFramePr>
-          <p:cNvPr id="19" name="Table 18">
-            <a:extLst>
-              <a:ext uri="{FF2B5EF4-FFF2-40B4-BE49-F238E27FC236}">
-                <a16:creationId xmlns:a16="http://schemas.microsoft.com/office/drawing/2014/main" id="{AAAADEB7-2A9F-4505-AD61-B598E8059E3A}"/>
-              </a:ext>
-            </a:extLst>
-          </p:cNvPr>
-          <p:cNvGraphicFramePr>
-            <a:graphicFrameLocks noGrp="1"/>
-          </p:cNvGraphicFramePr>
-          <p:nvPr>
-            <p:extLst>
-              <p:ext uri="{D42A27DB-BD31-4B8C-83A1-F6EECF244321}">
-                <p14:modId xmlns:p14="http://schemas.microsoft.com/office/powerpoint/2010/main" val="4255137440"/>
-              </p:ext>
-            </p:extLst>
-          </p:nvPr>
-        </p:nvGraphicFramePr>
-        <p:xfrm>
-          <a:off x="7679184" y="1038773"/>
-          <a:ext cx="4512816" cy="5819225"/>
-        </p:xfrm>
-        <a:graphic>
-          <a:graphicData uri="http://schemas.openxmlformats.org/drawingml/2006/table">
-            <a:tbl>
-              <a:tblPr firstRow="1" firstCol="1" bandRow="1">
-                <a:tableStyleId>{5C22544A-7EE6-4342-B048-85BDC9FD1C3A}</a:tableStyleId>
-              </a:tblPr>
-              <a:tblGrid>
-                <a:gridCol w="991817">
-                  <a:extLst>
-                    <a:ext uri="{9D8B030D-6E8A-4147-A177-3AD203B41FA5}">
-                      <a16:colId xmlns:a16="http://schemas.microsoft.com/office/drawing/2014/main" val="1527589522"/>
-                    </a:ext>
-                  </a:extLst>
-                </a:gridCol>
-                <a:gridCol w="1783064">
-                  <a:extLst>
-                    <a:ext uri="{9D8B030D-6E8A-4147-A177-3AD203B41FA5}">
-                      <a16:colId xmlns:a16="http://schemas.microsoft.com/office/drawing/2014/main" val="2924430698"/>
-                    </a:ext>
-                  </a:extLst>
-                </a:gridCol>
-                <a:gridCol w="1737935">
-                  <a:extLst>
-                    <a:ext uri="{9D8B030D-6E8A-4147-A177-3AD203B41FA5}">
-                      <a16:colId xmlns:a16="http://schemas.microsoft.com/office/drawing/2014/main" val="2024491297"/>
-                    </a:ext>
-                  </a:extLst>
-                </a:gridCol>
-              </a:tblGrid>
-              <a:tr h="1241282">
-                <a:tc>
-                  <a:txBody>
-                    <a:bodyPr/>
-                    <a:lstStyle/>
-                    <a:p>
-                      <a:pPr algn="just">
-                        <a:lnSpc>
-                          <a:spcPct val="107000"/>
-                        </a:lnSpc>
-                        <a:spcBef>
-                          <a:spcPts val="1200"/>
-                        </a:spcBef>
-                        <a:spcAft>
-                          <a:spcPts val="800"/>
-                        </a:spcAft>
-                      </a:pPr>
-                      <a:r>
-                        <a:rPr lang="en-US" sz="1100">
-                          <a:effectLst/>
-                        </a:rPr>
-                        <a:t>Осигуряване на интерфейс пред действие по памет</a:t>
-                      </a:r>
-                      <a:endParaRPr lang="bg-BG" sz="900">
-                        <a:effectLst/>
-                        <a:latin typeface="Calibri" panose="020F0502020204030204" pitchFamily="34" charset="0"/>
-                        <a:ea typeface="Calibri" panose="020F0502020204030204" pitchFamily="34" charset="0"/>
-                        <a:cs typeface="Times New Roman" panose="02020603050405020304" pitchFamily="18" charset="0"/>
-                      </a:endParaRPr>
-                    </a:p>
-                  </a:txBody>
-                  <a:tcPr marL="57923" marR="57923" marT="0" marB="0"/>
-                </a:tc>
-                <a:tc>
-                  <a:txBody>
-                    <a:bodyPr/>
-                    <a:lstStyle/>
-                    <a:p>
-                      <a:pPr algn="just">
-                        <a:lnSpc>
-                          <a:spcPct val="107000"/>
-                        </a:lnSpc>
-                        <a:spcBef>
-                          <a:spcPts val="1200"/>
-                        </a:spcBef>
-                        <a:spcAft>
-                          <a:spcPts val="800"/>
-                        </a:spcAft>
-                      </a:pPr>
-                      <a:r>
-                        <a:rPr lang="bg-BG" sz="1100">
-                          <a:effectLst/>
-                        </a:rPr>
-                        <a:t>Основните функционалности са лесно достъпни, нагледни и говорят за себе си </a:t>
-                      </a:r>
-                      <a:endParaRPr lang="bg-BG" sz="900">
-                        <a:effectLst/>
-                        <a:latin typeface="Calibri" panose="020F0502020204030204" pitchFamily="34" charset="0"/>
-                        <a:ea typeface="Calibri" panose="020F0502020204030204" pitchFamily="34" charset="0"/>
-                        <a:cs typeface="Times New Roman" panose="02020603050405020304" pitchFamily="18" charset="0"/>
-                      </a:endParaRPr>
-                    </a:p>
-                  </a:txBody>
-                  <a:tcPr marL="57923" marR="57923" marT="0" marB="0"/>
-                </a:tc>
-                <a:tc>
-                  <a:txBody>
-                    <a:bodyPr/>
-                    <a:lstStyle/>
-                    <a:p>
-                      <a:pPr algn="just">
-                        <a:lnSpc>
-                          <a:spcPct val="107000"/>
-                        </a:lnSpc>
-                        <a:spcBef>
-                          <a:spcPts val="1200"/>
-                        </a:spcBef>
-                        <a:spcAft>
-                          <a:spcPts val="800"/>
-                        </a:spcAft>
-                      </a:pPr>
-                      <a:r>
-                        <a:rPr lang="bg-BG" sz="1100">
-                          <a:effectLst/>
-                        </a:rPr>
-                        <a:t>Основните функционалности са лесно достъпни, нагледни и говорят за себе си</a:t>
-                      </a:r>
-                      <a:endParaRPr lang="bg-BG" sz="900">
-                        <a:effectLst/>
-                        <a:latin typeface="Calibri" panose="020F0502020204030204" pitchFamily="34" charset="0"/>
-                        <a:ea typeface="Calibri" panose="020F0502020204030204" pitchFamily="34" charset="0"/>
-                        <a:cs typeface="Times New Roman" panose="02020603050405020304" pitchFamily="18" charset="0"/>
-                      </a:endParaRPr>
-                    </a:p>
-                  </a:txBody>
-                  <a:tcPr marL="57923" marR="57923" marT="0" marB="0"/>
-                </a:tc>
-                <a:extLst>
-                  <a:ext uri="{0D108BD9-81ED-4DB2-BD59-A6C34878D82A}">
-                    <a16:rowId xmlns:a16="http://schemas.microsoft.com/office/drawing/2014/main" val="2473888495"/>
-                  </a:ext>
-                </a:extLst>
-              </a:tr>
-              <a:tr h="4577943">
-                <a:tc>
-                  <a:txBody>
-                    <a:bodyPr/>
-                    <a:lstStyle/>
-                    <a:p>
-                      <a:pPr algn="just">
-                        <a:lnSpc>
-                          <a:spcPct val="107000"/>
-                        </a:lnSpc>
-                        <a:spcBef>
-                          <a:spcPts val="1200"/>
-                        </a:spcBef>
-                        <a:spcAft>
-                          <a:spcPts val="800"/>
-                        </a:spcAft>
-                      </a:pPr>
-                      <a:r>
-                        <a:rPr lang="en-US" sz="1100" dirty="0" err="1">
-                          <a:effectLst/>
-                        </a:rPr>
-                        <a:t>Гъвкавост</a:t>
-                      </a:r>
-                      <a:r>
-                        <a:rPr lang="en-US" sz="1100" dirty="0">
-                          <a:effectLst/>
-                        </a:rPr>
-                        <a:t> и </a:t>
-                      </a:r>
-                      <a:r>
-                        <a:rPr lang="en-US" sz="1100" dirty="0" err="1">
-                          <a:effectLst/>
-                        </a:rPr>
-                        <a:t>ефективност</a:t>
-                      </a:r>
-                      <a:endParaRPr lang="bg-BG" sz="900" dirty="0">
-                        <a:effectLst/>
-                        <a:latin typeface="Calibri" panose="020F0502020204030204" pitchFamily="34" charset="0"/>
-                        <a:ea typeface="Calibri" panose="020F0502020204030204" pitchFamily="34" charset="0"/>
-                        <a:cs typeface="Times New Roman" panose="02020603050405020304" pitchFamily="18" charset="0"/>
-                      </a:endParaRPr>
-                    </a:p>
-                  </a:txBody>
-                  <a:tcPr marL="57923" marR="57923" marT="0" marB="0"/>
-                </a:tc>
-                <a:tc>
-                  <a:txBody>
-                    <a:bodyPr/>
-                    <a:lstStyle/>
-                    <a:p>
-                      <a:pPr algn="just">
-                        <a:lnSpc>
-                          <a:spcPct val="107000"/>
-                        </a:lnSpc>
-                        <a:spcBef>
-                          <a:spcPts val="1200"/>
-                        </a:spcBef>
-                        <a:spcAft>
-                          <a:spcPts val="800"/>
-                        </a:spcAft>
-                      </a:pPr>
-                      <a:r>
-                        <a:rPr lang="bg-BG" sz="1100" dirty="0">
-                          <a:effectLst/>
-                        </a:rPr>
-                        <a:t>Липсват подкатегории за приходите и разходите, и няма функционалност да се добавят такива. Дори в платената верия, която предоставя множество други подобрения, на фона на липсата на подкатегории те изглеждат тривиални. Има пълна гъвкавост при отчетите за период – за деня/седмицата/месеца/годината, както и за зададен интервал от-до дата. Липсата на валути в безплатната версия и това намалява гъвкавостта й за една част от потребителите</a:t>
-                      </a:r>
-                      <a:endParaRPr lang="bg-BG" sz="900" dirty="0">
-                        <a:effectLst/>
-                        <a:latin typeface="Calibri" panose="020F0502020204030204" pitchFamily="34" charset="0"/>
-                        <a:ea typeface="Calibri" panose="020F0502020204030204" pitchFamily="34" charset="0"/>
-                        <a:cs typeface="Times New Roman" panose="02020603050405020304" pitchFamily="18" charset="0"/>
-                      </a:endParaRPr>
-                    </a:p>
-                  </a:txBody>
-                  <a:tcPr marL="57923" marR="57923" marT="0" marB="0"/>
-                </a:tc>
-                <a:tc>
-                  <a:txBody>
-                    <a:bodyPr/>
-                    <a:lstStyle/>
-                    <a:p>
-                      <a:pPr algn="just">
-                        <a:lnSpc>
-                          <a:spcPct val="107000"/>
-                        </a:lnSpc>
-                        <a:spcBef>
-                          <a:spcPts val="1200"/>
-                        </a:spcBef>
-                        <a:spcAft>
-                          <a:spcPts val="800"/>
-                        </a:spcAft>
-                      </a:pPr>
-                      <a:r>
-                        <a:rPr lang="bg-BG" sz="1100" dirty="0">
-                          <a:effectLst/>
-                        </a:rPr>
-                        <a:t>Липсват подкатегории за приходите и разходите, и няма функционалност да се добавят такива. Налични са всички валути. Има пълна гъвкавост при отчетите за период – за деня/седмицата/месеца/годината, както и за зададен интервал от-до дата. Броят сметки, които могат да се добавят е ограничен в безплатната версия. Няколкото начина за </a:t>
-                      </a:r>
-                      <a:r>
-                        <a:rPr lang="en-US" sz="1100" dirty="0">
-                          <a:effectLst/>
-                        </a:rPr>
-                        <a:t>backup</a:t>
-                      </a:r>
-                      <a:r>
-                        <a:rPr lang="bg-BG" sz="1100" dirty="0">
-                          <a:effectLst/>
-                        </a:rPr>
-                        <a:t> дават свобода на избор и са обяснени нагледно в секцията за помощ. Към запис за приход/разход може да се добави снимка</a:t>
-                      </a:r>
-                      <a:endParaRPr lang="bg-BG" sz="900" dirty="0">
-                        <a:effectLst/>
-                        <a:latin typeface="Calibri" panose="020F0502020204030204" pitchFamily="34" charset="0"/>
-                        <a:ea typeface="Calibri" panose="020F0502020204030204" pitchFamily="34" charset="0"/>
-                        <a:cs typeface="Times New Roman" panose="02020603050405020304" pitchFamily="18" charset="0"/>
-                      </a:endParaRPr>
-                    </a:p>
-                  </a:txBody>
-                  <a:tcPr marL="57923" marR="57923" marT="0" marB="0"/>
-                </a:tc>
-                <a:extLst>
-                  <a:ext uri="{0D108BD9-81ED-4DB2-BD59-A6C34878D82A}">
-                    <a16:rowId xmlns:a16="http://schemas.microsoft.com/office/drawing/2014/main" val="1316917449"/>
-                  </a:ext>
-                </a:extLst>
-              </a:tr>
-            </a:tbl>
-          </a:graphicData>
-        </a:graphic>
-      </p:graphicFrame>
-    </p:spTree>
-    <p:extLst>
-      <p:ext uri="{BB962C8B-B14F-4D97-AF65-F5344CB8AC3E}">
-        <p14:creationId xmlns:p14="http://schemas.microsoft.com/office/powerpoint/2010/main" val="1613598062"/>
-      </p:ext>
-    </p:extLst>
-  </p:cSld>
-  <p:clrMapOvr>
-    <a:masterClrMapping/>
-  </p:clrMapOvr>
-</p:sld>
-</file>
-
-<file path=ppt/slides/slide4.xml><?xml version="1.0" encoding="utf-8"?>
-<p:sld xmlns:a="http://schemas.openxmlformats.org/drawingml/2006/main" xmlns:r="http://schemas.openxmlformats.org/officeDocument/2006/relationships" xmlns:p="http://schemas.openxmlformats.org/presentationml/2006/main">
-  <p:cSld>
-    <p:spTree>
-      <p:nvGrpSpPr>
-        <p:cNvPr id="1" name=""/>
-        <p:cNvGrpSpPr/>
-        <p:nvPr/>
-      </p:nvGrpSpPr>
-      <p:grpSpPr>
-        <a:xfrm>
-          <a:off x="0" y="0"/>
-          <a:ext cx="0" cy="0"/>
-          <a:chOff x="0" y="0"/>
-          <a:chExt cx="0" cy="0"/>
-        </a:xfrm>
-      </p:grpSpPr>
-      <p:sp>
-        <p:nvSpPr>
-          <p:cNvPr id="3" name="Title 2">
-            <a:extLst>
-              <a:ext uri="{FF2B5EF4-FFF2-40B4-BE49-F238E27FC236}">
-                <a16:creationId xmlns:a16="http://schemas.microsoft.com/office/drawing/2014/main" id="{1DDBBC93-70DF-4E4E-98E3-08124185AB18}"/>
-              </a:ext>
-            </a:extLst>
-          </p:cNvPr>
-          <p:cNvSpPr>
-            <a:spLocks noGrp="1"/>
-          </p:cNvSpPr>
-          <p:nvPr>
-            <p:ph type="title"/>
-          </p:nvPr>
-        </p:nvSpPr>
-        <p:spPr>
-          <a:xfrm>
-            <a:off x="1088994" y="169775"/>
-            <a:ext cx="10014012" cy="793036"/>
-          </a:xfrm>
-        </p:spPr>
-        <p:txBody>
-          <a:bodyPr>
-            <a:normAutofit fontScale="90000"/>
-          </a:bodyPr>
-          <a:lstStyle/>
-          <a:p>
-            <a:pPr algn="ctr"/>
-            <a:r>
-              <a:rPr lang="bg-BG" sz="4400" b="1" cap="all" spc="400" dirty="0">
-                <a:solidFill>
-                  <a:schemeClr val="bg1"/>
-                </a:solidFill>
-                <a:latin typeface="+mn-lt"/>
-              </a:rPr>
-              <a:t>Проучване на потребители</a:t>
-            </a:r>
-            <a:endParaRPr lang="en-US" sz="4400" dirty="0"/>
-          </a:p>
-        </p:txBody>
-      </p:sp>
-      <p:sp>
-        <p:nvSpPr>
-          <p:cNvPr id="9" name="Slide Number Placeholder 8">
-            <a:extLst>
-              <a:ext uri="{FF2B5EF4-FFF2-40B4-BE49-F238E27FC236}">
-                <a16:creationId xmlns:a16="http://schemas.microsoft.com/office/drawing/2014/main" id="{6DCF8D89-56D9-4E2B-9838-07DFB6E9D2BB}"/>
-              </a:ext>
-            </a:extLst>
-          </p:cNvPr>
-          <p:cNvSpPr>
-            <a:spLocks noGrp="1"/>
-          </p:cNvSpPr>
-          <p:nvPr>
-            <p:ph type="sldNum" sz="quarter" idx="12"/>
-          </p:nvPr>
-        </p:nvSpPr>
-        <p:spPr/>
-        <p:txBody>
-          <a:bodyPr/>
-          <a:lstStyle/>
-          <a:p>
-            <a:fld id="{D8DA9DAA-006C-4F4B-980E-E3DF019B24E2}" type="slidenum">
-              <a:rPr lang="en-US" smtClean="0"/>
-              <a:pPr/>
-              <a:t>4</a:t>
             </a:fld>
             <a:endParaRPr lang="en-US" dirty="0"/>
           </a:p>
@@ -16464,7 +15631,7 @@
 </p:sld>
 </file>
 
-<file path=ppt/slides/slide5.xml><?xml version="1.0" encoding="utf-8"?>
+<file path=ppt/slides/slide4.xml><?xml version="1.0" encoding="utf-8"?>
 <p:sld xmlns:a="http://schemas.openxmlformats.org/drawingml/2006/main" xmlns:r="http://schemas.openxmlformats.org/officeDocument/2006/relationships" xmlns:p="http://schemas.openxmlformats.org/presentationml/2006/main">
   <p:cSld>
     <p:spTree>
@@ -16547,7 +15714,7 @@
             <a:fld id="{D8DA9DAA-006C-4F4B-980E-E3DF019B24E2}" type="slidenum">
               <a:rPr lang="en-US" smtClean="0"/>
               <a:pPr/>
-              <a:t>5</a:t>
+              <a:t>4</a:t>
             </a:fld>
             <a:endParaRPr lang="en-US" dirty="0"/>
           </a:p>
@@ -16626,6 +15793,166 @@
 </p:sld>
 </file>
 
+<file path=ppt/slides/slide5.xml><?xml version="1.0" encoding="utf-8"?>
+<p:sld xmlns:a="http://schemas.openxmlformats.org/drawingml/2006/main" xmlns:r="http://schemas.openxmlformats.org/officeDocument/2006/relationships" xmlns:p="http://schemas.openxmlformats.org/presentationml/2006/main">
+  <p:cSld>
+    <p:spTree>
+      <p:nvGrpSpPr>
+        <p:cNvPr id="1" name=""/>
+        <p:cNvGrpSpPr/>
+        <p:nvPr/>
+      </p:nvGrpSpPr>
+      <p:grpSpPr>
+        <a:xfrm>
+          <a:off x="0" y="0"/>
+          <a:ext cx="0" cy="0"/>
+          <a:chOff x="0" y="0"/>
+          <a:chExt cx="0" cy="0"/>
+        </a:xfrm>
+      </p:grpSpPr>
+      <p:sp>
+        <p:nvSpPr>
+          <p:cNvPr id="3" name="Title 2">
+            <a:extLst>
+              <a:ext uri="{FF2B5EF4-FFF2-40B4-BE49-F238E27FC236}">
+                <a16:creationId xmlns:a16="http://schemas.microsoft.com/office/drawing/2014/main" id="{1DDBBC93-70DF-4E4E-98E3-08124185AB18}"/>
+              </a:ext>
+            </a:extLst>
+          </p:cNvPr>
+          <p:cNvSpPr>
+            <a:spLocks noGrp="1"/>
+          </p:cNvSpPr>
+          <p:nvPr>
+            <p:ph type="title"/>
+          </p:nvPr>
+        </p:nvSpPr>
+        <p:spPr>
+          <a:xfrm>
+            <a:off x="1500326" y="249623"/>
+            <a:ext cx="9602680" cy="1339696"/>
+          </a:xfrm>
+        </p:spPr>
+        <p:txBody>
+          <a:bodyPr>
+            <a:normAutofit fontScale="90000"/>
+          </a:bodyPr>
+          <a:lstStyle/>
+          <a:p>
+            <a:pPr algn="ctr"/>
+            <a:r>
+              <a:rPr lang="bg-BG" sz="4800" b="1" cap="all" spc="400" dirty="0">
+                <a:solidFill>
+                  <a:schemeClr val="bg1"/>
+                </a:solidFill>
+                <a:latin typeface="+mn-lt"/>
+              </a:rPr>
+              <a:t>Бариери за навлизане </a:t>
+            </a:r>
+            <a:br>
+              <a:rPr lang="bg-BG" sz="4800" b="1" cap="all" spc="400" dirty="0">
+                <a:solidFill>
+                  <a:schemeClr val="bg1"/>
+                </a:solidFill>
+                <a:latin typeface="+mn-lt"/>
+              </a:rPr>
+            </a:br>
+            <a:r>
+              <a:rPr lang="bg-BG" sz="4800" b="1" cap="all" spc="400" dirty="0">
+                <a:solidFill>
+                  <a:schemeClr val="bg1"/>
+                </a:solidFill>
+                <a:latin typeface="+mn-lt"/>
+              </a:rPr>
+              <a:t>на пазара</a:t>
+            </a:r>
+            <a:endParaRPr lang="en-US" sz="4800" dirty="0"/>
+          </a:p>
+        </p:txBody>
+      </p:sp>
+      <p:sp>
+        <p:nvSpPr>
+          <p:cNvPr id="9" name="Slide Number Placeholder 8">
+            <a:extLst>
+              <a:ext uri="{FF2B5EF4-FFF2-40B4-BE49-F238E27FC236}">
+                <a16:creationId xmlns:a16="http://schemas.microsoft.com/office/drawing/2014/main" id="{6DCF8D89-56D9-4E2B-9838-07DFB6E9D2BB}"/>
+              </a:ext>
+            </a:extLst>
+          </p:cNvPr>
+          <p:cNvSpPr>
+            <a:spLocks noGrp="1"/>
+          </p:cNvSpPr>
+          <p:nvPr>
+            <p:ph type="sldNum" sz="quarter" idx="12"/>
+          </p:nvPr>
+        </p:nvSpPr>
+        <p:spPr/>
+        <p:txBody>
+          <a:bodyPr/>
+          <a:lstStyle/>
+          <a:p>
+            <a:fld id="{D8DA9DAA-006C-4F4B-980E-E3DF019B24E2}" type="slidenum">
+              <a:rPr lang="en-US" smtClean="0"/>
+              <a:pPr/>
+              <a:t>5</a:t>
+            </a:fld>
+            <a:endParaRPr lang="en-US" dirty="0"/>
+          </a:p>
+        </p:txBody>
+      </p:sp>
+      <p:pic>
+        <p:nvPicPr>
+          <p:cNvPr id="7" name="Picture 6" descr="Diagram, venn diagram&#10;&#10;Description automatically generated">
+            <a:extLst>
+              <a:ext uri="{FF2B5EF4-FFF2-40B4-BE49-F238E27FC236}">
+                <a16:creationId xmlns:a16="http://schemas.microsoft.com/office/drawing/2014/main" id="{E7EBA9BE-AE7D-48FD-8494-1BD24BA7C61F}"/>
+              </a:ext>
+            </a:extLst>
+          </p:cNvPr>
+          <p:cNvPicPr>
+            <a:picLocks noChangeAspect="1"/>
+          </p:cNvPicPr>
+          <p:nvPr/>
+        </p:nvPicPr>
+        <p:blipFill>
+          <a:blip r:embed="rId2" cstate="print">
+            <a:extLst>
+              <a:ext uri="{28A0092B-C50C-407E-A947-70E740481C1C}">
+                <a14:useLocalDpi xmlns:a14="http://schemas.microsoft.com/office/drawing/2010/main" val="0"/>
+              </a:ext>
+            </a:extLst>
+          </a:blip>
+          <a:srcRect/>
+          <a:stretch>
+            <a:fillRect/>
+          </a:stretch>
+        </p:blipFill>
+        <p:spPr bwMode="auto">
+          <a:xfrm>
+            <a:off x="3805266" y="1713729"/>
+            <a:ext cx="4992799" cy="4992799"/>
+          </a:xfrm>
+          <a:prstGeom prst="rect">
+            <a:avLst/>
+          </a:prstGeom>
+          <a:noFill/>
+          <a:ln>
+            <a:noFill/>
+          </a:ln>
+        </p:spPr>
+      </p:pic>
+    </p:spTree>
+    <p:extLst>
+      <p:ext uri="{BB962C8B-B14F-4D97-AF65-F5344CB8AC3E}">
+        <p14:creationId xmlns:p14="http://schemas.microsoft.com/office/powerpoint/2010/main" val="931783242"/>
+      </p:ext>
+    </p:extLst>
+  </p:cSld>
+  <p:clrMapOvr>
+    <a:masterClrMapping/>
+  </p:clrMapOvr>
+</p:sld>
+</file>
+
 <file path=ppt/slides/slide6.xml><?xml version="1.0" encoding="utf-8"?>
 <p:sld xmlns:a="http://schemas.openxmlformats.org/drawingml/2006/main" xmlns:r="http://schemas.openxmlformats.org/officeDocument/2006/relationships" xmlns:p="http://schemas.openxmlformats.org/presentationml/2006/main">
   <p:cSld>
@@ -16661,8 +15988,8 @@
         </p:nvSpPr>
         <p:spPr>
           <a:xfrm>
-            <a:off x="1088994" y="495272"/>
-            <a:ext cx="10014012" cy="793036"/>
+            <a:off x="678687" y="80621"/>
+            <a:ext cx="10834626" cy="971344"/>
           </a:xfrm>
         </p:spPr>
         <p:txBody>
@@ -16673,15 +16000,15 @@
           <a:p>
             <a:pPr algn="ctr"/>
             <a:r>
-              <a:rPr lang="bg-BG" sz="4800" b="1" cap="all" spc="400" dirty="0">
+              <a:rPr lang="bg-BG" sz="4400" b="1" cap="all" spc="400" dirty="0">
                 <a:solidFill>
                   <a:schemeClr val="bg1"/>
                 </a:solidFill>
                 <a:latin typeface="+mn-lt"/>
               </a:rPr>
-              <a:t>Анализ на проблема</a:t>
-            </a:r>
-            <a:endParaRPr lang="en-US" sz="4800" dirty="0"/>
+              <a:t>Анализ на конкуренцията</a:t>
+            </a:r>
+            <a:endParaRPr lang="en-US" sz="4400" dirty="0"/>
           </a:p>
         </p:txBody>
       </p:sp>
@@ -16715,287 +16042,441 @@
           </a:p>
         </p:txBody>
       </p:sp>
+      <p:graphicFrame>
+        <p:nvGraphicFramePr>
+          <p:cNvPr id="4" name="Table 3">
+            <a:extLst>
+              <a:ext uri="{FF2B5EF4-FFF2-40B4-BE49-F238E27FC236}">
+                <a16:creationId xmlns:a16="http://schemas.microsoft.com/office/drawing/2014/main" id="{F0413D96-7E1C-41DC-8A14-75996C215710}"/>
+              </a:ext>
+            </a:extLst>
+          </p:cNvPr>
+          <p:cNvGraphicFramePr>
+            <a:graphicFrameLocks noGrp="1"/>
+          </p:cNvGraphicFramePr>
+          <p:nvPr>
+            <p:extLst>
+              <p:ext uri="{D42A27DB-BD31-4B8C-83A1-F6EECF244321}">
+                <p14:modId xmlns:p14="http://schemas.microsoft.com/office/powerpoint/2010/main" val="1185254890"/>
+              </p:ext>
+            </p:extLst>
+          </p:nvPr>
+        </p:nvGraphicFramePr>
+        <p:xfrm>
+          <a:off x="2303268" y="1466276"/>
+          <a:ext cx="4212165" cy="870077"/>
+        </p:xfrm>
+        <a:graphic>
+          <a:graphicData uri="http://schemas.openxmlformats.org/drawingml/2006/table">
+            <a:tbl>
+              <a:tblPr firstRow="1" firstCol="1" bandRow="1">
+                <a:tableStyleId>{5C22544A-7EE6-4342-B048-85BDC9FD1C3A}</a:tableStyleId>
+              </a:tblPr>
+              <a:tblGrid>
+                <a:gridCol w="2133076">
+                  <a:extLst>
+                    <a:ext uri="{9D8B030D-6E8A-4147-A177-3AD203B41FA5}">
+                      <a16:colId xmlns:a16="http://schemas.microsoft.com/office/drawing/2014/main" val="4071096915"/>
+                    </a:ext>
+                  </a:extLst>
+                </a:gridCol>
+                <a:gridCol w="2079089">
+                  <a:extLst>
+                    <a:ext uri="{9D8B030D-6E8A-4147-A177-3AD203B41FA5}">
+                      <a16:colId xmlns:a16="http://schemas.microsoft.com/office/drawing/2014/main" val="1054305755"/>
+                    </a:ext>
+                  </a:extLst>
+                </a:gridCol>
+              </a:tblGrid>
+              <a:tr h="336550">
+                <a:tc>
+                  <a:txBody>
+                    <a:bodyPr/>
+                    <a:lstStyle/>
+                    <a:p>
+                      <a:pPr algn="l">
+                        <a:lnSpc>
+                          <a:spcPct val="107000"/>
+                        </a:lnSpc>
+                        <a:spcAft>
+                          <a:spcPts val="800"/>
+                        </a:spcAft>
+                      </a:pPr>
+                      <a:r>
+                        <a:rPr lang="en-US" sz="1350" dirty="0" err="1">
+                          <a:effectLst/>
+                        </a:rPr>
+                        <a:t>Monefy</a:t>
+                      </a:r>
+                      <a:r>
+                        <a:rPr lang="en-US" sz="1350" dirty="0">
+                          <a:effectLst/>
+                        </a:rPr>
+                        <a:t> – Budget Manager and Expense Tracking App </a:t>
+                      </a:r>
+                      <a:r>
+                        <a:rPr lang="bg-BG" sz="1350" dirty="0">
+                          <a:effectLst/>
+                        </a:rPr>
+                        <a:t>на </a:t>
+                      </a:r>
+                      <a:r>
+                        <a:rPr lang="en-US" sz="1350" dirty="0" err="1">
+                          <a:effectLst/>
+                        </a:rPr>
+                        <a:t>Reflectly</a:t>
+                      </a:r>
+                      <a:endParaRPr lang="bg-BG" sz="1100" dirty="0">
+                        <a:effectLst/>
+                        <a:latin typeface="Calibri" panose="020F0502020204030204" pitchFamily="34" charset="0"/>
+                        <a:ea typeface="Calibri" panose="020F0502020204030204" pitchFamily="34" charset="0"/>
+                        <a:cs typeface="Times New Roman" panose="02020603050405020304" pitchFamily="18" charset="0"/>
+                      </a:endParaRPr>
+                    </a:p>
+                  </a:txBody>
+                  <a:tcPr marL="68580" marR="68580" marT="0" marB="0"/>
+                </a:tc>
+                <a:tc>
+                  <a:txBody>
+                    <a:bodyPr/>
+                    <a:lstStyle/>
+                    <a:p>
+                      <a:pPr algn="l">
+                        <a:lnSpc>
+                          <a:spcPct val="107000"/>
+                        </a:lnSpc>
+                        <a:spcAft>
+                          <a:spcPts val="800"/>
+                        </a:spcAft>
+                      </a:pPr>
+                      <a:r>
+                        <a:rPr lang="en-US" sz="1350" dirty="0">
+                          <a:effectLst/>
+                        </a:rPr>
+                        <a:t>Money Manager Expense &amp; Budget </a:t>
+                      </a:r>
+                      <a:r>
+                        <a:rPr lang="bg-BG" sz="1350" dirty="0">
+                          <a:effectLst/>
+                        </a:rPr>
+                        <a:t>на </a:t>
+                      </a:r>
+                      <a:r>
+                        <a:rPr lang="en-US" sz="1350" dirty="0" err="1">
+                          <a:effectLst/>
+                        </a:rPr>
+                        <a:t>Realbyte</a:t>
+                      </a:r>
+                      <a:r>
+                        <a:rPr lang="en-US" sz="1350" dirty="0">
+                          <a:effectLst/>
+                        </a:rPr>
+                        <a:t> Inc.</a:t>
+                      </a:r>
+                      <a:endParaRPr lang="bg-BG" sz="1100" dirty="0">
+                        <a:effectLst/>
+                        <a:latin typeface="Calibri" panose="020F0502020204030204" pitchFamily="34" charset="0"/>
+                        <a:ea typeface="Calibri" panose="020F0502020204030204" pitchFamily="34" charset="0"/>
+                        <a:cs typeface="Times New Roman" panose="02020603050405020304" pitchFamily="18" charset="0"/>
+                      </a:endParaRPr>
+                    </a:p>
+                  </a:txBody>
+                  <a:tcPr marL="68580" marR="68580" marT="0" marB="0"/>
+                </a:tc>
+                <a:extLst>
+                  <a:ext uri="{0D108BD9-81ED-4DB2-BD59-A6C34878D82A}">
+                    <a16:rowId xmlns:a16="http://schemas.microsoft.com/office/drawing/2014/main" val="4278260056"/>
+                  </a:ext>
+                </a:extLst>
+              </a:tr>
+            </a:tbl>
+          </a:graphicData>
+        </a:graphic>
+      </p:graphicFrame>
+      <p:pic>
+        <p:nvPicPr>
+          <p:cNvPr id="1026" name="Picture 1">
+            <a:extLst>
+              <a:ext uri="{FF2B5EF4-FFF2-40B4-BE49-F238E27FC236}">
+                <a16:creationId xmlns:a16="http://schemas.microsoft.com/office/drawing/2014/main" id="{E4E2D7F4-7E53-4164-8676-72C048CE0105}"/>
+              </a:ext>
+            </a:extLst>
+          </p:cNvPr>
+          <p:cNvPicPr>
+            <a:picLocks noChangeAspect="1" noChangeArrowheads="1"/>
+          </p:cNvPicPr>
+          <p:nvPr/>
+        </p:nvPicPr>
+        <p:blipFill>
+          <a:blip r:embed="rId2">
+            <a:extLst>
+              <a:ext uri="{28A0092B-C50C-407E-A947-70E740481C1C}">
+                <a14:useLocalDpi xmlns:a14="http://schemas.microsoft.com/office/drawing/2010/main" val="0"/>
+              </a:ext>
+            </a:extLst>
+          </a:blip>
+          <a:srcRect/>
+          <a:stretch>
+            <a:fillRect/>
+          </a:stretch>
+        </p:blipFill>
+        <p:spPr bwMode="auto">
+          <a:xfrm>
+            <a:off x="1433192" y="1466276"/>
+            <a:ext cx="870076" cy="870076"/>
+          </a:xfrm>
+          <a:prstGeom prst="rect">
+            <a:avLst/>
+          </a:prstGeom>
+          <a:noFill/>
+          <a:extLst>
+            <a:ext uri="{909E8E84-426E-40DD-AFC4-6F175D3DCCD1}">
+              <a14:hiddenFill xmlns:a14="http://schemas.microsoft.com/office/drawing/2010/main">
+                <a:solidFill>
+                  <a:srgbClr val="FFFFFF"/>
+                </a:solidFill>
+              </a14:hiddenFill>
+            </a:ext>
+          </a:extLst>
+        </p:spPr>
+      </p:pic>
+      <p:pic>
+        <p:nvPicPr>
+          <p:cNvPr id="1025" name="Picture 2">
+            <a:extLst>
+              <a:ext uri="{FF2B5EF4-FFF2-40B4-BE49-F238E27FC236}">
+                <a16:creationId xmlns:a16="http://schemas.microsoft.com/office/drawing/2014/main" id="{53C6FBA1-C213-4BE1-AA97-6EA556CA3E1F}"/>
+              </a:ext>
+            </a:extLst>
+          </p:cNvPr>
+          <p:cNvPicPr>
+            <a:picLocks noChangeAspect="1" noChangeArrowheads="1"/>
+          </p:cNvPicPr>
+          <p:nvPr/>
+        </p:nvPicPr>
+        <p:blipFill>
+          <a:blip r:embed="rId3">
+            <a:extLst>
+              <a:ext uri="{28A0092B-C50C-407E-A947-70E740481C1C}">
+                <a14:useLocalDpi xmlns:a14="http://schemas.microsoft.com/office/drawing/2010/main" val="0"/>
+              </a:ext>
+            </a:extLst>
+          </a:blip>
+          <a:srcRect/>
+          <a:stretch>
+            <a:fillRect/>
+          </a:stretch>
+        </p:blipFill>
+        <p:spPr bwMode="auto">
+          <a:xfrm>
+            <a:off x="6515433" y="1466276"/>
+            <a:ext cx="870076" cy="870076"/>
+          </a:xfrm>
+          <a:prstGeom prst="rect">
+            <a:avLst/>
+          </a:prstGeom>
+          <a:noFill/>
+          <a:extLst>
+            <a:ext uri="{909E8E84-426E-40DD-AFC4-6F175D3DCCD1}">
+              <a14:hiddenFill xmlns:a14="http://schemas.microsoft.com/office/drawing/2010/main">
+                <a:solidFill>
+                  <a:srgbClr val="FFFFFF"/>
+                </a:solidFill>
+              </a14:hiddenFill>
+            </a:ext>
+          </a:extLst>
+        </p:spPr>
+      </p:pic>
       <p:sp>
         <p:nvSpPr>
-          <p:cNvPr id="4" name="Text Placeholder 6">
-            <a:extLst>
-              <a:ext uri="{FF2B5EF4-FFF2-40B4-BE49-F238E27FC236}">
-                <a16:creationId xmlns:a16="http://schemas.microsoft.com/office/drawing/2014/main" id="{87A096A5-7421-4B75-B970-D4E9AA978254}"/>
-              </a:ext>
-            </a:extLst>
-          </p:cNvPr>
-          <p:cNvSpPr>
-            <a:spLocks noGrp="1"/>
-          </p:cNvSpPr>
-          <p:nvPr>
-            <p:ph type="body" sz="quarter" idx="13"/>
-          </p:nvPr>
+          <p:cNvPr id="6" name="TextBox 5">
+            <a:extLst>
+              <a:ext uri="{FF2B5EF4-FFF2-40B4-BE49-F238E27FC236}">
+                <a16:creationId xmlns:a16="http://schemas.microsoft.com/office/drawing/2014/main" id="{15D94879-3A42-44D6-B9B8-41C4DE871E4C}"/>
+              </a:ext>
+            </a:extLst>
+          </p:cNvPr>
+          <p:cNvSpPr txBox="1"/>
+          <p:nvPr/>
         </p:nvSpPr>
         <p:spPr>
           <a:xfrm>
-            <a:off x="1793289" y="2612344"/>
-            <a:ext cx="8549196" cy="3118104"/>
+            <a:off x="1382885" y="2960950"/>
+            <a:ext cx="7689273" cy="3816429"/>
           </a:xfrm>
+          <a:prstGeom prst="rect">
+            <a:avLst/>
+          </a:prstGeom>
+          <a:noFill/>
         </p:spPr>
         <p:txBody>
-          <a:bodyPr>
-            <a:normAutofit/>
+          <a:bodyPr wrap="square" rtlCol="0">
+            <a:spAutoFit/>
           </a:bodyPr>
           <a:lstStyle/>
           <a:p>
-            <a:pPr algn="l"/>
-            <a:r>
-              <a:rPr lang="ru-RU" sz="2400" dirty="0"/>
-              <a:t>С </a:t>
-            </a:r>
-            <a:r>
-              <a:rPr lang="ru-RU" sz="2400" dirty="0" err="1"/>
-              <a:t>проектирането</a:t>
-            </a:r>
-            <a:r>
-              <a:rPr lang="ru-RU" sz="2400" dirty="0"/>
-              <a:t> и </a:t>
-            </a:r>
-            <a:r>
-              <a:rPr lang="ru-RU" sz="2400" dirty="0" err="1"/>
-              <a:t>реализирането</a:t>
-            </a:r>
-            <a:r>
-              <a:rPr lang="ru-RU" sz="2400" dirty="0"/>
-              <a:t> на </a:t>
-            </a:r>
-            <a:r>
-              <a:rPr lang="ru-RU" sz="2400" dirty="0" err="1"/>
-              <a:t>мобилно</a:t>
-            </a:r>
-            <a:r>
-              <a:rPr lang="ru-RU" sz="2400" dirty="0"/>
-              <a:t> приложение за управление на </a:t>
-            </a:r>
-            <a:r>
-              <a:rPr lang="ru-RU" sz="2400" dirty="0" err="1"/>
-              <a:t>личните</a:t>
-            </a:r>
-            <a:r>
-              <a:rPr lang="ru-RU" sz="2400" dirty="0"/>
-              <a:t> </a:t>
-            </a:r>
-            <a:r>
-              <a:rPr lang="ru-RU" sz="2400" dirty="0" err="1"/>
-              <a:t>финанси</a:t>
-            </a:r>
-            <a:r>
-              <a:rPr lang="ru-RU" sz="2400" dirty="0"/>
-              <a:t>, </a:t>
-            </a:r>
-            <a:r>
-              <a:rPr lang="ru-RU" sz="2400" dirty="0" err="1"/>
-              <a:t>бихме</a:t>
-            </a:r>
-            <a:r>
-              <a:rPr lang="ru-RU" sz="2400" dirty="0"/>
-              <a:t> искали до </a:t>
-            </a:r>
-            <a:r>
-              <a:rPr lang="ru-RU" sz="2400" dirty="0" err="1"/>
-              <a:t>някаква</a:t>
-            </a:r>
-            <a:r>
-              <a:rPr lang="ru-RU" sz="2400" dirty="0"/>
-              <a:t> </a:t>
-            </a:r>
-            <a:r>
-              <a:rPr lang="ru-RU" sz="2400" dirty="0" err="1"/>
-              <a:t>степен</a:t>
-            </a:r>
-            <a:r>
-              <a:rPr lang="ru-RU" sz="2400" dirty="0"/>
-              <a:t> да </a:t>
-            </a:r>
-            <a:r>
-              <a:rPr lang="ru-RU" sz="2400" dirty="0" err="1"/>
-              <a:t>автоматизираме</a:t>
-            </a:r>
-            <a:r>
-              <a:rPr lang="ru-RU" sz="2400" dirty="0"/>
-              <a:t> и </a:t>
-            </a:r>
-            <a:r>
-              <a:rPr lang="ru-RU" sz="2400" dirty="0" err="1"/>
-              <a:t>улесним</a:t>
-            </a:r>
-            <a:r>
-              <a:rPr lang="ru-RU" sz="2400" dirty="0"/>
-              <a:t> </a:t>
-            </a:r>
-            <a:r>
-              <a:rPr lang="ru-RU" sz="2400" dirty="0" err="1"/>
-              <a:t>процеса</a:t>
-            </a:r>
-            <a:r>
-              <a:rPr lang="ru-RU" sz="2400" dirty="0"/>
-              <a:t> по </a:t>
-            </a:r>
-            <a:r>
-              <a:rPr lang="ru-RU" sz="2400" dirty="0" err="1"/>
-              <a:t>калкулация</a:t>
-            </a:r>
-            <a:r>
-              <a:rPr lang="ru-RU" sz="2400" dirty="0"/>
-              <a:t> и </a:t>
-            </a:r>
-            <a:r>
-              <a:rPr lang="ru-RU" sz="2400" dirty="0" err="1"/>
-              <a:t>изчисляване</a:t>
-            </a:r>
-            <a:r>
-              <a:rPr lang="ru-RU" sz="2400" dirty="0"/>
-              <a:t> на </a:t>
-            </a:r>
-            <a:r>
-              <a:rPr lang="ru-RU" sz="2400" dirty="0" err="1"/>
-              <a:t>разходи</a:t>
-            </a:r>
-            <a:r>
-              <a:rPr lang="ru-RU" sz="2400" dirty="0"/>
-              <a:t> и приходи, </a:t>
-            </a:r>
-            <a:r>
-              <a:rPr lang="ru-RU" sz="2400" dirty="0" err="1"/>
-              <a:t>както</a:t>
-            </a:r>
-            <a:r>
-              <a:rPr lang="ru-RU" sz="2400" dirty="0"/>
-              <a:t> и да се </a:t>
-            </a:r>
-            <a:r>
-              <a:rPr lang="ru-RU" sz="2400" dirty="0" err="1"/>
-              <a:t>погрижим</a:t>
-            </a:r>
-            <a:r>
-              <a:rPr lang="ru-RU" sz="2400" dirty="0"/>
-              <a:t> за </a:t>
-            </a:r>
-            <a:r>
-              <a:rPr lang="ru-RU" sz="2400" dirty="0" err="1"/>
-              <a:t>безопасното</a:t>
-            </a:r>
-            <a:r>
-              <a:rPr lang="ru-RU" sz="2400" dirty="0"/>
-              <a:t> и </a:t>
-            </a:r>
-            <a:r>
-              <a:rPr lang="ru-RU" sz="2400" dirty="0" err="1"/>
-              <a:t>сигурно</a:t>
-            </a:r>
-            <a:r>
-              <a:rPr lang="ru-RU" sz="2400" dirty="0"/>
-              <a:t> </a:t>
-            </a:r>
-            <a:r>
-              <a:rPr lang="ru-RU" sz="2400" dirty="0" err="1"/>
-              <a:t>съхранение</a:t>
-            </a:r>
-            <a:r>
-              <a:rPr lang="ru-RU" sz="2400" dirty="0"/>
-              <a:t> на </a:t>
-            </a:r>
-            <a:r>
-              <a:rPr lang="ru-RU" sz="2400" dirty="0" err="1"/>
-              <a:t>тази</a:t>
-            </a:r>
-            <a:r>
-              <a:rPr lang="ru-RU" sz="2400" dirty="0"/>
-              <a:t> информация. Важно е </a:t>
-            </a:r>
-            <a:r>
-              <a:rPr lang="ru-RU" sz="2400" dirty="0" err="1"/>
-              <a:t>информацията</a:t>
-            </a:r>
-            <a:r>
-              <a:rPr lang="ru-RU" sz="2400" dirty="0"/>
-              <a:t> да </a:t>
-            </a:r>
-            <a:r>
-              <a:rPr lang="ru-RU" sz="2400" dirty="0" err="1"/>
-              <a:t>бъде</a:t>
-            </a:r>
-            <a:r>
-              <a:rPr lang="ru-RU" sz="2400" dirty="0"/>
-              <a:t> </a:t>
-            </a:r>
-            <a:r>
-              <a:rPr lang="ru-RU" sz="2400" dirty="0" err="1"/>
-              <a:t>винаги</a:t>
-            </a:r>
-            <a:r>
-              <a:rPr lang="ru-RU" sz="2400" dirty="0"/>
-              <a:t> </a:t>
-            </a:r>
-            <a:r>
-              <a:rPr lang="ru-RU" sz="2400" dirty="0" err="1"/>
-              <a:t>лесно</a:t>
-            </a:r>
-            <a:r>
-              <a:rPr lang="ru-RU" sz="2400" dirty="0"/>
-              <a:t> </a:t>
-            </a:r>
-            <a:r>
-              <a:rPr lang="ru-RU" sz="2400" dirty="0" err="1"/>
-              <a:t>достъпна</a:t>
-            </a:r>
-            <a:r>
-              <a:rPr lang="ru-RU" sz="2400" dirty="0"/>
-              <a:t>, </a:t>
-            </a:r>
-            <a:r>
-              <a:rPr lang="ru-RU" sz="2400" dirty="0" err="1"/>
-              <a:t>да</a:t>
-            </a:r>
-            <a:r>
-              <a:rPr lang="ru-RU" sz="2400" dirty="0"/>
-              <a:t> </a:t>
-            </a:r>
-            <a:r>
-              <a:rPr lang="ru-RU" sz="2400" dirty="0" err="1"/>
-              <a:t>бъде</a:t>
-            </a:r>
-            <a:r>
-              <a:rPr lang="ru-RU" sz="2400" dirty="0"/>
-              <a:t> </a:t>
-            </a:r>
-            <a:r>
-              <a:rPr lang="ru-RU" sz="2400" dirty="0" err="1"/>
-              <a:t>актуална</a:t>
-            </a:r>
-            <a:r>
-              <a:rPr lang="ru-RU" sz="2400" dirty="0"/>
-              <a:t>, точна, </a:t>
-            </a:r>
-            <a:r>
-              <a:rPr lang="ru-RU" sz="2400" dirty="0" err="1"/>
-              <a:t>сигурна</a:t>
-            </a:r>
-            <a:r>
-              <a:rPr lang="ru-RU" sz="2400" dirty="0"/>
-              <a:t> и </a:t>
-            </a:r>
-            <a:r>
-              <a:rPr lang="ru-RU" sz="2400" dirty="0" err="1"/>
-              <a:t>правилна</a:t>
-            </a:r>
-            <a:r>
-              <a:rPr lang="ru-RU" sz="2400" dirty="0"/>
-              <a:t>. </a:t>
-            </a:r>
-            <a:endParaRPr lang="bg-BG" sz="2400" dirty="0"/>
+            <a:pPr marL="285750" indent="-285750">
+              <a:buFont typeface="Wingdings" panose="05000000000000000000" pitchFamily="2" charset="2"/>
+              <a:buChar char="v"/>
+            </a:pPr>
+            <a:r>
+              <a:rPr lang="bg-BG" sz="2200" dirty="0">
+                <a:solidFill>
+                  <a:schemeClr val="bg1"/>
+                </a:solidFill>
+                <a:effectLst/>
+                <a:latin typeface="Times New Roman" panose="02020603050405020304" pitchFamily="18" charset="0"/>
+                <a:ea typeface="Calibri" panose="020F0502020204030204" pitchFamily="34" charset="0"/>
+              </a:rPr>
+              <a:t>Информация за състоянието на системата</a:t>
+            </a:r>
+          </a:p>
+          <a:p>
+            <a:pPr marL="285750" indent="-285750">
+              <a:buFont typeface="Wingdings" panose="05000000000000000000" pitchFamily="2" charset="2"/>
+              <a:buChar char="v"/>
+            </a:pPr>
+            <a:r>
+              <a:rPr lang="bg-BG" sz="2200" dirty="0">
+                <a:solidFill>
+                  <a:schemeClr val="bg1"/>
+                </a:solidFill>
+                <a:latin typeface="Times New Roman" panose="02020603050405020304" pitchFamily="18" charset="0"/>
+              </a:rPr>
+              <a:t>Съвпадение на нуждите на реалния свят с предоставяните от приложението</a:t>
+            </a:r>
+          </a:p>
+          <a:p>
+            <a:pPr marL="285750" indent="-285750">
+              <a:buFont typeface="Wingdings" panose="05000000000000000000" pitchFamily="2" charset="2"/>
+              <a:buChar char="v"/>
+            </a:pPr>
+            <a:r>
+              <a:rPr lang="bg-BG" sz="2200" dirty="0">
+                <a:solidFill>
+                  <a:schemeClr val="bg1"/>
+                </a:solidFill>
+                <a:latin typeface="Times New Roman" panose="02020603050405020304" pitchFamily="18" charset="0"/>
+              </a:rPr>
+              <a:t>Потребителски контрол и свобода на действията</a:t>
+            </a:r>
+          </a:p>
+          <a:p>
+            <a:pPr marL="285750" indent="-285750">
+              <a:buFont typeface="Wingdings" panose="05000000000000000000" pitchFamily="2" charset="2"/>
+              <a:buChar char="v"/>
+            </a:pPr>
+            <a:r>
+              <a:rPr lang="bg-BG" sz="2200" dirty="0">
+                <a:solidFill>
+                  <a:schemeClr val="bg1"/>
+                </a:solidFill>
+                <a:latin typeface="Times New Roman" panose="02020603050405020304" pitchFamily="18" charset="0"/>
+              </a:rPr>
+              <a:t>Консистентно представяне на информацията и стандарти</a:t>
+            </a:r>
+          </a:p>
+          <a:p>
+            <a:pPr marL="285750" indent="-285750">
+              <a:buFont typeface="Wingdings" panose="05000000000000000000" pitchFamily="2" charset="2"/>
+              <a:buChar char="v"/>
+            </a:pPr>
+            <a:r>
+              <a:rPr lang="bg-BG" sz="2200" dirty="0">
+                <a:solidFill>
+                  <a:schemeClr val="bg1"/>
+                </a:solidFill>
+                <a:latin typeface="Times New Roman" panose="02020603050405020304" pitchFamily="18" charset="0"/>
+              </a:rPr>
+              <a:t>Предотвратяване на грешки и тяхното прихващане</a:t>
+            </a:r>
+          </a:p>
+          <a:p>
+            <a:pPr marL="285750" indent="-285750">
+              <a:buFont typeface="Wingdings" panose="05000000000000000000" pitchFamily="2" charset="2"/>
+              <a:buChar char="v"/>
+            </a:pPr>
+            <a:r>
+              <a:rPr lang="bg-BG" sz="2200" dirty="0">
+                <a:solidFill>
+                  <a:schemeClr val="bg1"/>
+                </a:solidFill>
+                <a:latin typeface="Times New Roman" panose="02020603050405020304" pitchFamily="18" charset="0"/>
+              </a:rPr>
+              <a:t>Осигуряване на интерфейс пред действие по памет</a:t>
+            </a:r>
+          </a:p>
+          <a:p>
+            <a:pPr marL="285750" indent="-285750">
+              <a:buFont typeface="Wingdings" panose="05000000000000000000" pitchFamily="2" charset="2"/>
+              <a:buChar char="v"/>
+            </a:pPr>
+            <a:r>
+              <a:rPr lang="bg-BG" sz="2200" dirty="0">
+                <a:solidFill>
+                  <a:schemeClr val="bg1"/>
+                </a:solidFill>
+                <a:latin typeface="Times New Roman" panose="02020603050405020304" pitchFamily="18" charset="0"/>
+              </a:rPr>
+              <a:t>Гъвкавост и ефективност</a:t>
+            </a:r>
+          </a:p>
+          <a:p>
+            <a:pPr marL="285750" indent="-285750">
+              <a:buFont typeface="Wingdings" panose="05000000000000000000" pitchFamily="2" charset="2"/>
+              <a:buChar char="v"/>
+            </a:pPr>
+            <a:r>
+              <a:rPr lang="bg-BG" sz="2200" dirty="0">
+                <a:solidFill>
+                  <a:schemeClr val="bg1"/>
+                </a:solidFill>
+                <a:latin typeface="Times New Roman" panose="02020603050405020304" pitchFamily="18" charset="0"/>
+              </a:rPr>
+              <a:t>Минималистичен дизайн</a:t>
+            </a:r>
+          </a:p>
+          <a:p>
+            <a:pPr marL="285750" indent="-285750">
+              <a:buFont typeface="Wingdings" panose="05000000000000000000" pitchFamily="2" charset="2"/>
+              <a:buChar char="v"/>
+            </a:pPr>
+            <a:r>
+              <a:rPr lang="bg-BG" sz="2200" dirty="0">
+                <a:solidFill>
+                  <a:schemeClr val="bg1"/>
+                </a:solidFill>
+                <a:latin typeface="Times New Roman" panose="02020603050405020304" pitchFamily="18" charset="0"/>
+              </a:rPr>
+              <a:t>Обратна връзка</a:t>
+            </a:r>
+          </a:p>
+          <a:p>
+            <a:pPr marL="285750" indent="-285750">
+              <a:buFont typeface="Wingdings" panose="05000000000000000000" pitchFamily="2" charset="2"/>
+              <a:buChar char="v"/>
+            </a:pPr>
+            <a:r>
+              <a:rPr lang="bg-BG" sz="2200" dirty="0">
+                <a:solidFill>
+                  <a:schemeClr val="bg1"/>
+                </a:solidFill>
+                <a:latin typeface="Times New Roman" panose="02020603050405020304" pitchFamily="18" charset="0"/>
+              </a:rPr>
+              <a:t>Помощ и документация</a:t>
+            </a:r>
+            <a:endParaRPr lang="bg-BG" sz="2200" dirty="0">
+              <a:solidFill>
+                <a:schemeClr val="bg1"/>
+              </a:solidFill>
+            </a:endParaRPr>
           </a:p>
         </p:txBody>
       </p:sp>
     </p:spTree>
     <p:extLst>
       <p:ext uri="{BB962C8B-B14F-4D97-AF65-F5344CB8AC3E}">
-        <p14:creationId xmlns:p14="http://schemas.microsoft.com/office/powerpoint/2010/main" val="931783242"/>
+        <p14:creationId xmlns:p14="http://schemas.microsoft.com/office/powerpoint/2010/main" val="1613598062"/>
       </p:ext>
     </p:extLst>
   </p:cSld>
@@ -17040,8 +16521,8 @@
         </p:nvSpPr>
         <p:spPr>
           <a:xfrm>
-            <a:off x="1088994" y="169775"/>
-            <a:ext cx="10014012" cy="793036"/>
+            <a:off x="894944" y="917129"/>
+            <a:ext cx="4358351" cy="793036"/>
           </a:xfrm>
         </p:spPr>
         <p:txBody>
@@ -17058,7 +16539,7 @@
                 </a:solidFill>
                 <a:latin typeface="+mn-lt"/>
               </a:rPr>
-              <a:t>Избор на технологии</a:t>
+              <a:t>Персони</a:t>
             </a:r>
             <a:endParaRPr lang="en-US" sz="4800" dirty="0"/>
           </a:p>
@@ -17089,443 +16570,6 @@
               <a:rPr lang="en-US" smtClean="0"/>
               <a:pPr/>
               <a:t>7</a:t>
-            </a:fld>
-            <a:endParaRPr lang="en-US" dirty="0"/>
-          </a:p>
-        </p:txBody>
-      </p:sp>
-      <p:pic>
-        <p:nvPicPr>
-          <p:cNvPr id="5" name="Picture 4">
-            <a:extLst>
-              <a:ext uri="{FF2B5EF4-FFF2-40B4-BE49-F238E27FC236}">
-                <a16:creationId xmlns:a16="http://schemas.microsoft.com/office/drawing/2014/main" id="{58BB1531-2B99-4BE9-8558-77BF8AB709DF}"/>
-              </a:ext>
-            </a:extLst>
-          </p:cNvPr>
-          <p:cNvPicPr>
-            <a:picLocks noChangeAspect="1"/>
-          </p:cNvPicPr>
-          <p:nvPr/>
-        </p:nvPicPr>
-        <p:blipFill>
-          <a:blip r:embed="rId2"/>
-          <a:stretch>
-            <a:fillRect/>
-          </a:stretch>
-        </p:blipFill>
-        <p:spPr>
-          <a:xfrm>
-            <a:off x="4939785" y="1688015"/>
-            <a:ext cx="3000375" cy="2495573"/>
-          </a:xfrm>
-          <a:prstGeom prst="rect">
-            <a:avLst/>
-          </a:prstGeom>
-        </p:spPr>
-      </p:pic>
-      <p:pic>
-        <p:nvPicPr>
-          <p:cNvPr id="8" name="Picture 7">
-            <a:extLst>
-              <a:ext uri="{FF2B5EF4-FFF2-40B4-BE49-F238E27FC236}">
-                <a16:creationId xmlns:a16="http://schemas.microsoft.com/office/drawing/2014/main" id="{C3F789DE-C88B-4091-AFBF-594789073E48}"/>
-              </a:ext>
-            </a:extLst>
-          </p:cNvPr>
-          <p:cNvPicPr>
-            <a:picLocks noChangeAspect="1"/>
-          </p:cNvPicPr>
-          <p:nvPr/>
-        </p:nvPicPr>
-        <p:blipFill>
-          <a:blip r:embed="rId3"/>
-          <a:stretch>
-            <a:fillRect/>
-          </a:stretch>
-        </p:blipFill>
-        <p:spPr>
-          <a:xfrm>
-            <a:off x="323705" y="1575125"/>
-            <a:ext cx="4005470" cy="1794116"/>
-          </a:xfrm>
-          <a:prstGeom prst="rect">
-            <a:avLst/>
-          </a:prstGeom>
-        </p:spPr>
-      </p:pic>
-      <p:pic>
-        <p:nvPicPr>
-          <p:cNvPr id="14" name="Picture 13">
-            <a:extLst>
-              <a:ext uri="{FF2B5EF4-FFF2-40B4-BE49-F238E27FC236}">
-                <a16:creationId xmlns:a16="http://schemas.microsoft.com/office/drawing/2014/main" id="{4DC56451-BF3E-485E-B7A1-CE61F7B5E657}"/>
-              </a:ext>
-            </a:extLst>
-          </p:cNvPr>
-          <p:cNvPicPr>
-            <a:picLocks noChangeAspect="1"/>
-          </p:cNvPicPr>
-          <p:nvPr/>
-        </p:nvPicPr>
-        <p:blipFill>
-          <a:blip r:embed="rId4"/>
-          <a:stretch>
-            <a:fillRect/>
-          </a:stretch>
-        </p:blipFill>
-        <p:spPr>
-          <a:xfrm>
-            <a:off x="8550770" y="1096733"/>
-            <a:ext cx="3250705" cy="3765947"/>
-          </a:xfrm>
-          <a:prstGeom prst="rect">
-            <a:avLst/>
-          </a:prstGeom>
-        </p:spPr>
-      </p:pic>
-      <p:pic>
-        <p:nvPicPr>
-          <p:cNvPr id="16" name="Graphic 15">
-            <a:extLst>
-              <a:ext uri="{FF2B5EF4-FFF2-40B4-BE49-F238E27FC236}">
-                <a16:creationId xmlns:a16="http://schemas.microsoft.com/office/drawing/2014/main" id="{1C178B54-E45B-4233-8A02-2D9CA67F4BA5}"/>
-              </a:ext>
-            </a:extLst>
-          </p:cNvPr>
-          <p:cNvPicPr>
-            <a:picLocks noChangeAspect="1"/>
-          </p:cNvPicPr>
-          <p:nvPr/>
-        </p:nvPicPr>
-        <p:blipFill>
-          <a:blip r:embed="rId5">
-            <a:extLst>
-              <a:ext uri="{96DAC541-7B7A-43D3-8B79-37D633B846F1}">
-                <asvg:svgBlip xmlns:asvg="http://schemas.microsoft.com/office/drawing/2016/SVG/main" r:embed="rId6"/>
-              </a:ext>
-            </a:extLst>
-          </a:blip>
-          <a:stretch>
-            <a:fillRect/>
-          </a:stretch>
-        </p:blipFill>
-        <p:spPr>
-          <a:xfrm>
-            <a:off x="8162925" y="4964200"/>
-            <a:ext cx="3638550" cy="1724025"/>
-          </a:xfrm>
-          <a:prstGeom prst="rect">
-            <a:avLst/>
-          </a:prstGeom>
-        </p:spPr>
-      </p:pic>
-      <p:pic>
-        <p:nvPicPr>
-          <p:cNvPr id="3074" name="Picture 2" descr="Image">
-            <a:extLst>
-              <a:ext uri="{FF2B5EF4-FFF2-40B4-BE49-F238E27FC236}">
-                <a16:creationId xmlns:a16="http://schemas.microsoft.com/office/drawing/2014/main" id="{33F707AE-BE6A-47C3-A538-40BFB31D6B5A}"/>
-              </a:ext>
-            </a:extLst>
-          </p:cNvPr>
-          <p:cNvPicPr>
-            <a:picLocks noChangeAspect="1" noChangeArrowheads="1"/>
-          </p:cNvPicPr>
-          <p:nvPr/>
-        </p:nvPicPr>
-        <p:blipFill>
-          <a:blip r:embed="rId7">
-            <a:extLst>
-              <a:ext uri="{28A0092B-C50C-407E-A947-70E740481C1C}">
-                <a14:useLocalDpi xmlns:a14="http://schemas.microsoft.com/office/drawing/2010/main" val="0"/>
-              </a:ext>
-            </a:extLst>
-          </a:blip>
-          <a:srcRect/>
-          <a:stretch>
-            <a:fillRect/>
-          </a:stretch>
-        </p:blipFill>
-        <p:spPr bwMode="auto">
-          <a:xfrm>
-            <a:off x="0" y="3964472"/>
-            <a:ext cx="2482299" cy="2482299"/>
-          </a:xfrm>
-          <a:prstGeom prst="rect">
-            <a:avLst/>
-          </a:prstGeom>
-          <a:noFill/>
-          <a:extLst>
-            <a:ext uri="{909E8E84-426E-40DD-AFC4-6F175D3DCCD1}">
-              <a14:hiddenFill xmlns:a14="http://schemas.microsoft.com/office/drawing/2010/main">
-                <a:solidFill>
-                  <a:srgbClr val="FFFFFF"/>
-                </a:solidFill>
-              </a14:hiddenFill>
-            </a:ext>
-          </a:extLst>
-        </p:spPr>
-      </p:pic>
-      <p:pic>
-        <p:nvPicPr>
-          <p:cNvPr id="10" name="Картина 27">
-            <a:extLst>
-              <a:ext uri="{FF2B5EF4-FFF2-40B4-BE49-F238E27FC236}">
-                <a16:creationId xmlns:a16="http://schemas.microsoft.com/office/drawing/2014/main" id="{3B7BF89A-3CDD-4673-8EC9-67D4ECAB5301}"/>
-              </a:ext>
-            </a:extLst>
-          </p:cNvPr>
-          <p:cNvPicPr>
-            <a:picLocks noChangeAspect="1"/>
-          </p:cNvPicPr>
-          <p:nvPr/>
-        </p:nvPicPr>
-        <p:blipFill>
-          <a:blip r:embed="rId8" cstate="print"/>
-          <a:stretch>
-            <a:fillRect/>
-          </a:stretch>
-        </p:blipFill>
-        <p:spPr>
-          <a:xfrm>
-            <a:off x="2675433" y="4640701"/>
-            <a:ext cx="5313193" cy="1992447"/>
-          </a:xfrm>
-          <a:prstGeom prst="rect">
-            <a:avLst/>
-          </a:prstGeom>
-        </p:spPr>
-      </p:pic>
-    </p:spTree>
-    <p:extLst>
-      <p:ext uri="{BB962C8B-B14F-4D97-AF65-F5344CB8AC3E}">
-        <p14:creationId xmlns:p14="http://schemas.microsoft.com/office/powerpoint/2010/main" val="2320710457"/>
-      </p:ext>
-    </p:extLst>
-  </p:cSld>
-  <p:clrMapOvr>
-    <a:masterClrMapping/>
-  </p:clrMapOvr>
-</p:sld>
-</file>
-
-<file path=ppt/slides/slide8.xml><?xml version="1.0" encoding="utf-8"?>
-<p:sld xmlns:a="http://schemas.openxmlformats.org/drawingml/2006/main" xmlns:r="http://schemas.openxmlformats.org/officeDocument/2006/relationships" xmlns:p="http://schemas.openxmlformats.org/presentationml/2006/main">
-  <p:cSld>
-    <p:spTree>
-      <p:nvGrpSpPr>
-        <p:cNvPr id="1" name=""/>
-        <p:cNvGrpSpPr/>
-        <p:nvPr/>
-      </p:nvGrpSpPr>
-      <p:grpSpPr>
-        <a:xfrm>
-          <a:off x="0" y="0"/>
-          <a:ext cx="0" cy="0"/>
-          <a:chOff x="0" y="0"/>
-          <a:chExt cx="0" cy="0"/>
-        </a:xfrm>
-      </p:grpSpPr>
-      <p:sp>
-        <p:nvSpPr>
-          <p:cNvPr id="3" name="Title 2">
-            <a:extLst>
-              <a:ext uri="{FF2B5EF4-FFF2-40B4-BE49-F238E27FC236}">
-                <a16:creationId xmlns:a16="http://schemas.microsoft.com/office/drawing/2014/main" id="{1DDBBC93-70DF-4E4E-98E3-08124185AB18}"/>
-              </a:ext>
-            </a:extLst>
-          </p:cNvPr>
-          <p:cNvSpPr>
-            <a:spLocks noGrp="1"/>
-          </p:cNvSpPr>
-          <p:nvPr>
-            <p:ph type="title"/>
-          </p:nvPr>
-        </p:nvSpPr>
-        <p:spPr>
-          <a:xfrm>
-            <a:off x="1088994" y="169775"/>
-            <a:ext cx="10014012" cy="793036"/>
-          </a:xfrm>
-        </p:spPr>
-        <p:txBody>
-          <a:bodyPr>
-            <a:normAutofit/>
-          </a:bodyPr>
-          <a:lstStyle/>
-          <a:p>
-            <a:pPr algn="ctr"/>
-            <a:r>
-              <a:rPr lang="bg-BG" sz="4800" b="1" cap="all" spc="400" dirty="0">
-                <a:solidFill>
-                  <a:schemeClr val="bg1"/>
-                </a:solidFill>
-                <a:latin typeface="+mn-lt"/>
-              </a:rPr>
-              <a:t>Концептуален модел</a:t>
-            </a:r>
-            <a:endParaRPr lang="en-US" sz="4800" dirty="0"/>
-          </a:p>
-        </p:txBody>
-      </p:sp>
-      <p:sp>
-        <p:nvSpPr>
-          <p:cNvPr id="9" name="Slide Number Placeholder 8">
-            <a:extLst>
-              <a:ext uri="{FF2B5EF4-FFF2-40B4-BE49-F238E27FC236}">
-                <a16:creationId xmlns:a16="http://schemas.microsoft.com/office/drawing/2014/main" id="{6DCF8D89-56D9-4E2B-9838-07DFB6E9D2BB}"/>
-              </a:ext>
-            </a:extLst>
-          </p:cNvPr>
-          <p:cNvSpPr>
-            <a:spLocks noGrp="1"/>
-          </p:cNvSpPr>
-          <p:nvPr>
-            <p:ph type="sldNum" sz="quarter" idx="12"/>
-          </p:nvPr>
-        </p:nvSpPr>
-        <p:spPr/>
-        <p:txBody>
-          <a:bodyPr/>
-          <a:lstStyle/>
-          <a:p>
-            <a:fld id="{D8DA9DAA-006C-4F4B-980E-E3DF019B24E2}" type="slidenum">
-              <a:rPr lang="en-US" smtClean="0"/>
-              <a:pPr/>
-              <a:t>8</a:t>
-            </a:fld>
-            <a:endParaRPr lang="en-US" dirty="0"/>
-          </a:p>
-        </p:txBody>
-      </p:sp>
-      <p:pic>
-        <p:nvPicPr>
-          <p:cNvPr id="4" name="Picture 3">
-            <a:extLst>
-              <a:ext uri="{FF2B5EF4-FFF2-40B4-BE49-F238E27FC236}">
-                <a16:creationId xmlns:a16="http://schemas.microsoft.com/office/drawing/2014/main" id="{AF9E042D-8422-44CF-9AF3-073AA5799281}"/>
-              </a:ext>
-            </a:extLst>
-          </p:cNvPr>
-          <p:cNvPicPr>
-            <a:picLocks noChangeAspect="1"/>
-          </p:cNvPicPr>
-          <p:nvPr/>
-        </p:nvPicPr>
-        <p:blipFill>
-          <a:blip r:embed="rId2"/>
-          <a:stretch>
-            <a:fillRect/>
-          </a:stretch>
-        </p:blipFill>
-        <p:spPr>
-          <a:xfrm>
-            <a:off x="1349039" y="994204"/>
-            <a:ext cx="9493922" cy="5864334"/>
-          </a:xfrm>
-          <a:prstGeom prst="rect">
-            <a:avLst/>
-          </a:prstGeom>
-        </p:spPr>
-      </p:pic>
-    </p:spTree>
-    <p:extLst>
-      <p:ext uri="{BB962C8B-B14F-4D97-AF65-F5344CB8AC3E}">
-        <p14:creationId xmlns:p14="http://schemas.microsoft.com/office/powerpoint/2010/main" val="803064220"/>
-      </p:ext>
-    </p:extLst>
-  </p:cSld>
-  <p:clrMapOvr>
-    <a:masterClrMapping/>
-  </p:clrMapOvr>
-</p:sld>
-</file>
-
-<file path=ppt/slides/slide9.xml><?xml version="1.0" encoding="utf-8"?>
-<p:sld xmlns:a="http://schemas.openxmlformats.org/drawingml/2006/main" xmlns:r="http://schemas.openxmlformats.org/officeDocument/2006/relationships" xmlns:p="http://schemas.openxmlformats.org/presentationml/2006/main">
-  <p:cSld>
-    <p:spTree>
-      <p:nvGrpSpPr>
-        <p:cNvPr id="1" name=""/>
-        <p:cNvGrpSpPr/>
-        <p:nvPr/>
-      </p:nvGrpSpPr>
-      <p:grpSpPr>
-        <a:xfrm>
-          <a:off x="0" y="0"/>
-          <a:ext cx="0" cy="0"/>
-          <a:chOff x="0" y="0"/>
-          <a:chExt cx="0" cy="0"/>
-        </a:xfrm>
-      </p:grpSpPr>
-      <p:sp>
-        <p:nvSpPr>
-          <p:cNvPr id="3" name="Title 2">
-            <a:extLst>
-              <a:ext uri="{FF2B5EF4-FFF2-40B4-BE49-F238E27FC236}">
-                <a16:creationId xmlns:a16="http://schemas.microsoft.com/office/drawing/2014/main" id="{1DDBBC93-70DF-4E4E-98E3-08124185AB18}"/>
-              </a:ext>
-            </a:extLst>
-          </p:cNvPr>
-          <p:cNvSpPr>
-            <a:spLocks noGrp="1"/>
-          </p:cNvSpPr>
-          <p:nvPr>
-            <p:ph type="title"/>
-          </p:nvPr>
-        </p:nvSpPr>
-        <p:spPr>
-          <a:xfrm>
-            <a:off x="894944" y="917129"/>
-            <a:ext cx="4358351" cy="793036"/>
-          </a:xfrm>
-        </p:spPr>
-        <p:txBody>
-          <a:bodyPr>
-            <a:normAutofit/>
-          </a:bodyPr>
-          <a:lstStyle/>
-          <a:p>
-            <a:pPr algn="ctr"/>
-            <a:r>
-              <a:rPr lang="bg-BG" sz="4800" b="1" cap="all" spc="400" dirty="0">
-                <a:solidFill>
-                  <a:schemeClr val="bg1"/>
-                </a:solidFill>
-                <a:latin typeface="+mn-lt"/>
-              </a:rPr>
-              <a:t>Персони</a:t>
-            </a:r>
-            <a:endParaRPr lang="en-US" sz="4800" dirty="0"/>
-          </a:p>
-        </p:txBody>
-      </p:sp>
-      <p:sp>
-        <p:nvSpPr>
-          <p:cNvPr id="9" name="Slide Number Placeholder 8">
-            <a:extLst>
-              <a:ext uri="{FF2B5EF4-FFF2-40B4-BE49-F238E27FC236}">
-                <a16:creationId xmlns:a16="http://schemas.microsoft.com/office/drawing/2014/main" id="{6DCF8D89-56D9-4E2B-9838-07DFB6E9D2BB}"/>
-              </a:ext>
-            </a:extLst>
-          </p:cNvPr>
-          <p:cNvSpPr>
-            <a:spLocks noGrp="1"/>
-          </p:cNvSpPr>
-          <p:nvPr>
-            <p:ph type="sldNum" sz="quarter" idx="12"/>
-          </p:nvPr>
-        </p:nvSpPr>
-        <p:spPr/>
-        <p:txBody>
-          <a:bodyPr/>
-          <a:lstStyle/>
-          <a:p>
-            <a:fld id="{D8DA9DAA-006C-4F4B-980E-E3DF019B24E2}" type="slidenum">
-              <a:rPr lang="en-US" smtClean="0"/>
-              <a:pPr/>
-              <a:t>9</a:t>
             </a:fld>
             <a:endParaRPr lang="en-US" dirty="0"/>
           </a:p>
@@ -17585,6 +16629,256 @@
         <p14:creationId xmlns:p14="http://schemas.microsoft.com/office/powerpoint/2010/main" val="3076628306"/>
       </p:ext>
     </p:extLst>
+  </p:cSld>
+  <p:clrMapOvr>
+    <a:masterClrMapping/>
+  </p:clrMapOvr>
+</p:sld>
+</file>
+
+<file path=ppt/slides/slide8.xml><?xml version="1.0" encoding="utf-8"?>
+<p:sld xmlns:a="http://schemas.openxmlformats.org/drawingml/2006/main" xmlns:r="http://schemas.openxmlformats.org/officeDocument/2006/relationships" xmlns:p="http://schemas.openxmlformats.org/presentationml/2006/main">
+  <p:cSld>
+    <p:spTree>
+      <p:nvGrpSpPr>
+        <p:cNvPr id="1" name=""/>
+        <p:cNvGrpSpPr/>
+        <p:nvPr/>
+      </p:nvGrpSpPr>
+      <p:grpSpPr>
+        <a:xfrm>
+          <a:off x="0" y="0"/>
+          <a:ext cx="0" cy="0"/>
+          <a:chOff x="0" y="0"/>
+          <a:chExt cx="0" cy="0"/>
+        </a:xfrm>
+      </p:grpSpPr>
+      <p:sp>
+        <p:nvSpPr>
+          <p:cNvPr id="3" name="Title 2">
+            <a:extLst>
+              <a:ext uri="{FF2B5EF4-FFF2-40B4-BE49-F238E27FC236}">
+                <a16:creationId xmlns:a16="http://schemas.microsoft.com/office/drawing/2014/main" id="{1DDBBC93-70DF-4E4E-98E3-08124185AB18}"/>
+              </a:ext>
+            </a:extLst>
+          </p:cNvPr>
+          <p:cNvSpPr>
+            <a:spLocks noGrp="1"/>
+          </p:cNvSpPr>
+          <p:nvPr>
+            <p:ph type="title"/>
+          </p:nvPr>
+        </p:nvSpPr>
+        <p:spPr>
+          <a:xfrm>
+            <a:off x="1088994" y="980980"/>
+            <a:ext cx="10014012" cy="793036"/>
+          </a:xfrm>
+        </p:spPr>
+        <p:txBody>
+          <a:bodyPr>
+            <a:normAutofit/>
+          </a:bodyPr>
+          <a:lstStyle/>
+          <a:p>
+            <a:pPr algn="ctr"/>
+            <a:r>
+              <a:rPr lang="en-US" sz="4800" b="1" cap="all" spc="400" dirty="0">
+                <a:solidFill>
+                  <a:schemeClr val="bg1"/>
+                </a:solidFill>
+                <a:latin typeface="+mn-lt"/>
+              </a:rPr>
+              <a:t>Storyboard</a:t>
+            </a:r>
+            <a:endParaRPr lang="en-US" sz="4800" dirty="0"/>
+          </a:p>
+        </p:txBody>
+      </p:sp>
+      <p:sp>
+        <p:nvSpPr>
+          <p:cNvPr id="9" name="Slide Number Placeholder 8">
+            <a:extLst>
+              <a:ext uri="{FF2B5EF4-FFF2-40B4-BE49-F238E27FC236}">
+                <a16:creationId xmlns:a16="http://schemas.microsoft.com/office/drawing/2014/main" id="{6DCF8D89-56D9-4E2B-9838-07DFB6E9D2BB}"/>
+              </a:ext>
+            </a:extLst>
+          </p:cNvPr>
+          <p:cNvSpPr>
+            <a:spLocks noGrp="1"/>
+          </p:cNvSpPr>
+          <p:nvPr>
+            <p:ph type="sldNum" sz="quarter" idx="12"/>
+          </p:nvPr>
+        </p:nvSpPr>
+        <p:spPr/>
+        <p:txBody>
+          <a:bodyPr/>
+          <a:lstStyle/>
+          <a:p>
+            <a:fld id="{D8DA9DAA-006C-4F4B-980E-E3DF019B24E2}" type="slidenum">
+              <a:rPr lang="en-US" smtClean="0"/>
+              <a:pPr/>
+              <a:t>8</a:t>
+            </a:fld>
+            <a:endParaRPr lang="en-US" dirty="0"/>
+          </a:p>
+        </p:txBody>
+      </p:sp>
+      <p:pic>
+        <p:nvPicPr>
+          <p:cNvPr id="6146" name="Picture 2">
+            <a:extLst>
+              <a:ext uri="{FF2B5EF4-FFF2-40B4-BE49-F238E27FC236}">
+                <a16:creationId xmlns:a16="http://schemas.microsoft.com/office/drawing/2014/main" id="{0213A615-AB5D-4B48-BEC0-D6C3C624D942}"/>
+              </a:ext>
+            </a:extLst>
+          </p:cNvPr>
+          <p:cNvPicPr>
+            <a:picLocks noChangeAspect="1" noChangeArrowheads="1"/>
+          </p:cNvPicPr>
+          <p:nvPr/>
+        </p:nvPicPr>
+        <p:blipFill>
+          <a:blip r:embed="rId2">
+            <a:extLst>
+              <a:ext uri="{28A0092B-C50C-407E-A947-70E740481C1C}">
+                <a14:useLocalDpi xmlns:a14="http://schemas.microsoft.com/office/drawing/2010/main" val="0"/>
+              </a:ext>
+            </a:extLst>
+          </a:blip>
+          <a:srcRect/>
+          <a:stretch>
+            <a:fillRect/>
+          </a:stretch>
+        </p:blipFill>
+        <p:spPr bwMode="auto">
+          <a:xfrm>
+            <a:off x="0" y="2981739"/>
+            <a:ext cx="12192000" cy="3876261"/>
+          </a:xfrm>
+          <a:prstGeom prst="rect">
+            <a:avLst/>
+          </a:prstGeom>
+          <a:noFill/>
+          <a:extLst>
+            <a:ext uri="{909E8E84-426E-40DD-AFC4-6F175D3DCCD1}">
+              <a14:hiddenFill xmlns:a14="http://schemas.microsoft.com/office/drawing/2010/main">
+                <a:solidFill>
+                  <a:srgbClr val="FFFFFF"/>
+                </a:solidFill>
+              </a14:hiddenFill>
+            </a:ext>
+          </a:extLst>
+        </p:spPr>
+      </p:pic>
+    </p:spTree>
+    <p:extLst>
+      <p:ext uri="{BB962C8B-B14F-4D97-AF65-F5344CB8AC3E}">
+        <p14:creationId xmlns:p14="http://schemas.microsoft.com/office/powerpoint/2010/main" val="2913615278"/>
+      </p:ext>
+    </p:extLst>
+  </p:cSld>
+  <p:clrMapOvr>
+    <a:masterClrMapping/>
+  </p:clrMapOvr>
+</p:sld>
+</file>
+
+<file path=ppt/slides/slide9.xml><?xml version="1.0" encoding="utf-8"?>
+<p:sld xmlns:a="http://schemas.openxmlformats.org/drawingml/2006/main" xmlns:r="http://schemas.openxmlformats.org/officeDocument/2006/relationships" xmlns:p="http://schemas.openxmlformats.org/presentationml/2006/main">
+  <p:cSld>
+    <p:spTree>
+      <p:nvGrpSpPr>
+        <p:cNvPr id="1" name=""/>
+        <p:cNvGrpSpPr/>
+        <p:nvPr/>
+      </p:nvGrpSpPr>
+      <p:grpSpPr>
+        <a:xfrm>
+          <a:off x="0" y="0"/>
+          <a:ext cx="0" cy="0"/>
+          <a:chOff x="0" y="0"/>
+          <a:chExt cx="0" cy="0"/>
+        </a:xfrm>
+      </p:grpSpPr>
+      <p:sp>
+        <p:nvSpPr>
+          <p:cNvPr id="3" name="Заглавие 2"/>
+          <p:cNvSpPr>
+            <a:spLocks noGrp="1"/>
+          </p:cNvSpPr>
+          <p:nvPr>
+            <p:ph type="title"/>
+          </p:nvPr>
+        </p:nvSpPr>
+        <p:spPr>
+          <a:xfrm>
+            <a:off x="897147" y="585216"/>
+            <a:ext cx="10139661" cy="924407"/>
+          </a:xfrm>
+        </p:spPr>
+        <p:txBody>
+          <a:bodyPr/>
+          <a:lstStyle/>
+          <a:p>
+            <a:pPr algn="ctr"/>
+            <a:r>
+              <a:rPr lang="en-US" dirty="0"/>
+              <a:t>Empathy map</a:t>
+            </a:r>
+          </a:p>
+        </p:txBody>
+      </p:sp>
+      <p:sp>
+        <p:nvSpPr>
+          <p:cNvPr id="6" name="Контейнер за номер на слайда 5"/>
+          <p:cNvSpPr>
+            <a:spLocks noGrp="1"/>
+          </p:cNvSpPr>
+          <p:nvPr>
+            <p:ph type="sldNum" sz="quarter" idx="12"/>
+          </p:nvPr>
+        </p:nvSpPr>
+        <p:spPr/>
+        <p:txBody>
+          <a:bodyPr/>
+          <a:lstStyle/>
+          <a:p>
+            <a:fld id="{D8DA9DAA-006C-4F4B-980E-E3DF019B24E2}" type="slidenum">
+              <a:rPr lang="en-US" smtClean="0"/>
+              <a:pPr/>
+              <a:t>9</a:t>
+            </a:fld>
+            <a:endParaRPr lang="en-US" dirty="0"/>
+          </a:p>
+        </p:txBody>
+      </p:sp>
+      <p:pic>
+        <p:nvPicPr>
+          <p:cNvPr id="10" name="Картина 9" descr="Карта на съпричастност.png"/>
+          <p:cNvPicPr>
+            <a:picLocks noChangeAspect="1"/>
+          </p:cNvPicPr>
+          <p:nvPr/>
+        </p:nvPicPr>
+        <p:blipFill>
+          <a:blip r:embed="rId2"/>
+          <a:stretch>
+            <a:fillRect/>
+          </a:stretch>
+        </p:blipFill>
+        <p:spPr>
+          <a:xfrm>
+            <a:off x="1996894" y="1840573"/>
+            <a:ext cx="7940165" cy="4705283"/>
+          </a:xfrm>
+          <a:prstGeom prst="rect">
+            <a:avLst/>
+          </a:prstGeom>
+        </p:spPr>
+      </p:pic>
+    </p:spTree>
   </p:cSld>
   <p:clrMapOvr>
     <a:masterClrMapping/>
@@ -18089,21 +17383,21 @@
 </file>
 
 <file path=customXml/item1.xml><?xml version="1.0" encoding="utf-8"?>
+<p:properties xmlns:p="http://schemas.microsoft.com/office/2006/metadata/properties" xmlns:xsi="http://www.w3.org/2001/XMLSchema-instance" xmlns:pc="http://schemas.microsoft.com/office/infopath/2007/PartnerControls">
+  <documentManagement>
+    <Status xmlns="71af3243-3dd4-4a8d-8c0d-dd76da1f02a5">Not started</Status>
+    <MediaServiceKeyPoints xmlns="71af3243-3dd4-4a8d-8c0d-dd76da1f02a5" xsi:nil="true"/>
+  </documentManagement>
+</p:properties>
+</file>
+
+<file path=customXml/item2.xml><?xml version="1.0" encoding="utf-8"?>
 <?mso-contentType ?>
 <FormTemplates xmlns="http://schemas.microsoft.com/sharepoint/v3/contenttype/forms">
   <Display>DocumentLibraryForm</Display>
   <Edit>DocumentLibraryForm</Edit>
   <New>DocumentLibraryForm</New>
 </FormTemplates>
-</file>
-
-<file path=customXml/item2.xml><?xml version="1.0" encoding="utf-8"?>
-<p:properties xmlns:p="http://schemas.microsoft.com/office/2006/metadata/properties" xmlns:xsi="http://www.w3.org/2001/XMLSchema-instance" xmlns:pc="http://schemas.microsoft.com/office/infopath/2007/PartnerControls">
-  <documentManagement>
-    <Status xmlns="71af3243-3dd4-4a8d-8c0d-dd76da1f02a5">Not started</Status>
-    <MediaServiceKeyPoints xmlns="71af3243-3dd4-4a8d-8c0d-dd76da1f02a5" xsi:nil="true"/>
-  </documentManagement>
-</p:properties>
 </file>
 
 <file path=customXml/item3.xml><?xml version="1.0" encoding="utf-8"?>
@@ -18328,19 +17622,19 @@
 </file>
 
 <file path=customXml/itemProps1.xml><?xml version="1.0" encoding="utf-8"?>
-<ds:datastoreItem xmlns:ds="http://schemas.openxmlformats.org/officeDocument/2006/customXml" ds:itemID="{3C8E00D1-8EA3-4E42-801D-0253E1EAFC21}">
+<ds:datastoreItem xmlns:ds="http://schemas.openxmlformats.org/officeDocument/2006/customXml" ds:itemID="{99919F73-B6C2-4A43-95E2-833EC48925FE}">
   <ds:schemaRefs>
-    <ds:schemaRef ds:uri="http://schemas.microsoft.com/sharepoint/v3/contenttype/forms"/>
+    <ds:schemaRef ds:uri="http://schemas.microsoft.com/office/2006/metadata/properties"/>
+    <ds:schemaRef ds:uri="http://schemas.microsoft.com/office/infopath/2007/PartnerControls"/>
+    <ds:schemaRef ds:uri="71af3243-3dd4-4a8d-8c0d-dd76da1f02a5"/>
   </ds:schemaRefs>
 </ds:datastoreItem>
 </file>
 
 <file path=customXml/itemProps2.xml><?xml version="1.0" encoding="utf-8"?>
-<ds:datastoreItem xmlns:ds="http://schemas.openxmlformats.org/officeDocument/2006/customXml" ds:itemID="{99919F73-B6C2-4A43-95E2-833EC48925FE}">
+<ds:datastoreItem xmlns:ds="http://schemas.openxmlformats.org/officeDocument/2006/customXml" ds:itemID="{3C8E00D1-8EA3-4E42-801D-0253E1EAFC21}">
   <ds:schemaRefs>
-    <ds:schemaRef ds:uri="http://schemas.microsoft.com/office/2006/metadata/properties"/>
-    <ds:schemaRef ds:uri="http://schemas.microsoft.com/office/infopath/2007/PartnerControls"/>
-    <ds:schemaRef ds:uri="71af3243-3dd4-4a8d-8c0d-dd76da1f02a5"/>
+    <ds:schemaRef ds:uri="http://schemas.microsoft.com/sharepoint/v3/contenttype/forms"/>
   </ds:schemaRefs>
 </ds:datastoreItem>
 </file>
